--- a/ZitatErfassung.pptx
+++ b/ZitatErfassung.pptx
@@ -2,30 +2,39 @@
 <file path=ppt/presentation.xml><?xml version="1.0" encoding="utf-8"?>
 <p:presentation xmlns:a="http://schemas.openxmlformats.org/drawingml/2006/main" xmlns:r="http://schemas.openxmlformats.org/officeDocument/2006/relationships" xmlns:p="http://schemas.openxmlformats.org/presentationml/2006/main" saveSubsetFonts="1">
   <p:sldMasterIdLst>
-    <p:sldMasterId id="2147483648" r:id="rId1"/>
+    <p:sldMasterId id="2147483648" r:id="rId3"/>
   </p:sldMasterIdLst>
+  <p:notesMasterIdLst>
+    <p:notesMasterId r:id="rId28"/>
+  </p:notesMasterIdLst>
+  <p:handoutMasterIdLst>
+    <p:handoutMasterId r:id="rId29"/>
+  </p:handoutMasterIdLst>
   <p:sldIdLst>
-    <p:sldId id="256" r:id="rId2"/>
-    <p:sldId id="257" r:id="rId3"/>
-    <p:sldId id="258" r:id="rId4"/>
-    <p:sldId id="259" r:id="rId5"/>
-    <p:sldId id="263" r:id="rId6"/>
-    <p:sldId id="264" r:id="rId7"/>
-    <p:sldId id="265" r:id="rId8"/>
-    <p:sldId id="266" r:id="rId9"/>
-    <p:sldId id="260" r:id="rId10"/>
-    <p:sldId id="267" r:id="rId11"/>
-    <p:sldId id="268" r:id="rId12"/>
-    <p:sldId id="261" r:id="rId13"/>
-    <p:sldId id="269" r:id="rId14"/>
-    <p:sldId id="270" r:id="rId15"/>
-    <p:sldId id="271" r:id="rId16"/>
-    <p:sldId id="272" r:id="rId17"/>
-    <p:sldId id="262" r:id="rId18"/>
-    <p:sldId id="273" r:id="rId19"/>
-    <p:sldId id="274" r:id="rId20"/>
-    <p:sldId id="275" r:id="rId21"/>
-    <p:sldId id="276" r:id="rId22"/>
+    <p:sldId id="256" r:id="rId4"/>
+    <p:sldId id="257" r:id="rId5"/>
+    <p:sldId id="258" r:id="rId6"/>
+    <p:sldId id="259" r:id="rId7"/>
+    <p:sldId id="263" r:id="rId8"/>
+    <p:sldId id="264" r:id="rId9"/>
+    <p:sldId id="265" r:id="rId10"/>
+    <p:sldId id="266" r:id="rId11"/>
+    <p:sldId id="260" r:id="rId12"/>
+    <p:sldId id="267" r:id="rId13"/>
+    <p:sldId id="268" r:id="rId14"/>
+    <p:sldId id="261" r:id="rId15"/>
+    <p:sldId id="269" r:id="rId16"/>
+    <p:sldId id="278" r:id="rId17"/>
+    <p:sldId id="280" r:id="rId18"/>
+    <p:sldId id="282" r:id="rId19"/>
+    <p:sldId id="270" r:id="rId20"/>
+    <p:sldId id="271" r:id="rId21"/>
+    <p:sldId id="272" r:id="rId22"/>
+    <p:sldId id="262" r:id="rId23"/>
+    <p:sldId id="273" r:id="rId24"/>
+    <p:sldId id="274" r:id="rId25"/>
+    <p:sldId id="275" r:id="rId26"/>
+    <p:sldId id="276" r:id="rId27"/>
   </p:sldIdLst>
   <p:sldSz cx="9144000" cy="6858000" type="screen4x3"/>
   <p:notesSz cx="6858000" cy="9144000"/>
@@ -124,7 +133,3467 @@
       </a:defRPr>
     </a:lvl9pPr>
   </p:defaultTextStyle>
+  <p:extLst>
+    <p:ext uri="{EFAFB233-063F-42B5-8137-9DF3F51BA10A}">
+      <p15:sldGuideLst xmlns:p15="http://schemas.microsoft.com/office/powerpoint/2012/main">
+        <p15:guide id="1" orient="horz" pos="2160">
+          <p15:clr>
+            <a:srgbClr val="A4A3A4"/>
+          </p15:clr>
+        </p15:guide>
+        <p15:guide id="2" pos="2880">
+          <p15:clr>
+            <a:srgbClr val="A4A3A4"/>
+          </p15:clr>
+        </p15:guide>
+      </p15:sldGuideLst>
+    </p:ext>
+  </p:extLst>
 </p:presentation>
+</file>
+
+<file path=ppt/handoutMasters/handoutMaster1.xml><?xml version="1.0" encoding="utf-8"?>
+<p:handoutMaster xmlns:a="http://schemas.openxmlformats.org/drawingml/2006/main" xmlns:r="http://schemas.openxmlformats.org/officeDocument/2006/relationships" xmlns:p="http://schemas.openxmlformats.org/presentationml/2006/main">
+  <p:cSld>
+    <p:bg>
+      <p:bgRef idx="1001">
+        <a:schemeClr val="bg1"/>
+      </p:bgRef>
+    </p:bg>
+    <p:spTree>
+      <p:nvGrpSpPr>
+        <p:cNvPr id="1" name=""/>
+        <p:cNvGrpSpPr/>
+        <p:nvPr/>
+      </p:nvGrpSpPr>
+      <p:grpSpPr>
+        <a:xfrm>
+          <a:off x="0" y="0"/>
+          <a:ext cx="0" cy="0"/>
+          <a:chOff x="0" y="0"/>
+          <a:chExt cx="0" cy="0"/>
+        </a:xfrm>
+      </p:grpSpPr>
+      <p:sp>
+        <p:nvSpPr>
+          <p:cNvPr id="2" name="Kopfzeilenplatzhalter 1"/>
+          <p:cNvSpPr>
+            <a:spLocks noGrp="1"/>
+          </p:cNvSpPr>
+          <p:nvPr>
+            <p:ph type="hdr" sz="quarter"/>
+          </p:nvPr>
+        </p:nvSpPr>
+        <p:spPr>
+          <a:xfrm>
+            <a:off x="0" y="0"/>
+            <a:ext cx="2971800" cy="458788"/>
+          </a:xfrm>
+          <a:prstGeom prst="rect">
+            <a:avLst/>
+          </a:prstGeom>
+        </p:spPr>
+        <p:txBody>
+          <a:bodyPr vert="horz" lIns="91440" tIns="45720" rIns="91440" bIns="45720" rtlCol="0"/>
+          <a:lstStyle>
+            <a:lvl1pPr algn="l">
+              <a:defRPr sz="1200"/>
+            </a:lvl1pPr>
+          </a:lstStyle>
+          <a:p>
+            <a:endParaRPr lang="en-US"/>
+          </a:p>
+        </p:txBody>
+      </p:sp>
+      <p:sp>
+        <p:nvSpPr>
+          <p:cNvPr id="3" name="Datumsplatzhalter 2"/>
+          <p:cNvSpPr>
+            <a:spLocks noGrp="1"/>
+          </p:cNvSpPr>
+          <p:nvPr>
+            <p:ph type="dt" sz="quarter" idx="1"/>
+          </p:nvPr>
+        </p:nvSpPr>
+        <p:spPr>
+          <a:xfrm>
+            <a:off x="3884613" y="0"/>
+            <a:ext cx="2971800" cy="458788"/>
+          </a:xfrm>
+          <a:prstGeom prst="rect">
+            <a:avLst/>
+          </a:prstGeom>
+        </p:spPr>
+        <p:txBody>
+          <a:bodyPr vert="horz" lIns="91440" tIns="45720" rIns="91440" bIns="45720" rtlCol="0"/>
+          <a:lstStyle>
+            <a:lvl1pPr algn="r">
+              <a:defRPr sz="1200"/>
+            </a:lvl1pPr>
+          </a:lstStyle>
+          <a:p>
+            <a:fld id="{87651CDC-350E-4B44-BB8A-885237E2A711}" type="datetimeFigureOut">
+              <a:rPr lang="en-US" smtClean="0"/>
+              <a:t>12/6/2018</a:t>
+            </a:fld>
+            <a:endParaRPr lang="en-US"/>
+          </a:p>
+        </p:txBody>
+      </p:sp>
+      <p:sp>
+        <p:nvSpPr>
+          <p:cNvPr id="4" name="Fußzeilenplatzhalter 3"/>
+          <p:cNvSpPr>
+            <a:spLocks noGrp="1"/>
+          </p:cNvSpPr>
+          <p:nvPr>
+            <p:ph type="ftr" sz="quarter" idx="2"/>
+          </p:nvPr>
+        </p:nvSpPr>
+        <p:spPr>
+          <a:xfrm>
+            <a:off x="0" y="8685213"/>
+            <a:ext cx="2971800" cy="458787"/>
+          </a:xfrm>
+          <a:prstGeom prst="rect">
+            <a:avLst/>
+          </a:prstGeom>
+        </p:spPr>
+        <p:txBody>
+          <a:bodyPr vert="horz" lIns="91440" tIns="45720" rIns="91440" bIns="45720" rtlCol="0" anchor="b"/>
+          <a:lstStyle>
+            <a:lvl1pPr algn="l">
+              <a:defRPr sz="1200"/>
+            </a:lvl1pPr>
+          </a:lstStyle>
+          <a:p>
+            <a:endParaRPr lang="en-US"/>
+          </a:p>
+        </p:txBody>
+      </p:sp>
+      <p:sp>
+        <p:nvSpPr>
+          <p:cNvPr id="5" name="Foliennummernplatzhalter 4"/>
+          <p:cNvSpPr>
+            <a:spLocks noGrp="1"/>
+          </p:cNvSpPr>
+          <p:nvPr>
+            <p:ph type="sldNum" sz="quarter" idx="3"/>
+          </p:nvPr>
+        </p:nvSpPr>
+        <p:spPr>
+          <a:xfrm>
+            <a:off x="3884613" y="8685213"/>
+            <a:ext cx="2971800" cy="458787"/>
+          </a:xfrm>
+          <a:prstGeom prst="rect">
+            <a:avLst/>
+          </a:prstGeom>
+        </p:spPr>
+        <p:txBody>
+          <a:bodyPr vert="horz" lIns="91440" tIns="45720" rIns="91440" bIns="45720" rtlCol="0" anchor="b"/>
+          <a:lstStyle>
+            <a:lvl1pPr algn="r">
+              <a:defRPr sz="1200"/>
+            </a:lvl1pPr>
+          </a:lstStyle>
+          <a:p>
+            <a:fld id="{CBACE8F9-EE9F-48A9-8414-FBB653777ECE}" type="slidenum">
+              <a:rPr lang="en-US" smtClean="0"/>
+              <a:t>‹Nr.›</a:t>
+            </a:fld>
+            <a:endParaRPr lang="en-US"/>
+          </a:p>
+        </p:txBody>
+      </p:sp>
+    </p:spTree>
+    <p:extLst>
+      <p:ext uri="{BB962C8B-B14F-4D97-AF65-F5344CB8AC3E}">
+        <p14:creationId xmlns:p14="http://schemas.microsoft.com/office/powerpoint/2010/main" val="444841577"/>
+      </p:ext>
+    </p:extLst>
+  </p:cSld>
+  <p:clrMap bg1="lt1" tx1="dk1" bg2="lt2" tx2="dk2" accent1="accent1" accent2="accent2" accent3="accent3" accent4="accent4" accent5="accent5" accent6="accent6" hlink="hlink" folHlink="folHlink"/>
+</p:handoutMaster>
+</file>
+
+<file path=ppt/notesMasters/notesMaster1.xml><?xml version="1.0" encoding="utf-8"?>
+<p:notesMaster xmlns:a="http://schemas.openxmlformats.org/drawingml/2006/main" xmlns:r="http://schemas.openxmlformats.org/officeDocument/2006/relationships" xmlns:p="http://schemas.openxmlformats.org/presentationml/2006/main">
+  <p:cSld>
+    <p:bg>
+      <p:bgRef idx="1001">
+        <a:schemeClr val="bg1"/>
+      </p:bgRef>
+    </p:bg>
+    <p:spTree>
+      <p:nvGrpSpPr>
+        <p:cNvPr id="1" name=""/>
+        <p:cNvGrpSpPr/>
+        <p:nvPr/>
+      </p:nvGrpSpPr>
+      <p:grpSpPr>
+        <a:xfrm>
+          <a:off x="0" y="0"/>
+          <a:ext cx="0" cy="0"/>
+          <a:chOff x="0" y="0"/>
+          <a:chExt cx="0" cy="0"/>
+        </a:xfrm>
+      </p:grpSpPr>
+      <p:sp>
+        <p:nvSpPr>
+          <p:cNvPr id="2" name="Kopfzeilenplatzhalter 1"/>
+          <p:cNvSpPr>
+            <a:spLocks noGrp="1"/>
+          </p:cNvSpPr>
+          <p:nvPr>
+            <p:ph type="hdr" sz="quarter"/>
+          </p:nvPr>
+        </p:nvSpPr>
+        <p:spPr>
+          <a:xfrm>
+            <a:off x="0" y="0"/>
+            <a:ext cx="2971800" cy="458788"/>
+          </a:xfrm>
+          <a:prstGeom prst="rect">
+            <a:avLst/>
+          </a:prstGeom>
+        </p:spPr>
+        <p:txBody>
+          <a:bodyPr vert="horz" lIns="91440" tIns="45720" rIns="91440" bIns="45720" rtlCol="0"/>
+          <a:lstStyle>
+            <a:lvl1pPr algn="l">
+              <a:defRPr sz="1200"/>
+            </a:lvl1pPr>
+          </a:lstStyle>
+          <a:p>
+            <a:endParaRPr lang="en-US"/>
+          </a:p>
+        </p:txBody>
+      </p:sp>
+      <p:sp>
+        <p:nvSpPr>
+          <p:cNvPr id="3" name="Datumsplatzhalter 2"/>
+          <p:cNvSpPr>
+            <a:spLocks noGrp="1"/>
+          </p:cNvSpPr>
+          <p:nvPr>
+            <p:ph type="dt" idx="1"/>
+          </p:nvPr>
+        </p:nvSpPr>
+        <p:spPr>
+          <a:xfrm>
+            <a:off x="3884613" y="0"/>
+            <a:ext cx="2971800" cy="458788"/>
+          </a:xfrm>
+          <a:prstGeom prst="rect">
+            <a:avLst/>
+          </a:prstGeom>
+        </p:spPr>
+        <p:txBody>
+          <a:bodyPr vert="horz" lIns="91440" tIns="45720" rIns="91440" bIns="45720" rtlCol="0"/>
+          <a:lstStyle>
+            <a:lvl1pPr algn="r">
+              <a:defRPr sz="1200"/>
+            </a:lvl1pPr>
+          </a:lstStyle>
+          <a:p>
+            <a:fld id="{1466A8C7-1C43-42D3-82B5-6D4564CA3D98}" type="datetimeFigureOut">
+              <a:rPr lang="en-US" smtClean="0"/>
+              <a:t>12/6/2018</a:t>
+            </a:fld>
+            <a:endParaRPr lang="en-US"/>
+          </a:p>
+        </p:txBody>
+      </p:sp>
+      <p:sp>
+        <p:nvSpPr>
+          <p:cNvPr id="4" name="Folienbildplatzhalter 3"/>
+          <p:cNvSpPr>
+            <a:spLocks noGrp="1" noRot="1" noChangeAspect="1"/>
+          </p:cNvSpPr>
+          <p:nvPr>
+            <p:ph type="sldImg" idx="2"/>
+          </p:nvPr>
+        </p:nvSpPr>
+        <p:spPr>
+          <a:xfrm>
+            <a:off x="1371600" y="1143000"/>
+            <a:ext cx="4114800" cy="3086100"/>
+          </a:xfrm>
+          <a:prstGeom prst="rect">
+            <a:avLst/>
+          </a:prstGeom>
+          <a:noFill/>
+          <a:ln w="12700">
+            <a:solidFill>
+              <a:prstClr val="black"/>
+            </a:solidFill>
+          </a:ln>
+        </p:spPr>
+        <p:txBody>
+          <a:bodyPr vert="horz" lIns="91440" tIns="45720" rIns="91440" bIns="45720" rtlCol="0" anchor="ctr"/>
+          <a:lstStyle/>
+          <a:p>
+            <a:endParaRPr lang="en-US"/>
+          </a:p>
+        </p:txBody>
+      </p:sp>
+      <p:sp>
+        <p:nvSpPr>
+          <p:cNvPr id="5" name="Notizenplatzhalter 4"/>
+          <p:cNvSpPr>
+            <a:spLocks noGrp="1"/>
+          </p:cNvSpPr>
+          <p:nvPr>
+            <p:ph type="body" sz="quarter" idx="3"/>
+          </p:nvPr>
+        </p:nvSpPr>
+        <p:spPr>
+          <a:xfrm>
+            <a:off x="685800" y="4400550"/>
+            <a:ext cx="5486400" cy="3600450"/>
+          </a:xfrm>
+          <a:prstGeom prst="rect">
+            <a:avLst/>
+          </a:prstGeom>
+        </p:spPr>
+        <p:txBody>
+          <a:bodyPr vert="horz" lIns="91440" tIns="45720" rIns="91440" bIns="45720" rtlCol="0"/>
+          <a:lstStyle/>
+          <a:p>
+            <a:pPr lvl="0"/>
+            <a:r>
+              <a:rPr lang="de-DE" smtClean="0"/>
+              <a:t>Formatvorlagen des Textmasters bearbeiten</a:t>
+            </a:r>
+          </a:p>
+          <a:p>
+            <a:pPr lvl="1"/>
+            <a:r>
+              <a:rPr lang="de-DE" smtClean="0"/>
+              <a:t>Zweite Ebene</a:t>
+            </a:r>
+          </a:p>
+          <a:p>
+            <a:pPr lvl="2"/>
+            <a:r>
+              <a:rPr lang="de-DE" smtClean="0"/>
+              <a:t>Dritte Ebene</a:t>
+            </a:r>
+          </a:p>
+          <a:p>
+            <a:pPr lvl="3"/>
+            <a:r>
+              <a:rPr lang="de-DE" smtClean="0"/>
+              <a:t>Vierte Ebene</a:t>
+            </a:r>
+          </a:p>
+          <a:p>
+            <a:pPr lvl="4"/>
+            <a:r>
+              <a:rPr lang="de-DE" smtClean="0"/>
+              <a:t>Fünfte Ebene</a:t>
+            </a:r>
+            <a:endParaRPr lang="en-US"/>
+          </a:p>
+        </p:txBody>
+      </p:sp>
+      <p:sp>
+        <p:nvSpPr>
+          <p:cNvPr id="6" name="Fußzeilenplatzhalter 5"/>
+          <p:cNvSpPr>
+            <a:spLocks noGrp="1"/>
+          </p:cNvSpPr>
+          <p:nvPr>
+            <p:ph type="ftr" sz="quarter" idx="4"/>
+          </p:nvPr>
+        </p:nvSpPr>
+        <p:spPr>
+          <a:xfrm>
+            <a:off x="0" y="8685213"/>
+            <a:ext cx="2971800" cy="458787"/>
+          </a:xfrm>
+          <a:prstGeom prst="rect">
+            <a:avLst/>
+          </a:prstGeom>
+        </p:spPr>
+        <p:txBody>
+          <a:bodyPr vert="horz" lIns="91440" tIns="45720" rIns="91440" bIns="45720" rtlCol="0" anchor="b"/>
+          <a:lstStyle>
+            <a:lvl1pPr algn="l">
+              <a:defRPr sz="1200"/>
+            </a:lvl1pPr>
+          </a:lstStyle>
+          <a:p>
+            <a:endParaRPr lang="en-US"/>
+          </a:p>
+        </p:txBody>
+      </p:sp>
+      <p:sp>
+        <p:nvSpPr>
+          <p:cNvPr id="7" name="Foliennummernplatzhalter 6"/>
+          <p:cNvSpPr>
+            <a:spLocks noGrp="1"/>
+          </p:cNvSpPr>
+          <p:nvPr>
+            <p:ph type="sldNum" sz="quarter" idx="5"/>
+          </p:nvPr>
+        </p:nvSpPr>
+        <p:spPr>
+          <a:xfrm>
+            <a:off x="3884613" y="8685213"/>
+            <a:ext cx="2971800" cy="458787"/>
+          </a:xfrm>
+          <a:prstGeom prst="rect">
+            <a:avLst/>
+          </a:prstGeom>
+        </p:spPr>
+        <p:txBody>
+          <a:bodyPr vert="horz" lIns="91440" tIns="45720" rIns="91440" bIns="45720" rtlCol="0" anchor="b"/>
+          <a:lstStyle>
+            <a:lvl1pPr algn="r">
+              <a:defRPr sz="1200"/>
+            </a:lvl1pPr>
+          </a:lstStyle>
+          <a:p>
+            <a:fld id="{3658F27A-C96B-492B-AEF7-AE64154AD71B}" type="slidenum">
+              <a:rPr lang="en-US" smtClean="0"/>
+              <a:t>‹Nr.›</a:t>
+            </a:fld>
+            <a:endParaRPr lang="en-US"/>
+          </a:p>
+        </p:txBody>
+      </p:sp>
+    </p:spTree>
+    <p:extLst>
+      <p:ext uri="{BB962C8B-B14F-4D97-AF65-F5344CB8AC3E}">
+        <p14:creationId xmlns:p14="http://schemas.microsoft.com/office/powerpoint/2010/main" val="3382051320"/>
+      </p:ext>
+    </p:extLst>
+  </p:cSld>
+  <p:clrMap bg1="lt1" tx1="dk1" bg2="lt2" tx2="dk2" accent1="accent1" accent2="accent2" accent3="accent3" accent4="accent4" accent5="accent5" accent6="accent6" hlink="hlink" folHlink="folHlink"/>
+  <p:hf dt="0"/>
+  <p:notesStyle>
+    <a:lvl1pPr marL="0" algn="l" defTabSz="914400" rtl="0" eaLnBrk="1" latinLnBrk="0" hangingPunct="1">
+      <a:defRPr sz="1200" kern="1200">
+        <a:solidFill>
+          <a:schemeClr val="tx1"/>
+        </a:solidFill>
+        <a:latin typeface="+mn-lt"/>
+        <a:ea typeface="+mn-ea"/>
+        <a:cs typeface="+mn-cs"/>
+      </a:defRPr>
+    </a:lvl1pPr>
+    <a:lvl2pPr marL="457200" algn="l" defTabSz="914400" rtl="0" eaLnBrk="1" latinLnBrk="0" hangingPunct="1">
+      <a:defRPr sz="1200" kern="1200">
+        <a:solidFill>
+          <a:schemeClr val="tx1"/>
+        </a:solidFill>
+        <a:latin typeface="+mn-lt"/>
+        <a:ea typeface="+mn-ea"/>
+        <a:cs typeface="+mn-cs"/>
+      </a:defRPr>
+    </a:lvl2pPr>
+    <a:lvl3pPr marL="914400" algn="l" defTabSz="914400" rtl="0" eaLnBrk="1" latinLnBrk="0" hangingPunct="1">
+      <a:defRPr sz="1200" kern="1200">
+        <a:solidFill>
+          <a:schemeClr val="tx1"/>
+        </a:solidFill>
+        <a:latin typeface="+mn-lt"/>
+        <a:ea typeface="+mn-ea"/>
+        <a:cs typeface="+mn-cs"/>
+      </a:defRPr>
+    </a:lvl3pPr>
+    <a:lvl4pPr marL="1371600" algn="l" defTabSz="914400" rtl="0" eaLnBrk="1" latinLnBrk="0" hangingPunct="1">
+      <a:defRPr sz="1200" kern="1200">
+        <a:solidFill>
+          <a:schemeClr val="tx1"/>
+        </a:solidFill>
+        <a:latin typeface="+mn-lt"/>
+        <a:ea typeface="+mn-ea"/>
+        <a:cs typeface="+mn-cs"/>
+      </a:defRPr>
+    </a:lvl4pPr>
+    <a:lvl5pPr marL="1828800" algn="l" defTabSz="914400" rtl="0" eaLnBrk="1" latinLnBrk="0" hangingPunct="1">
+      <a:defRPr sz="1200" kern="1200">
+        <a:solidFill>
+          <a:schemeClr val="tx1"/>
+        </a:solidFill>
+        <a:latin typeface="+mn-lt"/>
+        <a:ea typeface="+mn-ea"/>
+        <a:cs typeface="+mn-cs"/>
+      </a:defRPr>
+    </a:lvl5pPr>
+    <a:lvl6pPr marL="2286000" algn="l" defTabSz="914400" rtl="0" eaLnBrk="1" latinLnBrk="0" hangingPunct="1">
+      <a:defRPr sz="1200" kern="1200">
+        <a:solidFill>
+          <a:schemeClr val="tx1"/>
+        </a:solidFill>
+        <a:latin typeface="+mn-lt"/>
+        <a:ea typeface="+mn-ea"/>
+        <a:cs typeface="+mn-cs"/>
+      </a:defRPr>
+    </a:lvl6pPr>
+    <a:lvl7pPr marL="2743200" algn="l" defTabSz="914400" rtl="0" eaLnBrk="1" latinLnBrk="0" hangingPunct="1">
+      <a:defRPr sz="1200" kern="1200">
+        <a:solidFill>
+          <a:schemeClr val="tx1"/>
+        </a:solidFill>
+        <a:latin typeface="+mn-lt"/>
+        <a:ea typeface="+mn-ea"/>
+        <a:cs typeface="+mn-cs"/>
+      </a:defRPr>
+    </a:lvl7pPr>
+    <a:lvl8pPr marL="3200400" algn="l" defTabSz="914400" rtl="0" eaLnBrk="1" latinLnBrk="0" hangingPunct="1">
+      <a:defRPr sz="1200" kern="1200">
+        <a:solidFill>
+          <a:schemeClr val="tx1"/>
+        </a:solidFill>
+        <a:latin typeface="+mn-lt"/>
+        <a:ea typeface="+mn-ea"/>
+        <a:cs typeface="+mn-cs"/>
+      </a:defRPr>
+    </a:lvl8pPr>
+    <a:lvl9pPr marL="3657600" algn="l" defTabSz="914400" rtl="0" eaLnBrk="1" latinLnBrk="0" hangingPunct="1">
+      <a:defRPr sz="1200" kern="1200">
+        <a:solidFill>
+          <a:schemeClr val="tx1"/>
+        </a:solidFill>
+        <a:latin typeface="+mn-lt"/>
+        <a:ea typeface="+mn-ea"/>
+        <a:cs typeface="+mn-cs"/>
+      </a:defRPr>
+    </a:lvl9pPr>
+  </p:notesStyle>
+</p:notesMaster>
+</file>
+
+<file path=ppt/notesSlides/notesSlide1.xml><?xml version="1.0" encoding="utf-8"?>
+<p:notes xmlns:a="http://schemas.openxmlformats.org/drawingml/2006/main" xmlns:r="http://schemas.openxmlformats.org/officeDocument/2006/relationships" xmlns:p="http://schemas.openxmlformats.org/presentationml/2006/main">
+  <p:cSld>
+    <p:spTree>
+      <p:nvGrpSpPr>
+        <p:cNvPr id="1" name=""/>
+        <p:cNvGrpSpPr/>
+        <p:nvPr/>
+      </p:nvGrpSpPr>
+      <p:grpSpPr>
+        <a:xfrm>
+          <a:off x="0" y="0"/>
+          <a:ext cx="0" cy="0"/>
+          <a:chOff x="0" y="0"/>
+          <a:chExt cx="0" cy="0"/>
+        </a:xfrm>
+      </p:grpSpPr>
+      <p:sp>
+        <p:nvSpPr>
+          <p:cNvPr id="2" name="Folienbildplatzhalter 1"/>
+          <p:cNvSpPr>
+            <a:spLocks noGrp="1" noRot="1" noChangeAspect="1"/>
+          </p:cNvSpPr>
+          <p:nvPr>
+            <p:ph type="sldImg"/>
+          </p:nvPr>
+        </p:nvSpPr>
+        <p:spPr/>
+      </p:sp>
+      <p:sp>
+        <p:nvSpPr>
+          <p:cNvPr id="3" name="Notizenplatzhalter 2"/>
+          <p:cNvSpPr>
+            <a:spLocks noGrp="1"/>
+          </p:cNvSpPr>
+          <p:nvPr>
+            <p:ph type="body" idx="1"/>
+          </p:nvPr>
+        </p:nvSpPr>
+        <p:spPr/>
+        <p:txBody>
+          <a:bodyPr/>
+          <a:lstStyle/>
+          <a:p>
+            <a:endParaRPr lang="en-US"/>
+          </a:p>
+        </p:txBody>
+      </p:sp>
+      <p:sp>
+        <p:nvSpPr>
+          <p:cNvPr id="4" name="Kopfzeilenplatzhalter 3"/>
+          <p:cNvSpPr>
+            <a:spLocks noGrp="1"/>
+          </p:cNvSpPr>
+          <p:nvPr>
+            <p:ph type="hdr" sz="quarter" idx="10"/>
+          </p:nvPr>
+        </p:nvSpPr>
+        <p:spPr/>
+        <p:txBody>
+          <a:bodyPr/>
+          <a:lstStyle/>
+          <a:p>
+            <a:endParaRPr lang="en-US"/>
+          </a:p>
+        </p:txBody>
+      </p:sp>
+      <p:sp>
+        <p:nvSpPr>
+          <p:cNvPr id="5" name="Fußzeilenplatzhalter 4"/>
+          <p:cNvSpPr>
+            <a:spLocks noGrp="1"/>
+          </p:cNvSpPr>
+          <p:nvPr>
+            <p:ph type="ftr" sz="quarter" idx="11"/>
+          </p:nvPr>
+        </p:nvSpPr>
+        <p:spPr/>
+        <p:txBody>
+          <a:bodyPr/>
+          <a:lstStyle/>
+          <a:p>
+            <a:endParaRPr lang="en-US"/>
+          </a:p>
+        </p:txBody>
+      </p:sp>
+      <p:sp>
+        <p:nvSpPr>
+          <p:cNvPr id="6" name="Foliennummernplatzhalter 5"/>
+          <p:cNvSpPr>
+            <a:spLocks noGrp="1"/>
+          </p:cNvSpPr>
+          <p:nvPr>
+            <p:ph type="sldNum" sz="quarter" idx="12"/>
+          </p:nvPr>
+        </p:nvSpPr>
+        <p:spPr/>
+        <p:txBody>
+          <a:bodyPr/>
+          <a:lstStyle/>
+          <a:p>
+            <a:fld id="{3658F27A-C96B-492B-AEF7-AE64154AD71B}" type="slidenum">
+              <a:rPr lang="en-US" smtClean="0"/>
+              <a:t>1</a:t>
+            </a:fld>
+            <a:endParaRPr lang="en-US"/>
+          </a:p>
+        </p:txBody>
+      </p:sp>
+    </p:spTree>
+    <p:extLst>
+      <p:ext uri="{BB962C8B-B14F-4D97-AF65-F5344CB8AC3E}">
+        <p14:creationId xmlns:p14="http://schemas.microsoft.com/office/powerpoint/2010/main" val="2990345868"/>
+      </p:ext>
+    </p:extLst>
+  </p:cSld>
+  <p:clrMapOvr>
+    <a:masterClrMapping/>
+  </p:clrMapOvr>
+</p:notes>
+</file>
+
+<file path=ppt/notesSlides/notesSlide10.xml><?xml version="1.0" encoding="utf-8"?>
+<p:notes xmlns:a="http://schemas.openxmlformats.org/drawingml/2006/main" xmlns:r="http://schemas.openxmlformats.org/officeDocument/2006/relationships" xmlns:p="http://schemas.openxmlformats.org/presentationml/2006/main">
+  <p:cSld>
+    <p:spTree>
+      <p:nvGrpSpPr>
+        <p:cNvPr id="1" name=""/>
+        <p:cNvGrpSpPr/>
+        <p:nvPr/>
+      </p:nvGrpSpPr>
+      <p:grpSpPr>
+        <a:xfrm>
+          <a:off x="0" y="0"/>
+          <a:ext cx="0" cy="0"/>
+          <a:chOff x="0" y="0"/>
+          <a:chExt cx="0" cy="0"/>
+        </a:xfrm>
+      </p:grpSpPr>
+      <p:sp>
+        <p:nvSpPr>
+          <p:cNvPr id="2" name="Folienbildplatzhalter 1"/>
+          <p:cNvSpPr>
+            <a:spLocks noGrp="1" noRot="1" noChangeAspect="1"/>
+          </p:cNvSpPr>
+          <p:nvPr>
+            <p:ph type="sldImg"/>
+          </p:nvPr>
+        </p:nvSpPr>
+        <p:spPr/>
+      </p:sp>
+      <p:sp>
+        <p:nvSpPr>
+          <p:cNvPr id="3" name="Notizenplatzhalter 2"/>
+          <p:cNvSpPr>
+            <a:spLocks noGrp="1"/>
+          </p:cNvSpPr>
+          <p:nvPr>
+            <p:ph type="body" idx="1"/>
+          </p:nvPr>
+        </p:nvSpPr>
+        <p:spPr/>
+        <p:txBody>
+          <a:bodyPr/>
+          <a:lstStyle/>
+          <a:p>
+            <a:endParaRPr lang="en-US"/>
+          </a:p>
+        </p:txBody>
+      </p:sp>
+      <p:sp>
+        <p:nvSpPr>
+          <p:cNvPr id="4" name="Kopfzeilenplatzhalter 3"/>
+          <p:cNvSpPr>
+            <a:spLocks noGrp="1"/>
+          </p:cNvSpPr>
+          <p:nvPr>
+            <p:ph type="hdr" sz="quarter" idx="10"/>
+          </p:nvPr>
+        </p:nvSpPr>
+        <p:spPr/>
+        <p:txBody>
+          <a:bodyPr/>
+          <a:lstStyle/>
+          <a:p>
+            <a:endParaRPr lang="en-US"/>
+          </a:p>
+        </p:txBody>
+      </p:sp>
+      <p:sp>
+        <p:nvSpPr>
+          <p:cNvPr id="5" name="Fußzeilenplatzhalter 4"/>
+          <p:cNvSpPr>
+            <a:spLocks noGrp="1"/>
+          </p:cNvSpPr>
+          <p:nvPr>
+            <p:ph type="ftr" sz="quarter" idx="11"/>
+          </p:nvPr>
+        </p:nvSpPr>
+        <p:spPr/>
+        <p:txBody>
+          <a:bodyPr/>
+          <a:lstStyle/>
+          <a:p>
+            <a:endParaRPr lang="en-US"/>
+          </a:p>
+        </p:txBody>
+      </p:sp>
+      <p:sp>
+        <p:nvSpPr>
+          <p:cNvPr id="6" name="Foliennummernplatzhalter 5"/>
+          <p:cNvSpPr>
+            <a:spLocks noGrp="1"/>
+          </p:cNvSpPr>
+          <p:nvPr>
+            <p:ph type="sldNum" sz="quarter" idx="12"/>
+          </p:nvPr>
+        </p:nvSpPr>
+        <p:spPr/>
+        <p:txBody>
+          <a:bodyPr/>
+          <a:lstStyle/>
+          <a:p>
+            <a:fld id="{3658F27A-C96B-492B-AEF7-AE64154AD71B}" type="slidenum">
+              <a:rPr lang="en-US" smtClean="0"/>
+              <a:t>10</a:t>
+            </a:fld>
+            <a:endParaRPr lang="en-US"/>
+          </a:p>
+        </p:txBody>
+      </p:sp>
+    </p:spTree>
+    <p:extLst>
+      <p:ext uri="{BB962C8B-B14F-4D97-AF65-F5344CB8AC3E}">
+        <p14:creationId xmlns:p14="http://schemas.microsoft.com/office/powerpoint/2010/main" val="2718810209"/>
+      </p:ext>
+    </p:extLst>
+  </p:cSld>
+  <p:clrMapOvr>
+    <a:masterClrMapping/>
+  </p:clrMapOvr>
+</p:notes>
+</file>
+
+<file path=ppt/notesSlides/notesSlide11.xml><?xml version="1.0" encoding="utf-8"?>
+<p:notes xmlns:a="http://schemas.openxmlformats.org/drawingml/2006/main" xmlns:r="http://schemas.openxmlformats.org/officeDocument/2006/relationships" xmlns:p="http://schemas.openxmlformats.org/presentationml/2006/main">
+  <p:cSld>
+    <p:spTree>
+      <p:nvGrpSpPr>
+        <p:cNvPr id="1" name=""/>
+        <p:cNvGrpSpPr/>
+        <p:nvPr/>
+      </p:nvGrpSpPr>
+      <p:grpSpPr>
+        <a:xfrm>
+          <a:off x="0" y="0"/>
+          <a:ext cx="0" cy="0"/>
+          <a:chOff x="0" y="0"/>
+          <a:chExt cx="0" cy="0"/>
+        </a:xfrm>
+      </p:grpSpPr>
+      <p:sp>
+        <p:nvSpPr>
+          <p:cNvPr id="2" name="Folienbildplatzhalter 1"/>
+          <p:cNvSpPr>
+            <a:spLocks noGrp="1" noRot="1" noChangeAspect="1"/>
+          </p:cNvSpPr>
+          <p:nvPr>
+            <p:ph type="sldImg"/>
+          </p:nvPr>
+        </p:nvSpPr>
+        <p:spPr/>
+      </p:sp>
+      <p:sp>
+        <p:nvSpPr>
+          <p:cNvPr id="3" name="Notizenplatzhalter 2"/>
+          <p:cNvSpPr>
+            <a:spLocks noGrp="1"/>
+          </p:cNvSpPr>
+          <p:nvPr>
+            <p:ph type="body" idx="1"/>
+          </p:nvPr>
+        </p:nvSpPr>
+        <p:spPr/>
+        <p:txBody>
+          <a:bodyPr/>
+          <a:lstStyle/>
+          <a:p>
+            <a:endParaRPr lang="en-US"/>
+          </a:p>
+        </p:txBody>
+      </p:sp>
+      <p:sp>
+        <p:nvSpPr>
+          <p:cNvPr id="4" name="Kopfzeilenplatzhalter 3"/>
+          <p:cNvSpPr>
+            <a:spLocks noGrp="1"/>
+          </p:cNvSpPr>
+          <p:nvPr>
+            <p:ph type="hdr" sz="quarter" idx="10"/>
+          </p:nvPr>
+        </p:nvSpPr>
+        <p:spPr/>
+        <p:txBody>
+          <a:bodyPr/>
+          <a:lstStyle/>
+          <a:p>
+            <a:endParaRPr lang="en-US"/>
+          </a:p>
+        </p:txBody>
+      </p:sp>
+      <p:sp>
+        <p:nvSpPr>
+          <p:cNvPr id="5" name="Fußzeilenplatzhalter 4"/>
+          <p:cNvSpPr>
+            <a:spLocks noGrp="1"/>
+          </p:cNvSpPr>
+          <p:nvPr>
+            <p:ph type="ftr" sz="quarter" idx="11"/>
+          </p:nvPr>
+        </p:nvSpPr>
+        <p:spPr/>
+        <p:txBody>
+          <a:bodyPr/>
+          <a:lstStyle/>
+          <a:p>
+            <a:endParaRPr lang="en-US"/>
+          </a:p>
+        </p:txBody>
+      </p:sp>
+      <p:sp>
+        <p:nvSpPr>
+          <p:cNvPr id="6" name="Foliennummernplatzhalter 5"/>
+          <p:cNvSpPr>
+            <a:spLocks noGrp="1"/>
+          </p:cNvSpPr>
+          <p:nvPr>
+            <p:ph type="sldNum" sz="quarter" idx="12"/>
+          </p:nvPr>
+        </p:nvSpPr>
+        <p:spPr/>
+        <p:txBody>
+          <a:bodyPr/>
+          <a:lstStyle/>
+          <a:p>
+            <a:fld id="{3658F27A-C96B-492B-AEF7-AE64154AD71B}" type="slidenum">
+              <a:rPr lang="en-US" smtClean="0"/>
+              <a:t>11</a:t>
+            </a:fld>
+            <a:endParaRPr lang="en-US"/>
+          </a:p>
+        </p:txBody>
+      </p:sp>
+    </p:spTree>
+    <p:extLst>
+      <p:ext uri="{BB962C8B-B14F-4D97-AF65-F5344CB8AC3E}">
+        <p14:creationId xmlns:p14="http://schemas.microsoft.com/office/powerpoint/2010/main" val="1175037713"/>
+      </p:ext>
+    </p:extLst>
+  </p:cSld>
+  <p:clrMapOvr>
+    <a:masterClrMapping/>
+  </p:clrMapOvr>
+</p:notes>
+</file>
+
+<file path=ppt/notesSlides/notesSlide12.xml><?xml version="1.0" encoding="utf-8"?>
+<p:notes xmlns:a="http://schemas.openxmlformats.org/drawingml/2006/main" xmlns:r="http://schemas.openxmlformats.org/officeDocument/2006/relationships" xmlns:p="http://schemas.openxmlformats.org/presentationml/2006/main">
+  <p:cSld>
+    <p:spTree>
+      <p:nvGrpSpPr>
+        <p:cNvPr id="1" name=""/>
+        <p:cNvGrpSpPr/>
+        <p:nvPr/>
+      </p:nvGrpSpPr>
+      <p:grpSpPr>
+        <a:xfrm>
+          <a:off x="0" y="0"/>
+          <a:ext cx="0" cy="0"/>
+          <a:chOff x="0" y="0"/>
+          <a:chExt cx="0" cy="0"/>
+        </a:xfrm>
+      </p:grpSpPr>
+      <p:sp>
+        <p:nvSpPr>
+          <p:cNvPr id="2" name="Folienbildplatzhalter 1"/>
+          <p:cNvSpPr>
+            <a:spLocks noGrp="1" noRot="1" noChangeAspect="1"/>
+          </p:cNvSpPr>
+          <p:nvPr>
+            <p:ph type="sldImg"/>
+          </p:nvPr>
+        </p:nvSpPr>
+        <p:spPr/>
+      </p:sp>
+      <p:sp>
+        <p:nvSpPr>
+          <p:cNvPr id="3" name="Notizenplatzhalter 2"/>
+          <p:cNvSpPr>
+            <a:spLocks noGrp="1"/>
+          </p:cNvSpPr>
+          <p:nvPr>
+            <p:ph type="body" idx="1"/>
+          </p:nvPr>
+        </p:nvSpPr>
+        <p:spPr/>
+        <p:txBody>
+          <a:bodyPr/>
+          <a:lstStyle/>
+          <a:p>
+            <a:endParaRPr lang="en-US"/>
+          </a:p>
+        </p:txBody>
+      </p:sp>
+      <p:sp>
+        <p:nvSpPr>
+          <p:cNvPr id="4" name="Kopfzeilenplatzhalter 3"/>
+          <p:cNvSpPr>
+            <a:spLocks noGrp="1"/>
+          </p:cNvSpPr>
+          <p:nvPr>
+            <p:ph type="hdr" sz="quarter" idx="10"/>
+          </p:nvPr>
+        </p:nvSpPr>
+        <p:spPr/>
+        <p:txBody>
+          <a:bodyPr/>
+          <a:lstStyle/>
+          <a:p>
+            <a:endParaRPr lang="en-US"/>
+          </a:p>
+        </p:txBody>
+      </p:sp>
+      <p:sp>
+        <p:nvSpPr>
+          <p:cNvPr id="5" name="Fußzeilenplatzhalter 4"/>
+          <p:cNvSpPr>
+            <a:spLocks noGrp="1"/>
+          </p:cNvSpPr>
+          <p:nvPr>
+            <p:ph type="ftr" sz="quarter" idx="11"/>
+          </p:nvPr>
+        </p:nvSpPr>
+        <p:spPr/>
+        <p:txBody>
+          <a:bodyPr/>
+          <a:lstStyle/>
+          <a:p>
+            <a:endParaRPr lang="en-US"/>
+          </a:p>
+        </p:txBody>
+      </p:sp>
+      <p:sp>
+        <p:nvSpPr>
+          <p:cNvPr id="6" name="Foliennummernplatzhalter 5"/>
+          <p:cNvSpPr>
+            <a:spLocks noGrp="1"/>
+          </p:cNvSpPr>
+          <p:nvPr>
+            <p:ph type="sldNum" sz="quarter" idx="12"/>
+          </p:nvPr>
+        </p:nvSpPr>
+        <p:spPr/>
+        <p:txBody>
+          <a:bodyPr/>
+          <a:lstStyle/>
+          <a:p>
+            <a:fld id="{3658F27A-C96B-492B-AEF7-AE64154AD71B}" type="slidenum">
+              <a:rPr lang="en-US" smtClean="0"/>
+              <a:t>12</a:t>
+            </a:fld>
+            <a:endParaRPr lang="en-US"/>
+          </a:p>
+        </p:txBody>
+      </p:sp>
+    </p:spTree>
+    <p:extLst>
+      <p:ext uri="{BB962C8B-B14F-4D97-AF65-F5344CB8AC3E}">
+        <p14:creationId xmlns:p14="http://schemas.microsoft.com/office/powerpoint/2010/main" val="455946681"/>
+      </p:ext>
+    </p:extLst>
+  </p:cSld>
+  <p:clrMapOvr>
+    <a:masterClrMapping/>
+  </p:clrMapOvr>
+</p:notes>
+</file>
+
+<file path=ppt/notesSlides/notesSlide13.xml><?xml version="1.0" encoding="utf-8"?>
+<p:notes xmlns:a="http://schemas.openxmlformats.org/drawingml/2006/main" xmlns:r="http://schemas.openxmlformats.org/officeDocument/2006/relationships" xmlns:p="http://schemas.openxmlformats.org/presentationml/2006/main">
+  <p:cSld>
+    <p:spTree>
+      <p:nvGrpSpPr>
+        <p:cNvPr id="1" name=""/>
+        <p:cNvGrpSpPr/>
+        <p:nvPr/>
+      </p:nvGrpSpPr>
+      <p:grpSpPr>
+        <a:xfrm>
+          <a:off x="0" y="0"/>
+          <a:ext cx="0" cy="0"/>
+          <a:chOff x="0" y="0"/>
+          <a:chExt cx="0" cy="0"/>
+        </a:xfrm>
+      </p:grpSpPr>
+      <p:sp>
+        <p:nvSpPr>
+          <p:cNvPr id="2" name="Folienbildplatzhalter 1"/>
+          <p:cNvSpPr>
+            <a:spLocks noGrp="1" noRot="1" noChangeAspect="1"/>
+          </p:cNvSpPr>
+          <p:nvPr>
+            <p:ph type="sldImg"/>
+          </p:nvPr>
+        </p:nvSpPr>
+        <p:spPr/>
+      </p:sp>
+      <p:sp>
+        <p:nvSpPr>
+          <p:cNvPr id="3" name="Notizenplatzhalter 2"/>
+          <p:cNvSpPr>
+            <a:spLocks noGrp="1"/>
+          </p:cNvSpPr>
+          <p:nvPr>
+            <p:ph type="body" idx="1"/>
+          </p:nvPr>
+        </p:nvSpPr>
+        <p:spPr/>
+        <p:txBody>
+          <a:bodyPr/>
+          <a:lstStyle/>
+          <a:p>
+            <a:endParaRPr lang="en-US"/>
+          </a:p>
+        </p:txBody>
+      </p:sp>
+      <p:sp>
+        <p:nvSpPr>
+          <p:cNvPr id="4" name="Kopfzeilenplatzhalter 3"/>
+          <p:cNvSpPr>
+            <a:spLocks noGrp="1"/>
+          </p:cNvSpPr>
+          <p:nvPr>
+            <p:ph type="hdr" sz="quarter" idx="10"/>
+          </p:nvPr>
+        </p:nvSpPr>
+        <p:spPr/>
+        <p:txBody>
+          <a:bodyPr/>
+          <a:lstStyle/>
+          <a:p>
+            <a:endParaRPr lang="en-US"/>
+          </a:p>
+        </p:txBody>
+      </p:sp>
+      <p:sp>
+        <p:nvSpPr>
+          <p:cNvPr id="5" name="Fußzeilenplatzhalter 4"/>
+          <p:cNvSpPr>
+            <a:spLocks noGrp="1"/>
+          </p:cNvSpPr>
+          <p:nvPr>
+            <p:ph type="ftr" sz="quarter" idx="11"/>
+          </p:nvPr>
+        </p:nvSpPr>
+        <p:spPr/>
+        <p:txBody>
+          <a:bodyPr/>
+          <a:lstStyle/>
+          <a:p>
+            <a:endParaRPr lang="en-US"/>
+          </a:p>
+        </p:txBody>
+      </p:sp>
+      <p:sp>
+        <p:nvSpPr>
+          <p:cNvPr id="6" name="Foliennummernplatzhalter 5"/>
+          <p:cNvSpPr>
+            <a:spLocks noGrp="1"/>
+          </p:cNvSpPr>
+          <p:nvPr>
+            <p:ph type="sldNum" sz="quarter" idx="12"/>
+          </p:nvPr>
+        </p:nvSpPr>
+        <p:spPr/>
+        <p:txBody>
+          <a:bodyPr/>
+          <a:lstStyle/>
+          <a:p>
+            <a:fld id="{3658F27A-C96B-492B-AEF7-AE64154AD71B}" type="slidenum">
+              <a:rPr lang="en-US" smtClean="0"/>
+              <a:t>13</a:t>
+            </a:fld>
+            <a:endParaRPr lang="en-US"/>
+          </a:p>
+        </p:txBody>
+      </p:sp>
+    </p:spTree>
+    <p:extLst>
+      <p:ext uri="{BB962C8B-B14F-4D97-AF65-F5344CB8AC3E}">
+        <p14:creationId xmlns:p14="http://schemas.microsoft.com/office/powerpoint/2010/main" val="3287168795"/>
+      </p:ext>
+    </p:extLst>
+  </p:cSld>
+  <p:clrMapOvr>
+    <a:masterClrMapping/>
+  </p:clrMapOvr>
+</p:notes>
+</file>
+
+<file path=ppt/notesSlides/notesSlide14.xml><?xml version="1.0" encoding="utf-8"?>
+<p:notes xmlns:a="http://schemas.openxmlformats.org/drawingml/2006/main" xmlns:r="http://schemas.openxmlformats.org/officeDocument/2006/relationships" xmlns:p="http://schemas.openxmlformats.org/presentationml/2006/main">
+  <p:cSld>
+    <p:spTree>
+      <p:nvGrpSpPr>
+        <p:cNvPr id="1" name=""/>
+        <p:cNvGrpSpPr/>
+        <p:nvPr/>
+      </p:nvGrpSpPr>
+      <p:grpSpPr>
+        <a:xfrm>
+          <a:off x="0" y="0"/>
+          <a:ext cx="0" cy="0"/>
+          <a:chOff x="0" y="0"/>
+          <a:chExt cx="0" cy="0"/>
+        </a:xfrm>
+      </p:grpSpPr>
+      <p:sp>
+        <p:nvSpPr>
+          <p:cNvPr id="2" name="Folienbildplatzhalter 1"/>
+          <p:cNvSpPr>
+            <a:spLocks noGrp="1" noRot="1" noChangeAspect="1"/>
+          </p:cNvSpPr>
+          <p:nvPr>
+            <p:ph type="sldImg"/>
+          </p:nvPr>
+        </p:nvSpPr>
+        <p:spPr/>
+      </p:sp>
+      <p:sp>
+        <p:nvSpPr>
+          <p:cNvPr id="3" name="Notizenplatzhalter 2"/>
+          <p:cNvSpPr>
+            <a:spLocks noGrp="1"/>
+          </p:cNvSpPr>
+          <p:nvPr>
+            <p:ph type="body" idx="1"/>
+          </p:nvPr>
+        </p:nvSpPr>
+        <p:spPr/>
+        <p:txBody>
+          <a:bodyPr/>
+          <a:lstStyle/>
+          <a:p>
+            <a:endParaRPr lang="en-US"/>
+          </a:p>
+        </p:txBody>
+      </p:sp>
+      <p:sp>
+        <p:nvSpPr>
+          <p:cNvPr id="4" name="Kopfzeilenplatzhalter 3"/>
+          <p:cNvSpPr>
+            <a:spLocks noGrp="1"/>
+          </p:cNvSpPr>
+          <p:nvPr>
+            <p:ph type="hdr" sz="quarter" idx="10"/>
+          </p:nvPr>
+        </p:nvSpPr>
+        <p:spPr/>
+        <p:txBody>
+          <a:bodyPr/>
+          <a:lstStyle/>
+          <a:p>
+            <a:endParaRPr lang="en-US"/>
+          </a:p>
+        </p:txBody>
+      </p:sp>
+      <p:sp>
+        <p:nvSpPr>
+          <p:cNvPr id="5" name="Fußzeilenplatzhalter 4"/>
+          <p:cNvSpPr>
+            <a:spLocks noGrp="1"/>
+          </p:cNvSpPr>
+          <p:nvPr>
+            <p:ph type="ftr" sz="quarter" idx="11"/>
+          </p:nvPr>
+        </p:nvSpPr>
+        <p:spPr/>
+        <p:txBody>
+          <a:bodyPr/>
+          <a:lstStyle/>
+          <a:p>
+            <a:endParaRPr lang="en-US"/>
+          </a:p>
+        </p:txBody>
+      </p:sp>
+      <p:sp>
+        <p:nvSpPr>
+          <p:cNvPr id="6" name="Foliennummernplatzhalter 5"/>
+          <p:cNvSpPr>
+            <a:spLocks noGrp="1"/>
+          </p:cNvSpPr>
+          <p:nvPr>
+            <p:ph type="sldNum" sz="quarter" idx="12"/>
+          </p:nvPr>
+        </p:nvSpPr>
+        <p:spPr/>
+        <p:txBody>
+          <a:bodyPr/>
+          <a:lstStyle/>
+          <a:p>
+            <a:fld id="{39CD850C-9740-408B-9770-C0D747F5E5F2}" type="slidenum">
+              <a:rPr lang="en-US" smtClean="0"/>
+              <a:t>14</a:t>
+            </a:fld>
+            <a:endParaRPr lang="en-US"/>
+          </a:p>
+        </p:txBody>
+      </p:sp>
+    </p:spTree>
+    <p:extLst>
+      <p:ext uri="{BB962C8B-B14F-4D97-AF65-F5344CB8AC3E}">
+        <p14:creationId xmlns:p14="http://schemas.microsoft.com/office/powerpoint/2010/main" val="3999309103"/>
+      </p:ext>
+    </p:extLst>
+  </p:cSld>
+  <p:clrMapOvr>
+    <a:masterClrMapping/>
+  </p:clrMapOvr>
+</p:notes>
+</file>
+
+<file path=ppt/notesSlides/notesSlide15.xml><?xml version="1.0" encoding="utf-8"?>
+<p:notes xmlns:a="http://schemas.openxmlformats.org/drawingml/2006/main" xmlns:r="http://schemas.openxmlformats.org/officeDocument/2006/relationships" xmlns:p="http://schemas.openxmlformats.org/presentationml/2006/main">
+  <p:cSld>
+    <p:spTree>
+      <p:nvGrpSpPr>
+        <p:cNvPr id="1" name=""/>
+        <p:cNvGrpSpPr/>
+        <p:nvPr/>
+      </p:nvGrpSpPr>
+      <p:grpSpPr>
+        <a:xfrm>
+          <a:off x="0" y="0"/>
+          <a:ext cx="0" cy="0"/>
+          <a:chOff x="0" y="0"/>
+          <a:chExt cx="0" cy="0"/>
+        </a:xfrm>
+      </p:grpSpPr>
+      <p:sp>
+        <p:nvSpPr>
+          <p:cNvPr id="2" name="Folienbildplatzhalter 1"/>
+          <p:cNvSpPr>
+            <a:spLocks noGrp="1" noRot="1" noChangeAspect="1"/>
+          </p:cNvSpPr>
+          <p:nvPr>
+            <p:ph type="sldImg"/>
+          </p:nvPr>
+        </p:nvSpPr>
+        <p:spPr/>
+      </p:sp>
+      <p:sp>
+        <p:nvSpPr>
+          <p:cNvPr id="3" name="Notizenplatzhalter 2"/>
+          <p:cNvSpPr>
+            <a:spLocks noGrp="1"/>
+          </p:cNvSpPr>
+          <p:nvPr>
+            <p:ph type="body" idx="1"/>
+          </p:nvPr>
+        </p:nvSpPr>
+        <p:spPr/>
+        <p:txBody>
+          <a:bodyPr/>
+          <a:lstStyle/>
+          <a:p>
+            <a:endParaRPr lang="en-US"/>
+          </a:p>
+        </p:txBody>
+      </p:sp>
+      <p:sp>
+        <p:nvSpPr>
+          <p:cNvPr id="4" name="Kopfzeilenplatzhalter 3"/>
+          <p:cNvSpPr>
+            <a:spLocks noGrp="1"/>
+          </p:cNvSpPr>
+          <p:nvPr>
+            <p:ph type="hdr" sz="quarter" idx="10"/>
+          </p:nvPr>
+        </p:nvSpPr>
+        <p:spPr/>
+        <p:txBody>
+          <a:bodyPr/>
+          <a:lstStyle/>
+          <a:p>
+            <a:endParaRPr lang="en-US"/>
+          </a:p>
+        </p:txBody>
+      </p:sp>
+      <p:sp>
+        <p:nvSpPr>
+          <p:cNvPr id="5" name="Fußzeilenplatzhalter 4"/>
+          <p:cNvSpPr>
+            <a:spLocks noGrp="1"/>
+          </p:cNvSpPr>
+          <p:nvPr>
+            <p:ph type="ftr" sz="quarter" idx="11"/>
+          </p:nvPr>
+        </p:nvSpPr>
+        <p:spPr/>
+        <p:txBody>
+          <a:bodyPr/>
+          <a:lstStyle/>
+          <a:p>
+            <a:endParaRPr lang="en-US"/>
+          </a:p>
+        </p:txBody>
+      </p:sp>
+      <p:sp>
+        <p:nvSpPr>
+          <p:cNvPr id="6" name="Foliennummernplatzhalter 5"/>
+          <p:cNvSpPr>
+            <a:spLocks noGrp="1"/>
+          </p:cNvSpPr>
+          <p:nvPr>
+            <p:ph type="sldNum" sz="quarter" idx="12"/>
+          </p:nvPr>
+        </p:nvSpPr>
+        <p:spPr/>
+        <p:txBody>
+          <a:bodyPr/>
+          <a:lstStyle/>
+          <a:p>
+            <a:fld id="{39CD850C-9740-408B-9770-C0D747F5E5F2}" type="slidenum">
+              <a:rPr lang="en-US" smtClean="0"/>
+              <a:t>15</a:t>
+            </a:fld>
+            <a:endParaRPr lang="en-US"/>
+          </a:p>
+        </p:txBody>
+      </p:sp>
+    </p:spTree>
+    <p:extLst>
+      <p:ext uri="{BB962C8B-B14F-4D97-AF65-F5344CB8AC3E}">
+        <p14:creationId xmlns:p14="http://schemas.microsoft.com/office/powerpoint/2010/main" val="2992757823"/>
+      </p:ext>
+    </p:extLst>
+  </p:cSld>
+  <p:clrMapOvr>
+    <a:masterClrMapping/>
+  </p:clrMapOvr>
+</p:notes>
+</file>
+
+<file path=ppt/notesSlides/notesSlide16.xml><?xml version="1.0" encoding="utf-8"?>
+<p:notes xmlns:a="http://schemas.openxmlformats.org/drawingml/2006/main" xmlns:r="http://schemas.openxmlformats.org/officeDocument/2006/relationships" xmlns:p="http://schemas.openxmlformats.org/presentationml/2006/main">
+  <p:cSld>
+    <p:spTree>
+      <p:nvGrpSpPr>
+        <p:cNvPr id="1" name=""/>
+        <p:cNvGrpSpPr/>
+        <p:nvPr/>
+      </p:nvGrpSpPr>
+      <p:grpSpPr>
+        <a:xfrm>
+          <a:off x="0" y="0"/>
+          <a:ext cx="0" cy="0"/>
+          <a:chOff x="0" y="0"/>
+          <a:chExt cx="0" cy="0"/>
+        </a:xfrm>
+      </p:grpSpPr>
+      <p:sp>
+        <p:nvSpPr>
+          <p:cNvPr id="2" name="Folienbildplatzhalter 1"/>
+          <p:cNvSpPr>
+            <a:spLocks noGrp="1" noRot="1" noChangeAspect="1"/>
+          </p:cNvSpPr>
+          <p:nvPr>
+            <p:ph type="sldImg"/>
+          </p:nvPr>
+        </p:nvSpPr>
+        <p:spPr/>
+      </p:sp>
+      <p:sp>
+        <p:nvSpPr>
+          <p:cNvPr id="3" name="Notizenplatzhalter 2"/>
+          <p:cNvSpPr>
+            <a:spLocks noGrp="1"/>
+          </p:cNvSpPr>
+          <p:nvPr>
+            <p:ph type="body" idx="1"/>
+          </p:nvPr>
+        </p:nvSpPr>
+        <p:spPr/>
+        <p:txBody>
+          <a:bodyPr/>
+          <a:lstStyle/>
+          <a:p>
+            <a:endParaRPr lang="en-US"/>
+          </a:p>
+        </p:txBody>
+      </p:sp>
+      <p:sp>
+        <p:nvSpPr>
+          <p:cNvPr id="4" name="Kopfzeilenplatzhalter 3"/>
+          <p:cNvSpPr>
+            <a:spLocks noGrp="1"/>
+          </p:cNvSpPr>
+          <p:nvPr>
+            <p:ph type="hdr" sz="quarter" idx="10"/>
+          </p:nvPr>
+        </p:nvSpPr>
+        <p:spPr/>
+        <p:txBody>
+          <a:bodyPr/>
+          <a:lstStyle/>
+          <a:p>
+            <a:endParaRPr lang="en-US"/>
+          </a:p>
+        </p:txBody>
+      </p:sp>
+      <p:sp>
+        <p:nvSpPr>
+          <p:cNvPr id="5" name="Fußzeilenplatzhalter 4"/>
+          <p:cNvSpPr>
+            <a:spLocks noGrp="1"/>
+          </p:cNvSpPr>
+          <p:nvPr>
+            <p:ph type="ftr" sz="quarter" idx="11"/>
+          </p:nvPr>
+        </p:nvSpPr>
+        <p:spPr/>
+        <p:txBody>
+          <a:bodyPr/>
+          <a:lstStyle/>
+          <a:p>
+            <a:endParaRPr lang="en-US"/>
+          </a:p>
+        </p:txBody>
+      </p:sp>
+      <p:sp>
+        <p:nvSpPr>
+          <p:cNvPr id="6" name="Foliennummernplatzhalter 5"/>
+          <p:cNvSpPr>
+            <a:spLocks noGrp="1"/>
+          </p:cNvSpPr>
+          <p:nvPr>
+            <p:ph type="sldNum" sz="quarter" idx="12"/>
+          </p:nvPr>
+        </p:nvSpPr>
+        <p:spPr/>
+        <p:txBody>
+          <a:bodyPr/>
+          <a:lstStyle/>
+          <a:p>
+            <a:fld id="{39CD850C-9740-408B-9770-C0D747F5E5F2}" type="slidenum">
+              <a:rPr lang="en-US" smtClean="0"/>
+              <a:t>16</a:t>
+            </a:fld>
+            <a:endParaRPr lang="en-US"/>
+          </a:p>
+        </p:txBody>
+      </p:sp>
+    </p:spTree>
+    <p:extLst>
+      <p:ext uri="{BB962C8B-B14F-4D97-AF65-F5344CB8AC3E}">
+        <p14:creationId xmlns:p14="http://schemas.microsoft.com/office/powerpoint/2010/main" val="3657040694"/>
+      </p:ext>
+    </p:extLst>
+  </p:cSld>
+  <p:clrMapOvr>
+    <a:masterClrMapping/>
+  </p:clrMapOvr>
+</p:notes>
+</file>
+
+<file path=ppt/notesSlides/notesSlide17.xml><?xml version="1.0" encoding="utf-8"?>
+<p:notes xmlns:a="http://schemas.openxmlformats.org/drawingml/2006/main" xmlns:r="http://schemas.openxmlformats.org/officeDocument/2006/relationships" xmlns:p="http://schemas.openxmlformats.org/presentationml/2006/main">
+  <p:cSld>
+    <p:spTree>
+      <p:nvGrpSpPr>
+        <p:cNvPr id="1" name=""/>
+        <p:cNvGrpSpPr/>
+        <p:nvPr/>
+      </p:nvGrpSpPr>
+      <p:grpSpPr>
+        <a:xfrm>
+          <a:off x="0" y="0"/>
+          <a:ext cx="0" cy="0"/>
+          <a:chOff x="0" y="0"/>
+          <a:chExt cx="0" cy="0"/>
+        </a:xfrm>
+      </p:grpSpPr>
+      <p:sp>
+        <p:nvSpPr>
+          <p:cNvPr id="2" name="Folienbildplatzhalter 1"/>
+          <p:cNvSpPr>
+            <a:spLocks noGrp="1" noRot="1" noChangeAspect="1"/>
+          </p:cNvSpPr>
+          <p:nvPr>
+            <p:ph type="sldImg"/>
+          </p:nvPr>
+        </p:nvSpPr>
+        <p:spPr/>
+      </p:sp>
+      <p:sp>
+        <p:nvSpPr>
+          <p:cNvPr id="3" name="Notizenplatzhalter 2"/>
+          <p:cNvSpPr>
+            <a:spLocks noGrp="1"/>
+          </p:cNvSpPr>
+          <p:nvPr>
+            <p:ph type="body" idx="1"/>
+          </p:nvPr>
+        </p:nvSpPr>
+        <p:spPr/>
+        <p:txBody>
+          <a:bodyPr/>
+          <a:lstStyle/>
+          <a:p>
+            <a:endParaRPr lang="en-US"/>
+          </a:p>
+        </p:txBody>
+      </p:sp>
+      <p:sp>
+        <p:nvSpPr>
+          <p:cNvPr id="4" name="Kopfzeilenplatzhalter 3"/>
+          <p:cNvSpPr>
+            <a:spLocks noGrp="1"/>
+          </p:cNvSpPr>
+          <p:nvPr>
+            <p:ph type="hdr" sz="quarter" idx="10"/>
+          </p:nvPr>
+        </p:nvSpPr>
+        <p:spPr/>
+        <p:txBody>
+          <a:bodyPr/>
+          <a:lstStyle/>
+          <a:p>
+            <a:endParaRPr lang="en-US"/>
+          </a:p>
+        </p:txBody>
+      </p:sp>
+      <p:sp>
+        <p:nvSpPr>
+          <p:cNvPr id="5" name="Fußzeilenplatzhalter 4"/>
+          <p:cNvSpPr>
+            <a:spLocks noGrp="1"/>
+          </p:cNvSpPr>
+          <p:nvPr>
+            <p:ph type="ftr" sz="quarter" idx="11"/>
+          </p:nvPr>
+        </p:nvSpPr>
+        <p:spPr/>
+        <p:txBody>
+          <a:bodyPr/>
+          <a:lstStyle/>
+          <a:p>
+            <a:endParaRPr lang="en-US"/>
+          </a:p>
+        </p:txBody>
+      </p:sp>
+      <p:sp>
+        <p:nvSpPr>
+          <p:cNvPr id="6" name="Foliennummernplatzhalter 5"/>
+          <p:cNvSpPr>
+            <a:spLocks noGrp="1"/>
+          </p:cNvSpPr>
+          <p:nvPr>
+            <p:ph type="sldNum" sz="quarter" idx="12"/>
+          </p:nvPr>
+        </p:nvSpPr>
+        <p:spPr/>
+        <p:txBody>
+          <a:bodyPr/>
+          <a:lstStyle/>
+          <a:p>
+            <a:fld id="{3658F27A-C96B-492B-AEF7-AE64154AD71B}" type="slidenum">
+              <a:rPr lang="en-US" smtClean="0"/>
+              <a:t>17</a:t>
+            </a:fld>
+            <a:endParaRPr lang="en-US"/>
+          </a:p>
+        </p:txBody>
+      </p:sp>
+    </p:spTree>
+    <p:extLst>
+      <p:ext uri="{BB962C8B-B14F-4D97-AF65-F5344CB8AC3E}">
+        <p14:creationId xmlns:p14="http://schemas.microsoft.com/office/powerpoint/2010/main" val="1071447804"/>
+      </p:ext>
+    </p:extLst>
+  </p:cSld>
+  <p:clrMapOvr>
+    <a:masterClrMapping/>
+  </p:clrMapOvr>
+</p:notes>
+</file>
+
+<file path=ppt/notesSlides/notesSlide18.xml><?xml version="1.0" encoding="utf-8"?>
+<p:notes xmlns:a="http://schemas.openxmlformats.org/drawingml/2006/main" xmlns:r="http://schemas.openxmlformats.org/officeDocument/2006/relationships" xmlns:p="http://schemas.openxmlformats.org/presentationml/2006/main">
+  <p:cSld>
+    <p:spTree>
+      <p:nvGrpSpPr>
+        <p:cNvPr id="1" name=""/>
+        <p:cNvGrpSpPr/>
+        <p:nvPr/>
+      </p:nvGrpSpPr>
+      <p:grpSpPr>
+        <a:xfrm>
+          <a:off x="0" y="0"/>
+          <a:ext cx="0" cy="0"/>
+          <a:chOff x="0" y="0"/>
+          <a:chExt cx="0" cy="0"/>
+        </a:xfrm>
+      </p:grpSpPr>
+      <p:sp>
+        <p:nvSpPr>
+          <p:cNvPr id="2" name="Folienbildplatzhalter 1"/>
+          <p:cNvSpPr>
+            <a:spLocks noGrp="1" noRot="1" noChangeAspect="1"/>
+          </p:cNvSpPr>
+          <p:nvPr>
+            <p:ph type="sldImg"/>
+          </p:nvPr>
+        </p:nvSpPr>
+        <p:spPr/>
+      </p:sp>
+      <p:sp>
+        <p:nvSpPr>
+          <p:cNvPr id="3" name="Notizenplatzhalter 2"/>
+          <p:cNvSpPr>
+            <a:spLocks noGrp="1"/>
+          </p:cNvSpPr>
+          <p:nvPr>
+            <p:ph type="body" idx="1"/>
+          </p:nvPr>
+        </p:nvSpPr>
+        <p:spPr/>
+        <p:txBody>
+          <a:bodyPr/>
+          <a:lstStyle/>
+          <a:p>
+            <a:endParaRPr lang="en-US"/>
+          </a:p>
+        </p:txBody>
+      </p:sp>
+      <p:sp>
+        <p:nvSpPr>
+          <p:cNvPr id="4" name="Kopfzeilenplatzhalter 3"/>
+          <p:cNvSpPr>
+            <a:spLocks noGrp="1"/>
+          </p:cNvSpPr>
+          <p:nvPr>
+            <p:ph type="hdr" sz="quarter" idx="10"/>
+          </p:nvPr>
+        </p:nvSpPr>
+        <p:spPr/>
+        <p:txBody>
+          <a:bodyPr/>
+          <a:lstStyle/>
+          <a:p>
+            <a:endParaRPr lang="en-US"/>
+          </a:p>
+        </p:txBody>
+      </p:sp>
+      <p:sp>
+        <p:nvSpPr>
+          <p:cNvPr id="5" name="Fußzeilenplatzhalter 4"/>
+          <p:cNvSpPr>
+            <a:spLocks noGrp="1"/>
+          </p:cNvSpPr>
+          <p:nvPr>
+            <p:ph type="ftr" sz="quarter" idx="11"/>
+          </p:nvPr>
+        </p:nvSpPr>
+        <p:spPr/>
+        <p:txBody>
+          <a:bodyPr/>
+          <a:lstStyle/>
+          <a:p>
+            <a:endParaRPr lang="en-US"/>
+          </a:p>
+        </p:txBody>
+      </p:sp>
+      <p:sp>
+        <p:nvSpPr>
+          <p:cNvPr id="6" name="Foliennummernplatzhalter 5"/>
+          <p:cNvSpPr>
+            <a:spLocks noGrp="1"/>
+          </p:cNvSpPr>
+          <p:nvPr>
+            <p:ph type="sldNum" sz="quarter" idx="12"/>
+          </p:nvPr>
+        </p:nvSpPr>
+        <p:spPr/>
+        <p:txBody>
+          <a:bodyPr/>
+          <a:lstStyle/>
+          <a:p>
+            <a:fld id="{3658F27A-C96B-492B-AEF7-AE64154AD71B}" type="slidenum">
+              <a:rPr lang="en-US" smtClean="0"/>
+              <a:t>18</a:t>
+            </a:fld>
+            <a:endParaRPr lang="en-US"/>
+          </a:p>
+        </p:txBody>
+      </p:sp>
+    </p:spTree>
+    <p:extLst>
+      <p:ext uri="{BB962C8B-B14F-4D97-AF65-F5344CB8AC3E}">
+        <p14:creationId xmlns:p14="http://schemas.microsoft.com/office/powerpoint/2010/main" val="394502214"/>
+      </p:ext>
+    </p:extLst>
+  </p:cSld>
+  <p:clrMapOvr>
+    <a:masterClrMapping/>
+  </p:clrMapOvr>
+</p:notes>
+</file>
+
+<file path=ppt/notesSlides/notesSlide19.xml><?xml version="1.0" encoding="utf-8"?>
+<p:notes xmlns:a="http://schemas.openxmlformats.org/drawingml/2006/main" xmlns:r="http://schemas.openxmlformats.org/officeDocument/2006/relationships" xmlns:p="http://schemas.openxmlformats.org/presentationml/2006/main">
+  <p:cSld>
+    <p:spTree>
+      <p:nvGrpSpPr>
+        <p:cNvPr id="1" name=""/>
+        <p:cNvGrpSpPr/>
+        <p:nvPr/>
+      </p:nvGrpSpPr>
+      <p:grpSpPr>
+        <a:xfrm>
+          <a:off x="0" y="0"/>
+          <a:ext cx="0" cy="0"/>
+          <a:chOff x="0" y="0"/>
+          <a:chExt cx="0" cy="0"/>
+        </a:xfrm>
+      </p:grpSpPr>
+      <p:sp>
+        <p:nvSpPr>
+          <p:cNvPr id="2" name="Folienbildplatzhalter 1"/>
+          <p:cNvSpPr>
+            <a:spLocks noGrp="1" noRot="1" noChangeAspect="1"/>
+          </p:cNvSpPr>
+          <p:nvPr>
+            <p:ph type="sldImg"/>
+          </p:nvPr>
+        </p:nvSpPr>
+        <p:spPr/>
+      </p:sp>
+      <p:sp>
+        <p:nvSpPr>
+          <p:cNvPr id="3" name="Notizenplatzhalter 2"/>
+          <p:cNvSpPr>
+            <a:spLocks noGrp="1"/>
+          </p:cNvSpPr>
+          <p:nvPr>
+            <p:ph type="body" idx="1"/>
+          </p:nvPr>
+        </p:nvSpPr>
+        <p:spPr/>
+        <p:txBody>
+          <a:bodyPr/>
+          <a:lstStyle/>
+          <a:p>
+            <a:endParaRPr lang="en-US"/>
+          </a:p>
+        </p:txBody>
+      </p:sp>
+      <p:sp>
+        <p:nvSpPr>
+          <p:cNvPr id="4" name="Kopfzeilenplatzhalter 3"/>
+          <p:cNvSpPr>
+            <a:spLocks noGrp="1"/>
+          </p:cNvSpPr>
+          <p:nvPr>
+            <p:ph type="hdr" sz="quarter" idx="10"/>
+          </p:nvPr>
+        </p:nvSpPr>
+        <p:spPr/>
+        <p:txBody>
+          <a:bodyPr/>
+          <a:lstStyle/>
+          <a:p>
+            <a:endParaRPr lang="en-US"/>
+          </a:p>
+        </p:txBody>
+      </p:sp>
+      <p:sp>
+        <p:nvSpPr>
+          <p:cNvPr id="5" name="Fußzeilenplatzhalter 4"/>
+          <p:cNvSpPr>
+            <a:spLocks noGrp="1"/>
+          </p:cNvSpPr>
+          <p:nvPr>
+            <p:ph type="ftr" sz="quarter" idx="11"/>
+          </p:nvPr>
+        </p:nvSpPr>
+        <p:spPr/>
+        <p:txBody>
+          <a:bodyPr/>
+          <a:lstStyle/>
+          <a:p>
+            <a:endParaRPr lang="en-US"/>
+          </a:p>
+        </p:txBody>
+      </p:sp>
+      <p:sp>
+        <p:nvSpPr>
+          <p:cNvPr id="6" name="Foliennummernplatzhalter 5"/>
+          <p:cNvSpPr>
+            <a:spLocks noGrp="1"/>
+          </p:cNvSpPr>
+          <p:nvPr>
+            <p:ph type="sldNum" sz="quarter" idx="12"/>
+          </p:nvPr>
+        </p:nvSpPr>
+        <p:spPr/>
+        <p:txBody>
+          <a:bodyPr/>
+          <a:lstStyle/>
+          <a:p>
+            <a:fld id="{3658F27A-C96B-492B-AEF7-AE64154AD71B}" type="slidenum">
+              <a:rPr lang="en-US" smtClean="0"/>
+              <a:t>19</a:t>
+            </a:fld>
+            <a:endParaRPr lang="en-US"/>
+          </a:p>
+        </p:txBody>
+      </p:sp>
+    </p:spTree>
+    <p:extLst>
+      <p:ext uri="{BB962C8B-B14F-4D97-AF65-F5344CB8AC3E}">
+        <p14:creationId xmlns:p14="http://schemas.microsoft.com/office/powerpoint/2010/main" val="2927489175"/>
+      </p:ext>
+    </p:extLst>
+  </p:cSld>
+  <p:clrMapOvr>
+    <a:masterClrMapping/>
+  </p:clrMapOvr>
+</p:notes>
+</file>
+
+<file path=ppt/notesSlides/notesSlide2.xml><?xml version="1.0" encoding="utf-8"?>
+<p:notes xmlns:a="http://schemas.openxmlformats.org/drawingml/2006/main" xmlns:r="http://schemas.openxmlformats.org/officeDocument/2006/relationships" xmlns:p="http://schemas.openxmlformats.org/presentationml/2006/main">
+  <p:cSld>
+    <p:spTree>
+      <p:nvGrpSpPr>
+        <p:cNvPr id="1" name=""/>
+        <p:cNvGrpSpPr/>
+        <p:nvPr/>
+      </p:nvGrpSpPr>
+      <p:grpSpPr>
+        <a:xfrm>
+          <a:off x="0" y="0"/>
+          <a:ext cx="0" cy="0"/>
+          <a:chOff x="0" y="0"/>
+          <a:chExt cx="0" cy="0"/>
+        </a:xfrm>
+      </p:grpSpPr>
+      <p:sp>
+        <p:nvSpPr>
+          <p:cNvPr id="2" name="Folienbildplatzhalter 1"/>
+          <p:cNvSpPr>
+            <a:spLocks noGrp="1" noRot="1" noChangeAspect="1"/>
+          </p:cNvSpPr>
+          <p:nvPr>
+            <p:ph type="sldImg"/>
+          </p:nvPr>
+        </p:nvSpPr>
+        <p:spPr/>
+      </p:sp>
+      <p:sp>
+        <p:nvSpPr>
+          <p:cNvPr id="3" name="Notizenplatzhalter 2"/>
+          <p:cNvSpPr>
+            <a:spLocks noGrp="1"/>
+          </p:cNvSpPr>
+          <p:nvPr>
+            <p:ph type="body" idx="1"/>
+          </p:nvPr>
+        </p:nvSpPr>
+        <p:spPr/>
+        <p:txBody>
+          <a:bodyPr/>
+          <a:lstStyle/>
+          <a:p>
+            <a:endParaRPr lang="en-US"/>
+          </a:p>
+        </p:txBody>
+      </p:sp>
+      <p:sp>
+        <p:nvSpPr>
+          <p:cNvPr id="4" name="Kopfzeilenplatzhalter 3"/>
+          <p:cNvSpPr>
+            <a:spLocks noGrp="1"/>
+          </p:cNvSpPr>
+          <p:nvPr>
+            <p:ph type="hdr" sz="quarter" idx="10"/>
+          </p:nvPr>
+        </p:nvSpPr>
+        <p:spPr/>
+        <p:txBody>
+          <a:bodyPr/>
+          <a:lstStyle/>
+          <a:p>
+            <a:endParaRPr lang="en-US"/>
+          </a:p>
+        </p:txBody>
+      </p:sp>
+      <p:sp>
+        <p:nvSpPr>
+          <p:cNvPr id="5" name="Fußzeilenplatzhalter 4"/>
+          <p:cNvSpPr>
+            <a:spLocks noGrp="1"/>
+          </p:cNvSpPr>
+          <p:nvPr>
+            <p:ph type="ftr" sz="quarter" idx="11"/>
+          </p:nvPr>
+        </p:nvSpPr>
+        <p:spPr/>
+        <p:txBody>
+          <a:bodyPr/>
+          <a:lstStyle/>
+          <a:p>
+            <a:endParaRPr lang="en-US"/>
+          </a:p>
+        </p:txBody>
+      </p:sp>
+      <p:sp>
+        <p:nvSpPr>
+          <p:cNvPr id="6" name="Foliennummernplatzhalter 5"/>
+          <p:cNvSpPr>
+            <a:spLocks noGrp="1"/>
+          </p:cNvSpPr>
+          <p:nvPr>
+            <p:ph type="sldNum" sz="quarter" idx="12"/>
+          </p:nvPr>
+        </p:nvSpPr>
+        <p:spPr/>
+        <p:txBody>
+          <a:bodyPr/>
+          <a:lstStyle/>
+          <a:p>
+            <a:fld id="{3658F27A-C96B-492B-AEF7-AE64154AD71B}" type="slidenum">
+              <a:rPr lang="en-US" smtClean="0"/>
+              <a:t>2</a:t>
+            </a:fld>
+            <a:endParaRPr lang="en-US"/>
+          </a:p>
+        </p:txBody>
+      </p:sp>
+    </p:spTree>
+    <p:extLst>
+      <p:ext uri="{BB962C8B-B14F-4D97-AF65-F5344CB8AC3E}">
+        <p14:creationId xmlns:p14="http://schemas.microsoft.com/office/powerpoint/2010/main" val="3105890271"/>
+      </p:ext>
+    </p:extLst>
+  </p:cSld>
+  <p:clrMapOvr>
+    <a:masterClrMapping/>
+  </p:clrMapOvr>
+</p:notes>
+</file>
+
+<file path=ppt/notesSlides/notesSlide20.xml><?xml version="1.0" encoding="utf-8"?>
+<p:notes xmlns:a="http://schemas.openxmlformats.org/drawingml/2006/main" xmlns:r="http://schemas.openxmlformats.org/officeDocument/2006/relationships" xmlns:p="http://schemas.openxmlformats.org/presentationml/2006/main">
+  <p:cSld>
+    <p:spTree>
+      <p:nvGrpSpPr>
+        <p:cNvPr id="1" name=""/>
+        <p:cNvGrpSpPr/>
+        <p:nvPr/>
+      </p:nvGrpSpPr>
+      <p:grpSpPr>
+        <a:xfrm>
+          <a:off x="0" y="0"/>
+          <a:ext cx="0" cy="0"/>
+          <a:chOff x="0" y="0"/>
+          <a:chExt cx="0" cy="0"/>
+        </a:xfrm>
+      </p:grpSpPr>
+      <p:sp>
+        <p:nvSpPr>
+          <p:cNvPr id="2" name="Folienbildplatzhalter 1"/>
+          <p:cNvSpPr>
+            <a:spLocks noGrp="1" noRot="1" noChangeAspect="1"/>
+          </p:cNvSpPr>
+          <p:nvPr>
+            <p:ph type="sldImg"/>
+          </p:nvPr>
+        </p:nvSpPr>
+        <p:spPr/>
+      </p:sp>
+      <p:sp>
+        <p:nvSpPr>
+          <p:cNvPr id="3" name="Notizenplatzhalter 2"/>
+          <p:cNvSpPr>
+            <a:spLocks noGrp="1"/>
+          </p:cNvSpPr>
+          <p:nvPr>
+            <p:ph type="body" idx="1"/>
+          </p:nvPr>
+        </p:nvSpPr>
+        <p:spPr/>
+        <p:txBody>
+          <a:bodyPr/>
+          <a:lstStyle/>
+          <a:p>
+            <a:endParaRPr lang="en-US"/>
+          </a:p>
+        </p:txBody>
+      </p:sp>
+      <p:sp>
+        <p:nvSpPr>
+          <p:cNvPr id="4" name="Kopfzeilenplatzhalter 3"/>
+          <p:cNvSpPr>
+            <a:spLocks noGrp="1"/>
+          </p:cNvSpPr>
+          <p:nvPr>
+            <p:ph type="hdr" sz="quarter" idx="10"/>
+          </p:nvPr>
+        </p:nvSpPr>
+        <p:spPr/>
+        <p:txBody>
+          <a:bodyPr/>
+          <a:lstStyle/>
+          <a:p>
+            <a:endParaRPr lang="en-US"/>
+          </a:p>
+        </p:txBody>
+      </p:sp>
+      <p:sp>
+        <p:nvSpPr>
+          <p:cNvPr id="5" name="Fußzeilenplatzhalter 4"/>
+          <p:cNvSpPr>
+            <a:spLocks noGrp="1"/>
+          </p:cNvSpPr>
+          <p:nvPr>
+            <p:ph type="ftr" sz="quarter" idx="11"/>
+          </p:nvPr>
+        </p:nvSpPr>
+        <p:spPr/>
+        <p:txBody>
+          <a:bodyPr/>
+          <a:lstStyle/>
+          <a:p>
+            <a:endParaRPr lang="en-US"/>
+          </a:p>
+        </p:txBody>
+      </p:sp>
+      <p:sp>
+        <p:nvSpPr>
+          <p:cNvPr id="6" name="Foliennummernplatzhalter 5"/>
+          <p:cNvSpPr>
+            <a:spLocks noGrp="1"/>
+          </p:cNvSpPr>
+          <p:nvPr>
+            <p:ph type="sldNum" sz="quarter" idx="12"/>
+          </p:nvPr>
+        </p:nvSpPr>
+        <p:spPr/>
+        <p:txBody>
+          <a:bodyPr/>
+          <a:lstStyle/>
+          <a:p>
+            <a:fld id="{3658F27A-C96B-492B-AEF7-AE64154AD71B}" type="slidenum">
+              <a:rPr lang="en-US" smtClean="0"/>
+              <a:t>20</a:t>
+            </a:fld>
+            <a:endParaRPr lang="en-US"/>
+          </a:p>
+        </p:txBody>
+      </p:sp>
+    </p:spTree>
+    <p:extLst>
+      <p:ext uri="{BB962C8B-B14F-4D97-AF65-F5344CB8AC3E}">
+        <p14:creationId xmlns:p14="http://schemas.microsoft.com/office/powerpoint/2010/main" val="1391976626"/>
+      </p:ext>
+    </p:extLst>
+  </p:cSld>
+  <p:clrMapOvr>
+    <a:masterClrMapping/>
+  </p:clrMapOvr>
+</p:notes>
+</file>
+
+<file path=ppt/notesSlides/notesSlide21.xml><?xml version="1.0" encoding="utf-8"?>
+<p:notes xmlns:a="http://schemas.openxmlformats.org/drawingml/2006/main" xmlns:r="http://schemas.openxmlformats.org/officeDocument/2006/relationships" xmlns:p="http://schemas.openxmlformats.org/presentationml/2006/main">
+  <p:cSld>
+    <p:spTree>
+      <p:nvGrpSpPr>
+        <p:cNvPr id="1" name=""/>
+        <p:cNvGrpSpPr/>
+        <p:nvPr/>
+      </p:nvGrpSpPr>
+      <p:grpSpPr>
+        <a:xfrm>
+          <a:off x="0" y="0"/>
+          <a:ext cx="0" cy="0"/>
+          <a:chOff x="0" y="0"/>
+          <a:chExt cx="0" cy="0"/>
+        </a:xfrm>
+      </p:grpSpPr>
+      <p:sp>
+        <p:nvSpPr>
+          <p:cNvPr id="2" name="Folienbildplatzhalter 1"/>
+          <p:cNvSpPr>
+            <a:spLocks noGrp="1" noRot="1" noChangeAspect="1"/>
+          </p:cNvSpPr>
+          <p:nvPr>
+            <p:ph type="sldImg"/>
+          </p:nvPr>
+        </p:nvSpPr>
+        <p:spPr/>
+      </p:sp>
+      <p:sp>
+        <p:nvSpPr>
+          <p:cNvPr id="3" name="Notizenplatzhalter 2"/>
+          <p:cNvSpPr>
+            <a:spLocks noGrp="1"/>
+          </p:cNvSpPr>
+          <p:nvPr>
+            <p:ph type="body" idx="1"/>
+          </p:nvPr>
+        </p:nvSpPr>
+        <p:spPr/>
+        <p:txBody>
+          <a:bodyPr/>
+          <a:lstStyle/>
+          <a:p>
+            <a:endParaRPr lang="en-US"/>
+          </a:p>
+        </p:txBody>
+      </p:sp>
+      <p:sp>
+        <p:nvSpPr>
+          <p:cNvPr id="4" name="Kopfzeilenplatzhalter 3"/>
+          <p:cNvSpPr>
+            <a:spLocks noGrp="1"/>
+          </p:cNvSpPr>
+          <p:nvPr>
+            <p:ph type="hdr" sz="quarter" idx="10"/>
+          </p:nvPr>
+        </p:nvSpPr>
+        <p:spPr/>
+        <p:txBody>
+          <a:bodyPr/>
+          <a:lstStyle/>
+          <a:p>
+            <a:endParaRPr lang="en-US"/>
+          </a:p>
+        </p:txBody>
+      </p:sp>
+      <p:sp>
+        <p:nvSpPr>
+          <p:cNvPr id="5" name="Fußzeilenplatzhalter 4"/>
+          <p:cNvSpPr>
+            <a:spLocks noGrp="1"/>
+          </p:cNvSpPr>
+          <p:nvPr>
+            <p:ph type="ftr" sz="quarter" idx="11"/>
+          </p:nvPr>
+        </p:nvSpPr>
+        <p:spPr/>
+        <p:txBody>
+          <a:bodyPr/>
+          <a:lstStyle/>
+          <a:p>
+            <a:endParaRPr lang="en-US"/>
+          </a:p>
+        </p:txBody>
+      </p:sp>
+      <p:sp>
+        <p:nvSpPr>
+          <p:cNvPr id="6" name="Foliennummernplatzhalter 5"/>
+          <p:cNvSpPr>
+            <a:spLocks noGrp="1"/>
+          </p:cNvSpPr>
+          <p:nvPr>
+            <p:ph type="sldNum" sz="quarter" idx="12"/>
+          </p:nvPr>
+        </p:nvSpPr>
+        <p:spPr/>
+        <p:txBody>
+          <a:bodyPr/>
+          <a:lstStyle/>
+          <a:p>
+            <a:fld id="{3658F27A-C96B-492B-AEF7-AE64154AD71B}" type="slidenum">
+              <a:rPr lang="en-US" smtClean="0"/>
+              <a:t>21</a:t>
+            </a:fld>
+            <a:endParaRPr lang="en-US"/>
+          </a:p>
+        </p:txBody>
+      </p:sp>
+    </p:spTree>
+    <p:extLst>
+      <p:ext uri="{BB962C8B-B14F-4D97-AF65-F5344CB8AC3E}">
+        <p14:creationId xmlns:p14="http://schemas.microsoft.com/office/powerpoint/2010/main" val="4045100350"/>
+      </p:ext>
+    </p:extLst>
+  </p:cSld>
+  <p:clrMapOvr>
+    <a:masterClrMapping/>
+  </p:clrMapOvr>
+</p:notes>
+</file>
+
+<file path=ppt/notesSlides/notesSlide22.xml><?xml version="1.0" encoding="utf-8"?>
+<p:notes xmlns:a="http://schemas.openxmlformats.org/drawingml/2006/main" xmlns:r="http://schemas.openxmlformats.org/officeDocument/2006/relationships" xmlns:p="http://schemas.openxmlformats.org/presentationml/2006/main">
+  <p:cSld>
+    <p:spTree>
+      <p:nvGrpSpPr>
+        <p:cNvPr id="1" name=""/>
+        <p:cNvGrpSpPr/>
+        <p:nvPr/>
+      </p:nvGrpSpPr>
+      <p:grpSpPr>
+        <a:xfrm>
+          <a:off x="0" y="0"/>
+          <a:ext cx="0" cy="0"/>
+          <a:chOff x="0" y="0"/>
+          <a:chExt cx="0" cy="0"/>
+        </a:xfrm>
+      </p:grpSpPr>
+      <p:sp>
+        <p:nvSpPr>
+          <p:cNvPr id="2" name="Folienbildplatzhalter 1"/>
+          <p:cNvSpPr>
+            <a:spLocks noGrp="1" noRot="1" noChangeAspect="1"/>
+          </p:cNvSpPr>
+          <p:nvPr>
+            <p:ph type="sldImg"/>
+          </p:nvPr>
+        </p:nvSpPr>
+        <p:spPr/>
+      </p:sp>
+      <p:sp>
+        <p:nvSpPr>
+          <p:cNvPr id="3" name="Notizenplatzhalter 2"/>
+          <p:cNvSpPr>
+            <a:spLocks noGrp="1"/>
+          </p:cNvSpPr>
+          <p:nvPr>
+            <p:ph type="body" idx="1"/>
+          </p:nvPr>
+        </p:nvSpPr>
+        <p:spPr/>
+        <p:txBody>
+          <a:bodyPr/>
+          <a:lstStyle/>
+          <a:p>
+            <a:endParaRPr lang="en-US"/>
+          </a:p>
+        </p:txBody>
+      </p:sp>
+      <p:sp>
+        <p:nvSpPr>
+          <p:cNvPr id="4" name="Kopfzeilenplatzhalter 3"/>
+          <p:cNvSpPr>
+            <a:spLocks noGrp="1"/>
+          </p:cNvSpPr>
+          <p:nvPr>
+            <p:ph type="hdr" sz="quarter" idx="10"/>
+          </p:nvPr>
+        </p:nvSpPr>
+        <p:spPr/>
+        <p:txBody>
+          <a:bodyPr/>
+          <a:lstStyle/>
+          <a:p>
+            <a:endParaRPr lang="en-US"/>
+          </a:p>
+        </p:txBody>
+      </p:sp>
+      <p:sp>
+        <p:nvSpPr>
+          <p:cNvPr id="5" name="Fußzeilenplatzhalter 4"/>
+          <p:cNvSpPr>
+            <a:spLocks noGrp="1"/>
+          </p:cNvSpPr>
+          <p:nvPr>
+            <p:ph type="ftr" sz="quarter" idx="11"/>
+          </p:nvPr>
+        </p:nvSpPr>
+        <p:spPr/>
+        <p:txBody>
+          <a:bodyPr/>
+          <a:lstStyle/>
+          <a:p>
+            <a:endParaRPr lang="en-US"/>
+          </a:p>
+        </p:txBody>
+      </p:sp>
+      <p:sp>
+        <p:nvSpPr>
+          <p:cNvPr id="6" name="Foliennummernplatzhalter 5"/>
+          <p:cNvSpPr>
+            <a:spLocks noGrp="1"/>
+          </p:cNvSpPr>
+          <p:nvPr>
+            <p:ph type="sldNum" sz="quarter" idx="12"/>
+          </p:nvPr>
+        </p:nvSpPr>
+        <p:spPr/>
+        <p:txBody>
+          <a:bodyPr/>
+          <a:lstStyle/>
+          <a:p>
+            <a:fld id="{3658F27A-C96B-492B-AEF7-AE64154AD71B}" type="slidenum">
+              <a:rPr lang="en-US" smtClean="0"/>
+              <a:t>22</a:t>
+            </a:fld>
+            <a:endParaRPr lang="en-US"/>
+          </a:p>
+        </p:txBody>
+      </p:sp>
+    </p:spTree>
+    <p:extLst>
+      <p:ext uri="{BB962C8B-B14F-4D97-AF65-F5344CB8AC3E}">
+        <p14:creationId xmlns:p14="http://schemas.microsoft.com/office/powerpoint/2010/main" val="3829148486"/>
+      </p:ext>
+    </p:extLst>
+  </p:cSld>
+  <p:clrMapOvr>
+    <a:masterClrMapping/>
+  </p:clrMapOvr>
+</p:notes>
+</file>
+
+<file path=ppt/notesSlides/notesSlide23.xml><?xml version="1.0" encoding="utf-8"?>
+<p:notes xmlns:a="http://schemas.openxmlformats.org/drawingml/2006/main" xmlns:r="http://schemas.openxmlformats.org/officeDocument/2006/relationships" xmlns:p="http://schemas.openxmlformats.org/presentationml/2006/main">
+  <p:cSld>
+    <p:spTree>
+      <p:nvGrpSpPr>
+        <p:cNvPr id="1" name=""/>
+        <p:cNvGrpSpPr/>
+        <p:nvPr/>
+      </p:nvGrpSpPr>
+      <p:grpSpPr>
+        <a:xfrm>
+          <a:off x="0" y="0"/>
+          <a:ext cx="0" cy="0"/>
+          <a:chOff x="0" y="0"/>
+          <a:chExt cx="0" cy="0"/>
+        </a:xfrm>
+      </p:grpSpPr>
+      <p:sp>
+        <p:nvSpPr>
+          <p:cNvPr id="2" name="Folienbildplatzhalter 1"/>
+          <p:cNvSpPr>
+            <a:spLocks noGrp="1" noRot="1" noChangeAspect="1"/>
+          </p:cNvSpPr>
+          <p:nvPr>
+            <p:ph type="sldImg"/>
+          </p:nvPr>
+        </p:nvSpPr>
+        <p:spPr/>
+      </p:sp>
+      <p:sp>
+        <p:nvSpPr>
+          <p:cNvPr id="3" name="Notizenplatzhalter 2"/>
+          <p:cNvSpPr>
+            <a:spLocks noGrp="1"/>
+          </p:cNvSpPr>
+          <p:nvPr>
+            <p:ph type="body" idx="1"/>
+          </p:nvPr>
+        </p:nvSpPr>
+        <p:spPr/>
+        <p:txBody>
+          <a:bodyPr/>
+          <a:lstStyle/>
+          <a:p>
+            <a:endParaRPr lang="en-US"/>
+          </a:p>
+        </p:txBody>
+      </p:sp>
+      <p:sp>
+        <p:nvSpPr>
+          <p:cNvPr id="4" name="Kopfzeilenplatzhalter 3"/>
+          <p:cNvSpPr>
+            <a:spLocks noGrp="1"/>
+          </p:cNvSpPr>
+          <p:nvPr>
+            <p:ph type="hdr" sz="quarter" idx="10"/>
+          </p:nvPr>
+        </p:nvSpPr>
+        <p:spPr/>
+        <p:txBody>
+          <a:bodyPr/>
+          <a:lstStyle/>
+          <a:p>
+            <a:endParaRPr lang="en-US"/>
+          </a:p>
+        </p:txBody>
+      </p:sp>
+      <p:sp>
+        <p:nvSpPr>
+          <p:cNvPr id="5" name="Fußzeilenplatzhalter 4"/>
+          <p:cNvSpPr>
+            <a:spLocks noGrp="1"/>
+          </p:cNvSpPr>
+          <p:nvPr>
+            <p:ph type="ftr" sz="quarter" idx="11"/>
+          </p:nvPr>
+        </p:nvSpPr>
+        <p:spPr/>
+        <p:txBody>
+          <a:bodyPr/>
+          <a:lstStyle/>
+          <a:p>
+            <a:endParaRPr lang="en-US"/>
+          </a:p>
+        </p:txBody>
+      </p:sp>
+      <p:sp>
+        <p:nvSpPr>
+          <p:cNvPr id="6" name="Foliennummernplatzhalter 5"/>
+          <p:cNvSpPr>
+            <a:spLocks noGrp="1"/>
+          </p:cNvSpPr>
+          <p:nvPr>
+            <p:ph type="sldNum" sz="quarter" idx="12"/>
+          </p:nvPr>
+        </p:nvSpPr>
+        <p:spPr/>
+        <p:txBody>
+          <a:bodyPr/>
+          <a:lstStyle/>
+          <a:p>
+            <a:fld id="{3658F27A-C96B-492B-AEF7-AE64154AD71B}" type="slidenum">
+              <a:rPr lang="en-US" smtClean="0"/>
+              <a:t>23</a:t>
+            </a:fld>
+            <a:endParaRPr lang="en-US"/>
+          </a:p>
+        </p:txBody>
+      </p:sp>
+    </p:spTree>
+    <p:extLst>
+      <p:ext uri="{BB962C8B-B14F-4D97-AF65-F5344CB8AC3E}">
+        <p14:creationId xmlns:p14="http://schemas.microsoft.com/office/powerpoint/2010/main" val="1542436110"/>
+      </p:ext>
+    </p:extLst>
+  </p:cSld>
+  <p:clrMapOvr>
+    <a:masterClrMapping/>
+  </p:clrMapOvr>
+</p:notes>
+</file>
+
+<file path=ppt/notesSlides/notesSlide24.xml><?xml version="1.0" encoding="utf-8"?>
+<p:notes xmlns:a="http://schemas.openxmlformats.org/drawingml/2006/main" xmlns:r="http://schemas.openxmlformats.org/officeDocument/2006/relationships" xmlns:p="http://schemas.openxmlformats.org/presentationml/2006/main">
+  <p:cSld>
+    <p:spTree>
+      <p:nvGrpSpPr>
+        <p:cNvPr id="1" name=""/>
+        <p:cNvGrpSpPr/>
+        <p:nvPr/>
+      </p:nvGrpSpPr>
+      <p:grpSpPr>
+        <a:xfrm>
+          <a:off x="0" y="0"/>
+          <a:ext cx="0" cy="0"/>
+          <a:chOff x="0" y="0"/>
+          <a:chExt cx="0" cy="0"/>
+        </a:xfrm>
+      </p:grpSpPr>
+      <p:sp>
+        <p:nvSpPr>
+          <p:cNvPr id="2" name="Folienbildplatzhalter 1"/>
+          <p:cNvSpPr>
+            <a:spLocks noGrp="1" noRot="1" noChangeAspect="1"/>
+          </p:cNvSpPr>
+          <p:nvPr>
+            <p:ph type="sldImg"/>
+          </p:nvPr>
+        </p:nvSpPr>
+        <p:spPr/>
+      </p:sp>
+      <p:sp>
+        <p:nvSpPr>
+          <p:cNvPr id="3" name="Notizenplatzhalter 2"/>
+          <p:cNvSpPr>
+            <a:spLocks noGrp="1"/>
+          </p:cNvSpPr>
+          <p:nvPr>
+            <p:ph type="body" idx="1"/>
+          </p:nvPr>
+        </p:nvSpPr>
+        <p:spPr/>
+        <p:txBody>
+          <a:bodyPr/>
+          <a:lstStyle/>
+          <a:p>
+            <a:endParaRPr lang="en-US"/>
+          </a:p>
+        </p:txBody>
+      </p:sp>
+      <p:sp>
+        <p:nvSpPr>
+          <p:cNvPr id="4" name="Kopfzeilenplatzhalter 3"/>
+          <p:cNvSpPr>
+            <a:spLocks noGrp="1"/>
+          </p:cNvSpPr>
+          <p:nvPr>
+            <p:ph type="hdr" sz="quarter" idx="10"/>
+          </p:nvPr>
+        </p:nvSpPr>
+        <p:spPr/>
+        <p:txBody>
+          <a:bodyPr/>
+          <a:lstStyle/>
+          <a:p>
+            <a:endParaRPr lang="en-US"/>
+          </a:p>
+        </p:txBody>
+      </p:sp>
+      <p:sp>
+        <p:nvSpPr>
+          <p:cNvPr id="5" name="Fußzeilenplatzhalter 4"/>
+          <p:cNvSpPr>
+            <a:spLocks noGrp="1"/>
+          </p:cNvSpPr>
+          <p:nvPr>
+            <p:ph type="ftr" sz="quarter" idx="11"/>
+          </p:nvPr>
+        </p:nvSpPr>
+        <p:spPr/>
+        <p:txBody>
+          <a:bodyPr/>
+          <a:lstStyle/>
+          <a:p>
+            <a:endParaRPr lang="en-US"/>
+          </a:p>
+        </p:txBody>
+      </p:sp>
+      <p:sp>
+        <p:nvSpPr>
+          <p:cNvPr id="6" name="Foliennummernplatzhalter 5"/>
+          <p:cNvSpPr>
+            <a:spLocks noGrp="1"/>
+          </p:cNvSpPr>
+          <p:nvPr>
+            <p:ph type="sldNum" sz="quarter" idx="12"/>
+          </p:nvPr>
+        </p:nvSpPr>
+        <p:spPr/>
+        <p:txBody>
+          <a:bodyPr/>
+          <a:lstStyle/>
+          <a:p>
+            <a:fld id="{3658F27A-C96B-492B-AEF7-AE64154AD71B}" type="slidenum">
+              <a:rPr lang="en-US" smtClean="0"/>
+              <a:t>24</a:t>
+            </a:fld>
+            <a:endParaRPr lang="en-US"/>
+          </a:p>
+        </p:txBody>
+      </p:sp>
+    </p:spTree>
+    <p:extLst>
+      <p:ext uri="{BB962C8B-B14F-4D97-AF65-F5344CB8AC3E}">
+        <p14:creationId xmlns:p14="http://schemas.microsoft.com/office/powerpoint/2010/main" val="891889511"/>
+      </p:ext>
+    </p:extLst>
+  </p:cSld>
+  <p:clrMapOvr>
+    <a:masterClrMapping/>
+  </p:clrMapOvr>
+</p:notes>
+</file>
+
+<file path=ppt/notesSlides/notesSlide3.xml><?xml version="1.0" encoding="utf-8"?>
+<p:notes xmlns:a="http://schemas.openxmlformats.org/drawingml/2006/main" xmlns:r="http://schemas.openxmlformats.org/officeDocument/2006/relationships" xmlns:p="http://schemas.openxmlformats.org/presentationml/2006/main">
+  <p:cSld>
+    <p:spTree>
+      <p:nvGrpSpPr>
+        <p:cNvPr id="1" name=""/>
+        <p:cNvGrpSpPr/>
+        <p:nvPr/>
+      </p:nvGrpSpPr>
+      <p:grpSpPr>
+        <a:xfrm>
+          <a:off x="0" y="0"/>
+          <a:ext cx="0" cy="0"/>
+          <a:chOff x="0" y="0"/>
+          <a:chExt cx="0" cy="0"/>
+        </a:xfrm>
+      </p:grpSpPr>
+      <p:sp>
+        <p:nvSpPr>
+          <p:cNvPr id="2" name="Folienbildplatzhalter 1"/>
+          <p:cNvSpPr>
+            <a:spLocks noGrp="1" noRot="1" noChangeAspect="1"/>
+          </p:cNvSpPr>
+          <p:nvPr>
+            <p:ph type="sldImg"/>
+          </p:nvPr>
+        </p:nvSpPr>
+        <p:spPr/>
+      </p:sp>
+      <p:sp>
+        <p:nvSpPr>
+          <p:cNvPr id="3" name="Notizenplatzhalter 2"/>
+          <p:cNvSpPr>
+            <a:spLocks noGrp="1"/>
+          </p:cNvSpPr>
+          <p:nvPr>
+            <p:ph type="body" idx="1"/>
+          </p:nvPr>
+        </p:nvSpPr>
+        <p:spPr/>
+        <p:txBody>
+          <a:bodyPr/>
+          <a:lstStyle/>
+          <a:p>
+            <a:endParaRPr lang="en-US"/>
+          </a:p>
+        </p:txBody>
+      </p:sp>
+      <p:sp>
+        <p:nvSpPr>
+          <p:cNvPr id="4" name="Kopfzeilenplatzhalter 3"/>
+          <p:cNvSpPr>
+            <a:spLocks noGrp="1"/>
+          </p:cNvSpPr>
+          <p:nvPr>
+            <p:ph type="hdr" sz="quarter" idx="10"/>
+          </p:nvPr>
+        </p:nvSpPr>
+        <p:spPr/>
+        <p:txBody>
+          <a:bodyPr/>
+          <a:lstStyle/>
+          <a:p>
+            <a:endParaRPr lang="en-US"/>
+          </a:p>
+        </p:txBody>
+      </p:sp>
+      <p:sp>
+        <p:nvSpPr>
+          <p:cNvPr id="5" name="Fußzeilenplatzhalter 4"/>
+          <p:cNvSpPr>
+            <a:spLocks noGrp="1"/>
+          </p:cNvSpPr>
+          <p:nvPr>
+            <p:ph type="ftr" sz="quarter" idx="11"/>
+          </p:nvPr>
+        </p:nvSpPr>
+        <p:spPr/>
+        <p:txBody>
+          <a:bodyPr/>
+          <a:lstStyle/>
+          <a:p>
+            <a:endParaRPr lang="en-US"/>
+          </a:p>
+        </p:txBody>
+      </p:sp>
+      <p:sp>
+        <p:nvSpPr>
+          <p:cNvPr id="6" name="Foliennummernplatzhalter 5"/>
+          <p:cNvSpPr>
+            <a:spLocks noGrp="1"/>
+          </p:cNvSpPr>
+          <p:nvPr>
+            <p:ph type="sldNum" sz="quarter" idx="12"/>
+          </p:nvPr>
+        </p:nvSpPr>
+        <p:spPr/>
+        <p:txBody>
+          <a:bodyPr/>
+          <a:lstStyle/>
+          <a:p>
+            <a:fld id="{3658F27A-C96B-492B-AEF7-AE64154AD71B}" type="slidenum">
+              <a:rPr lang="en-US" smtClean="0"/>
+              <a:t>3</a:t>
+            </a:fld>
+            <a:endParaRPr lang="en-US"/>
+          </a:p>
+        </p:txBody>
+      </p:sp>
+    </p:spTree>
+    <p:extLst>
+      <p:ext uri="{BB962C8B-B14F-4D97-AF65-F5344CB8AC3E}">
+        <p14:creationId xmlns:p14="http://schemas.microsoft.com/office/powerpoint/2010/main" val="2045617657"/>
+      </p:ext>
+    </p:extLst>
+  </p:cSld>
+  <p:clrMapOvr>
+    <a:masterClrMapping/>
+  </p:clrMapOvr>
+</p:notes>
+</file>
+
+<file path=ppt/notesSlides/notesSlide4.xml><?xml version="1.0" encoding="utf-8"?>
+<p:notes xmlns:a="http://schemas.openxmlformats.org/drawingml/2006/main" xmlns:r="http://schemas.openxmlformats.org/officeDocument/2006/relationships" xmlns:p="http://schemas.openxmlformats.org/presentationml/2006/main">
+  <p:cSld>
+    <p:spTree>
+      <p:nvGrpSpPr>
+        <p:cNvPr id="1" name=""/>
+        <p:cNvGrpSpPr/>
+        <p:nvPr/>
+      </p:nvGrpSpPr>
+      <p:grpSpPr>
+        <a:xfrm>
+          <a:off x="0" y="0"/>
+          <a:ext cx="0" cy="0"/>
+          <a:chOff x="0" y="0"/>
+          <a:chExt cx="0" cy="0"/>
+        </a:xfrm>
+      </p:grpSpPr>
+      <p:sp>
+        <p:nvSpPr>
+          <p:cNvPr id="2" name="Folienbildplatzhalter 1"/>
+          <p:cNvSpPr>
+            <a:spLocks noGrp="1" noRot="1" noChangeAspect="1"/>
+          </p:cNvSpPr>
+          <p:nvPr>
+            <p:ph type="sldImg"/>
+          </p:nvPr>
+        </p:nvSpPr>
+        <p:spPr/>
+      </p:sp>
+      <p:sp>
+        <p:nvSpPr>
+          <p:cNvPr id="3" name="Notizenplatzhalter 2"/>
+          <p:cNvSpPr>
+            <a:spLocks noGrp="1"/>
+          </p:cNvSpPr>
+          <p:nvPr>
+            <p:ph type="body" idx="1"/>
+          </p:nvPr>
+        </p:nvSpPr>
+        <p:spPr/>
+        <p:txBody>
+          <a:bodyPr/>
+          <a:lstStyle/>
+          <a:p>
+            <a:endParaRPr lang="en-US"/>
+          </a:p>
+        </p:txBody>
+      </p:sp>
+      <p:sp>
+        <p:nvSpPr>
+          <p:cNvPr id="4" name="Kopfzeilenplatzhalter 3"/>
+          <p:cNvSpPr>
+            <a:spLocks noGrp="1"/>
+          </p:cNvSpPr>
+          <p:nvPr>
+            <p:ph type="hdr" sz="quarter" idx="10"/>
+          </p:nvPr>
+        </p:nvSpPr>
+        <p:spPr/>
+        <p:txBody>
+          <a:bodyPr/>
+          <a:lstStyle/>
+          <a:p>
+            <a:endParaRPr lang="en-US"/>
+          </a:p>
+        </p:txBody>
+      </p:sp>
+      <p:sp>
+        <p:nvSpPr>
+          <p:cNvPr id="5" name="Fußzeilenplatzhalter 4"/>
+          <p:cNvSpPr>
+            <a:spLocks noGrp="1"/>
+          </p:cNvSpPr>
+          <p:nvPr>
+            <p:ph type="ftr" sz="quarter" idx="11"/>
+          </p:nvPr>
+        </p:nvSpPr>
+        <p:spPr/>
+        <p:txBody>
+          <a:bodyPr/>
+          <a:lstStyle/>
+          <a:p>
+            <a:endParaRPr lang="en-US"/>
+          </a:p>
+        </p:txBody>
+      </p:sp>
+      <p:sp>
+        <p:nvSpPr>
+          <p:cNvPr id="6" name="Foliennummernplatzhalter 5"/>
+          <p:cNvSpPr>
+            <a:spLocks noGrp="1"/>
+          </p:cNvSpPr>
+          <p:nvPr>
+            <p:ph type="sldNum" sz="quarter" idx="12"/>
+          </p:nvPr>
+        </p:nvSpPr>
+        <p:spPr/>
+        <p:txBody>
+          <a:bodyPr/>
+          <a:lstStyle/>
+          <a:p>
+            <a:fld id="{3658F27A-C96B-492B-AEF7-AE64154AD71B}" type="slidenum">
+              <a:rPr lang="en-US" smtClean="0"/>
+              <a:t>4</a:t>
+            </a:fld>
+            <a:endParaRPr lang="en-US"/>
+          </a:p>
+        </p:txBody>
+      </p:sp>
+    </p:spTree>
+    <p:extLst>
+      <p:ext uri="{BB962C8B-B14F-4D97-AF65-F5344CB8AC3E}">
+        <p14:creationId xmlns:p14="http://schemas.microsoft.com/office/powerpoint/2010/main" val="2600088592"/>
+      </p:ext>
+    </p:extLst>
+  </p:cSld>
+  <p:clrMapOvr>
+    <a:masterClrMapping/>
+  </p:clrMapOvr>
+</p:notes>
+</file>
+
+<file path=ppt/notesSlides/notesSlide5.xml><?xml version="1.0" encoding="utf-8"?>
+<p:notes xmlns:a="http://schemas.openxmlformats.org/drawingml/2006/main" xmlns:r="http://schemas.openxmlformats.org/officeDocument/2006/relationships" xmlns:p="http://schemas.openxmlformats.org/presentationml/2006/main">
+  <p:cSld>
+    <p:spTree>
+      <p:nvGrpSpPr>
+        <p:cNvPr id="1" name=""/>
+        <p:cNvGrpSpPr/>
+        <p:nvPr/>
+      </p:nvGrpSpPr>
+      <p:grpSpPr>
+        <a:xfrm>
+          <a:off x="0" y="0"/>
+          <a:ext cx="0" cy="0"/>
+          <a:chOff x="0" y="0"/>
+          <a:chExt cx="0" cy="0"/>
+        </a:xfrm>
+      </p:grpSpPr>
+      <p:sp>
+        <p:nvSpPr>
+          <p:cNvPr id="2" name="Folienbildplatzhalter 1"/>
+          <p:cNvSpPr>
+            <a:spLocks noGrp="1" noRot="1" noChangeAspect="1"/>
+          </p:cNvSpPr>
+          <p:nvPr>
+            <p:ph type="sldImg"/>
+          </p:nvPr>
+        </p:nvSpPr>
+        <p:spPr/>
+      </p:sp>
+      <p:sp>
+        <p:nvSpPr>
+          <p:cNvPr id="3" name="Notizenplatzhalter 2"/>
+          <p:cNvSpPr>
+            <a:spLocks noGrp="1"/>
+          </p:cNvSpPr>
+          <p:nvPr>
+            <p:ph type="body" idx="1"/>
+          </p:nvPr>
+        </p:nvSpPr>
+        <p:spPr/>
+        <p:txBody>
+          <a:bodyPr/>
+          <a:lstStyle/>
+          <a:p>
+            <a:endParaRPr lang="en-US"/>
+          </a:p>
+        </p:txBody>
+      </p:sp>
+      <p:sp>
+        <p:nvSpPr>
+          <p:cNvPr id="4" name="Kopfzeilenplatzhalter 3"/>
+          <p:cNvSpPr>
+            <a:spLocks noGrp="1"/>
+          </p:cNvSpPr>
+          <p:nvPr>
+            <p:ph type="hdr" sz="quarter" idx="10"/>
+          </p:nvPr>
+        </p:nvSpPr>
+        <p:spPr/>
+        <p:txBody>
+          <a:bodyPr/>
+          <a:lstStyle/>
+          <a:p>
+            <a:endParaRPr lang="en-US"/>
+          </a:p>
+        </p:txBody>
+      </p:sp>
+      <p:sp>
+        <p:nvSpPr>
+          <p:cNvPr id="5" name="Fußzeilenplatzhalter 4"/>
+          <p:cNvSpPr>
+            <a:spLocks noGrp="1"/>
+          </p:cNvSpPr>
+          <p:nvPr>
+            <p:ph type="ftr" sz="quarter" idx="11"/>
+          </p:nvPr>
+        </p:nvSpPr>
+        <p:spPr/>
+        <p:txBody>
+          <a:bodyPr/>
+          <a:lstStyle/>
+          <a:p>
+            <a:endParaRPr lang="en-US"/>
+          </a:p>
+        </p:txBody>
+      </p:sp>
+      <p:sp>
+        <p:nvSpPr>
+          <p:cNvPr id="6" name="Foliennummernplatzhalter 5"/>
+          <p:cNvSpPr>
+            <a:spLocks noGrp="1"/>
+          </p:cNvSpPr>
+          <p:nvPr>
+            <p:ph type="sldNum" sz="quarter" idx="12"/>
+          </p:nvPr>
+        </p:nvSpPr>
+        <p:spPr/>
+        <p:txBody>
+          <a:bodyPr/>
+          <a:lstStyle/>
+          <a:p>
+            <a:fld id="{3658F27A-C96B-492B-AEF7-AE64154AD71B}" type="slidenum">
+              <a:rPr lang="en-US" smtClean="0"/>
+              <a:t>5</a:t>
+            </a:fld>
+            <a:endParaRPr lang="en-US"/>
+          </a:p>
+        </p:txBody>
+      </p:sp>
+    </p:spTree>
+    <p:extLst>
+      <p:ext uri="{BB962C8B-B14F-4D97-AF65-F5344CB8AC3E}">
+        <p14:creationId xmlns:p14="http://schemas.microsoft.com/office/powerpoint/2010/main" val="4234826835"/>
+      </p:ext>
+    </p:extLst>
+  </p:cSld>
+  <p:clrMapOvr>
+    <a:masterClrMapping/>
+  </p:clrMapOvr>
+</p:notes>
+</file>
+
+<file path=ppt/notesSlides/notesSlide6.xml><?xml version="1.0" encoding="utf-8"?>
+<p:notes xmlns:a="http://schemas.openxmlformats.org/drawingml/2006/main" xmlns:r="http://schemas.openxmlformats.org/officeDocument/2006/relationships" xmlns:p="http://schemas.openxmlformats.org/presentationml/2006/main">
+  <p:cSld>
+    <p:spTree>
+      <p:nvGrpSpPr>
+        <p:cNvPr id="1" name=""/>
+        <p:cNvGrpSpPr/>
+        <p:nvPr/>
+      </p:nvGrpSpPr>
+      <p:grpSpPr>
+        <a:xfrm>
+          <a:off x="0" y="0"/>
+          <a:ext cx="0" cy="0"/>
+          <a:chOff x="0" y="0"/>
+          <a:chExt cx="0" cy="0"/>
+        </a:xfrm>
+      </p:grpSpPr>
+      <p:sp>
+        <p:nvSpPr>
+          <p:cNvPr id="2" name="Folienbildplatzhalter 1"/>
+          <p:cNvSpPr>
+            <a:spLocks noGrp="1" noRot="1" noChangeAspect="1"/>
+          </p:cNvSpPr>
+          <p:nvPr>
+            <p:ph type="sldImg"/>
+          </p:nvPr>
+        </p:nvSpPr>
+        <p:spPr/>
+      </p:sp>
+      <p:sp>
+        <p:nvSpPr>
+          <p:cNvPr id="3" name="Notizenplatzhalter 2"/>
+          <p:cNvSpPr>
+            <a:spLocks noGrp="1"/>
+          </p:cNvSpPr>
+          <p:nvPr>
+            <p:ph type="body" idx="1"/>
+          </p:nvPr>
+        </p:nvSpPr>
+        <p:spPr/>
+        <p:txBody>
+          <a:bodyPr/>
+          <a:lstStyle/>
+          <a:p>
+            <a:endParaRPr lang="en-US"/>
+          </a:p>
+        </p:txBody>
+      </p:sp>
+      <p:sp>
+        <p:nvSpPr>
+          <p:cNvPr id="4" name="Kopfzeilenplatzhalter 3"/>
+          <p:cNvSpPr>
+            <a:spLocks noGrp="1"/>
+          </p:cNvSpPr>
+          <p:nvPr>
+            <p:ph type="hdr" sz="quarter" idx="10"/>
+          </p:nvPr>
+        </p:nvSpPr>
+        <p:spPr/>
+        <p:txBody>
+          <a:bodyPr/>
+          <a:lstStyle/>
+          <a:p>
+            <a:endParaRPr lang="en-US"/>
+          </a:p>
+        </p:txBody>
+      </p:sp>
+      <p:sp>
+        <p:nvSpPr>
+          <p:cNvPr id="5" name="Fußzeilenplatzhalter 4"/>
+          <p:cNvSpPr>
+            <a:spLocks noGrp="1"/>
+          </p:cNvSpPr>
+          <p:nvPr>
+            <p:ph type="ftr" sz="quarter" idx="11"/>
+          </p:nvPr>
+        </p:nvSpPr>
+        <p:spPr/>
+        <p:txBody>
+          <a:bodyPr/>
+          <a:lstStyle/>
+          <a:p>
+            <a:endParaRPr lang="en-US"/>
+          </a:p>
+        </p:txBody>
+      </p:sp>
+      <p:sp>
+        <p:nvSpPr>
+          <p:cNvPr id="6" name="Foliennummernplatzhalter 5"/>
+          <p:cNvSpPr>
+            <a:spLocks noGrp="1"/>
+          </p:cNvSpPr>
+          <p:nvPr>
+            <p:ph type="sldNum" sz="quarter" idx="12"/>
+          </p:nvPr>
+        </p:nvSpPr>
+        <p:spPr/>
+        <p:txBody>
+          <a:bodyPr/>
+          <a:lstStyle/>
+          <a:p>
+            <a:fld id="{3658F27A-C96B-492B-AEF7-AE64154AD71B}" type="slidenum">
+              <a:rPr lang="en-US" smtClean="0"/>
+              <a:t>6</a:t>
+            </a:fld>
+            <a:endParaRPr lang="en-US"/>
+          </a:p>
+        </p:txBody>
+      </p:sp>
+    </p:spTree>
+    <p:extLst>
+      <p:ext uri="{BB962C8B-B14F-4D97-AF65-F5344CB8AC3E}">
+        <p14:creationId xmlns:p14="http://schemas.microsoft.com/office/powerpoint/2010/main" val="718246495"/>
+      </p:ext>
+    </p:extLst>
+  </p:cSld>
+  <p:clrMapOvr>
+    <a:masterClrMapping/>
+  </p:clrMapOvr>
+</p:notes>
+</file>
+
+<file path=ppt/notesSlides/notesSlide7.xml><?xml version="1.0" encoding="utf-8"?>
+<p:notes xmlns:a="http://schemas.openxmlformats.org/drawingml/2006/main" xmlns:r="http://schemas.openxmlformats.org/officeDocument/2006/relationships" xmlns:p="http://schemas.openxmlformats.org/presentationml/2006/main">
+  <p:cSld>
+    <p:spTree>
+      <p:nvGrpSpPr>
+        <p:cNvPr id="1" name=""/>
+        <p:cNvGrpSpPr/>
+        <p:nvPr/>
+      </p:nvGrpSpPr>
+      <p:grpSpPr>
+        <a:xfrm>
+          <a:off x="0" y="0"/>
+          <a:ext cx="0" cy="0"/>
+          <a:chOff x="0" y="0"/>
+          <a:chExt cx="0" cy="0"/>
+        </a:xfrm>
+      </p:grpSpPr>
+      <p:sp>
+        <p:nvSpPr>
+          <p:cNvPr id="2" name="Folienbildplatzhalter 1"/>
+          <p:cNvSpPr>
+            <a:spLocks noGrp="1" noRot="1" noChangeAspect="1"/>
+          </p:cNvSpPr>
+          <p:nvPr>
+            <p:ph type="sldImg"/>
+          </p:nvPr>
+        </p:nvSpPr>
+        <p:spPr/>
+      </p:sp>
+      <p:sp>
+        <p:nvSpPr>
+          <p:cNvPr id="3" name="Notizenplatzhalter 2"/>
+          <p:cNvSpPr>
+            <a:spLocks noGrp="1"/>
+          </p:cNvSpPr>
+          <p:nvPr>
+            <p:ph type="body" idx="1"/>
+          </p:nvPr>
+        </p:nvSpPr>
+        <p:spPr/>
+        <p:txBody>
+          <a:bodyPr/>
+          <a:lstStyle/>
+          <a:p>
+            <a:endParaRPr lang="en-US"/>
+          </a:p>
+        </p:txBody>
+      </p:sp>
+      <p:sp>
+        <p:nvSpPr>
+          <p:cNvPr id="4" name="Kopfzeilenplatzhalter 3"/>
+          <p:cNvSpPr>
+            <a:spLocks noGrp="1"/>
+          </p:cNvSpPr>
+          <p:nvPr>
+            <p:ph type="hdr" sz="quarter" idx="10"/>
+          </p:nvPr>
+        </p:nvSpPr>
+        <p:spPr/>
+        <p:txBody>
+          <a:bodyPr/>
+          <a:lstStyle/>
+          <a:p>
+            <a:endParaRPr lang="en-US"/>
+          </a:p>
+        </p:txBody>
+      </p:sp>
+      <p:sp>
+        <p:nvSpPr>
+          <p:cNvPr id="5" name="Fußzeilenplatzhalter 4"/>
+          <p:cNvSpPr>
+            <a:spLocks noGrp="1"/>
+          </p:cNvSpPr>
+          <p:nvPr>
+            <p:ph type="ftr" sz="quarter" idx="11"/>
+          </p:nvPr>
+        </p:nvSpPr>
+        <p:spPr/>
+        <p:txBody>
+          <a:bodyPr/>
+          <a:lstStyle/>
+          <a:p>
+            <a:endParaRPr lang="en-US"/>
+          </a:p>
+        </p:txBody>
+      </p:sp>
+      <p:sp>
+        <p:nvSpPr>
+          <p:cNvPr id="6" name="Foliennummernplatzhalter 5"/>
+          <p:cNvSpPr>
+            <a:spLocks noGrp="1"/>
+          </p:cNvSpPr>
+          <p:nvPr>
+            <p:ph type="sldNum" sz="quarter" idx="12"/>
+          </p:nvPr>
+        </p:nvSpPr>
+        <p:spPr/>
+        <p:txBody>
+          <a:bodyPr/>
+          <a:lstStyle/>
+          <a:p>
+            <a:fld id="{3658F27A-C96B-492B-AEF7-AE64154AD71B}" type="slidenum">
+              <a:rPr lang="en-US" smtClean="0"/>
+              <a:t>7</a:t>
+            </a:fld>
+            <a:endParaRPr lang="en-US"/>
+          </a:p>
+        </p:txBody>
+      </p:sp>
+    </p:spTree>
+    <p:extLst>
+      <p:ext uri="{BB962C8B-B14F-4D97-AF65-F5344CB8AC3E}">
+        <p14:creationId xmlns:p14="http://schemas.microsoft.com/office/powerpoint/2010/main" val="3848155173"/>
+      </p:ext>
+    </p:extLst>
+  </p:cSld>
+  <p:clrMapOvr>
+    <a:masterClrMapping/>
+  </p:clrMapOvr>
+</p:notes>
+</file>
+
+<file path=ppt/notesSlides/notesSlide8.xml><?xml version="1.0" encoding="utf-8"?>
+<p:notes xmlns:a="http://schemas.openxmlformats.org/drawingml/2006/main" xmlns:r="http://schemas.openxmlformats.org/officeDocument/2006/relationships" xmlns:p="http://schemas.openxmlformats.org/presentationml/2006/main">
+  <p:cSld>
+    <p:spTree>
+      <p:nvGrpSpPr>
+        <p:cNvPr id="1" name=""/>
+        <p:cNvGrpSpPr/>
+        <p:nvPr/>
+      </p:nvGrpSpPr>
+      <p:grpSpPr>
+        <a:xfrm>
+          <a:off x="0" y="0"/>
+          <a:ext cx="0" cy="0"/>
+          <a:chOff x="0" y="0"/>
+          <a:chExt cx="0" cy="0"/>
+        </a:xfrm>
+      </p:grpSpPr>
+      <p:sp>
+        <p:nvSpPr>
+          <p:cNvPr id="2" name="Folienbildplatzhalter 1"/>
+          <p:cNvSpPr>
+            <a:spLocks noGrp="1" noRot="1" noChangeAspect="1"/>
+          </p:cNvSpPr>
+          <p:nvPr>
+            <p:ph type="sldImg"/>
+          </p:nvPr>
+        </p:nvSpPr>
+        <p:spPr/>
+      </p:sp>
+      <p:sp>
+        <p:nvSpPr>
+          <p:cNvPr id="3" name="Notizenplatzhalter 2"/>
+          <p:cNvSpPr>
+            <a:spLocks noGrp="1"/>
+          </p:cNvSpPr>
+          <p:nvPr>
+            <p:ph type="body" idx="1"/>
+          </p:nvPr>
+        </p:nvSpPr>
+        <p:spPr/>
+        <p:txBody>
+          <a:bodyPr/>
+          <a:lstStyle/>
+          <a:p>
+            <a:endParaRPr lang="en-US"/>
+          </a:p>
+        </p:txBody>
+      </p:sp>
+      <p:sp>
+        <p:nvSpPr>
+          <p:cNvPr id="4" name="Kopfzeilenplatzhalter 3"/>
+          <p:cNvSpPr>
+            <a:spLocks noGrp="1"/>
+          </p:cNvSpPr>
+          <p:nvPr>
+            <p:ph type="hdr" sz="quarter" idx="10"/>
+          </p:nvPr>
+        </p:nvSpPr>
+        <p:spPr/>
+        <p:txBody>
+          <a:bodyPr/>
+          <a:lstStyle/>
+          <a:p>
+            <a:endParaRPr lang="en-US"/>
+          </a:p>
+        </p:txBody>
+      </p:sp>
+      <p:sp>
+        <p:nvSpPr>
+          <p:cNvPr id="5" name="Fußzeilenplatzhalter 4"/>
+          <p:cNvSpPr>
+            <a:spLocks noGrp="1"/>
+          </p:cNvSpPr>
+          <p:nvPr>
+            <p:ph type="ftr" sz="quarter" idx="11"/>
+          </p:nvPr>
+        </p:nvSpPr>
+        <p:spPr/>
+        <p:txBody>
+          <a:bodyPr/>
+          <a:lstStyle/>
+          <a:p>
+            <a:endParaRPr lang="en-US"/>
+          </a:p>
+        </p:txBody>
+      </p:sp>
+      <p:sp>
+        <p:nvSpPr>
+          <p:cNvPr id="6" name="Foliennummernplatzhalter 5"/>
+          <p:cNvSpPr>
+            <a:spLocks noGrp="1"/>
+          </p:cNvSpPr>
+          <p:nvPr>
+            <p:ph type="sldNum" sz="quarter" idx="12"/>
+          </p:nvPr>
+        </p:nvSpPr>
+        <p:spPr/>
+        <p:txBody>
+          <a:bodyPr/>
+          <a:lstStyle/>
+          <a:p>
+            <a:fld id="{3658F27A-C96B-492B-AEF7-AE64154AD71B}" type="slidenum">
+              <a:rPr lang="en-US" smtClean="0"/>
+              <a:t>8</a:t>
+            </a:fld>
+            <a:endParaRPr lang="en-US"/>
+          </a:p>
+        </p:txBody>
+      </p:sp>
+    </p:spTree>
+    <p:extLst>
+      <p:ext uri="{BB962C8B-B14F-4D97-AF65-F5344CB8AC3E}">
+        <p14:creationId xmlns:p14="http://schemas.microsoft.com/office/powerpoint/2010/main" val="3640614070"/>
+      </p:ext>
+    </p:extLst>
+  </p:cSld>
+  <p:clrMapOvr>
+    <a:masterClrMapping/>
+  </p:clrMapOvr>
+</p:notes>
+</file>
+
+<file path=ppt/notesSlides/notesSlide9.xml><?xml version="1.0" encoding="utf-8"?>
+<p:notes xmlns:a="http://schemas.openxmlformats.org/drawingml/2006/main" xmlns:r="http://schemas.openxmlformats.org/officeDocument/2006/relationships" xmlns:p="http://schemas.openxmlformats.org/presentationml/2006/main">
+  <p:cSld>
+    <p:spTree>
+      <p:nvGrpSpPr>
+        <p:cNvPr id="1" name=""/>
+        <p:cNvGrpSpPr/>
+        <p:nvPr/>
+      </p:nvGrpSpPr>
+      <p:grpSpPr>
+        <a:xfrm>
+          <a:off x="0" y="0"/>
+          <a:ext cx="0" cy="0"/>
+          <a:chOff x="0" y="0"/>
+          <a:chExt cx="0" cy="0"/>
+        </a:xfrm>
+      </p:grpSpPr>
+      <p:sp>
+        <p:nvSpPr>
+          <p:cNvPr id="2" name="Folienbildplatzhalter 1"/>
+          <p:cNvSpPr>
+            <a:spLocks noGrp="1" noRot="1" noChangeAspect="1"/>
+          </p:cNvSpPr>
+          <p:nvPr>
+            <p:ph type="sldImg"/>
+          </p:nvPr>
+        </p:nvSpPr>
+        <p:spPr/>
+      </p:sp>
+      <p:sp>
+        <p:nvSpPr>
+          <p:cNvPr id="3" name="Notizenplatzhalter 2"/>
+          <p:cNvSpPr>
+            <a:spLocks noGrp="1"/>
+          </p:cNvSpPr>
+          <p:nvPr>
+            <p:ph type="body" idx="1"/>
+          </p:nvPr>
+        </p:nvSpPr>
+        <p:spPr/>
+        <p:txBody>
+          <a:bodyPr/>
+          <a:lstStyle/>
+          <a:p>
+            <a:endParaRPr lang="en-US"/>
+          </a:p>
+        </p:txBody>
+      </p:sp>
+      <p:sp>
+        <p:nvSpPr>
+          <p:cNvPr id="4" name="Kopfzeilenplatzhalter 3"/>
+          <p:cNvSpPr>
+            <a:spLocks noGrp="1"/>
+          </p:cNvSpPr>
+          <p:nvPr>
+            <p:ph type="hdr" sz="quarter" idx="10"/>
+          </p:nvPr>
+        </p:nvSpPr>
+        <p:spPr/>
+        <p:txBody>
+          <a:bodyPr/>
+          <a:lstStyle/>
+          <a:p>
+            <a:endParaRPr lang="en-US"/>
+          </a:p>
+        </p:txBody>
+      </p:sp>
+      <p:sp>
+        <p:nvSpPr>
+          <p:cNvPr id="5" name="Fußzeilenplatzhalter 4"/>
+          <p:cNvSpPr>
+            <a:spLocks noGrp="1"/>
+          </p:cNvSpPr>
+          <p:nvPr>
+            <p:ph type="ftr" sz="quarter" idx="11"/>
+          </p:nvPr>
+        </p:nvSpPr>
+        <p:spPr/>
+        <p:txBody>
+          <a:bodyPr/>
+          <a:lstStyle/>
+          <a:p>
+            <a:endParaRPr lang="en-US"/>
+          </a:p>
+        </p:txBody>
+      </p:sp>
+      <p:sp>
+        <p:nvSpPr>
+          <p:cNvPr id="6" name="Foliennummernplatzhalter 5"/>
+          <p:cNvSpPr>
+            <a:spLocks noGrp="1"/>
+          </p:cNvSpPr>
+          <p:nvPr>
+            <p:ph type="sldNum" sz="quarter" idx="12"/>
+          </p:nvPr>
+        </p:nvSpPr>
+        <p:spPr/>
+        <p:txBody>
+          <a:bodyPr/>
+          <a:lstStyle/>
+          <a:p>
+            <a:fld id="{3658F27A-C96B-492B-AEF7-AE64154AD71B}" type="slidenum">
+              <a:rPr lang="en-US" smtClean="0"/>
+              <a:t>9</a:t>
+            </a:fld>
+            <a:endParaRPr lang="en-US"/>
+          </a:p>
+        </p:txBody>
+      </p:sp>
+    </p:spTree>
+    <p:extLst>
+      <p:ext uri="{BB962C8B-B14F-4D97-AF65-F5344CB8AC3E}">
+        <p14:creationId xmlns:p14="http://schemas.microsoft.com/office/powerpoint/2010/main" val="1556460054"/>
+      </p:ext>
+    </p:extLst>
+  </p:cSld>
+  <p:clrMapOvr>
+    <a:masterClrMapping/>
+  </p:clrMapOvr>
+</p:notes>
 </file>
 
 <file path=ppt/slideLayouts/slideLayout1.xml><?xml version="1.0" encoding="utf-8"?>
@@ -3454,54 +6923,82 @@
           <a:chExt cx="0" cy="0"/>
         </a:xfrm>
       </p:grpSpPr>
-      <p:sp>
-        <p:nvSpPr>
-          <p:cNvPr id="2" name="Titel 1"/>
-          <p:cNvSpPr>
-            <a:spLocks noGrp="1"/>
-          </p:cNvSpPr>
-          <p:nvPr>
-            <p:ph type="title"/>
-          </p:nvPr>
-        </p:nvSpPr>
-        <p:spPr/>
-        <p:txBody>
-          <a:bodyPr>
-            <a:normAutofit/>
-          </a:bodyPr>
-          <a:lstStyle/>
-          <a:p>
-            <a:r>
-              <a:rPr lang="de-DE" dirty="0" smtClean="0"/>
-              <a:t>Vorgehen – Entwurfsphase</a:t>
-            </a:r>
-            <a:endParaRPr lang="de-DE" dirty="0"/>
-          </a:p>
-        </p:txBody>
-      </p:sp>
-      <p:sp>
-        <p:nvSpPr>
-          <p:cNvPr id="3" name="Inhaltsplatzhalter 2"/>
-          <p:cNvSpPr>
-            <a:spLocks noGrp="1"/>
-          </p:cNvSpPr>
-          <p:nvPr>
-            <p:ph idx="1"/>
-          </p:nvPr>
-        </p:nvSpPr>
-        <p:spPr/>
-        <p:txBody>
-          <a:bodyPr/>
-          <a:lstStyle/>
-          <a:p>
-            <a:endParaRPr lang="de-DE"/>
-          </a:p>
-        </p:txBody>
-      </p:sp>
+      <p:pic>
+        <p:nvPicPr>
+          <p:cNvPr id="5" name="Grafik 4"/>
+          <p:cNvPicPr>
+            <a:picLocks noChangeAspect="1"/>
+          </p:cNvPicPr>
+          <p:nvPr/>
+        </p:nvPicPr>
+        <p:blipFill>
+          <a:blip r:embed="rId3"/>
+          <a:stretch>
+            <a:fillRect/>
+          </a:stretch>
+        </p:blipFill>
+        <p:spPr>
+          <a:xfrm>
+            <a:off x="3923928" y="1652295"/>
+            <a:ext cx="4574666" cy="3553410"/>
+          </a:xfrm>
+          <a:prstGeom prst="rect">
+            <a:avLst/>
+          </a:prstGeom>
+        </p:spPr>
+      </p:pic>
+      <p:pic>
+        <p:nvPicPr>
+          <p:cNvPr id="6" name="Grafik 5"/>
+          <p:cNvPicPr>
+            <a:picLocks noChangeAspect="1"/>
+          </p:cNvPicPr>
+          <p:nvPr/>
+        </p:nvPicPr>
+        <p:blipFill>
+          <a:blip r:embed="rId4"/>
+          <a:stretch>
+            <a:fillRect/>
+          </a:stretch>
+        </p:blipFill>
+        <p:spPr>
+          <a:xfrm>
+            <a:off x="1691680" y="2028625"/>
+            <a:ext cx="2016224" cy="3177080"/>
+          </a:xfrm>
+          <a:prstGeom prst="rect">
+            <a:avLst/>
+          </a:prstGeom>
+        </p:spPr>
+      </p:pic>
+      <p:pic>
+        <p:nvPicPr>
+          <p:cNvPr id="7" name="Grafik 6"/>
+          <p:cNvPicPr>
+            <a:picLocks noChangeAspect="1"/>
+          </p:cNvPicPr>
+          <p:nvPr/>
+        </p:nvPicPr>
+        <p:blipFill>
+          <a:blip r:embed="rId5"/>
+          <a:stretch>
+            <a:fillRect/>
+          </a:stretch>
+        </p:blipFill>
+        <p:spPr>
+          <a:xfrm>
+            <a:off x="561384" y="856087"/>
+            <a:ext cx="1994393" cy="1325615"/>
+          </a:xfrm>
+          <a:prstGeom prst="rect">
+            <a:avLst/>
+          </a:prstGeom>
+        </p:spPr>
+      </p:pic>
     </p:spTree>
     <p:extLst>
       <p:ext uri="{BB962C8B-B14F-4D97-AF65-F5344CB8AC3E}">
-        <p14:creationId xmlns:p14="http://schemas.microsoft.com/office/powerpoint/2010/main" val="3916082390"/>
+        <p14:creationId xmlns:p14="http://schemas.microsoft.com/office/powerpoint/2010/main" val="2730301099"/>
       </p:ext>
     </p:extLst>
   </p:cSld>
@@ -3511,7 +7008,75 @@
   <p:timing>
     <p:tnLst>
       <p:par>
-        <p:cTn id="1" dur="indefinite" restart="never" nodeType="tmRoot"/>
+        <p:cTn id="1" dur="indefinite" restart="never" nodeType="tmRoot">
+          <p:childTnLst>
+            <p:seq concurrent="1" nextAc="seek">
+              <p:cTn id="2" dur="indefinite" nodeType="mainSeq">
+                <p:childTnLst>
+                  <p:par>
+                    <p:cTn id="3" fill="hold">
+                      <p:stCondLst>
+                        <p:cond delay="indefinite"/>
+                      </p:stCondLst>
+                      <p:childTnLst>
+                        <p:par>
+                          <p:cTn id="4" fill="hold">
+                            <p:stCondLst>
+                              <p:cond delay="0"/>
+                            </p:stCondLst>
+                            <p:childTnLst>
+                              <p:par>
+                                <p:cTn id="5" presetID="1" presetClass="entr" presetSubtype="0" fill="hold" nodeType="clickEffect">
+                                  <p:stCondLst>
+                                    <p:cond delay="0"/>
+                                  </p:stCondLst>
+                                  <p:childTnLst>
+                                    <p:set>
+                                      <p:cBhvr>
+                                        <p:cTn id="6" dur="1" fill="hold">
+                                          <p:stCondLst>
+                                            <p:cond delay="0"/>
+                                          </p:stCondLst>
+                                        </p:cTn>
+                                        <p:tgtEl>
+                                          <p:spTgt spid="7"/>
+                                        </p:tgtEl>
+                                        <p:attrNameLst>
+                                          <p:attrName>style.visibility</p:attrName>
+                                        </p:attrNameLst>
+                                      </p:cBhvr>
+                                      <p:to>
+                                        <p:strVal val="visible"/>
+                                      </p:to>
+                                    </p:set>
+                                  </p:childTnLst>
+                                </p:cTn>
+                              </p:par>
+                            </p:childTnLst>
+                          </p:cTn>
+                        </p:par>
+                      </p:childTnLst>
+                    </p:cTn>
+                  </p:par>
+                </p:childTnLst>
+              </p:cTn>
+              <p:prevCondLst>
+                <p:cond evt="onPrev" delay="0">
+                  <p:tgtEl>
+                    <p:sldTgt/>
+                  </p:tgtEl>
+                </p:cond>
+              </p:prevCondLst>
+              <p:nextCondLst>
+                <p:cond evt="onNext" delay="0">
+                  <p:tgtEl>
+                    <p:sldTgt/>
+                  </p:tgtEl>
+                </p:cond>
+              </p:nextCondLst>
+            </p:seq>
+          </p:childTnLst>
+        </p:cTn>
       </p:par>
     </p:tnLst>
   </p:timing>
@@ -3535,81 +7100,178 @@
           <a:chExt cx="0" cy="0"/>
         </a:xfrm>
       </p:grpSpPr>
-      <p:sp>
-        <p:nvSpPr>
-          <p:cNvPr id="2" name="Titel 1"/>
-          <p:cNvSpPr>
-            <a:spLocks noGrp="1"/>
-          </p:cNvSpPr>
-          <p:nvPr>
-            <p:ph type="title"/>
-          </p:nvPr>
-        </p:nvSpPr>
-        <p:spPr/>
-        <p:txBody>
-          <a:bodyPr>
-            <a:normAutofit fontScale="90000"/>
-          </a:bodyPr>
-          <a:lstStyle/>
-          <a:p>
-            <a:r>
-              <a:rPr lang="de-DE" dirty="0" smtClean="0"/>
-              <a:t>Vorgehen – Implementierungsphase</a:t>
-            </a:r>
-            <a:endParaRPr lang="de-DE" dirty="0"/>
-          </a:p>
-        </p:txBody>
-      </p:sp>
-      <p:sp>
-        <p:nvSpPr>
-          <p:cNvPr id="3" name="Inhaltsplatzhalter 2"/>
-          <p:cNvSpPr>
-            <a:spLocks noGrp="1"/>
-          </p:cNvSpPr>
-          <p:nvPr>
-            <p:ph idx="1"/>
-          </p:nvPr>
-        </p:nvSpPr>
-        <p:spPr/>
-        <p:txBody>
-          <a:bodyPr/>
-          <a:lstStyle/>
-          <a:p>
-            <a:endParaRPr lang="de-DE" dirty="0" smtClean="0"/>
-          </a:p>
-          <a:p>
-            <a:r>
-              <a:rPr lang="de-DE" dirty="0" smtClean="0"/>
-              <a:t>Benutzeroberflächen</a:t>
-            </a:r>
-          </a:p>
-          <a:p>
-            <a:endParaRPr lang="de-DE" dirty="0"/>
-          </a:p>
-          <a:p>
-            <a:r>
-              <a:rPr lang="de-DE" dirty="0" smtClean="0"/>
-              <a:t>Backendlogik</a:t>
-            </a:r>
-          </a:p>
-          <a:p>
-            <a:endParaRPr lang="de-DE" dirty="0"/>
-          </a:p>
-          <a:p>
-            <a:r>
-              <a:rPr lang="de-DE" dirty="0" smtClean="0"/>
-              <a:t>Datenbank</a:t>
-            </a:r>
-          </a:p>
-          <a:p>
-            <a:endParaRPr lang="de-DE" dirty="0"/>
-          </a:p>
-        </p:txBody>
-      </p:sp>
+      <p:pic>
+        <p:nvPicPr>
+          <p:cNvPr id="4" name="Grafik 3"/>
+          <p:cNvPicPr>
+            <a:picLocks noChangeAspect="1"/>
+          </p:cNvPicPr>
+          <p:nvPr/>
+        </p:nvPicPr>
+        <p:blipFill>
+          <a:blip r:embed="rId3"/>
+          <a:stretch>
+            <a:fillRect/>
+          </a:stretch>
+        </p:blipFill>
+        <p:spPr>
+          <a:xfrm>
+            <a:off x="1466089" y="1813940"/>
+            <a:ext cx="945671" cy="1471044"/>
+          </a:xfrm>
+          <a:prstGeom prst="rect">
+            <a:avLst/>
+          </a:prstGeom>
+        </p:spPr>
+      </p:pic>
+      <p:pic>
+        <p:nvPicPr>
+          <p:cNvPr id="5" name="Grafik 4"/>
+          <p:cNvPicPr>
+            <a:picLocks noChangeAspect="1"/>
+          </p:cNvPicPr>
+          <p:nvPr/>
+        </p:nvPicPr>
+        <p:blipFill>
+          <a:blip r:embed="rId3"/>
+          <a:stretch>
+            <a:fillRect/>
+          </a:stretch>
+        </p:blipFill>
+        <p:spPr>
+          <a:xfrm>
+            <a:off x="3586673" y="4200524"/>
+            <a:ext cx="985327" cy="1532731"/>
+          </a:xfrm>
+          <a:prstGeom prst="rect">
+            <a:avLst/>
+          </a:prstGeom>
+        </p:spPr>
+      </p:pic>
+      <p:pic>
+        <p:nvPicPr>
+          <p:cNvPr id="6" name="Grafik 5"/>
+          <p:cNvPicPr>
+            <a:picLocks noChangeAspect="1"/>
+          </p:cNvPicPr>
+          <p:nvPr/>
+        </p:nvPicPr>
+        <p:blipFill>
+          <a:blip r:embed="rId3"/>
+          <a:stretch>
+            <a:fillRect/>
+          </a:stretch>
+        </p:blipFill>
+        <p:spPr>
+          <a:xfrm>
+            <a:off x="6615164" y="2691765"/>
+            <a:ext cx="1017219" cy="1582340"/>
+          </a:xfrm>
+          <a:prstGeom prst="rect">
+            <a:avLst/>
+          </a:prstGeom>
+        </p:spPr>
+      </p:pic>
+      <p:pic>
+        <p:nvPicPr>
+          <p:cNvPr id="7" name="Grafik 6"/>
+          <p:cNvPicPr>
+            <a:picLocks noChangeAspect="1"/>
+          </p:cNvPicPr>
+          <p:nvPr/>
+        </p:nvPicPr>
+        <p:blipFill>
+          <a:blip r:embed="rId4"/>
+          <a:stretch>
+            <a:fillRect/>
+          </a:stretch>
+        </p:blipFill>
+        <p:spPr>
+          <a:xfrm>
+            <a:off x="2843808" y="3509724"/>
+            <a:ext cx="1057275" cy="764381"/>
+          </a:xfrm>
+          <a:prstGeom prst="rect">
+            <a:avLst/>
+          </a:prstGeom>
+        </p:spPr>
+      </p:pic>
+      <p:pic>
+        <p:nvPicPr>
+          <p:cNvPr id="8" name="Grafik 7"/>
+          <p:cNvPicPr>
+            <a:picLocks noChangeAspect="1"/>
+          </p:cNvPicPr>
+          <p:nvPr/>
+        </p:nvPicPr>
+        <p:blipFill>
+          <a:blip r:embed="rId4"/>
+          <a:stretch>
+            <a:fillRect/>
+          </a:stretch>
+        </p:blipFill>
+        <p:spPr>
+          <a:xfrm>
+            <a:off x="539552" y="1049559"/>
+            <a:ext cx="1057275" cy="764381"/>
+          </a:xfrm>
+          <a:prstGeom prst="rect">
+            <a:avLst/>
+          </a:prstGeom>
+        </p:spPr>
+      </p:pic>
+      <p:pic>
+        <p:nvPicPr>
+          <p:cNvPr id="9" name="Grafik 8"/>
+          <p:cNvPicPr>
+            <a:picLocks noChangeAspect="1"/>
+          </p:cNvPicPr>
+          <p:nvPr/>
+        </p:nvPicPr>
+        <p:blipFill>
+          <a:blip r:embed="rId4"/>
+          <a:stretch>
+            <a:fillRect/>
+          </a:stretch>
+        </p:blipFill>
+        <p:spPr>
+          <a:xfrm>
+            <a:off x="6087047" y="2031826"/>
+            <a:ext cx="1057275" cy="764381"/>
+          </a:xfrm>
+          <a:prstGeom prst="rect">
+            <a:avLst/>
+          </a:prstGeom>
+        </p:spPr>
+      </p:pic>
+      <p:pic>
+        <p:nvPicPr>
+          <p:cNvPr id="10" name="Grafik 9"/>
+          <p:cNvPicPr>
+            <a:picLocks noChangeAspect="1"/>
+          </p:cNvPicPr>
+          <p:nvPr/>
+        </p:nvPicPr>
+        <p:blipFill>
+          <a:blip r:embed="rId5"/>
+          <a:stretch>
+            <a:fillRect/>
+          </a:stretch>
+        </p:blipFill>
+        <p:spPr>
+          <a:xfrm>
+            <a:off x="9228010" y="2207705"/>
+            <a:ext cx="960613" cy="1961252"/>
+          </a:xfrm>
+          <a:prstGeom prst="rect">
+            <a:avLst/>
+          </a:prstGeom>
+        </p:spPr>
+      </p:pic>
     </p:spTree>
     <p:extLst>
       <p:ext uri="{BB962C8B-B14F-4D97-AF65-F5344CB8AC3E}">
-        <p14:creationId xmlns:p14="http://schemas.microsoft.com/office/powerpoint/2010/main" val="2802328430"/>
+        <p14:creationId xmlns:p14="http://schemas.microsoft.com/office/powerpoint/2010/main" val="1251906737"/>
       </p:ext>
     </p:extLst>
   </p:cSld>
@@ -3619,7 +7281,151 @@
   <p:timing>
     <p:tnLst>
       <p:par>
-        <p:cTn id="1" dur="indefinite" restart="never" nodeType="tmRoot"/>
+        <p:cTn id="1" dur="indefinite" restart="never" nodeType="tmRoot">
+          <p:childTnLst>
+            <p:seq concurrent="1" nextAc="seek">
+              <p:cTn id="2" dur="indefinite" nodeType="mainSeq">
+                <p:childTnLst>
+                  <p:par>
+                    <p:cTn id="3" fill="hold">
+                      <p:stCondLst>
+                        <p:cond delay="indefinite"/>
+                      </p:stCondLst>
+                      <p:childTnLst>
+                        <p:par>
+                          <p:cTn id="4" fill="hold">
+                            <p:stCondLst>
+                              <p:cond delay="0"/>
+                            </p:stCondLst>
+                            <p:childTnLst>
+                              <p:par>
+                                <p:cTn id="5" presetID="0" presetClass="path" presetSubtype="0" accel="50000" decel="50000" fill="hold" nodeType="clickEffect">
+                                  <p:stCondLst>
+                                    <p:cond delay="0"/>
+                                  </p:stCondLst>
+                                  <p:childTnLst>
+                                    <p:animMotion origin="layout" path="M -1.94444E-6 -0.00023 L -1.94444E-6 -4.81481E-6 C -0.01614 0.00093 -0.03229 0.00024 -0.04809 0.00255 C -0.05121 0.00301 -0.05399 0.00649 -0.05712 0.00811 C -0.05903 0.0088 -0.06111 0.00973 -0.06302 0.01065 C -0.07465 0.03102 -0.0684 0.02223 -0.08107 0.03727 C -0.08264 0.03889 -0.08403 0.04075 -0.08559 0.0426 C -0.08663 0.04514 -0.08715 0.04862 -0.08854 0.05047 C -0.09392 0.05695 -0.09566 0.05417 -0.10052 0.0588 C -0.10225 0.05996 -0.10364 0.0625 -0.10503 0.06389 C -0.10642 0.06528 -0.10798 0.06551 -0.10955 0.06644 C -0.11163 0.06829 -0.11371 0.06991 -0.11562 0.072 C -0.11719 0.07338 -0.1184 0.07593 -0.12014 0.07709 C -0.12378 0.0801 -0.13073 0.08334 -0.13507 0.08542 C -0.13767 0.08612 -0.14028 0.08681 -0.14253 0.08797 C -0.1441 0.08866 -0.14548 0.08959 -0.14705 0.09075 C -0.15278 0.08889 -0.1585 0.08889 -0.16354 0.08542 C -0.16528 0.08426 -0.16666 0.08033 -0.16666 0.07709 C -0.16666 0.06297 -0.16632 0.04792 -0.16354 0.0345 C -0.16215 0.02755 -0.15746 0.02431 -0.15451 0.01852 C -0.14288 -0.00439 -0.13368 -0.02476 -0.11875 -0.04259 C -0.10833 -0.05509 -0.11302 -0.05162 -0.10503 -0.05601 C -0.09548 -0.05532 -0.08594 -0.05625 -0.07673 -0.05324 C -0.07465 -0.05254 -0.07309 -0.04861 -0.07205 -0.0456 C -0.07118 -0.04305 -0.071 -0.04004 -0.07048 -0.03726 C -0.06684 -0.01388 -0.07118 -0.03796 -0.06771 -0.01898 C -0.06823 0.01575 -0.06771 0.05047 -0.06892 0.08542 C -0.06927 0.08913 -0.07118 0.09213 -0.07205 0.09584 C -0.07257 0.09838 -0.07309 0.10139 -0.07361 0.10394 C -0.0835 0.14746 -0.07396 0.10417 -0.08107 0.13334 C -0.08229 0.1375 -0.08298 0.14237 -0.0842 0.14653 C -0.09392 0.18195 -0.08264 0.13681 -0.09462 0.17315 C -0.09809 0.18357 -0.10052 0.19445 -0.10364 0.2051 C -0.10451 0.20903 -0.1059 0.21227 -0.10642 0.21598 C -0.10712 0.21875 -0.10712 0.22153 -0.10798 0.22385 C -0.11684 0.24676 -0.10885 0.21158 -0.11701 0.24815 C -0.11788 0.25139 -0.11753 0.25533 -0.11875 0.25857 C -0.12031 0.26436 -0.12291 0.26899 -0.12465 0.27454 C -0.12639 0.27987 -0.12725 0.28588 -0.12916 0.29051 C -0.13073 0.29468 -0.1335 0.29723 -0.13507 0.30116 C -0.13767 0.30695 -0.14045 0.3132 -0.14253 0.31991 C -0.14444 0.32524 -0.14496 0.33149 -0.14705 0.33588 C -0.16041 0.36528 -0.14913 0.32385 -0.16354 0.3625 C -0.16632 0.37038 -0.16805 0.37524 -0.17257 0.38125 C -0.17517 0.3845 -0.18715 0.38658 -0.18767 0.38658 C -0.18906 0.38936 -0.19028 0.3926 -0.19201 0.39445 C -0.1934 0.3963 -0.19531 0.39607 -0.19653 0.39723 C -0.19809 0.39885 -0.19948 0.40163 -0.20104 0.40278 C -0.20347 0.4044 -0.20625 0.40394 -0.2085 0.40533 C -0.21024 0.40579 -0.21163 0.40695 -0.21319 0.40811 C -0.21528 0.40903 -0.21701 0.4095 -0.21892 0.41042 C -0.22066 0.41158 -0.22205 0.4125 -0.22361 0.4132 C -0.22604 0.41459 -0.22864 0.41505 -0.23125 0.41575 C -0.23264 0.41644 -0.23403 0.41806 -0.23559 0.41875 C -0.23854 0.41968 -0.24166 0.41991 -0.24444 0.4213 C -0.246 0.422 -0.24757 0.42315 -0.24913 0.42408 C -0.25225 0.425 -0.25503 0.42524 -0.25816 0.42639 C -0.27205 0.43195 -0.24653 0.4301 -0.27916 0.43172 C -0.30469 0.43357 -0.33003 0.4338 -0.35555 0.43473 L -0.36458 0.44005 L -0.3691 0.44283 L -0.40208 0.44005 C -0.4191 0.43866 -0.43611 0.43982 -0.45312 0.43727 C -0.45486 0.43704 -0.45642 0.4345 -0.45746 0.43172 C -0.46094 0.42524 -0.46649 0.41042 -0.46649 0.41088 C -0.46719 0.40811 -0.46753 0.40533 -0.46805 0.40278 C -0.46892 0.39908 -0.47048 0.39584 -0.47118 0.39213 C -0.47205 0.3875 -0.47205 0.38311 -0.47257 0.37848 C -0.47291 0.37593 -0.47361 0.37338 -0.47413 0.37061 C -0.47465 0.36713 -0.475 0.36366 -0.47552 0.35996 C -0.47621 0.35741 -0.47673 0.35463 -0.47708 0.35186 C -0.4783 0.34468 -0.47951 0.32963 -0.48021 0.32269 C -0.47969 0.29769 -0.47847 0.27269 -0.47847 0.24815 C -0.47847 0.24283 -0.4809 0.2051 -0.4816 0.19746 C -0.48194 0.19445 -0.48264 0.1919 -0.48298 0.18913 C -0.48385 0.18496 -0.4842 0.18056 -0.48455 0.1757 C -0.48507 0.16528 -0.48541 0.15463 -0.48611 0.14375 C -0.48646 0.13959 -0.48732 0.13496 -0.4875 0.13056 C -0.48837 0.10487 -0.48663 0.05926 -0.49062 0.02663 C -0.4908 0.02385 -0.49166 0.0213 -0.49201 0.01852 C -0.49271 0.01505 -0.49271 0.01112 -0.49357 0.00811 C -0.49479 0.00487 -0.49687 0.00278 -0.49809 -0.00023 C -0.49982 -0.00393 -0.50486 -0.01944 -0.50573 -0.02129 C -0.50746 -0.02662 -0.50903 -0.03287 -0.51163 -0.03726 C -0.52274 -0.0574 -0.50903 -0.03217 -0.52048 -0.05601 C -0.52205 -0.05879 -0.52378 -0.06134 -0.52517 -0.06412 C -0.52621 -0.06643 -0.52673 -0.0699 -0.52812 -0.07199 C -0.5342 -0.08425 -0.53646 -0.0875 -0.54323 -0.09629 C -0.54462 -0.09791 -0.546 -0.1 -0.54757 -0.10138 C -0.54896 -0.10277 -0.55052 -0.10324 -0.55225 -0.10393 C -0.55868 -0.10324 -0.56528 -0.10439 -0.5717 -0.10138 C -0.57326 -0.10046 -0.57326 -0.09583 -0.57465 -0.09351 C -0.57621 -0.0905 -0.57882 -0.08842 -0.58073 -0.08541 C -0.59149 -0.06597 -0.58281 -0.0787 -0.58975 -0.06412 C -0.59097 -0.06134 -0.59271 -0.05856 -0.59392 -0.05601 C -0.59809 -0.03402 -0.59809 -0.04652 -0.59392 -0.02962 C -0.5934 -0.02662 -0.59357 -0.02337 -0.59271 -0.02129 C -0.58993 -0.01689 -0.58715 -0.01296 -0.58368 -0.01064 L -0.57465 -0.00532 C -0.56857 -0.00787 -0.56215 -0.00787 -0.5566 -0.01342 C -0.55104 -0.01921 -0.54809 -0.03032 -0.54323 -0.03726 C -0.53854 -0.04375 -0.53507 -0.04861 -0.53107 -0.05601 C -0.52673 -0.06481 -0.52344 -0.07523 -0.52048 -0.08541 C -0.51996 -0.08773 -0.51962 -0.09074 -0.5191 -0.09351 C -0.51962 -0.10393 -0.51996 -0.11504 -0.52048 -0.12546 C -0.52066 -0.12824 -0.52118 -0.13125 -0.52205 -0.13333 C -0.52326 -0.13634 -0.52465 -0.13912 -0.52673 -0.14143 C -0.52795 -0.14282 -0.53628 -0.14629 -0.53715 -0.14652 C -0.55173 -0.14513 -0.56632 -0.14513 -0.58073 -0.14143 C -0.5835 -0.14074 -0.58524 -0.13518 -0.58802 -0.13333 C -0.58923 -0.13263 -0.61007 -0.12824 -0.61059 -0.12824 C -0.61371 -0.12638 -0.61649 -0.12453 -0.61962 -0.12268 C -0.621 -0.12199 -0.62257 -0.1206 -0.62413 -0.1199 C -0.62604 -0.11921 -0.62812 -0.11851 -0.63003 -0.11736 C -0.6316 -0.11643 -0.63298 -0.1155 -0.63455 -0.11481 C -0.64288 -0.11087 -0.6434 -0.1125 -0.6526 -0.10949 C -0.65451 -0.10879 -0.65642 -0.10717 -0.6585 -0.10671 C -0.67517 -0.10231 -0.69583 -0.10254 -0.71111 -0.10138 C -0.71666 -0.09814 -0.71406 -0.09884 -0.7184 -0.09884 " pathEditMode="relative" rAng="0" ptsTypes="AAAAAAAAAAAAAAAAAAAAAAAAAAAAAAAAAAAAAAAAAAAAAAAAAAAAAAAAAAAAAAAAAAAAAAAAAAAAAAAAAAAAAAAAAAAAAAAAAAAAAAAAAAAAAAAAAAAAAAA">
+                                      <p:cBhvr>
+                                        <p:cTn id="6" dur="3000" fill="hold"/>
+                                        <p:tgtEl>
+                                          <p:spTgt spid="10"/>
+                                        </p:tgtEl>
+                                        <p:attrNameLst>
+                                          <p:attrName>ppt_x</p:attrName>
+                                          <p:attrName>ppt_y</p:attrName>
+                                        </p:attrNameLst>
+                                      </p:cBhvr>
+                                      <p:rCtr x="-35920" y="14838"/>
+                                    </p:animMotion>
+                                  </p:childTnLst>
+                                </p:cTn>
+                              </p:par>
+                              <p:par>
+                                <p:cTn id="7" presetID="1" presetClass="entr" presetSubtype="0" fill="hold" nodeType="withEffect">
+                                  <p:stCondLst>
+                                    <p:cond delay="1000"/>
+                                  </p:stCondLst>
+                                  <p:childTnLst>
+                                    <p:set>
+                                      <p:cBhvr>
+                                        <p:cTn id="8" dur="1" fill="hold">
+                                          <p:stCondLst>
+                                            <p:cond delay="0"/>
+                                          </p:stCondLst>
+                                        </p:cTn>
+                                        <p:tgtEl>
+                                          <p:spTgt spid="9"/>
+                                        </p:tgtEl>
+                                        <p:attrNameLst>
+                                          <p:attrName>style.visibility</p:attrName>
+                                        </p:attrNameLst>
+                                      </p:cBhvr>
+                                      <p:to>
+                                        <p:strVal val="visible"/>
+                                      </p:to>
+                                    </p:set>
+                                  </p:childTnLst>
+                                </p:cTn>
+                              </p:par>
+                              <p:par>
+                                <p:cTn id="9" presetID="1" presetClass="entr" presetSubtype="0" fill="hold" nodeType="withEffect">
+                                  <p:stCondLst>
+                                    <p:cond delay="2000"/>
+                                  </p:stCondLst>
+                                  <p:childTnLst>
+                                    <p:set>
+                                      <p:cBhvr>
+                                        <p:cTn id="10" dur="1" fill="hold">
+                                          <p:stCondLst>
+                                            <p:cond delay="0"/>
+                                          </p:stCondLst>
+                                        </p:cTn>
+                                        <p:tgtEl>
+                                          <p:spTgt spid="7"/>
+                                        </p:tgtEl>
+                                        <p:attrNameLst>
+                                          <p:attrName>style.visibility</p:attrName>
+                                        </p:attrNameLst>
+                                      </p:cBhvr>
+                                      <p:to>
+                                        <p:strVal val="visible"/>
+                                      </p:to>
+                                    </p:set>
+                                  </p:childTnLst>
+                                </p:cTn>
+                              </p:par>
+                              <p:par>
+                                <p:cTn id="11" presetID="1" presetClass="entr" presetSubtype="0" fill="hold" nodeType="withEffect">
+                                  <p:stCondLst>
+                                    <p:cond delay="3000"/>
+                                  </p:stCondLst>
+                                  <p:childTnLst>
+                                    <p:set>
+                                      <p:cBhvr>
+                                        <p:cTn id="12" dur="1" fill="hold">
+                                          <p:stCondLst>
+                                            <p:cond delay="0"/>
+                                          </p:stCondLst>
+                                        </p:cTn>
+                                        <p:tgtEl>
+                                          <p:spTgt spid="8"/>
+                                        </p:tgtEl>
+                                        <p:attrNameLst>
+                                          <p:attrName>style.visibility</p:attrName>
+                                        </p:attrNameLst>
+                                      </p:cBhvr>
+                                      <p:to>
+                                        <p:strVal val="visible"/>
+                                      </p:to>
+                                    </p:set>
+                                  </p:childTnLst>
+                                </p:cTn>
+                              </p:par>
+                            </p:childTnLst>
+                          </p:cTn>
+                        </p:par>
+                      </p:childTnLst>
+                    </p:cTn>
+                  </p:par>
+                </p:childTnLst>
+              </p:cTn>
+              <p:prevCondLst>
+                <p:cond evt="onPrev" delay="0">
+                  <p:tgtEl>
+                    <p:sldTgt/>
+                  </p:tgtEl>
+                </p:cond>
+              </p:prevCondLst>
+              <p:nextCondLst>
+                <p:cond evt="onNext" delay="0">
+                  <p:tgtEl>
+                    <p:sldTgt/>
+                  </p:tgtEl>
+                </p:cond>
+              </p:nextCondLst>
+            </p:seq>
+          </p:childTnLst>
+        </p:cTn>
       </p:par>
     </p:tnLst>
   </p:timing>
@@ -3643,70 +7449,333 @@
           <a:chExt cx="0" cy="0"/>
         </a:xfrm>
       </p:grpSpPr>
-      <p:sp>
-        <p:nvSpPr>
-          <p:cNvPr id="2" name="Titel 1"/>
-          <p:cNvSpPr>
-            <a:spLocks noGrp="1"/>
-          </p:cNvSpPr>
-          <p:nvPr>
-            <p:ph type="title"/>
-          </p:nvPr>
-        </p:nvSpPr>
-        <p:spPr/>
-        <p:txBody>
-          <a:bodyPr>
-            <a:normAutofit/>
-          </a:bodyPr>
-          <a:lstStyle/>
-          <a:p>
-            <a:r>
-              <a:rPr lang="de-DE" dirty="0" smtClean="0"/>
-              <a:t>Vorgehen – Abnahmephase</a:t>
-            </a:r>
-            <a:endParaRPr lang="de-DE" dirty="0"/>
-          </a:p>
-        </p:txBody>
-      </p:sp>
-      <p:sp>
-        <p:nvSpPr>
-          <p:cNvPr id="3" name="Inhaltsplatzhalter 2"/>
-          <p:cNvSpPr>
-            <a:spLocks noGrp="1"/>
-          </p:cNvSpPr>
-          <p:nvPr>
-            <p:ph idx="1"/>
-          </p:nvPr>
-        </p:nvSpPr>
-        <p:spPr/>
-        <p:txBody>
-          <a:bodyPr/>
-          <a:lstStyle/>
-          <a:p>
-            <a:endParaRPr lang="de-DE" dirty="0" smtClean="0"/>
-          </a:p>
-          <a:p>
-            <a:r>
-              <a:rPr lang="de-DE" dirty="0" smtClean="0"/>
-              <a:t>Vorstellung der Anwendung</a:t>
-            </a:r>
-          </a:p>
-          <a:p>
-            <a:endParaRPr lang="de-DE" dirty="0"/>
-          </a:p>
-          <a:p>
-            <a:r>
-              <a:rPr lang="de-DE" dirty="0" smtClean="0"/>
-              <a:t>Reibungsloser Ablauf durch agile Entwicklung</a:t>
-            </a:r>
-            <a:endParaRPr lang="de-DE" dirty="0"/>
-          </a:p>
-        </p:txBody>
-      </p:sp>
+      <p:pic>
+        <p:nvPicPr>
+          <p:cNvPr id="4" name="Grafik 3"/>
+          <p:cNvPicPr>
+            <a:picLocks noChangeAspect="1"/>
+          </p:cNvPicPr>
+          <p:nvPr/>
+        </p:nvPicPr>
+        <p:blipFill>
+          <a:blip r:embed="rId3"/>
+          <a:stretch>
+            <a:fillRect/>
+          </a:stretch>
+        </p:blipFill>
+        <p:spPr>
+          <a:xfrm>
+            <a:off x="6062472" y="2456596"/>
+            <a:ext cx="1097566" cy="1944809"/>
+          </a:xfrm>
+          <a:prstGeom prst="rect">
+            <a:avLst/>
+          </a:prstGeom>
+        </p:spPr>
+      </p:pic>
+      <p:pic>
+        <p:nvPicPr>
+          <p:cNvPr id="5" name="Grafik 4"/>
+          <p:cNvPicPr>
+            <a:picLocks noChangeAspect="1"/>
+          </p:cNvPicPr>
+          <p:nvPr/>
+        </p:nvPicPr>
+        <p:blipFill>
+          <a:blip r:embed="rId4"/>
+          <a:stretch>
+            <a:fillRect/>
+          </a:stretch>
+        </p:blipFill>
+        <p:spPr>
+          <a:xfrm>
+            <a:off x="3549700" y="2699480"/>
+            <a:ext cx="2334464" cy="1459040"/>
+          </a:xfrm>
+          <a:prstGeom prst="rect">
+            <a:avLst/>
+          </a:prstGeom>
+        </p:spPr>
+      </p:pic>
+      <p:pic>
+        <p:nvPicPr>
+          <p:cNvPr id="6" name="Grafik 5"/>
+          <p:cNvPicPr>
+            <a:picLocks noChangeAspect="1"/>
+          </p:cNvPicPr>
+          <p:nvPr/>
+        </p:nvPicPr>
+        <p:blipFill>
+          <a:blip r:embed="rId5"/>
+          <a:stretch>
+            <a:fillRect/>
+          </a:stretch>
+        </p:blipFill>
+        <p:spPr>
+          <a:xfrm>
+            <a:off x="1210866" y="1277877"/>
+            <a:ext cx="550069" cy="1178719"/>
+          </a:xfrm>
+          <a:prstGeom prst="rect">
+            <a:avLst/>
+          </a:prstGeom>
+        </p:spPr>
+      </p:pic>
+      <p:pic>
+        <p:nvPicPr>
+          <p:cNvPr id="7" name="Grafik 6"/>
+          <p:cNvPicPr>
+            <a:picLocks noChangeAspect="1"/>
+          </p:cNvPicPr>
+          <p:nvPr/>
+        </p:nvPicPr>
+        <p:blipFill>
+          <a:blip r:embed="rId5"/>
+          <a:stretch>
+            <a:fillRect/>
+          </a:stretch>
+        </p:blipFill>
+        <p:spPr>
+          <a:xfrm>
+            <a:off x="1210866" y="2839641"/>
+            <a:ext cx="550069" cy="1178719"/>
+          </a:xfrm>
+          <a:prstGeom prst="rect">
+            <a:avLst/>
+          </a:prstGeom>
+        </p:spPr>
+      </p:pic>
+      <p:pic>
+        <p:nvPicPr>
+          <p:cNvPr id="8" name="Grafik 7"/>
+          <p:cNvPicPr>
+            <a:picLocks noChangeAspect="1"/>
+          </p:cNvPicPr>
+          <p:nvPr/>
+        </p:nvPicPr>
+        <p:blipFill>
+          <a:blip r:embed="rId5"/>
+          <a:stretch>
+            <a:fillRect/>
+          </a:stretch>
+        </p:blipFill>
+        <p:spPr>
+          <a:xfrm>
+            <a:off x="1210866" y="4449410"/>
+            <a:ext cx="550069" cy="1178719"/>
+          </a:xfrm>
+          <a:prstGeom prst="rect">
+            <a:avLst/>
+          </a:prstGeom>
+        </p:spPr>
+      </p:pic>
+      <p:cxnSp>
+        <p:nvCxnSpPr>
+          <p:cNvPr id="10" name="Gerader Verbinder 9"/>
+          <p:cNvCxnSpPr>
+            <a:stCxn id="5" idx="3"/>
+          </p:cNvCxnSpPr>
+          <p:nvPr/>
+        </p:nvCxnSpPr>
+        <p:spPr>
+          <a:xfrm>
+            <a:off x="5884164" y="3429000"/>
+            <a:ext cx="342900" cy="0"/>
+          </a:xfrm>
+          <a:prstGeom prst="line">
+            <a:avLst/>
+          </a:prstGeom>
+        </p:spPr>
+        <p:style>
+          <a:lnRef idx="1">
+            <a:schemeClr val="dk1"/>
+          </a:lnRef>
+          <a:fillRef idx="0">
+            <a:schemeClr val="dk1"/>
+          </a:fillRef>
+          <a:effectRef idx="0">
+            <a:schemeClr val="dk1"/>
+          </a:effectRef>
+          <a:fontRef idx="minor">
+            <a:schemeClr val="tx1"/>
+          </a:fontRef>
+        </p:style>
+      </p:cxnSp>
+      <p:cxnSp>
+        <p:nvCxnSpPr>
+          <p:cNvPr id="12" name="Gerader Verbinder 11"/>
+          <p:cNvCxnSpPr>
+            <a:stCxn id="6" idx="3"/>
+            <a:endCxn id="5" idx="1"/>
+          </p:cNvCxnSpPr>
+          <p:nvPr/>
+        </p:nvCxnSpPr>
+        <p:spPr>
+          <a:xfrm>
+            <a:off x="1760934" y="1867236"/>
+            <a:ext cx="1788767" cy="1561764"/>
+          </a:xfrm>
+          <a:prstGeom prst="line">
+            <a:avLst/>
+          </a:prstGeom>
+        </p:spPr>
+        <p:style>
+          <a:lnRef idx="1">
+            <a:schemeClr val="dk1"/>
+          </a:lnRef>
+          <a:fillRef idx="0">
+            <a:schemeClr val="dk1"/>
+          </a:fillRef>
+          <a:effectRef idx="0">
+            <a:schemeClr val="dk1"/>
+          </a:effectRef>
+          <a:fontRef idx="minor">
+            <a:schemeClr val="tx1"/>
+          </a:fontRef>
+        </p:style>
+      </p:cxnSp>
+      <p:cxnSp>
+        <p:nvCxnSpPr>
+          <p:cNvPr id="14" name="Gerader Verbinder 13"/>
+          <p:cNvCxnSpPr>
+            <a:stCxn id="7" idx="3"/>
+            <a:endCxn id="5" idx="1"/>
+          </p:cNvCxnSpPr>
+          <p:nvPr/>
+        </p:nvCxnSpPr>
+        <p:spPr>
+          <a:xfrm>
+            <a:off x="1760934" y="3429000"/>
+            <a:ext cx="1788767" cy="0"/>
+          </a:xfrm>
+          <a:prstGeom prst="line">
+            <a:avLst/>
+          </a:prstGeom>
+        </p:spPr>
+        <p:style>
+          <a:lnRef idx="1">
+            <a:schemeClr val="dk1"/>
+          </a:lnRef>
+          <a:fillRef idx="0">
+            <a:schemeClr val="dk1"/>
+          </a:fillRef>
+          <a:effectRef idx="0">
+            <a:schemeClr val="dk1"/>
+          </a:effectRef>
+          <a:fontRef idx="minor">
+            <a:schemeClr val="tx1"/>
+          </a:fontRef>
+        </p:style>
+      </p:cxnSp>
+      <p:cxnSp>
+        <p:nvCxnSpPr>
+          <p:cNvPr id="17" name="Gerader Verbinder 16"/>
+          <p:cNvCxnSpPr>
+            <a:stCxn id="8" idx="3"/>
+            <a:endCxn id="5" idx="1"/>
+          </p:cNvCxnSpPr>
+          <p:nvPr/>
+        </p:nvCxnSpPr>
+        <p:spPr>
+          <a:xfrm flipV="1">
+            <a:off x="1760934" y="3429001"/>
+            <a:ext cx="1788767" cy="1609769"/>
+          </a:xfrm>
+          <a:prstGeom prst="line">
+            <a:avLst/>
+          </a:prstGeom>
+        </p:spPr>
+        <p:style>
+          <a:lnRef idx="1">
+            <a:schemeClr val="dk1"/>
+          </a:lnRef>
+          <a:fillRef idx="0">
+            <a:schemeClr val="dk1"/>
+          </a:fillRef>
+          <a:effectRef idx="0">
+            <a:schemeClr val="dk1"/>
+          </a:effectRef>
+          <a:fontRef idx="minor">
+            <a:schemeClr val="tx1"/>
+          </a:fontRef>
+        </p:style>
+      </p:cxnSp>
+      <p:pic>
+        <p:nvPicPr>
+          <p:cNvPr id="18" name="Grafik 17"/>
+          <p:cNvPicPr>
+            <a:picLocks noChangeAspect="1"/>
+          </p:cNvPicPr>
+          <p:nvPr/>
+        </p:nvPicPr>
+        <p:blipFill>
+          <a:blip r:embed="rId6"/>
+          <a:stretch>
+            <a:fillRect/>
+          </a:stretch>
+        </p:blipFill>
+        <p:spPr>
+          <a:xfrm>
+            <a:off x="260747" y="905256"/>
+            <a:ext cx="950119" cy="664369"/>
+          </a:xfrm>
+          <a:prstGeom prst="rect">
+            <a:avLst/>
+          </a:prstGeom>
+        </p:spPr>
+      </p:pic>
+      <p:pic>
+        <p:nvPicPr>
+          <p:cNvPr id="19" name="Grafik 18"/>
+          <p:cNvPicPr>
+            <a:picLocks noChangeAspect="1"/>
+          </p:cNvPicPr>
+          <p:nvPr/>
+        </p:nvPicPr>
+        <p:blipFill>
+          <a:blip r:embed="rId6"/>
+          <a:stretch>
+            <a:fillRect/>
+          </a:stretch>
+        </p:blipFill>
+        <p:spPr>
+          <a:xfrm>
+            <a:off x="196739" y="2507456"/>
+            <a:ext cx="950119" cy="664369"/>
+          </a:xfrm>
+          <a:prstGeom prst="rect">
+            <a:avLst/>
+          </a:prstGeom>
+        </p:spPr>
+      </p:pic>
+      <p:pic>
+        <p:nvPicPr>
+          <p:cNvPr id="20" name="Grafik 19"/>
+          <p:cNvPicPr>
+            <a:picLocks noChangeAspect="1"/>
+          </p:cNvPicPr>
+          <p:nvPr/>
+        </p:nvPicPr>
+        <p:blipFill>
+          <a:blip r:embed="rId6"/>
+          <a:stretch>
+            <a:fillRect/>
+          </a:stretch>
+        </p:blipFill>
+        <p:spPr>
+          <a:xfrm>
+            <a:off x="283607" y="4158520"/>
+            <a:ext cx="950119" cy="664369"/>
+          </a:xfrm>
+          <a:prstGeom prst="rect">
+            <a:avLst/>
+          </a:prstGeom>
+        </p:spPr>
+      </p:pic>
     </p:spTree>
     <p:extLst>
       <p:ext uri="{BB962C8B-B14F-4D97-AF65-F5344CB8AC3E}">
-        <p14:creationId xmlns:p14="http://schemas.microsoft.com/office/powerpoint/2010/main" val="2856482283"/>
+        <p14:creationId xmlns:p14="http://schemas.microsoft.com/office/powerpoint/2010/main" val="3984069787"/>
       </p:ext>
     </p:extLst>
   </p:cSld>
@@ -3716,7 +7785,129 @@
   <p:timing>
     <p:tnLst>
       <p:par>
-        <p:cTn id="1" dur="indefinite" restart="never" nodeType="tmRoot"/>
+        <p:cTn id="1" dur="indefinite" restart="never" nodeType="tmRoot">
+          <p:childTnLst>
+            <p:seq concurrent="1" nextAc="seek">
+              <p:cTn id="2" dur="indefinite" nodeType="mainSeq">
+                <p:childTnLst>
+                  <p:par>
+                    <p:cTn id="3" fill="hold">
+                      <p:stCondLst>
+                        <p:cond delay="indefinite"/>
+                      </p:stCondLst>
+                      <p:childTnLst>
+                        <p:par>
+                          <p:cTn id="4" fill="hold">
+                            <p:stCondLst>
+                              <p:cond delay="0"/>
+                            </p:stCondLst>
+                            <p:childTnLst>
+                              <p:par>
+                                <p:cTn id="5" presetID="1" presetClass="entr" presetSubtype="0" fill="hold" nodeType="clickEffect">
+                                  <p:stCondLst>
+                                    <p:cond delay="0"/>
+                                  </p:stCondLst>
+                                  <p:childTnLst>
+                                    <p:set>
+                                      <p:cBhvr>
+                                        <p:cTn id="6" dur="1" fill="hold">
+                                          <p:stCondLst>
+                                            <p:cond delay="0"/>
+                                          </p:stCondLst>
+                                        </p:cTn>
+                                        <p:tgtEl>
+                                          <p:spTgt spid="18"/>
+                                        </p:tgtEl>
+                                        <p:attrNameLst>
+                                          <p:attrName>style.visibility</p:attrName>
+                                        </p:attrNameLst>
+                                      </p:cBhvr>
+                                      <p:to>
+                                        <p:strVal val="visible"/>
+                                      </p:to>
+                                    </p:set>
+                                  </p:childTnLst>
+                                </p:cTn>
+                              </p:par>
+                              <p:par>
+                                <p:cTn id="7" presetID="1" presetClass="entr" presetSubtype="0" fill="hold" nodeType="withEffect">
+                                  <p:stCondLst>
+                                    <p:cond delay="0"/>
+                                  </p:stCondLst>
+                                  <p:childTnLst>
+                                    <p:set>
+                                      <p:cBhvr>
+                                        <p:cTn id="8" dur="1" fill="hold">
+                                          <p:stCondLst>
+                                            <p:cond delay="0"/>
+                                          </p:stCondLst>
+                                        </p:cTn>
+                                        <p:tgtEl>
+                                          <p:spTgt spid="19"/>
+                                        </p:tgtEl>
+                                        <p:attrNameLst>
+                                          <p:attrName>style.visibility</p:attrName>
+                                        </p:attrNameLst>
+                                      </p:cBhvr>
+                                      <p:to>
+                                        <p:strVal val="visible"/>
+                                      </p:to>
+                                    </p:set>
+                                  </p:childTnLst>
+                                </p:cTn>
+                              </p:par>
+                              <p:par>
+                                <p:cTn id="9" presetID="1" presetClass="entr" presetSubtype="0" fill="hold" nodeType="withEffect">
+                                  <p:stCondLst>
+                                    <p:cond delay="0"/>
+                                  </p:stCondLst>
+                                  <p:childTnLst>
+                                    <p:set>
+                                      <p:cBhvr>
+                                        <p:cTn id="10" dur="1" fill="hold">
+                                          <p:stCondLst>
+                                            <p:cond delay="0"/>
+                                          </p:stCondLst>
+                                        </p:cTn>
+                                        <p:tgtEl>
+                                          <p:spTgt spid="20"/>
+                                        </p:tgtEl>
+                                        <p:attrNameLst>
+                                          <p:attrName>style.visibility</p:attrName>
+                                        </p:attrNameLst>
+                                      </p:cBhvr>
+                                      <p:to>
+                                        <p:strVal val="visible"/>
+                                      </p:to>
+                                    </p:set>
+                                  </p:childTnLst>
+                                </p:cTn>
+                              </p:par>
+                            </p:childTnLst>
+                          </p:cTn>
+                        </p:par>
+                      </p:childTnLst>
+                    </p:cTn>
+                  </p:par>
+                </p:childTnLst>
+              </p:cTn>
+              <p:prevCondLst>
+                <p:cond evt="onPrev" delay="0">
+                  <p:tgtEl>
+                    <p:sldTgt/>
+                  </p:tgtEl>
+                </p:cond>
+              </p:prevCondLst>
+              <p:nextCondLst>
+                <p:cond evt="onNext" delay="0">
+                  <p:tgtEl>
+                    <p:sldTgt/>
+                  </p:tgtEl>
+                </p:cond>
+              </p:nextCondLst>
+            </p:seq>
+          </p:childTnLst>
+        </p:cTn>
       </p:par>
     </p:tnLst>
   </p:timing>
@@ -3752,12 +7943,14 @@
         </p:nvSpPr>
         <p:spPr/>
         <p:txBody>
-          <a:bodyPr/>
+          <a:bodyPr>
+            <a:normAutofit/>
+          </a:bodyPr>
           <a:lstStyle/>
           <a:p>
             <a:r>
               <a:rPr lang="de-DE" dirty="0" smtClean="0"/>
-              <a:t>Fazit</a:t>
+              <a:t>Vorgehen – Entwurfsphase</a:t>
             </a:r>
             <a:endParaRPr lang="de-DE" dirty="0"/>
           </a:p>
@@ -3785,7 +7978,7 @@
     </p:spTree>
     <p:extLst>
       <p:ext uri="{BB962C8B-B14F-4D97-AF65-F5344CB8AC3E}">
-        <p14:creationId xmlns:p14="http://schemas.microsoft.com/office/powerpoint/2010/main" val="362528276"/>
+        <p14:creationId xmlns:p14="http://schemas.microsoft.com/office/powerpoint/2010/main" val="3916082390"/>
       </p:ext>
     </p:extLst>
   </p:cSld>
@@ -3831,12 +8024,14 @@
         </p:nvSpPr>
         <p:spPr/>
         <p:txBody>
-          <a:bodyPr/>
+          <a:bodyPr>
+            <a:normAutofit fontScale="90000"/>
+          </a:bodyPr>
           <a:lstStyle/>
           <a:p>
             <a:r>
               <a:rPr lang="de-DE" dirty="0" smtClean="0"/>
-              <a:t>Fazit – Soll/Ist-Vergleich</a:t>
+              <a:t>Vorgehen – Implementierungsphase</a:t>
             </a:r>
             <a:endParaRPr lang="de-DE" dirty="0"/>
           </a:p>
@@ -3862,7 +8057,7 @@
           <a:p>
             <a:r>
               <a:rPr lang="de-DE" dirty="0" smtClean="0"/>
-              <a:t>Alle verpflichtenden Aufgaben erfüllt</a:t>
+              <a:t>Benutzeroberflächen</a:t>
             </a:r>
           </a:p>
           <a:p>
@@ -3871,16 +8066,19 @@
           <a:p>
             <a:r>
               <a:rPr lang="de-DE" dirty="0" smtClean="0"/>
-              <a:t>Kann-Kriterium der </a:t>
-            </a:r>
-            <a:r>
-              <a:rPr lang="de-DE" dirty="0" err="1" smtClean="0"/>
-              <a:t>Votingfunktion</a:t>
-            </a:r>
+              <a:t>Backendlogik</a:t>
+            </a:r>
+          </a:p>
+          <a:p>
+            <a:endParaRPr lang="de-DE" dirty="0"/>
+          </a:p>
+          <a:p>
             <a:r>
               <a:rPr lang="de-DE" dirty="0" smtClean="0"/>
-              <a:t> nicht implementiert, aber Erweiterung gut möglich</a:t>
-            </a:r>
+              <a:t>Datenbank</a:t>
+            </a:r>
+          </a:p>
+          <a:p>
             <a:endParaRPr lang="de-DE" dirty="0"/>
           </a:p>
         </p:txBody>
@@ -3888,7 +8086,7 @@
     </p:spTree>
     <p:extLst>
       <p:ext uri="{BB962C8B-B14F-4D97-AF65-F5344CB8AC3E}">
-        <p14:creationId xmlns:p14="http://schemas.microsoft.com/office/powerpoint/2010/main" val="3424589276"/>
+        <p14:creationId xmlns:p14="http://schemas.microsoft.com/office/powerpoint/2010/main" val="2802328430"/>
       </p:ext>
     </p:extLst>
   </p:cSld>
@@ -3934,47 +8132,50 @@
         </p:nvSpPr>
         <p:spPr/>
         <p:txBody>
-          <a:bodyPr/>
+          <a:bodyPr>
+            <a:normAutofit/>
+          </a:bodyPr>
           <a:lstStyle/>
           <a:p>
             <a:r>
               <a:rPr lang="de-DE" dirty="0" smtClean="0"/>
-              <a:t>Fazit – </a:t>
-            </a:r>
-            <a:r>
-              <a:rPr lang="de-DE" dirty="0" err="1" smtClean="0"/>
-              <a:t>Lessons</a:t>
-            </a:r>
+              <a:t>Vorgehen – Abnahmephase</a:t>
+            </a:r>
+            <a:endParaRPr lang="de-DE" dirty="0"/>
+          </a:p>
+        </p:txBody>
+      </p:sp>
+      <p:sp>
+        <p:nvSpPr>
+          <p:cNvPr id="3" name="Inhaltsplatzhalter 2"/>
+          <p:cNvSpPr>
+            <a:spLocks noGrp="1"/>
+          </p:cNvSpPr>
+          <p:nvPr>
+            <p:ph idx="1"/>
+          </p:nvPr>
+        </p:nvSpPr>
+        <p:spPr/>
+        <p:txBody>
+          <a:bodyPr/>
+          <a:lstStyle/>
+          <a:p>
+            <a:endParaRPr lang="de-DE" dirty="0" smtClean="0"/>
+          </a:p>
+          <a:p>
             <a:r>
               <a:rPr lang="de-DE" dirty="0" smtClean="0"/>
-              <a:t> </a:t>
-            </a:r>
-            <a:r>
-              <a:rPr lang="de-DE" dirty="0" err="1" smtClean="0"/>
-              <a:t>Learned</a:t>
-            </a:r>
+              <a:t>Vorstellung der Anwendung</a:t>
+            </a:r>
+          </a:p>
+          <a:p>
             <a:endParaRPr lang="de-DE" dirty="0"/>
           </a:p>
-        </p:txBody>
-      </p:sp>
-      <p:sp>
-        <p:nvSpPr>
-          <p:cNvPr id="3" name="Inhaltsplatzhalter 2"/>
-          <p:cNvSpPr>
-            <a:spLocks noGrp="1"/>
-          </p:cNvSpPr>
-          <p:nvPr>
-            <p:ph idx="1"/>
-          </p:nvPr>
-        </p:nvSpPr>
-        <p:spPr/>
-        <p:txBody>
-          <a:bodyPr/>
-          <a:lstStyle/>
-          <a:p>
-            <a:endParaRPr lang="de-DE" dirty="0" smtClean="0"/>
-          </a:p>
-          <a:p>
+          <a:p>
+            <a:r>
+              <a:rPr lang="de-DE" dirty="0" smtClean="0"/>
+              <a:t>Reibungsloser Ablauf durch agile Entwicklung</a:t>
+            </a:r>
             <a:endParaRPr lang="de-DE" dirty="0"/>
           </a:p>
         </p:txBody>
@@ -3982,7 +8183,7 @@
     </p:spTree>
     <p:extLst>
       <p:ext uri="{BB962C8B-B14F-4D97-AF65-F5344CB8AC3E}">
-        <p14:creationId xmlns:p14="http://schemas.microsoft.com/office/powerpoint/2010/main" val="1342917282"/>
+        <p14:creationId xmlns:p14="http://schemas.microsoft.com/office/powerpoint/2010/main" val="2856482283"/>
       </p:ext>
     </p:extLst>
   </p:cSld>
@@ -4200,6 +8401,282 @@
           <a:p>
             <a:r>
               <a:rPr lang="de-DE" dirty="0" smtClean="0"/>
+              <a:t>Fazit</a:t>
+            </a:r>
+            <a:endParaRPr lang="de-DE" dirty="0"/>
+          </a:p>
+        </p:txBody>
+      </p:sp>
+      <p:sp>
+        <p:nvSpPr>
+          <p:cNvPr id="3" name="Inhaltsplatzhalter 2"/>
+          <p:cNvSpPr>
+            <a:spLocks noGrp="1"/>
+          </p:cNvSpPr>
+          <p:nvPr>
+            <p:ph idx="1"/>
+          </p:nvPr>
+        </p:nvSpPr>
+        <p:spPr/>
+        <p:txBody>
+          <a:bodyPr/>
+          <a:lstStyle/>
+          <a:p>
+            <a:endParaRPr lang="de-DE"/>
+          </a:p>
+        </p:txBody>
+      </p:sp>
+    </p:spTree>
+    <p:extLst>
+      <p:ext uri="{BB962C8B-B14F-4D97-AF65-F5344CB8AC3E}">
+        <p14:creationId xmlns:p14="http://schemas.microsoft.com/office/powerpoint/2010/main" val="362528276"/>
+      </p:ext>
+    </p:extLst>
+  </p:cSld>
+  <p:clrMapOvr>
+    <a:masterClrMapping/>
+  </p:clrMapOvr>
+  <p:timing>
+    <p:tnLst>
+      <p:par>
+        <p:cTn id="1" dur="indefinite" restart="never" nodeType="tmRoot"/>
+      </p:par>
+    </p:tnLst>
+  </p:timing>
+</p:sld>
+</file>
+
+<file path=ppt/slides/slide21.xml><?xml version="1.0" encoding="utf-8"?>
+<p:sld xmlns:a="http://schemas.openxmlformats.org/drawingml/2006/main" xmlns:r="http://schemas.openxmlformats.org/officeDocument/2006/relationships" xmlns:p="http://schemas.openxmlformats.org/presentationml/2006/main">
+  <p:cSld>
+    <p:spTree>
+      <p:nvGrpSpPr>
+        <p:cNvPr id="1" name=""/>
+        <p:cNvGrpSpPr/>
+        <p:nvPr/>
+      </p:nvGrpSpPr>
+      <p:grpSpPr>
+        <a:xfrm>
+          <a:off x="0" y="0"/>
+          <a:ext cx="0" cy="0"/>
+          <a:chOff x="0" y="0"/>
+          <a:chExt cx="0" cy="0"/>
+        </a:xfrm>
+      </p:grpSpPr>
+      <p:sp>
+        <p:nvSpPr>
+          <p:cNvPr id="2" name="Titel 1"/>
+          <p:cNvSpPr>
+            <a:spLocks noGrp="1"/>
+          </p:cNvSpPr>
+          <p:nvPr>
+            <p:ph type="title"/>
+          </p:nvPr>
+        </p:nvSpPr>
+        <p:spPr/>
+        <p:txBody>
+          <a:bodyPr/>
+          <a:lstStyle/>
+          <a:p>
+            <a:r>
+              <a:rPr lang="de-DE" dirty="0" smtClean="0"/>
+              <a:t>Fazit – Soll/Ist-Vergleich</a:t>
+            </a:r>
+            <a:endParaRPr lang="de-DE" dirty="0"/>
+          </a:p>
+        </p:txBody>
+      </p:sp>
+      <p:sp>
+        <p:nvSpPr>
+          <p:cNvPr id="3" name="Inhaltsplatzhalter 2"/>
+          <p:cNvSpPr>
+            <a:spLocks noGrp="1"/>
+          </p:cNvSpPr>
+          <p:nvPr>
+            <p:ph idx="1"/>
+          </p:nvPr>
+        </p:nvSpPr>
+        <p:spPr/>
+        <p:txBody>
+          <a:bodyPr/>
+          <a:lstStyle/>
+          <a:p>
+            <a:endParaRPr lang="de-DE" dirty="0" smtClean="0"/>
+          </a:p>
+          <a:p>
+            <a:r>
+              <a:rPr lang="de-DE" dirty="0" smtClean="0"/>
+              <a:t>Alle verpflichtenden Aufgaben erfüllt</a:t>
+            </a:r>
+          </a:p>
+          <a:p>
+            <a:endParaRPr lang="de-DE" dirty="0"/>
+          </a:p>
+          <a:p>
+            <a:r>
+              <a:rPr lang="de-DE" dirty="0" smtClean="0"/>
+              <a:t>Kann-Kriterium der </a:t>
+            </a:r>
+            <a:r>
+              <a:rPr lang="de-DE" dirty="0" err="1" smtClean="0"/>
+              <a:t>Votingfunktion</a:t>
+            </a:r>
+            <a:r>
+              <a:rPr lang="de-DE" dirty="0" smtClean="0"/>
+              <a:t> nicht implementiert, aber Erweiterung gut möglich</a:t>
+            </a:r>
+            <a:endParaRPr lang="de-DE" dirty="0"/>
+          </a:p>
+        </p:txBody>
+      </p:sp>
+    </p:spTree>
+    <p:extLst>
+      <p:ext uri="{BB962C8B-B14F-4D97-AF65-F5344CB8AC3E}">
+        <p14:creationId xmlns:p14="http://schemas.microsoft.com/office/powerpoint/2010/main" val="3424589276"/>
+      </p:ext>
+    </p:extLst>
+  </p:cSld>
+  <p:clrMapOvr>
+    <a:masterClrMapping/>
+  </p:clrMapOvr>
+  <p:timing>
+    <p:tnLst>
+      <p:par>
+        <p:cTn id="1" dur="indefinite" restart="never" nodeType="tmRoot"/>
+      </p:par>
+    </p:tnLst>
+  </p:timing>
+</p:sld>
+</file>
+
+<file path=ppt/slides/slide22.xml><?xml version="1.0" encoding="utf-8"?>
+<p:sld xmlns:a="http://schemas.openxmlformats.org/drawingml/2006/main" xmlns:r="http://schemas.openxmlformats.org/officeDocument/2006/relationships" xmlns:p="http://schemas.openxmlformats.org/presentationml/2006/main">
+  <p:cSld>
+    <p:spTree>
+      <p:nvGrpSpPr>
+        <p:cNvPr id="1" name=""/>
+        <p:cNvGrpSpPr/>
+        <p:nvPr/>
+      </p:nvGrpSpPr>
+      <p:grpSpPr>
+        <a:xfrm>
+          <a:off x="0" y="0"/>
+          <a:ext cx="0" cy="0"/>
+          <a:chOff x="0" y="0"/>
+          <a:chExt cx="0" cy="0"/>
+        </a:xfrm>
+      </p:grpSpPr>
+      <p:sp>
+        <p:nvSpPr>
+          <p:cNvPr id="2" name="Titel 1"/>
+          <p:cNvSpPr>
+            <a:spLocks noGrp="1"/>
+          </p:cNvSpPr>
+          <p:nvPr>
+            <p:ph type="title"/>
+          </p:nvPr>
+        </p:nvSpPr>
+        <p:spPr/>
+        <p:txBody>
+          <a:bodyPr/>
+          <a:lstStyle/>
+          <a:p>
+            <a:r>
+              <a:rPr lang="de-DE" dirty="0" smtClean="0"/>
+              <a:t>Fazit – </a:t>
+            </a:r>
+            <a:r>
+              <a:rPr lang="de-DE" dirty="0" err="1" smtClean="0"/>
+              <a:t>Lessons</a:t>
+            </a:r>
+            <a:r>
+              <a:rPr lang="de-DE" dirty="0" smtClean="0"/>
+              <a:t> </a:t>
+            </a:r>
+            <a:r>
+              <a:rPr lang="de-DE" dirty="0" err="1" smtClean="0"/>
+              <a:t>Learned</a:t>
+            </a:r>
+            <a:endParaRPr lang="de-DE" dirty="0"/>
+          </a:p>
+        </p:txBody>
+      </p:sp>
+      <p:sp>
+        <p:nvSpPr>
+          <p:cNvPr id="3" name="Inhaltsplatzhalter 2"/>
+          <p:cNvSpPr>
+            <a:spLocks noGrp="1"/>
+          </p:cNvSpPr>
+          <p:nvPr>
+            <p:ph idx="1"/>
+          </p:nvPr>
+        </p:nvSpPr>
+        <p:spPr/>
+        <p:txBody>
+          <a:bodyPr/>
+          <a:lstStyle/>
+          <a:p>
+            <a:endParaRPr lang="de-DE" dirty="0" smtClean="0"/>
+          </a:p>
+          <a:p>
+            <a:endParaRPr lang="de-DE" dirty="0"/>
+          </a:p>
+        </p:txBody>
+      </p:sp>
+    </p:spTree>
+    <p:extLst>
+      <p:ext uri="{BB962C8B-B14F-4D97-AF65-F5344CB8AC3E}">
+        <p14:creationId xmlns:p14="http://schemas.microsoft.com/office/powerpoint/2010/main" val="1342917282"/>
+      </p:ext>
+    </p:extLst>
+  </p:cSld>
+  <p:clrMapOvr>
+    <a:masterClrMapping/>
+  </p:clrMapOvr>
+  <p:timing>
+    <p:tnLst>
+      <p:par>
+        <p:cTn id="1" dur="indefinite" restart="never" nodeType="tmRoot"/>
+      </p:par>
+    </p:tnLst>
+  </p:timing>
+</p:sld>
+</file>
+
+<file path=ppt/slides/slide23.xml><?xml version="1.0" encoding="utf-8"?>
+<p:sld xmlns:a="http://schemas.openxmlformats.org/drawingml/2006/main" xmlns:r="http://schemas.openxmlformats.org/officeDocument/2006/relationships" xmlns:p="http://schemas.openxmlformats.org/presentationml/2006/main">
+  <p:cSld>
+    <p:spTree>
+      <p:nvGrpSpPr>
+        <p:cNvPr id="1" name=""/>
+        <p:cNvGrpSpPr/>
+        <p:nvPr/>
+      </p:nvGrpSpPr>
+      <p:grpSpPr>
+        <a:xfrm>
+          <a:off x="0" y="0"/>
+          <a:ext cx="0" cy="0"/>
+          <a:chOff x="0" y="0"/>
+          <a:chExt cx="0" cy="0"/>
+        </a:xfrm>
+      </p:grpSpPr>
+      <p:sp>
+        <p:nvSpPr>
+          <p:cNvPr id="2" name="Titel 1"/>
+          <p:cNvSpPr>
+            <a:spLocks noGrp="1"/>
+          </p:cNvSpPr>
+          <p:nvPr>
+            <p:ph type="title"/>
+          </p:nvPr>
+        </p:nvSpPr>
+        <p:spPr/>
+        <p:txBody>
+          <a:bodyPr/>
+          <a:lstStyle/>
+          <a:p>
+            <a:r>
+              <a:rPr lang="de-DE" dirty="0" smtClean="0"/>
               <a:t>Fazit – Ausblick</a:t>
             </a:r>
             <a:endParaRPr lang="de-DE" dirty="0"/>
@@ -4269,7 +8746,7 @@
 </p:sld>
 </file>
 
-<file path=ppt/slides/slide21.xml><?xml version="1.0" encoding="utf-8"?>
+<file path=ppt/slides/slide24.xml><?xml version="1.0" encoding="utf-8"?>
 <p:sld xmlns:a="http://schemas.openxmlformats.org/drawingml/2006/main" xmlns:r="http://schemas.openxmlformats.org/officeDocument/2006/relationships" xmlns:p="http://schemas.openxmlformats.org/presentationml/2006/main">
   <p:cSld>
     <p:spTree>
@@ -5252,4 +9729,556 @@
   <a:objectDefaults/>
   <a:extraClrSchemeLst/>
 </a:theme>
+</file>
+
+<file path=ppt/theme/theme2.xml><?xml version="1.0" encoding="utf-8"?>
+<a:theme xmlns:a="http://schemas.openxmlformats.org/drawingml/2006/main" name="Office">
+  <a:themeElements>
+    <a:clrScheme name="Office">
+      <a:dk1>
+        <a:sysClr val="windowText" lastClr="000000"/>
+      </a:dk1>
+      <a:lt1>
+        <a:sysClr val="window" lastClr="FFFFFF"/>
+      </a:lt1>
+      <a:dk2>
+        <a:srgbClr val="44546A"/>
+      </a:dk2>
+      <a:lt2>
+        <a:srgbClr val="E7E6E6"/>
+      </a:lt2>
+      <a:accent1>
+        <a:srgbClr val="5B9BD5"/>
+      </a:accent1>
+      <a:accent2>
+        <a:srgbClr val="ED7D31"/>
+      </a:accent2>
+      <a:accent3>
+        <a:srgbClr val="A5A5A5"/>
+      </a:accent3>
+      <a:accent4>
+        <a:srgbClr val="FFC000"/>
+      </a:accent4>
+      <a:accent5>
+        <a:srgbClr val="4472C4"/>
+      </a:accent5>
+      <a:accent6>
+        <a:srgbClr val="70AD47"/>
+      </a:accent6>
+      <a:hlink>
+        <a:srgbClr val="0563C1"/>
+      </a:hlink>
+      <a:folHlink>
+        <a:srgbClr val="954F72"/>
+      </a:folHlink>
+    </a:clrScheme>
+    <a:fontScheme name="Office">
+      <a:majorFont>
+        <a:latin typeface="Calibri Light" panose="020F0302020204030204"/>
+        <a:ea typeface=""/>
+        <a:cs typeface=""/>
+        <a:font script="Jpan" typeface="游ゴシック Light"/>
+        <a:font script="Hang" typeface="맑은 고딕"/>
+        <a:font script="Hans" typeface="等线 Light"/>
+        <a:font script="Hant" typeface="新細明體"/>
+        <a:font script="Arab" typeface="Times New Roman"/>
+        <a:font script="Hebr" typeface="Times New Roman"/>
+        <a:font script="Thai" typeface="Angsana New"/>
+        <a:font script="Ethi" typeface="Nyala"/>
+        <a:font script="Beng" typeface="Vrinda"/>
+        <a:font script="Gujr" typeface="Shruti"/>
+        <a:font script="Khmr" typeface="MoolBoran"/>
+        <a:font script="Knda" typeface="Tunga"/>
+        <a:font script="Guru" typeface="Raavi"/>
+        <a:font script="Cans" typeface="Euphemia"/>
+        <a:font script="Cher" typeface="Plantagenet Cherokee"/>
+        <a:font script="Yiii" typeface="Microsoft Yi Baiti"/>
+        <a:font script="Tibt" typeface="Microsoft Himalaya"/>
+        <a:font script="Thaa" typeface="MV Boli"/>
+        <a:font script="Deva" typeface="Mangal"/>
+        <a:font script="Telu" typeface="Gautami"/>
+        <a:font script="Taml" typeface="Latha"/>
+        <a:font script="Syrc" typeface="Estrangelo Edessa"/>
+        <a:font script="Orya" typeface="Kalinga"/>
+        <a:font script="Mlym" typeface="Kartika"/>
+        <a:font script="Laoo" typeface="DokChampa"/>
+        <a:font script="Sinh" typeface="Iskoola Pota"/>
+        <a:font script="Mong" typeface="Mongolian Baiti"/>
+        <a:font script="Viet" typeface="Times New Roman"/>
+        <a:font script="Uigh" typeface="Microsoft Uighur"/>
+        <a:font script="Geor" typeface="Sylfaen"/>
+      </a:majorFont>
+      <a:minorFont>
+        <a:latin typeface="Calibri" panose="020F0502020204030204"/>
+        <a:ea typeface=""/>
+        <a:cs typeface=""/>
+        <a:font script="Jpan" typeface="游ゴシック"/>
+        <a:font script="Hang" typeface="맑은 고딕"/>
+        <a:font script="Hans" typeface="等线"/>
+        <a:font script="Hant" typeface="新細明體"/>
+        <a:font script="Arab" typeface="Arial"/>
+        <a:font script="Hebr" typeface="Arial"/>
+        <a:font script="Thai" typeface="Cordia New"/>
+        <a:font script="Ethi" typeface="Nyala"/>
+        <a:font script="Beng" typeface="Vrinda"/>
+        <a:font script="Gujr" typeface="Shruti"/>
+        <a:font script="Khmr" typeface="DaunPenh"/>
+        <a:font script="Knda" typeface="Tunga"/>
+        <a:font script="Guru" typeface="Raavi"/>
+        <a:font script="Cans" typeface="Euphemia"/>
+        <a:font script="Cher" typeface="Plantagenet Cherokee"/>
+        <a:font script="Yiii" typeface="Microsoft Yi Baiti"/>
+        <a:font script="Tibt" typeface="Microsoft Himalaya"/>
+        <a:font script="Thaa" typeface="MV Boli"/>
+        <a:font script="Deva" typeface="Mangal"/>
+        <a:font script="Telu" typeface="Gautami"/>
+        <a:font script="Taml" typeface="Latha"/>
+        <a:font script="Syrc" typeface="Estrangelo Edessa"/>
+        <a:font script="Orya" typeface="Kalinga"/>
+        <a:font script="Mlym" typeface="Kartika"/>
+        <a:font script="Laoo" typeface="DokChampa"/>
+        <a:font script="Sinh" typeface="Iskoola Pota"/>
+        <a:font script="Mong" typeface="Mongolian Baiti"/>
+        <a:font script="Viet" typeface="Arial"/>
+        <a:font script="Uigh" typeface="Microsoft Uighur"/>
+        <a:font script="Geor" typeface="Sylfaen"/>
+      </a:minorFont>
+    </a:fontScheme>
+    <a:fmtScheme name="Office">
+      <a:fillStyleLst>
+        <a:solidFill>
+          <a:schemeClr val="phClr"/>
+        </a:solidFill>
+        <a:gradFill rotWithShape="1">
+          <a:gsLst>
+            <a:gs pos="0">
+              <a:schemeClr val="phClr">
+                <a:lumMod val="110000"/>
+                <a:satMod val="105000"/>
+                <a:tint val="67000"/>
+              </a:schemeClr>
+            </a:gs>
+            <a:gs pos="50000">
+              <a:schemeClr val="phClr">
+                <a:lumMod val="105000"/>
+                <a:satMod val="103000"/>
+                <a:tint val="73000"/>
+              </a:schemeClr>
+            </a:gs>
+            <a:gs pos="100000">
+              <a:schemeClr val="phClr">
+                <a:lumMod val="105000"/>
+                <a:satMod val="109000"/>
+                <a:tint val="81000"/>
+              </a:schemeClr>
+            </a:gs>
+          </a:gsLst>
+          <a:lin ang="5400000" scaled="0"/>
+        </a:gradFill>
+        <a:gradFill rotWithShape="1">
+          <a:gsLst>
+            <a:gs pos="0">
+              <a:schemeClr val="phClr">
+                <a:satMod val="103000"/>
+                <a:lumMod val="102000"/>
+                <a:tint val="94000"/>
+              </a:schemeClr>
+            </a:gs>
+            <a:gs pos="50000">
+              <a:schemeClr val="phClr">
+                <a:satMod val="110000"/>
+                <a:lumMod val="100000"/>
+                <a:shade val="100000"/>
+              </a:schemeClr>
+            </a:gs>
+            <a:gs pos="100000">
+              <a:schemeClr val="phClr">
+                <a:lumMod val="99000"/>
+                <a:satMod val="120000"/>
+                <a:shade val="78000"/>
+              </a:schemeClr>
+            </a:gs>
+          </a:gsLst>
+          <a:lin ang="5400000" scaled="0"/>
+        </a:gradFill>
+      </a:fillStyleLst>
+      <a:lnStyleLst>
+        <a:ln w="6350" cap="flat" cmpd="sng" algn="ctr">
+          <a:solidFill>
+            <a:schemeClr val="phClr"/>
+          </a:solidFill>
+          <a:prstDash val="solid"/>
+          <a:miter lim="800000"/>
+        </a:ln>
+        <a:ln w="12700" cap="flat" cmpd="sng" algn="ctr">
+          <a:solidFill>
+            <a:schemeClr val="phClr"/>
+          </a:solidFill>
+          <a:prstDash val="solid"/>
+          <a:miter lim="800000"/>
+        </a:ln>
+        <a:ln w="19050" cap="flat" cmpd="sng" algn="ctr">
+          <a:solidFill>
+            <a:schemeClr val="phClr"/>
+          </a:solidFill>
+          <a:prstDash val="solid"/>
+          <a:miter lim="800000"/>
+        </a:ln>
+      </a:lnStyleLst>
+      <a:effectStyleLst>
+        <a:effectStyle>
+          <a:effectLst/>
+        </a:effectStyle>
+        <a:effectStyle>
+          <a:effectLst/>
+        </a:effectStyle>
+        <a:effectStyle>
+          <a:effectLst>
+            <a:outerShdw blurRad="57150" dist="19050" dir="5400000" algn="ctr" rotWithShape="0">
+              <a:srgbClr val="000000">
+                <a:alpha val="63000"/>
+              </a:srgbClr>
+            </a:outerShdw>
+          </a:effectLst>
+        </a:effectStyle>
+      </a:effectStyleLst>
+      <a:bgFillStyleLst>
+        <a:solidFill>
+          <a:schemeClr val="phClr"/>
+        </a:solidFill>
+        <a:solidFill>
+          <a:schemeClr val="phClr">
+            <a:tint val="95000"/>
+            <a:satMod val="170000"/>
+          </a:schemeClr>
+        </a:solidFill>
+        <a:gradFill rotWithShape="1">
+          <a:gsLst>
+            <a:gs pos="0">
+              <a:schemeClr val="phClr">
+                <a:tint val="93000"/>
+                <a:satMod val="150000"/>
+                <a:shade val="98000"/>
+                <a:lumMod val="102000"/>
+              </a:schemeClr>
+            </a:gs>
+            <a:gs pos="50000">
+              <a:schemeClr val="phClr">
+                <a:tint val="98000"/>
+                <a:satMod val="130000"/>
+                <a:shade val="90000"/>
+                <a:lumMod val="103000"/>
+              </a:schemeClr>
+            </a:gs>
+            <a:gs pos="100000">
+              <a:schemeClr val="phClr">
+                <a:shade val="63000"/>
+                <a:satMod val="120000"/>
+              </a:schemeClr>
+            </a:gs>
+          </a:gsLst>
+          <a:lin ang="5400000" scaled="0"/>
+        </a:gradFill>
+      </a:bgFillStyleLst>
+    </a:fmtScheme>
+  </a:themeElements>
+  <a:objectDefaults/>
+  <a:extraClrSchemeLst/>
+  <a:extLst>
+    <a:ext uri="{05A4C25C-085E-4340-85A3-A5531E510DB2}">
+      <thm15:themeFamily xmlns:thm15="http://schemas.microsoft.com/office/thememl/2012/main" name="Office Theme" id="{62F939B6-93AF-4DB8-9C6B-D6C7DFDC589F}" vid="{4A3C46E8-61CC-4603-A589-7422A47A8E4A}"/>
+    </a:ext>
+  </a:extLst>
+</a:theme>
+</file>
+
+<file path=ppt/theme/theme3.xml><?xml version="1.0" encoding="utf-8"?>
+<a:theme xmlns:a="http://schemas.openxmlformats.org/drawingml/2006/main" name="Office">
+  <a:themeElements>
+    <a:clrScheme name="Office">
+      <a:dk1>
+        <a:sysClr val="windowText" lastClr="000000"/>
+      </a:dk1>
+      <a:lt1>
+        <a:sysClr val="window" lastClr="FFFFFF"/>
+      </a:lt1>
+      <a:dk2>
+        <a:srgbClr val="44546A"/>
+      </a:dk2>
+      <a:lt2>
+        <a:srgbClr val="E7E6E6"/>
+      </a:lt2>
+      <a:accent1>
+        <a:srgbClr val="5B9BD5"/>
+      </a:accent1>
+      <a:accent2>
+        <a:srgbClr val="ED7D31"/>
+      </a:accent2>
+      <a:accent3>
+        <a:srgbClr val="A5A5A5"/>
+      </a:accent3>
+      <a:accent4>
+        <a:srgbClr val="FFC000"/>
+      </a:accent4>
+      <a:accent5>
+        <a:srgbClr val="4472C4"/>
+      </a:accent5>
+      <a:accent6>
+        <a:srgbClr val="70AD47"/>
+      </a:accent6>
+      <a:hlink>
+        <a:srgbClr val="0563C1"/>
+      </a:hlink>
+      <a:folHlink>
+        <a:srgbClr val="954F72"/>
+      </a:folHlink>
+    </a:clrScheme>
+    <a:fontScheme name="Office">
+      <a:majorFont>
+        <a:latin typeface="Calibri Light" panose="020F0302020204030204"/>
+        <a:ea typeface=""/>
+        <a:cs typeface=""/>
+        <a:font script="Jpan" typeface="游ゴシック Light"/>
+        <a:font script="Hang" typeface="맑은 고딕"/>
+        <a:font script="Hans" typeface="等线 Light"/>
+        <a:font script="Hant" typeface="新細明體"/>
+        <a:font script="Arab" typeface="Times New Roman"/>
+        <a:font script="Hebr" typeface="Times New Roman"/>
+        <a:font script="Thai" typeface="Angsana New"/>
+        <a:font script="Ethi" typeface="Nyala"/>
+        <a:font script="Beng" typeface="Vrinda"/>
+        <a:font script="Gujr" typeface="Shruti"/>
+        <a:font script="Khmr" typeface="MoolBoran"/>
+        <a:font script="Knda" typeface="Tunga"/>
+        <a:font script="Guru" typeface="Raavi"/>
+        <a:font script="Cans" typeface="Euphemia"/>
+        <a:font script="Cher" typeface="Plantagenet Cherokee"/>
+        <a:font script="Yiii" typeface="Microsoft Yi Baiti"/>
+        <a:font script="Tibt" typeface="Microsoft Himalaya"/>
+        <a:font script="Thaa" typeface="MV Boli"/>
+        <a:font script="Deva" typeface="Mangal"/>
+        <a:font script="Telu" typeface="Gautami"/>
+        <a:font script="Taml" typeface="Latha"/>
+        <a:font script="Syrc" typeface="Estrangelo Edessa"/>
+        <a:font script="Orya" typeface="Kalinga"/>
+        <a:font script="Mlym" typeface="Kartika"/>
+        <a:font script="Laoo" typeface="DokChampa"/>
+        <a:font script="Sinh" typeface="Iskoola Pota"/>
+        <a:font script="Mong" typeface="Mongolian Baiti"/>
+        <a:font script="Viet" typeface="Times New Roman"/>
+        <a:font script="Uigh" typeface="Microsoft Uighur"/>
+        <a:font script="Geor" typeface="Sylfaen"/>
+      </a:majorFont>
+      <a:minorFont>
+        <a:latin typeface="Calibri" panose="020F0502020204030204"/>
+        <a:ea typeface=""/>
+        <a:cs typeface=""/>
+        <a:font script="Jpan" typeface="游ゴシック"/>
+        <a:font script="Hang" typeface="맑은 고딕"/>
+        <a:font script="Hans" typeface="等线"/>
+        <a:font script="Hant" typeface="新細明體"/>
+        <a:font script="Arab" typeface="Arial"/>
+        <a:font script="Hebr" typeface="Arial"/>
+        <a:font script="Thai" typeface="Cordia New"/>
+        <a:font script="Ethi" typeface="Nyala"/>
+        <a:font script="Beng" typeface="Vrinda"/>
+        <a:font script="Gujr" typeface="Shruti"/>
+        <a:font script="Khmr" typeface="DaunPenh"/>
+        <a:font script="Knda" typeface="Tunga"/>
+        <a:font script="Guru" typeface="Raavi"/>
+        <a:font script="Cans" typeface="Euphemia"/>
+        <a:font script="Cher" typeface="Plantagenet Cherokee"/>
+        <a:font script="Yiii" typeface="Microsoft Yi Baiti"/>
+        <a:font script="Tibt" typeface="Microsoft Himalaya"/>
+        <a:font script="Thaa" typeface="MV Boli"/>
+        <a:font script="Deva" typeface="Mangal"/>
+        <a:font script="Telu" typeface="Gautami"/>
+        <a:font script="Taml" typeface="Latha"/>
+        <a:font script="Syrc" typeface="Estrangelo Edessa"/>
+        <a:font script="Orya" typeface="Kalinga"/>
+        <a:font script="Mlym" typeface="Kartika"/>
+        <a:font script="Laoo" typeface="DokChampa"/>
+        <a:font script="Sinh" typeface="Iskoola Pota"/>
+        <a:font script="Mong" typeface="Mongolian Baiti"/>
+        <a:font script="Viet" typeface="Arial"/>
+        <a:font script="Uigh" typeface="Microsoft Uighur"/>
+        <a:font script="Geor" typeface="Sylfaen"/>
+      </a:minorFont>
+    </a:fontScheme>
+    <a:fmtScheme name="Office">
+      <a:fillStyleLst>
+        <a:solidFill>
+          <a:schemeClr val="phClr"/>
+        </a:solidFill>
+        <a:gradFill rotWithShape="1">
+          <a:gsLst>
+            <a:gs pos="0">
+              <a:schemeClr val="phClr">
+                <a:lumMod val="110000"/>
+                <a:satMod val="105000"/>
+                <a:tint val="67000"/>
+              </a:schemeClr>
+            </a:gs>
+            <a:gs pos="50000">
+              <a:schemeClr val="phClr">
+                <a:lumMod val="105000"/>
+                <a:satMod val="103000"/>
+                <a:tint val="73000"/>
+              </a:schemeClr>
+            </a:gs>
+            <a:gs pos="100000">
+              <a:schemeClr val="phClr">
+                <a:lumMod val="105000"/>
+                <a:satMod val="109000"/>
+                <a:tint val="81000"/>
+              </a:schemeClr>
+            </a:gs>
+          </a:gsLst>
+          <a:lin ang="5400000" scaled="0"/>
+        </a:gradFill>
+        <a:gradFill rotWithShape="1">
+          <a:gsLst>
+            <a:gs pos="0">
+              <a:schemeClr val="phClr">
+                <a:satMod val="103000"/>
+                <a:lumMod val="102000"/>
+                <a:tint val="94000"/>
+              </a:schemeClr>
+            </a:gs>
+            <a:gs pos="50000">
+              <a:schemeClr val="phClr">
+                <a:satMod val="110000"/>
+                <a:lumMod val="100000"/>
+                <a:shade val="100000"/>
+              </a:schemeClr>
+            </a:gs>
+            <a:gs pos="100000">
+              <a:schemeClr val="phClr">
+                <a:lumMod val="99000"/>
+                <a:satMod val="120000"/>
+                <a:shade val="78000"/>
+              </a:schemeClr>
+            </a:gs>
+          </a:gsLst>
+          <a:lin ang="5400000" scaled="0"/>
+        </a:gradFill>
+      </a:fillStyleLst>
+      <a:lnStyleLst>
+        <a:ln w="6350" cap="flat" cmpd="sng" algn="ctr">
+          <a:solidFill>
+            <a:schemeClr val="phClr"/>
+          </a:solidFill>
+          <a:prstDash val="solid"/>
+          <a:miter lim="800000"/>
+        </a:ln>
+        <a:ln w="12700" cap="flat" cmpd="sng" algn="ctr">
+          <a:solidFill>
+            <a:schemeClr val="phClr"/>
+          </a:solidFill>
+          <a:prstDash val="solid"/>
+          <a:miter lim="800000"/>
+        </a:ln>
+        <a:ln w="19050" cap="flat" cmpd="sng" algn="ctr">
+          <a:solidFill>
+            <a:schemeClr val="phClr"/>
+          </a:solidFill>
+          <a:prstDash val="solid"/>
+          <a:miter lim="800000"/>
+        </a:ln>
+      </a:lnStyleLst>
+      <a:effectStyleLst>
+        <a:effectStyle>
+          <a:effectLst/>
+        </a:effectStyle>
+        <a:effectStyle>
+          <a:effectLst/>
+        </a:effectStyle>
+        <a:effectStyle>
+          <a:effectLst>
+            <a:outerShdw blurRad="57150" dist="19050" dir="5400000" algn="ctr" rotWithShape="0">
+              <a:srgbClr val="000000">
+                <a:alpha val="63000"/>
+              </a:srgbClr>
+            </a:outerShdw>
+          </a:effectLst>
+        </a:effectStyle>
+      </a:effectStyleLst>
+      <a:bgFillStyleLst>
+        <a:solidFill>
+          <a:schemeClr val="phClr"/>
+        </a:solidFill>
+        <a:solidFill>
+          <a:schemeClr val="phClr">
+            <a:tint val="95000"/>
+            <a:satMod val="170000"/>
+          </a:schemeClr>
+        </a:solidFill>
+        <a:gradFill rotWithShape="1">
+          <a:gsLst>
+            <a:gs pos="0">
+              <a:schemeClr val="phClr">
+                <a:tint val="93000"/>
+                <a:satMod val="150000"/>
+                <a:shade val="98000"/>
+                <a:lumMod val="102000"/>
+              </a:schemeClr>
+            </a:gs>
+            <a:gs pos="50000">
+              <a:schemeClr val="phClr">
+                <a:tint val="98000"/>
+                <a:satMod val="130000"/>
+                <a:shade val="90000"/>
+                <a:lumMod val="103000"/>
+              </a:schemeClr>
+            </a:gs>
+            <a:gs pos="100000">
+              <a:schemeClr val="phClr">
+                <a:shade val="63000"/>
+                <a:satMod val="120000"/>
+              </a:schemeClr>
+            </a:gs>
+          </a:gsLst>
+          <a:lin ang="5400000" scaled="0"/>
+        </a:gradFill>
+      </a:bgFillStyleLst>
+    </a:fmtScheme>
+  </a:themeElements>
+  <a:objectDefaults/>
+  <a:extraClrSchemeLst/>
+  <a:extLst>
+    <a:ext uri="{05A4C25C-085E-4340-85A3-A5531E510DB2}">
+      <thm15:themeFamily xmlns:thm15="http://schemas.microsoft.com/office/thememl/2012/main" name="Office Theme" id="{62F939B6-93AF-4DB8-9C6B-D6C7DFDC589F}" vid="{4A3C46E8-61CC-4603-A589-7422A47A8E4A}"/>
+    </a:ext>
+  </a:extLst>
+</a:theme>
+</file>
+
+<file path=customXml/item1.xml><?xml version="1.0" encoding="utf-8"?>
+<WrappedLabelHistory xmlns:xsi="http://www.w3.org/2001/XMLSchema-instance" xmlns:xsd="http://www.w3.org/2001/XMLSchema" xmlns="http://www.boldonjames.com/2016/02/Classifier/internal/wrappedLabelHistory">
+  <Value>PD94bWwgdmVyc2lvbj0iMS4wIiBlbmNvZGluZz0idXMtYXNjaWkiPz48bGFiZWxIaXN0b3J5IHhtbG5zOnhzaT0iaHR0cDovL3d3dy53My5vcmcvMjAwMS9YTUxTY2hlbWEtaW5zdGFuY2UiIHhtbG5zOnhzZD0iaHR0cDovL3d3dy53My5vcmcvMjAwMS9YTUxTY2hlbWEiIHhtbG5zPSJodHRwOi8vd3d3LmJvbGRvbmphbWVzLmNvbS8yMDE2LzAyL0NsYXNzaWZpZXIvaW50ZXJuYWwvbGFiZWxIaXN0b3J5Ij48aXRlbT48c2lzbCBzaXNsVmVyc2lvbj0iMCIgcG9saWN5PSI1ZTIxNjY1Mi03Y2IxLTQyZDMtYTIyZi1mYjVjN2YzNDhkYjUiIG9yaWdpbj0idXNlclNlbGVjdGVkIj48ZWxlbWVudCB1aWQ9ImlkX2NsYXNzaWZpY2F0aW9uX25vbmJ1c2luZXNzIiB2YWx1ZT0iIiB4bWxucz0iaHR0cDovL3d3dy5ib2xkb25qYW1lcy5jb20vMjAwOC8wMS9zaWUvaW50ZXJuYWwvbGFiZWwiIC8+PC9zaXNsPjxVc2VyTmFtZT5PQUFEXGJqMDkzPC9Vc2VyTmFtZT48RGF0ZVRpbWU+MDYuMTIuMjAxOCAxMDo0MTozOTwvRGF0ZVRpbWU+PExhYmVsU3RyaW5nPlB1YmxpYzwvTGFiZWxTdHJpbmc+PC9pdGVtPjwvbGFiZWxIaXN0b3J5Pg==</Value>
+</WrappedLabelHistory>
+</file>
+
+<file path=customXml/item2.xml><?xml version="1.0" encoding="utf-8"?>
+<sisl xmlns:xsi="http://www.w3.org/2001/XMLSchema-instance" xmlns:xsd="http://www.w3.org/2001/XMLSchema" xmlns="http://www.boldonjames.com/2008/01/sie/internal/label" sislVersion="0" policy="5e216652-7cb1-42d3-a22f-fb5c7f348db5" origin="userSelected">
+  <element uid="id_classification_nonbusiness" value=""/>
+</sisl>
+</file>
+
+<file path=customXml/itemProps1.xml><?xml version="1.0" encoding="utf-8"?>
+<ds:datastoreItem xmlns:ds="http://schemas.openxmlformats.org/officeDocument/2006/customXml" ds:itemID="{734E0A59-62D3-4E02-807C-932A0D272565}">
+  <ds:schemaRefs>
+    <ds:schemaRef ds:uri="http://www.w3.org/2001/XMLSchema"/>
+    <ds:schemaRef ds:uri="http://www.boldonjames.com/2016/02/Classifier/internal/wrappedLabelHistory"/>
+  </ds:schemaRefs>
+</ds:datastoreItem>
+</file>
+
+<file path=customXml/itemProps2.xml><?xml version="1.0" encoding="utf-8"?>
+<ds:datastoreItem xmlns:ds="http://schemas.openxmlformats.org/officeDocument/2006/customXml" ds:itemID="{A60EBB65-FA52-49B6-A789-8B1F9F47534C}">
+  <ds:schemaRefs>
+    <ds:schemaRef ds:uri="http://www.w3.org/2001/XMLSchema"/>
+    <ds:schemaRef ds:uri="http://www.boldonjames.com/2008/01/sie/internal/label"/>
+  </ds:schemaRefs>
+</ds:datastoreItem>
 </file>
--- a/ZitatErfassung.pptx
+++ b/ZitatErfassung.pptx
@@ -1,14 +1,14 @@
 
 <file path=ppt/presentation.xml><?xml version="1.0" encoding="utf-8"?>
-<p:presentation xmlns:a="http://schemas.openxmlformats.org/drawingml/2006/main" xmlns:r="http://schemas.openxmlformats.org/officeDocument/2006/relationships" xmlns:p="http://schemas.openxmlformats.org/presentationml/2006/main" saveSubsetFonts="1">
+<p:presentation xmlns:a="http://schemas.openxmlformats.org/drawingml/2006/main" xmlns:r="http://schemas.openxmlformats.org/officeDocument/2006/relationships" xmlns:p="http://schemas.openxmlformats.org/presentationml/2006/main" showSpecialPlsOnTitleSld="0" saveSubsetFonts="1">
   <p:sldMasterIdLst>
-    <p:sldMasterId id="2147483648" r:id="rId3"/>
+    <p:sldMasterId id="2147483660" r:id="rId3"/>
   </p:sldMasterIdLst>
   <p:notesMasterIdLst>
-    <p:notesMasterId r:id="rId28"/>
+    <p:notesMasterId r:id="rId31"/>
   </p:notesMasterIdLst>
   <p:handoutMasterIdLst>
-    <p:handoutMasterId r:id="rId29"/>
+    <p:handoutMasterId r:id="rId32"/>
   </p:handoutMasterIdLst>
   <p:sldIdLst>
     <p:sldId id="256" r:id="rId4"/>
@@ -29,12 +29,15 @@
     <p:sldId id="282" r:id="rId19"/>
     <p:sldId id="270" r:id="rId20"/>
     <p:sldId id="271" r:id="rId21"/>
-    <p:sldId id="272" r:id="rId22"/>
-    <p:sldId id="262" r:id="rId23"/>
-    <p:sldId id="273" r:id="rId24"/>
-    <p:sldId id="274" r:id="rId25"/>
-    <p:sldId id="275" r:id="rId26"/>
-    <p:sldId id="276" r:id="rId27"/>
+    <p:sldId id="284" r:id="rId22"/>
+    <p:sldId id="283" r:id="rId23"/>
+    <p:sldId id="285" r:id="rId24"/>
+    <p:sldId id="272" r:id="rId25"/>
+    <p:sldId id="262" r:id="rId26"/>
+    <p:sldId id="273" r:id="rId27"/>
+    <p:sldId id="274" r:id="rId28"/>
+    <p:sldId id="275" r:id="rId29"/>
+    <p:sldId id="276" r:id="rId30"/>
   </p:sldIdLst>
   <p:sldSz cx="9144000" cy="6858000" type="screen4x3"/>
   <p:notesSz cx="6858000" cy="9144000"/>
@@ -134,8 +137,43 @@
     </a:lvl9pPr>
   </p:defaultTextStyle>
   <p:extLst>
+    <p:ext uri="{521415D9-36F7-43E2-AB2F-B90AF26B5E84}">
+      <p14:sectionLst xmlns:p14="http://schemas.microsoft.com/office/powerpoint/2010/main">
+        <p14:section name="Standardabschnitt" id="{20EC63D9-175F-42FA-BF69-55A38353FA6B}">
+          <p14:sldIdLst>
+            <p14:sldId id="256"/>
+            <p14:sldId id="257"/>
+            <p14:sldId id="258"/>
+            <p14:sldId id="259"/>
+            <p14:sldId id="263"/>
+            <p14:sldId id="264"/>
+            <p14:sldId id="265"/>
+            <p14:sldId id="266"/>
+            <p14:sldId id="260"/>
+            <p14:sldId id="267"/>
+            <p14:sldId id="268"/>
+            <p14:sldId id="261"/>
+            <p14:sldId id="269"/>
+            <p14:sldId id="278"/>
+            <p14:sldId id="280"/>
+            <p14:sldId id="282"/>
+            <p14:sldId id="270"/>
+            <p14:sldId id="271"/>
+            <p14:sldId id="284"/>
+            <p14:sldId id="283"/>
+            <p14:sldId id="285"/>
+            <p14:sldId id="272"/>
+            <p14:sldId id="262"/>
+            <p14:sldId id="273"/>
+            <p14:sldId id="274"/>
+            <p14:sldId id="275"/>
+            <p14:sldId id="276"/>
+          </p14:sldIdLst>
+        </p14:section>
+      </p14:sectionLst>
+    </p:ext>
     <p:ext uri="{EFAFB233-063F-42B5-8137-9DF3F51BA10A}">
-      <p15:sldGuideLst xmlns:p15="http://schemas.microsoft.com/office/powerpoint/2012/main">
+      <p15:sldGuideLst xmlns="" xmlns:p15="http://schemas.microsoft.com/office/powerpoint/2012/main">
         <p15:guide id="1" orient="horz" pos="2160">
           <p15:clr>
             <a:srgbClr val="A4A3A4"/>
@@ -234,7 +272,7 @@
           <a:p>
             <a:fld id="{87651CDC-350E-4B44-BB8A-885237E2A711}" type="datetimeFigureOut">
               <a:rPr lang="en-US" smtClean="0"/>
-              <a:t>12/6/2018</a:t>
+              <a:t>12/9/2018</a:t>
             </a:fld>
             <a:endParaRPr lang="en-US"/>
           </a:p>
@@ -399,7 +437,7 @@
           <a:p>
             <a:fld id="{1466A8C7-1C43-42D3-82B5-6D4564CA3D98}" type="datetimeFigureOut">
               <a:rPr lang="en-US" smtClean="0"/>
-              <a:t>12/6/2018</a:t>
+              <a:t>12/9/2018</a:t>
             </a:fld>
             <a:endParaRPr lang="en-US"/>
           </a:p>
@@ -2000,7 +2038,7 @@
     </p:spTree>
     <p:extLst>
       <p:ext uri="{BB962C8B-B14F-4D97-AF65-F5344CB8AC3E}">
-        <p14:creationId xmlns:p14="http://schemas.microsoft.com/office/powerpoint/2010/main" val="2927489175"/>
+        <p14:creationId xmlns:p14="http://schemas.microsoft.com/office/powerpoint/2010/main" val="394502214"/>
       </p:ext>
     </p:extLst>
   </p:cSld>
@@ -2244,7 +2282,7 @@
     </p:spTree>
     <p:extLst>
       <p:ext uri="{BB962C8B-B14F-4D97-AF65-F5344CB8AC3E}">
-        <p14:creationId xmlns:p14="http://schemas.microsoft.com/office/powerpoint/2010/main" val="1391976626"/>
+        <p14:creationId xmlns:p14="http://schemas.microsoft.com/office/powerpoint/2010/main" val="394502214"/>
       </p:ext>
     </p:extLst>
   </p:cSld>
@@ -2366,7 +2404,7 @@
     </p:spTree>
     <p:extLst>
       <p:ext uri="{BB962C8B-B14F-4D97-AF65-F5344CB8AC3E}">
-        <p14:creationId xmlns:p14="http://schemas.microsoft.com/office/powerpoint/2010/main" val="4045100350"/>
+        <p14:creationId xmlns:p14="http://schemas.microsoft.com/office/powerpoint/2010/main" val="394502214"/>
       </p:ext>
     </p:extLst>
   </p:cSld>
@@ -2488,7 +2526,7 @@
     </p:spTree>
     <p:extLst>
       <p:ext uri="{BB962C8B-B14F-4D97-AF65-F5344CB8AC3E}">
-        <p14:creationId xmlns:p14="http://schemas.microsoft.com/office/powerpoint/2010/main" val="3829148486"/>
+        <p14:creationId xmlns:p14="http://schemas.microsoft.com/office/powerpoint/2010/main" val="2927489175"/>
       </p:ext>
     </p:extLst>
   </p:cSld>
@@ -2610,7 +2648,7 @@
     </p:spTree>
     <p:extLst>
       <p:ext uri="{BB962C8B-B14F-4D97-AF65-F5344CB8AC3E}">
-        <p14:creationId xmlns:p14="http://schemas.microsoft.com/office/powerpoint/2010/main" val="1542436110"/>
+        <p14:creationId xmlns:p14="http://schemas.microsoft.com/office/powerpoint/2010/main" val="1391976626"/>
       </p:ext>
     </p:extLst>
   </p:cSld>
@@ -2724,6 +2762,372 @@
             <a:fld id="{3658F27A-C96B-492B-AEF7-AE64154AD71B}" type="slidenum">
               <a:rPr lang="en-US" smtClean="0"/>
               <a:t>24</a:t>
+            </a:fld>
+            <a:endParaRPr lang="en-US"/>
+          </a:p>
+        </p:txBody>
+      </p:sp>
+    </p:spTree>
+    <p:extLst>
+      <p:ext uri="{BB962C8B-B14F-4D97-AF65-F5344CB8AC3E}">
+        <p14:creationId xmlns:p14="http://schemas.microsoft.com/office/powerpoint/2010/main" val="4045100350"/>
+      </p:ext>
+    </p:extLst>
+  </p:cSld>
+  <p:clrMapOvr>
+    <a:masterClrMapping/>
+  </p:clrMapOvr>
+</p:notes>
+</file>
+
+<file path=ppt/notesSlides/notesSlide25.xml><?xml version="1.0" encoding="utf-8"?>
+<p:notes xmlns:a="http://schemas.openxmlformats.org/drawingml/2006/main" xmlns:r="http://schemas.openxmlformats.org/officeDocument/2006/relationships" xmlns:p="http://schemas.openxmlformats.org/presentationml/2006/main">
+  <p:cSld>
+    <p:spTree>
+      <p:nvGrpSpPr>
+        <p:cNvPr id="1" name=""/>
+        <p:cNvGrpSpPr/>
+        <p:nvPr/>
+      </p:nvGrpSpPr>
+      <p:grpSpPr>
+        <a:xfrm>
+          <a:off x="0" y="0"/>
+          <a:ext cx="0" cy="0"/>
+          <a:chOff x="0" y="0"/>
+          <a:chExt cx="0" cy="0"/>
+        </a:xfrm>
+      </p:grpSpPr>
+      <p:sp>
+        <p:nvSpPr>
+          <p:cNvPr id="2" name="Folienbildplatzhalter 1"/>
+          <p:cNvSpPr>
+            <a:spLocks noGrp="1" noRot="1" noChangeAspect="1"/>
+          </p:cNvSpPr>
+          <p:nvPr>
+            <p:ph type="sldImg"/>
+          </p:nvPr>
+        </p:nvSpPr>
+        <p:spPr/>
+      </p:sp>
+      <p:sp>
+        <p:nvSpPr>
+          <p:cNvPr id="3" name="Notizenplatzhalter 2"/>
+          <p:cNvSpPr>
+            <a:spLocks noGrp="1"/>
+          </p:cNvSpPr>
+          <p:nvPr>
+            <p:ph type="body" idx="1"/>
+          </p:nvPr>
+        </p:nvSpPr>
+        <p:spPr/>
+        <p:txBody>
+          <a:bodyPr/>
+          <a:lstStyle/>
+          <a:p>
+            <a:endParaRPr lang="en-US"/>
+          </a:p>
+        </p:txBody>
+      </p:sp>
+      <p:sp>
+        <p:nvSpPr>
+          <p:cNvPr id="4" name="Kopfzeilenplatzhalter 3"/>
+          <p:cNvSpPr>
+            <a:spLocks noGrp="1"/>
+          </p:cNvSpPr>
+          <p:nvPr>
+            <p:ph type="hdr" sz="quarter" idx="10"/>
+          </p:nvPr>
+        </p:nvSpPr>
+        <p:spPr/>
+        <p:txBody>
+          <a:bodyPr/>
+          <a:lstStyle/>
+          <a:p>
+            <a:endParaRPr lang="en-US"/>
+          </a:p>
+        </p:txBody>
+      </p:sp>
+      <p:sp>
+        <p:nvSpPr>
+          <p:cNvPr id="5" name="Fußzeilenplatzhalter 4"/>
+          <p:cNvSpPr>
+            <a:spLocks noGrp="1"/>
+          </p:cNvSpPr>
+          <p:nvPr>
+            <p:ph type="ftr" sz="quarter" idx="11"/>
+          </p:nvPr>
+        </p:nvSpPr>
+        <p:spPr/>
+        <p:txBody>
+          <a:bodyPr/>
+          <a:lstStyle/>
+          <a:p>
+            <a:endParaRPr lang="en-US"/>
+          </a:p>
+        </p:txBody>
+      </p:sp>
+      <p:sp>
+        <p:nvSpPr>
+          <p:cNvPr id="6" name="Foliennummernplatzhalter 5"/>
+          <p:cNvSpPr>
+            <a:spLocks noGrp="1"/>
+          </p:cNvSpPr>
+          <p:nvPr>
+            <p:ph type="sldNum" sz="quarter" idx="12"/>
+          </p:nvPr>
+        </p:nvSpPr>
+        <p:spPr/>
+        <p:txBody>
+          <a:bodyPr/>
+          <a:lstStyle/>
+          <a:p>
+            <a:fld id="{3658F27A-C96B-492B-AEF7-AE64154AD71B}" type="slidenum">
+              <a:rPr lang="en-US" smtClean="0"/>
+              <a:t>25</a:t>
+            </a:fld>
+            <a:endParaRPr lang="en-US"/>
+          </a:p>
+        </p:txBody>
+      </p:sp>
+    </p:spTree>
+    <p:extLst>
+      <p:ext uri="{BB962C8B-B14F-4D97-AF65-F5344CB8AC3E}">
+        <p14:creationId xmlns:p14="http://schemas.microsoft.com/office/powerpoint/2010/main" val="3829148486"/>
+      </p:ext>
+    </p:extLst>
+  </p:cSld>
+  <p:clrMapOvr>
+    <a:masterClrMapping/>
+  </p:clrMapOvr>
+</p:notes>
+</file>
+
+<file path=ppt/notesSlides/notesSlide26.xml><?xml version="1.0" encoding="utf-8"?>
+<p:notes xmlns:a="http://schemas.openxmlformats.org/drawingml/2006/main" xmlns:r="http://schemas.openxmlformats.org/officeDocument/2006/relationships" xmlns:p="http://schemas.openxmlformats.org/presentationml/2006/main">
+  <p:cSld>
+    <p:spTree>
+      <p:nvGrpSpPr>
+        <p:cNvPr id="1" name=""/>
+        <p:cNvGrpSpPr/>
+        <p:nvPr/>
+      </p:nvGrpSpPr>
+      <p:grpSpPr>
+        <a:xfrm>
+          <a:off x="0" y="0"/>
+          <a:ext cx="0" cy="0"/>
+          <a:chOff x="0" y="0"/>
+          <a:chExt cx="0" cy="0"/>
+        </a:xfrm>
+      </p:grpSpPr>
+      <p:sp>
+        <p:nvSpPr>
+          <p:cNvPr id="2" name="Folienbildplatzhalter 1"/>
+          <p:cNvSpPr>
+            <a:spLocks noGrp="1" noRot="1" noChangeAspect="1"/>
+          </p:cNvSpPr>
+          <p:nvPr>
+            <p:ph type="sldImg"/>
+          </p:nvPr>
+        </p:nvSpPr>
+        <p:spPr/>
+      </p:sp>
+      <p:sp>
+        <p:nvSpPr>
+          <p:cNvPr id="3" name="Notizenplatzhalter 2"/>
+          <p:cNvSpPr>
+            <a:spLocks noGrp="1"/>
+          </p:cNvSpPr>
+          <p:nvPr>
+            <p:ph type="body" idx="1"/>
+          </p:nvPr>
+        </p:nvSpPr>
+        <p:spPr/>
+        <p:txBody>
+          <a:bodyPr/>
+          <a:lstStyle/>
+          <a:p>
+            <a:endParaRPr lang="en-US"/>
+          </a:p>
+        </p:txBody>
+      </p:sp>
+      <p:sp>
+        <p:nvSpPr>
+          <p:cNvPr id="4" name="Kopfzeilenplatzhalter 3"/>
+          <p:cNvSpPr>
+            <a:spLocks noGrp="1"/>
+          </p:cNvSpPr>
+          <p:nvPr>
+            <p:ph type="hdr" sz="quarter" idx="10"/>
+          </p:nvPr>
+        </p:nvSpPr>
+        <p:spPr/>
+        <p:txBody>
+          <a:bodyPr/>
+          <a:lstStyle/>
+          <a:p>
+            <a:endParaRPr lang="en-US"/>
+          </a:p>
+        </p:txBody>
+      </p:sp>
+      <p:sp>
+        <p:nvSpPr>
+          <p:cNvPr id="5" name="Fußzeilenplatzhalter 4"/>
+          <p:cNvSpPr>
+            <a:spLocks noGrp="1"/>
+          </p:cNvSpPr>
+          <p:nvPr>
+            <p:ph type="ftr" sz="quarter" idx="11"/>
+          </p:nvPr>
+        </p:nvSpPr>
+        <p:spPr/>
+        <p:txBody>
+          <a:bodyPr/>
+          <a:lstStyle/>
+          <a:p>
+            <a:endParaRPr lang="en-US"/>
+          </a:p>
+        </p:txBody>
+      </p:sp>
+      <p:sp>
+        <p:nvSpPr>
+          <p:cNvPr id="6" name="Foliennummernplatzhalter 5"/>
+          <p:cNvSpPr>
+            <a:spLocks noGrp="1"/>
+          </p:cNvSpPr>
+          <p:nvPr>
+            <p:ph type="sldNum" sz="quarter" idx="12"/>
+          </p:nvPr>
+        </p:nvSpPr>
+        <p:spPr/>
+        <p:txBody>
+          <a:bodyPr/>
+          <a:lstStyle/>
+          <a:p>
+            <a:fld id="{3658F27A-C96B-492B-AEF7-AE64154AD71B}" type="slidenum">
+              <a:rPr lang="en-US" smtClean="0"/>
+              <a:t>26</a:t>
+            </a:fld>
+            <a:endParaRPr lang="en-US"/>
+          </a:p>
+        </p:txBody>
+      </p:sp>
+    </p:spTree>
+    <p:extLst>
+      <p:ext uri="{BB962C8B-B14F-4D97-AF65-F5344CB8AC3E}">
+        <p14:creationId xmlns:p14="http://schemas.microsoft.com/office/powerpoint/2010/main" val="1542436110"/>
+      </p:ext>
+    </p:extLst>
+  </p:cSld>
+  <p:clrMapOvr>
+    <a:masterClrMapping/>
+  </p:clrMapOvr>
+</p:notes>
+</file>
+
+<file path=ppt/notesSlides/notesSlide27.xml><?xml version="1.0" encoding="utf-8"?>
+<p:notes xmlns:a="http://schemas.openxmlformats.org/drawingml/2006/main" xmlns:r="http://schemas.openxmlformats.org/officeDocument/2006/relationships" xmlns:p="http://schemas.openxmlformats.org/presentationml/2006/main">
+  <p:cSld>
+    <p:spTree>
+      <p:nvGrpSpPr>
+        <p:cNvPr id="1" name=""/>
+        <p:cNvGrpSpPr/>
+        <p:nvPr/>
+      </p:nvGrpSpPr>
+      <p:grpSpPr>
+        <a:xfrm>
+          <a:off x="0" y="0"/>
+          <a:ext cx="0" cy="0"/>
+          <a:chOff x="0" y="0"/>
+          <a:chExt cx="0" cy="0"/>
+        </a:xfrm>
+      </p:grpSpPr>
+      <p:sp>
+        <p:nvSpPr>
+          <p:cNvPr id="2" name="Folienbildplatzhalter 1"/>
+          <p:cNvSpPr>
+            <a:spLocks noGrp="1" noRot="1" noChangeAspect="1"/>
+          </p:cNvSpPr>
+          <p:nvPr>
+            <p:ph type="sldImg"/>
+          </p:nvPr>
+        </p:nvSpPr>
+        <p:spPr/>
+      </p:sp>
+      <p:sp>
+        <p:nvSpPr>
+          <p:cNvPr id="3" name="Notizenplatzhalter 2"/>
+          <p:cNvSpPr>
+            <a:spLocks noGrp="1"/>
+          </p:cNvSpPr>
+          <p:nvPr>
+            <p:ph type="body" idx="1"/>
+          </p:nvPr>
+        </p:nvSpPr>
+        <p:spPr/>
+        <p:txBody>
+          <a:bodyPr/>
+          <a:lstStyle/>
+          <a:p>
+            <a:endParaRPr lang="en-US"/>
+          </a:p>
+        </p:txBody>
+      </p:sp>
+      <p:sp>
+        <p:nvSpPr>
+          <p:cNvPr id="4" name="Kopfzeilenplatzhalter 3"/>
+          <p:cNvSpPr>
+            <a:spLocks noGrp="1"/>
+          </p:cNvSpPr>
+          <p:nvPr>
+            <p:ph type="hdr" sz="quarter" idx="10"/>
+          </p:nvPr>
+        </p:nvSpPr>
+        <p:spPr/>
+        <p:txBody>
+          <a:bodyPr/>
+          <a:lstStyle/>
+          <a:p>
+            <a:endParaRPr lang="en-US"/>
+          </a:p>
+        </p:txBody>
+      </p:sp>
+      <p:sp>
+        <p:nvSpPr>
+          <p:cNvPr id="5" name="Fußzeilenplatzhalter 4"/>
+          <p:cNvSpPr>
+            <a:spLocks noGrp="1"/>
+          </p:cNvSpPr>
+          <p:nvPr>
+            <p:ph type="ftr" sz="quarter" idx="11"/>
+          </p:nvPr>
+        </p:nvSpPr>
+        <p:spPr/>
+        <p:txBody>
+          <a:bodyPr/>
+          <a:lstStyle/>
+          <a:p>
+            <a:endParaRPr lang="en-US"/>
+          </a:p>
+        </p:txBody>
+      </p:sp>
+      <p:sp>
+        <p:nvSpPr>
+          <p:cNvPr id="6" name="Foliennummernplatzhalter 5"/>
+          <p:cNvSpPr>
+            <a:spLocks noGrp="1"/>
+          </p:cNvSpPr>
+          <p:nvPr>
+            <p:ph type="sldNum" sz="quarter" idx="12"/>
+          </p:nvPr>
+        </p:nvSpPr>
+        <p:spPr/>
+        <p:txBody>
+          <a:bodyPr/>
+          <a:lstStyle/>
+          <a:p>
+            <a:fld id="{3658F27A-C96B-492B-AEF7-AE64154AD71B}" type="slidenum">
+              <a:rPr lang="en-US" smtClean="0"/>
+              <a:t>27</a:t>
             </a:fld>
             <a:endParaRPr lang="en-US"/>
           </a:p>
@@ -3597,8 +4001,13 @@
 </file>
 
 <file path=ppt/slideLayouts/slideLayout1.xml><?xml version="1.0" encoding="utf-8"?>
-<p:sldLayout xmlns:a="http://schemas.openxmlformats.org/drawingml/2006/main" xmlns:r="http://schemas.openxmlformats.org/officeDocument/2006/relationships" xmlns:p="http://schemas.openxmlformats.org/presentationml/2006/main" type="title" preserve="1">
+<p:sldLayout xmlns:a="http://schemas.openxmlformats.org/drawingml/2006/main" xmlns:r="http://schemas.openxmlformats.org/officeDocument/2006/relationships" xmlns:p="http://schemas.openxmlformats.org/presentationml/2006/main" showMasterSp="0" type="title" preserve="1">
   <p:cSld name="Titelfolie">
+    <p:bg>
+      <p:bgRef idx="1003">
+        <a:schemeClr val="bg1"/>
+      </p:bgRef>
+    </p:bg>
     <p:spTree>
       <p:nvGrpSpPr>
         <p:cNvPr id="1" name=""/>
@@ -3615,46 +4024,112 @@
       </p:grpSpPr>
       <p:sp>
         <p:nvSpPr>
-          <p:cNvPr id="2" name="Titel 1"/>
-          <p:cNvSpPr>
-            <a:spLocks noGrp="1"/>
-          </p:cNvSpPr>
-          <p:nvPr>
-            <p:ph type="ctrTitle"/>
-          </p:nvPr>
+          <p:cNvPr id="12" name="Rechteck 11"/>
+          <p:cNvSpPr/>
+          <p:nvPr/>
         </p:nvSpPr>
         <p:spPr>
           <a:xfrm>
-            <a:off x="685800" y="2130425"/>
-            <a:ext cx="7772400" cy="1470025"/>
+            <a:off x="0" y="0"/>
+            <a:ext cx="9144000" cy="6858000"/>
           </a:xfrm>
+          <a:prstGeom prst="rect">
+            <a:avLst/>
+          </a:prstGeom>
+          <a:solidFill>
+            <a:srgbClr val="FFFFFF"/>
+          </a:solidFill>
+          <a:ln w="12700" cap="flat" cmpd="sng" algn="ctr">
+            <a:noFill/>
+            <a:prstDash val="solid"/>
+          </a:ln>
         </p:spPr>
-        <p:txBody>
-          <a:bodyPr/>
-          <a:lstStyle/>
-          <a:p>
-            <a:r>
-              <a:rPr lang="de-DE" smtClean="0"/>
-              <a:t>Titelmasterformat durch Klicken bearbeiten</a:t>
-            </a:r>
-            <a:endParaRPr lang="de-DE"/>
-          </a:p>
-        </p:txBody>
-      </p:sp>
-      <p:sp>
-        <p:nvSpPr>
-          <p:cNvPr id="3" name="Untertitel 2"/>
-          <p:cNvSpPr>
-            <a:spLocks noGrp="1"/>
-          </p:cNvSpPr>
-          <p:nvPr>
-            <p:ph type="subTitle" idx="1"/>
-          </p:nvPr>
+        <p:style>
+          <a:lnRef idx="2">
+            <a:schemeClr val="accent1"/>
+          </a:lnRef>
+          <a:fillRef idx="1">
+            <a:schemeClr val="accent1"/>
+          </a:fillRef>
+          <a:effectRef idx="0">
+            <a:schemeClr val="accent1"/>
+          </a:effectRef>
+          <a:fontRef idx="minor">
+            <a:schemeClr val="lt1"/>
+          </a:fontRef>
+        </p:style>
+        <p:txBody>
+          <a:bodyPr rtlCol="0" anchor="ctr"/>
+          <a:lstStyle/>
+          <a:p>
+            <a:pPr algn="ctr" eaLnBrk="1" latinLnBrk="0" hangingPunct="1"/>
+            <a:endParaRPr kumimoji="0" lang="en-US"/>
+          </a:p>
+        </p:txBody>
+      </p:sp>
+      <p:sp useBgFill="1">
+        <p:nvSpPr>
+          <p:cNvPr id="13" name="Abgerundetes Rechteck 12"/>
+          <p:cNvSpPr/>
+          <p:nvPr/>
         </p:nvSpPr>
         <p:spPr>
           <a:xfrm>
-            <a:off x="1371600" y="3886200"/>
-            <a:ext cx="6400800" cy="1752600"/>
+            <a:off x="65313" y="69755"/>
+            <a:ext cx="9013372" cy="6692201"/>
+          </a:xfrm>
+          <a:prstGeom prst="roundRect">
+            <a:avLst>
+              <a:gd name="adj" fmla="val 4929"/>
+            </a:avLst>
+          </a:prstGeom>
+          <a:ln w="6350" cap="sq" cmpd="sng" algn="ctr">
+            <a:solidFill>
+              <a:schemeClr val="tx1">
+                <a:alpha val="100000"/>
+              </a:schemeClr>
+            </a:solidFill>
+            <a:prstDash val="solid"/>
+          </a:ln>
+          <a:effectLst/>
+        </p:spPr>
+        <p:style>
+          <a:lnRef idx="3">
+            <a:schemeClr val="lt1"/>
+          </a:lnRef>
+          <a:fillRef idx="1001">
+            <a:schemeClr val="lt1"/>
+          </a:fillRef>
+          <a:effectRef idx="1">
+            <a:schemeClr val="accent1"/>
+          </a:effectRef>
+          <a:fontRef idx="minor">
+            <a:schemeClr val="lt1"/>
+          </a:fontRef>
+        </p:style>
+        <p:txBody>
+          <a:bodyPr anchor="ctr"/>
+          <a:lstStyle/>
+          <a:p>
+            <a:pPr algn="ctr" eaLnBrk="1" latinLnBrk="0" hangingPunct="1"/>
+            <a:endParaRPr kumimoji="0" lang="en-US"/>
+          </a:p>
+        </p:txBody>
+      </p:sp>
+      <p:sp>
+        <p:nvSpPr>
+          <p:cNvPr id="9" name="Untertitel 8"/>
+          <p:cNvSpPr>
+            <a:spLocks noGrp="1"/>
+          </p:cNvSpPr>
+          <p:nvPr>
+            <p:ph type="subTitle" idx="1"/>
+          </p:nvPr>
+        </p:nvSpPr>
+        <p:spPr>
+          <a:xfrm>
+            <a:off x="1295400" y="3200400"/>
+            <a:ext cx="6400800" cy="1600200"/>
           </a:xfrm>
         </p:spPr>
         <p:txBody>
@@ -3662,160 +4137,116 @@
           <a:lstStyle>
             <a:lvl1pPr marL="0" indent="0" algn="ctr">
               <a:buNone/>
-              <a:defRPr>
+              <a:defRPr sz="2600">
                 <a:solidFill>
-                  <a:schemeClr val="tx1">
-                    <a:tint val="75000"/>
-                  </a:schemeClr>
+                  <a:schemeClr val="tx2"/>
                 </a:solidFill>
               </a:defRPr>
             </a:lvl1pPr>
             <a:lvl2pPr marL="457200" indent="0" algn="ctr">
               <a:buNone/>
-              <a:defRPr>
-                <a:solidFill>
-                  <a:schemeClr val="tx1">
-                    <a:tint val="75000"/>
-                  </a:schemeClr>
-                </a:solidFill>
-              </a:defRPr>
             </a:lvl2pPr>
             <a:lvl3pPr marL="914400" indent="0" algn="ctr">
               <a:buNone/>
-              <a:defRPr>
-                <a:solidFill>
-                  <a:schemeClr val="tx1">
-                    <a:tint val="75000"/>
-                  </a:schemeClr>
-                </a:solidFill>
-              </a:defRPr>
             </a:lvl3pPr>
             <a:lvl4pPr marL="1371600" indent="0" algn="ctr">
               <a:buNone/>
-              <a:defRPr>
-                <a:solidFill>
-                  <a:schemeClr val="tx1">
-                    <a:tint val="75000"/>
-                  </a:schemeClr>
-                </a:solidFill>
-              </a:defRPr>
             </a:lvl4pPr>
             <a:lvl5pPr marL="1828800" indent="0" algn="ctr">
               <a:buNone/>
-              <a:defRPr>
-                <a:solidFill>
-                  <a:schemeClr val="tx1">
-                    <a:tint val="75000"/>
-                  </a:schemeClr>
-                </a:solidFill>
-              </a:defRPr>
             </a:lvl5pPr>
             <a:lvl6pPr marL="2286000" indent="0" algn="ctr">
               <a:buNone/>
-              <a:defRPr>
-                <a:solidFill>
-                  <a:schemeClr val="tx1">
-                    <a:tint val="75000"/>
-                  </a:schemeClr>
-                </a:solidFill>
-              </a:defRPr>
             </a:lvl6pPr>
             <a:lvl7pPr marL="2743200" indent="0" algn="ctr">
               <a:buNone/>
-              <a:defRPr>
-                <a:solidFill>
-                  <a:schemeClr val="tx1">
-                    <a:tint val="75000"/>
-                  </a:schemeClr>
-                </a:solidFill>
-              </a:defRPr>
             </a:lvl7pPr>
             <a:lvl8pPr marL="3200400" indent="0" algn="ctr">
               <a:buNone/>
-              <a:defRPr>
-                <a:solidFill>
-                  <a:schemeClr val="tx1">
-                    <a:tint val="75000"/>
-                  </a:schemeClr>
-                </a:solidFill>
-              </a:defRPr>
             </a:lvl8pPr>
             <a:lvl9pPr marL="3657600" indent="0" algn="ctr">
               <a:buNone/>
-              <a:defRPr>
+            </a:lvl9pPr>
+          </a:lstStyle>
+          <a:p>
+            <a:r>
+              <a:rPr kumimoji="0" lang="de-DE" smtClean="0"/>
+              <a:t>Formatvorlage des Untertitelmasters durch Klicken bearbeiten</a:t>
+            </a:r>
+            <a:endParaRPr kumimoji="0" lang="en-US"/>
+          </a:p>
+        </p:txBody>
+      </p:sp>
+      <p:sp>
+        <p:nvSpPr>
+          <p:cNvPr id="28" name="Datumsplatzhalter 27"/>
+          <p:cNvSpPr>
+            <a:spLocks noGrp="1"/>
+          </p:cNvSpPr>
+          <p:nvPr>
+            <p:ph type="dt" sz="half" idx="10"/>
+          </p:nvPr>
+        </p:nvSpPr>
+        <p:spPr/>
+        <p:txBody>
+          <a:bodyPr/>
+          <a:lstStyle/>
+          <a:p>
+            <a:fld id="{D5F60348-16C7-4648-B6C9-C9DF434B0102}" type="datetime1">
+              <a:rPr lang="de-DE" smtClean="0"/>
+              <a:t>09.12.2018</a:t>
+            </a:fld>
+            <a:endParaRPr lang="de-DE"/>
+          </a:p>
+        </p:txBody>
+      </p:sp>
+      <p:sp>
+        <p:nvSpPr>
+          <p:cNvPr id="17" name="Fußzeilenplatzhalter 16"/>
+          <p:cNvSpPr>
+            <a:spLocks noGrp="1"/>
+          </p:cNvSpPr>
+          <p:nvPr>
+            <p:ph type="ftr" sz="quarter" idx="11"/>
+          </p:nvPr>
+        </p:nvSpPr>
+        <p:spPr/>
+        <p:txBody>
+          <a:bodyPr/>
+          <a:lstStyle/>
+          <a:p>
+            <a:r>
+              <a:rPr lang="de-DE" smtClean="0"/>
+              <a:t>Zitaterfassung - Lars Baumgarten, Tim Rumrich, Pascal Schmotz</a:t>
+            </a:r>
+            <a:endParaRPr lang="de-DE"/>
+          </a:p>
+        </p:txBody>
+      </p:sp>
+      <p:sp>
+        <p:nvSpPr>
+          <p:cNvPr id="29" name="Foliennummernplatzhalter 28"/>
+          <p:cNvSpPr>
+            <a:spLocks noGrp="1"/>
+          </p:cNvSpPr>
+          <p:nvPr>
+            <p:ph type="sldNum" sz="quarter" idx="12"/>
+          </p:nvPr>
+        </p:nvSpPr>
+        <p:spPr/>
+        <p:txBody>
+          <a:bodyPr lIns="0" tIns="0" rIns="0" bIns="0">
+            <a:noAutofit/>
+          </a:bodyPr>
+          <a:lstStyle>
+            <a:lvl1pPr>
+              <a:defRPr sz="1400">
                 <a:solidFill>
-                  <a:schemeClr val="tx1">
-                    <a:tint val="75000"/>
-                  </a:schemeClr>
+                  <a:srgbClr val="FFFFFF"/>
                 </a:solidFill>
               </a:defRPr>
-            </a:lvl9pPr>
+            </a:lvl1pPr>
           </a:lstStyle>
-          <a:p>
-            <a:r>
-              <a:rPr lang="de-DE" smtClean="0"/>
-              <a:t>Formatvorlage des Untertitelmasters durch Klicken bearbeiten</a:t>
-            </a:r>
-            <a:endParaRPr lang="de-DE"/>
-          </a:p>
-        </p:txBody>
-      </p:sp>
-      <p:sp>
-        <p:nvSpPr>
-          <p:cNvPr id="4" name="Datumsplatzhalter 3"/>
-          <p:cNvSpPr>
-            <a:spLocks noGrp="1"/>
-          </p:cNvSpPr>
-          <p:nvPr>
-            <p:ph type="dt" sz="half" idx="10"/>
-          </p:nvPr>
-        </p:nvSpPr>
-        <p:spPr/>
-        <p:txBody>
-          <a:bodyPr/>
-          <a:lstStyle/>
-          <a:p>
-            <a:fld id="{1BA50D42-C9CD-4801-B293-61D1F53EC57E}" type="datetimeFigureOut">
-              <a:rPr lang="de-DE" smtClean="0"/>
-              <a:t>06.12.2018</a:t>
-            </a:fld>
-            <a:endParaRPr lang="de-DE"/>
-          </a:p>
-        </p:txBody>
-      </p:sp>
-      <p:sp>
-        <p:nvSpPr>
-          <p:cNvPr id="5" name="Fußzeilenplatzhalter 4"/>
-          <p:cNvSpPr>
-            <a:spLocks noGrp="1"/>
-          </p:cNvSpPr>
-          <p:nvPr>
-            <p:ph type="ftr" sz="quarter" idx="11"/>
-          </p:nvPr>
-        </p:nvSpPr>
-        <p:spPr/>
-        <p:txBody>
-          <a:bodyPr/>
-          <a:lstStyle/>
-          <a:p>
-            <a:endParaRPr lang="de-DE"/>
-          </a:p>
-        </p:txBody>
-      </p:sp>
-      <p:sp>
-        <p:nvSpPr>
-          <p:cNvPr id="6" name="Foliennummernplatzhalter 5"/>
-          <p:cNvSpPr>
-            <a:spLocks noGrp="1"/>
-          </p:cNvSpPr>
-          <p:nvPr>
-            <p:ph type="sldNum" sz="quarter" idx="12"/>
-          </p:nvPr>
-        </p:nvSpPr>
-        <p:spPr/>
-        <p:txBody>
-          <a:bodyPr/>
-          <a:lstStyle/>
           <a:p>
             <a:fld id="{6C6AE60A-B69C-4790-82F7-3882EDF23186}" type="slidenum">
               <a:rPr lang="de-DE" smtClean="0"/>
@@ -3825,10 +4256,188 @@
           </a:p>
         </p:txBody>
       </p:sp>
+      <p:sp>
+        <p:nvSpPr>
+          <p:cNvPr id="7" name="Rechteck 6"/>
+          <p:cNvSpPr/>
+          <p:nvPr/>
+        </p:nvSpPr>
+        <p:spPr>
+          <a:xfrm>
+            <a:off x="62931" y="1449303"/>
+            <a:ext cx="9021537" cy="1527349"/>
+          </a:xfrm>
+          <a:prstGeom prst="rect">
+            <a:avLst/>
+          </a:prstGeom>
+          <a:solidFill>
+            <a:schemeClr val="accent1">
+              <a:alpha val="100000"/>
+            </a:schemeClr>
+          </a:solidFill>
+          <a:ln w="19050" cap="sq" cmpd="sng" algn="ctr">
+            <a:noFill/>
+            <a:prstDash val="solid"/>
+          </a:ln>
+          <a:effectLst/>
+        </p:spPr>
+        <p:style>
+          <a:lnRef idx="3">
+            <a:schemeClr val="lt1"/>
+          </a:lnRef>
+          <a:fillRef idx="1">
+            <a:schemeClr val="accent1"/>
+          </a:fillRef>
+          <a:effectRef idx="1">
+            <a:schemeClr val="accent1"/>
+          </a:effectRef>
+          <a:fontRef idx="minor">
+            <a:schemeClr val="lt1"/>
+          </a:fontRef>
+        </p:style>
+        <p:txBody>
+          <a:bodyPr anchor="ctr"/>
+          <a:lstStyle/>
+          <a:p>
+            <a:pPr algn="ctr" eaLnBrk="1" latinLnBrk="0" hangingPunct="1"/>
+            <a:endParaRPr kumimoji="0" lang="en-US"/>
+          </a:p>
+        </p:txBody>
+      </p:sp>
+      <p:sp>
+        <p:nvSpPr>
+          <p:cNvPr id="10" name="Rechteck 9"/>
+          <p:cNvSpPr/>
+          <p:nvPr/>
+        </p:nvSpPr>
+        <p:spPr>
+          <a:xfrm>
+            <a:off x="62931" y="1396720"/>
+            <a:ext cx="9021537" cy="120580"/>
+          </a:xfrm>
+          <a:prstGeom prst="rect">
+            <a:avLst/>
+          </a:prstGeom>
+          <a:solidFill>
+            <a:schemeClr val="accent1">
+              <a:tint val="60000"/>
+            </a:schemeClr>
+          </a:solidFill>
+          <a:ln w="19050" cap="sq" cmpd="sng" algn="ctr">
+            <a:noFill/>
+            <a:prstDash val="solid"/>
+          </a:ln>
+          <a:effectLst/>
+        </p:spPr>
+        <p:style>
+          <a:lnRef idx="3">
+            <a:schemeClr val="lt1"/>
+          </a:lnRef>
+          <a:fillRef idx="1">
+            <a:schemeClr val="accent1"/>
+          </a:fillRef>
+          <a:effectRef idx="1">
+            <a:schemeClr val="accent1"/>
+          </a:effectRef>
+          <a:fontRef idx="minor">
+            <a:schemeClr val="lt1"/>
+          </a:fontRef>
+        </p:style>
+        <p:txBody>
+          <a:bodyPr anchor="ctr"/>
+          <a:lstStyle/>
+          <a:p>
+            <a:pPr algn="ctr" eaLnBrk="1" latinLnBrk="0" hangingPunct="1"/>
+            <a:endParaRPr kumimoji="0" lang="en-US"/>
+          </a:p>
+        </p:txBody>
+      </p:sp>
+      <p:sp>
+        <p:nvSpPr>
+          <p:cNvPr id="11" name="Rechteck 10"/>
+          <p:cNvSpPr/>
+          <p:nvPr/>
+        </p:nvSpPr>
+        <p:spPr>
+          <a:xfrm>
+            <a:off x="62931" y="2976649"/>
+            <a:ext cx="9021537" cy="110532"/>
+          </a:xfrm>
+          <a:prstGeom prst="rect">
+            <a:avLst/>
+          </a:prstGeom>
+          <a:solidFill>
+            <a:schemeClr val="accent5"/>
+          </a:solidFill>
+          <a:ln w="19050" cap="sq" cmpd="sng" algn="ctr">
+            <a:noFill/>
+            <a:prstDash val="solid"/>
+          </a:ln>
+          <a:effectLst/>
+        </p:spPr>
+        <p:style>
+          <a:lnRef idx="3">
+            <a:schemeClr val="lt1"/>
+          </a:lnRef>
+          <a:fillRef idx="1">
+            <a:schemeClr val="accent1"/>
+          </a:fillRef>
+          <a:effectRef idx="1">
+            <a:schemeClr val="accent1"/>
+          </a:effectRef>
+          <a:fontRef idx="minor">
+            <a:schemeClr val="lt1"/>
+          </a:fontRef>
+        </p:style>
+        <p:txBody>
+          <a:bodyPr anchor="ctr"/>
+          <a:lstStyle/>
+          <a:p>
+            <a:pPr algn="ctr" eaLnBrk="1" latinLnBrk="0" hangingPunct="1"/>
+            <a:endParaRPr kumimoji="0" lang="en-US"/>
+          </a:p>
+        </p:txBody>
+      </p:sp>
+      <p:sp>
+        <p:nvSpPr>
+          <p:cNvPr id="8" name="Titel 7"/>
+          <p:cNvSpPr>
+            <a:spLocks noGrp="1"/>
+          </p:cNvSpPr>
+          <p:nvPr>
+            <p:ph type="ctrTitle"/>
+          </p:nvPr>
+        </p:nvSpPr>
+        <p:spPr>
+          <a:xfrm>
+            <a:off x="457200" y="1505930"/>
+            <a:ext cx="8229600" cy="1470025"/>
+          </a:xfrm>
+        </p:spPr>
+        <p:txBody>
+          <a:bodyPr anchor="ctr"/>
+          <a:lstStyle>
+            <a:lvl1pPr algn="ctr">
+              <a:defRPr lang="en-US" dirty="0">
+                <a:solidFill>
+                  <a:srgbClr val="FFFFFF"/>
+                </a:solidFill>
+              </a:defRPr>
+            </a:lvl1pPr>
+          </a:lstStyle>
+          <a:p>
+            <a:r>
+              <a:rPr kumimoji="0" lang="de-DE" smtClean="0"/>
+              <a:t>Titelmasterformat durch Klicken bearbeiten</a:t>
+            </a:r>
+            <a:endParaRPr kumimoji="0" lang="en-US"/>
+          </a:p>
+        </p:txBody>
+      </p:sp>
     </p:spTree>
   </p:cSld>
   <p:clrMapOvr>
-    <a:masterClrMapping/>
+    <a:overrideClrMapping bg1="lt1" tx1="dk1" bg2="lt2" tx2="dk2" accent1="accent1" accent2="accent2" accent3="accent3" accent4="accent4" accent5="accent5" accent6="accent6" hlink="hlink" folHlink="folHlink"/>
   </p:clrMapOvr>
 </p:sldLayout>
 </file>
@@ -3866,62 +4475,62 @@
           <a:lstStyle/>
           <a:p>
             <a:r>
+              <a:rPr kumimoji="0" lang="de-DE" smtClean="0"/>
+              <a:t>Titelmasterformat durch Klicken bearbeiten</a:t>
+            </a:r>
+            <a:endParaRPr kumimoji="0" lang="en-US"/>
+          </a:p>
+        </p:txBody>
+      </p:sp>
+      <p:sp>
+        <p:nvSpPr>
+          <p:cNvPr id="3" name="Vertikaler Textplatzhalter 2"/>
+          <p:cNvSpPr>
+            <a:spLocks noGrp="1"/>
+          </p:cNvSpPr>
+          <p:nvPr>
+            <p:ph type="body" orient="vert" idx="1"/>
+          </p:nvPr>
+        </p:nvSpPr>
+        <p:spPr/>
+        <p:txBody>
+          <a:bodyPr vert="eaVert"/>
+          <a:lstStyle/>
+          <a:p>
+            <a:pPr lvl="0" eaLnBrk="1" latinLnBrk="0" hangingPunct="1"/>
+            <a:r>
               <a:rPr lang="de-DE" smtClean="0"/>
-              <a:t>Titelmasterformat durch Klicken bearbeiten</a:t>
-            </a:r>
-            <a:endParaRPr lang="de-DE"/>
-          </a:p>
-        </p:txBody>
-      </p:sp>
-      <p:sp>
-        <p:nvSpPr>
-          <p:cNvPr id="3" name="Vertikaler Textplatzhalter 2"/>
-          <p:cNvSpPr>
-            <a:spLocks noGrp="1"/>
-          </p:cNvSpPr>
-          <p:nvPr>
-            <p:ph type="body" orient="vert" idx="1"/>
-          </p:nvPr>
-        </p:nvSpPr>
-        <p:spPr/>
-        <p:txBody>
-          <a:bodyPr vert="eaVert"/>
-          <a:lstStyle/>
-          <a:p>
-            <a:pPr lvl="0"/>
-            <a:r>
-              <a:rPr lang="de-DE" smtClean="0"/>
-              <a:t>Textmasterformate durch Klicken bearbeiten</a:t>
-            </a:r>
-          </a:p>
-          <a:p>
-            <a:pPr lvl="1"/>
+              <a:t>Textmasterformat bearbeiten</a:t>
+            </a:r>
+          </a:p>
+          <a:p>
+            <a:pPr lvl="1" eaLnBrk="1" latinLnBrk="0" hangingPunct="1"/>
             <a:r>
               <a:rPr lang="de-DE" smtClean="0"/>
               <a:t>Zweite Ebene</a:t>
             </a:r>
           </a:p>
           <a:p>
-            <a:pPr lvl="2"/>
+            <a:pPr lvl="2" eaLnBrk="1" latinLnBrk="0" hangingPunct="1"/>
             <a:r>
               <a:rPr lang="de-DE" smtClean="0"/>
               <a:t>Dritte Ebene</a:t>
             </a:r>
           </a:p>
           <a:p>
-            <a:pPr lvl="3"/>
+            <a:pPr lvl="3" eaLnBrk="1" latinLnBrk="0" hangingPunct="1"/>
             <a:r>
               <a:rPr lang="de-DE" smtClean="0"/>
               <a:t>Vierte Ebene</a:t>
             </a:r>
           </a:p>
           <a:p>
-            <a:pPr lvl="4"/>
+            <a:pPr lvl="4" eaLnBrk="1" latinLnBrk="0" hangingPunct="1"/>
             <a:r>
               <a:rPr lang="de-DE" smtClean="0"/>
               <a:t>Fünfte Ebene</a:t>
             </a:r>
-            <a:endParaRPr lang="de-DE"/>
+            <a:endParaRPr kumimoji="0" lang="en-US"/>
           </a:p>
         </p:txBody>
       </p:sp>
@@ -3940,9 +4549,9 @@
           <a:bodyPr/>
           <a:lstStyle/>
           <a:p>
-            <a:fld id="{1BA50D42-C9CD-4801-B293-61D1F53EC57E}" type="datetimeFigureOut">
+            <a:fld id="{A00439E5-3976-4189-9D78-46EB8DFF1A65}" type="datetime1">
               <a:rPr lang="de-DE" smtClean="0"/>
-              <a:t>06.12.2018</a:t>
+              <a:t>09.12.2018</a:t>
             </a:fld>
             <a:endParaRPr lang="de-DE"/>
           </a:p>
@@ -3963,6 +4572,10 @@
           <a:bodyPr/>
           <a:lstStyle/>
           <a:p>
+            <a:r>
+              <a:rPr lang="de-DE" smtClean="0"/>
+              <a:t>Zitaterfassung - Lars Baumgarten, Tim Rumrich, Pascal Schmotz</a:t>
+            </a:r>
             <a:endParaRPr lang="de-DE"/>
           </a:p>
         </p:txBody>
@@ -4027,8 +4640,8 @@
         </p:nvSpPr>
         <p:spPr>
           <a:xfrm>
-            <a:off x="6629400" y="274638"/>
-            <a:ext cx="2057400" cy="5851525"/>
+            <a:off x="6629400" y="274641"/>
+            <a:ext cx="2011680" cy="5851525"/>
           </a:xfrm>
         </p:spPr>
         <p:txBody>
@@ -4036,10 +4649,10 @@
           <a:lstStyle/>
           <a:p>
             <a:r>
-              <a:rPr lang="de-DE" smtClean="0"/>
-              <a:t>Titel durch Klicken hinzufügen</a:t>
-            </a:r>
-            <a:endParaRPr lang="de-DE"/>
+              <a:rPr kumimoji="0" lang="de-DE" smtClean="0"/>
+              <a:t>Titelmasterformat durch Klicken bearbeiten</a:t>
+            </a:r>
+            <a:endParaRPr kumimoji="0" lang="en-US"/>
           </a:p>
         </p:txBody>
       </p:sp>
@@ -4055,48 +4668,48 @@
         </p:nvSpPr>
         <p:spPr>
           <a:xfrm>
-            <a:off x="457200" y="274638"/>
-            <a:ext cx="6019800" cy="5851525"/>
+            <a:off x="914400" y="274640"/>
+            <a:ext cx="5562600" cy="5851525"/>
           </a:xfrm>
         </p:spPr>
         <p:txBody>
           <a:bodyPr vert="eaVert"/>
           <a:lstStyle/>
           <a:p>
-            <a:pPr lvl="0"/>
+            <a:pPr lvl="0" eaLnBrk="1" latinLnBrk="0" hangingPunct="1"/>
             <a:r>
               <a:rPr lang="de-DE" smtClean="0"/>
-              <a:t>Textmasterformate durch Klicken bearbeiten</a:t>
-            </a:r>
-          </a:p>
-          <a:p>
-            <a:pPr lvl="1"/>
+              <a:t>Textmasterformat bearbeiten</a:t>
+            </a:r>
+          </a:p>
+          <a:p>
+            <a:pPr lvl="1" eaLnBrk="1" latinLnBrk="0" hangingPunct="1"/>
             <a:r>
               <a:rPr lang="de-DE" smtClean="0"/>
               <a:t>Zweite Ebene</a:t>
             </a:r>
           </a:p>
           <a:p>
-            <a:pPr lvl="2"/>
+            <a:pPr lvl="2" eaLnBrk="1" latinLnBrk="0" hangingPunct="1"/>
             <a:r>
               <a:rPr lang="de-DE" smtClean="0"/>
               <a:t>Dritte Ebene</a:t>
             </a:r>
           </a:p>
           <a:p>
-            <a:pPr lvl="3"/>
+            <a:pPr lvl="3" eaLnBrk="1" latinLnBrk="0" hangingPunct="1"/>
             <a:r>
               <a:rPr lang="de-DE" smtClean="0"/>
               <a:t>Vierte Ebene</a:t>
             </a:r>
           </a:p>
           <a:p>
-            <a:pPr lvl="4"/>
+            <a:pPr lvl="4" eaLnBrk="1" latinLnBrk="0" hangingPunct="1"/>
             <a:r>
               <a:rPr lang="de-DE" smtClean="0"/>
               <a:t>Fünfte Ebene</a:t>
             </a:r>
-            <a:endParaRPr lang="de-DE"/>
+            <a:endParaRPr kumimoji="0" lang="en-US"/>
           </a:p>
         </p:txBody>
       </p:sp>
@@ -4115,9 +4728,9 @@
           <a:bodyPr/>
           <a:lstStyle/>
           <a:p>
-            <a:fld id="{1BA50D42-C9CD-4801-B293-61D1F53EC57E}" type="datetimeFigureOut">
+            <a:fld id="{101780AE-813D-4809-9065-6A8614C5D02F}" type="datetime1">
               <a:rPr lang="de-DE" smtClean="0"/>
-              <a:t>06.12.2018</a:t>
+              <a:t>09.12.2018</a:t>
             </a:fld>
             <a:endParaRPr lang="de-DE"/>
           </a:p>
@@ -4138,6 +4751,10 @@
           <a:bodyPr/>
           <a:lstStyle/>
           <a:p>
+            <a:r>
+              <a:rPr lang="de-DE" smtClean="0"/>
+              <a:t>Zitaterfassung - Lars Baumgarten, Tim Rumrich, Pascal Schmotz</a:t>
+            </a:r>
             <a:endParaRPr lang="de-DE"/>
           </a:p>
         </p:txBody>
@@ -4206,83 +4823,31 @@
           <a:lstStyle/>
           <a:p>
             <a:r>
+              <a:rPr kumimoji="0" lang="de-DE" smtClean="0"/>
+              <a:t>Titelmasterformat durch Klicken bearbeiten</a:t>
+            </a:r>
+            <a:endParaRPr kumimoji="0" lang="en-US"/>
+          </a:p>
+        </p:txBody>
+      </p:sp>
+      <p:sp>
+        <p:nvSpPr>
+          <p:cNvPr id="4" name="Datumsplatzhalter 3"/>
+          <p:cNvSpPr>
+            <a:spLocks noGrp="1"/>
+          </p:cNvSpPr>
+          <p:nvPr>
+            <p:ph type="dt" sz="half" idx="10"/>
+          </p:nvPr>
+        </p:nvSpPr>
+        <p:spPr/>
+        <p:txBody>
+          <a:bodyPr/>
+          <a:lstStyle/>
+          <a:p>
+            <a:fld id="{083FB6AE-0BFA-4B88-8DA9-916079574D7C}" type="datetime1">
               <a:rPr lang="de-DE" smtClean="0"/>
-              <a:t>Titelmasterformat durch Klicken bearbeiten</a:t>
-            </a:r>
-            <a:endParaRPr lang="de-DE"/>
-          </a:p>
-        </p:txBody>
-      </p:sp>
-      <p:sp>
-        <p:nvSpPr>
-          <p:cNvPr id="3" name="Inhaltsplatzhalter 2"/>
-          <p:cNvSpPr>
-            <a:spLocks noGrp="1"/>
-          </p:cNvSpPr>
-          <p:nvPr>
-            <p:ph idx="1"/>
-          </p:nvPr>
-        </p:nvSpPr>
-        <p:spPr/>
-        <p:txBody>
-          <a:bodyPr/>
-          <a:lstStyle/>
-          <a:p>
-            <a:pPr lvl="0"/>
-            <a:r>
-              <a:rPr lang="de-DE" smtClean="0"/>
-              <a:t>Textmasterformate durch Klicken bearbeiten</a:t>
-            </a:r>
-          </a:p>
-          <a:p>
-            <a:pPr lvl="1"/>
-            <a:r>
-              <a:rPr lang="de-DE" smtClean="0"/>
-              <a:t>Zweite Ebene</a:t>
-            </a:r>
-          </a:p>
-          <a:p>
-            <a:pPr lvl="2"/>
-            <a:r>
-              <a:rPr lang="de-DE" smtClean="0"/>
-              <a:t>Dritte Ebene</a:t>
-            </a:r>
-          </a:p>
-          <a:p>
-            <a:pPr lvl="3"/>
-            <a:r>
-              <a:rPr lang="de-DE" smtClean="0"/>
-              <a:t>Vierte Ebene</a:t>
-            </a:r>
-          </a:p>
-          <a:p>
-            <a:pPr lvl="4"/>
-            <a:r>
-              <a:rPr lang="de-DE" smtClean="0"/>
-              <a:t>Fünfte Ebene</a:t>
-            </a:r>
-            <a:endParaRPr lang="de-DE"/>
-          </a:p>
-        </p:txBody>
-      </p:sp>
-      <p:sp>
-        <p:nvSpPr>
-          <p:cNvPr id="4" name="Datumsplatzhalter 3"/>
-          <p:cNvSpPr>
-            <a:spLocks noGrp="1"/>
-          </p:cNvSpPr>
-          <p:nvPr>
-            <p:ph type="dt" sz="half" idx="10"/>
-          </p:nvPr>
-        </p:nvSpPr>
-        <p:spPr/>
-        <p:txBody>
-          <a:bodyPr/>
-          <a:lstStyle/>
-          <a:p>
-            <a:fld id="{1BA50D42-C9CD-4801-B293-61D1F53EC57E}" type="datetimeFigureOut">
-              <a:rPr lang="de-DE" smtClean="0"/>
-              <a:t>06.12.2018</a:t>
+              <a:t>09.12.2018</a:t>
             </a:fld>
             <a:endParaRPr lang="de-DE"/>
           </a:p>
@@ -4303,6 +4868,10 @@
           <a:bodyPr/>
           <a:lstStyle/>
           <a:p>
+            <a:r>
+              <a:rPr lang="de-DE" smtClean="0"/>
+              <a:t>Zitaterfassung - Lars Baumgarten, Tim Rumrich, Pascal Schmotz</a:t>
+            </a:r>
             <a:endParaRPr lang="de-DE"/>
           </a:p>
         </p:txBody>
@@ -4327,6 +4896,63 @@
               <a:t>‹Nr.›</a:t>
             </a:fld>
             <a:endParaRPr lang="de-DE"/>
+          </a:p>
+        </p:txBody>
+      </p:sp>
+      <p:sp>
+        <p:nvSpPr>
+          <p:cNvPr id="8" name="Inhaltsplatzhalter 7"/>
+          <p:cNvSpPr>
+            <a:spLocks noGrp="1"/>
+          </p:cNvSpPr>
+          <p:nvPr>
+            <p:ph sz="quarter" idx="1"/>
+          </p:nvPr>
+        </p:nvSpPr>
+        <p:spPr>
+          <a:xfrm>
+            <a:off x="914400" y="1447800"/>
+            <a:ext cx="7772400" cy="4572000"/>
+          </a:xfrm>
+        </p:spPr>
+        <p:txBody>
+          <a:bodyPr vert="horz"/>
+          <a:lstStyle/>
+          <a:p>
+            <a:pPr lvl="0" eaLnBrk="1" latinLnBrk="0" hangingPunct="1"/>
+            <a:r>
+              <a:rPr lang="de-DE" smtClean="0"/>
+              <a:t>Textmasterformat bearbeiten</a:t>
+            </a:r>
+          </a:p>
+          <a:p>
+            <a:pPr lvl="1" eaLnBrk="1" latinLnBrk="0" hangingPunct="1"/>
+            <a:r>
+              <a:rPr lang="de-DE" smtClean="0"/>
+              <a:t>Zweite Ebene</a:t>
+            </a:r>
+          </a:p>
+          <a:p>
+            <a:pPr lvl="2" eaLnBrk="1" latinLnBrk="0" hangingPunct="1"/>
+            <a:r>
+              <a:rPr lang="de-DE" smtClean="0"/>
+              <a:t>Dritte Ebene</a:t>
+            </a:r>
+          </a:p>
+          <a:p>
+            <a:pPr lvl="3" eaLnBrk="1" latinLnBrk="0" hangingPunct="1"/>
+            <a:r>
+              <a:rPr lang="de-DE" smtClean="0"/>
+              <a:t>Vierte Ebene</a:t>
+            </a:r>
+          </a:p>
+          <a:p>
+            <a:pPr lvl="4" eaLnBrk="1" latinLnBrk="0" hangingPunct="1"/>
+            <a:r>
+              <a:rPr lang="de-DE" smtClean="0"/>
+              <a:t>Fünfte Ebene</a:t>
+            </a:r>
+            <a:endParaRPr kumimoji="0" lang="en-US"/>
           </a:p>
         </p:txBody>
       </p:sp>
@@ -4339,8 +4965,13 @@
 </file>
 
 <file path=ppt/slideLayouts/slideLayout3.xml><?xml version="1.0" encoding="utf-8"?>
-<p:sldLayout xmlns:a="http://schemas.openxmlformats.org/drawingml/2006/main" xmlns:r="http://schemas.openxmlformats.org/officeDocument/2006/relationships" xmlns:p="http://schemas.openxmlformats.org/presentationml/2006/main" type="secHead" preserve="1">
-  <p:cSld name="Abschnittsüberschrift">
+<p:sldLayout xmlns:a="http://schemas.openxmlformats.org/drawingml/2006/main" xmlns:r="http://schemas.openxmlformats.org/officeDocument/2006/relationships" xmlns:p="http://schemas.openxmlformats.org/presentationml/2006/main" showMasterSp="0" type="secHead" preserve="1">
+  <p:cSld name="Abschnitts-&#10;überschrift">
+    <p:bg>
+      <p:bgRef idx="1003">
+        <a:schemeClr val="bg1"/>
+      </p:bgRef>
+    </p:bg>
     <p:spTree>
       <p:nvGrpSpPr>
         <p:cNvPr id="1" name=""/>
@@ -4357,33 +4988,128 @@
       </p:grpSpPr>
       <p:sp>
         <p:nvSpPr>
-          <p:cNvPr id="2" name="Titel 1"/>
-          <p:cNvSpPr>
-            <a:spLocks noGrp="1"/>
-          </p:cNvSpPr>
-          <p:nvPr>
-            <p:ph type="title"/>
-          </p:nvPr>
+          <p:cNvPr id="11" name="Rechteck 10"/>
+          <p:cNvSpPr/>
+          <p:nvPr/>
         </p:nvSpPr>
         <p:spPr>
           <a:xfrm>
-            <a:off x="722313" y="4406900"/>
+            <a:off x="0" y="0"/>
+            <a:ext cx="9144000" cy="6858000"/>
+          </a:xfrm>
+          <a:prstGeom prst="rect">
+            <a:avLst/>
+          </a:prstGeom>
+          <a:solidFill>
+            <a:srgbClr val="FFFFFF"/>
+          </a:solidFill>
+          <a:ln w="12700" cap="flat" cmpd="sng" algn="ctr">
+            <a:noFill/>
+            <a:prstDash val="solid"/>
+          </a:ln>
+        </p:spPr>
+        <p:style>
+          <a:lnRef idx="2">
+            <a:schemeClr val="accent1"/>
+          </a:lnRef>
+          <a:fillRef idx="1">
+            <a:schemeClr val="accent1"/>
+          </a:fillRef>
+          <a:effectRef idx="0">
+            <a:schemeClr val="accent1"/>
+          </a:effectRef>
+          <a:fontRef idx="minor">
+            <a:schemeClr val="lt1"/>
+          </a:fontRef>
+        </p:style>
+        <p:txBody>
+          <a:bodyPr rtlCol="0" anchor="ctr"/>
+          <a:lstStyle/>
+          <a:p>
+            <a:pPr algn="ctr" eaLnBrk="1" latinLnBrk="0" hangingPunct="1"/>
+            <a:endParaRPr kumimoji="0" lang="en-US"/>
+          </a:p>
+        </p:txBody>
+      </p:sp>
+      <p:sp useBgFill="1">
+        <p:nvSpPr>
+          <p:cNvPr id="10" name="Abgerundetes Rechteck 9"/>
+          <p:cNvSpPr/>
+          <p:nvPr/>
+        </p:nvSpPr>
+        <p:spPr>
+          <a:xfrm>
+            <a:off x="65313" y="69755"/>
+            <a:ext cx="9013372" cy="6692201"/>
+          </a:xfrm>
+          <a:prstGeom prst="roundRect">
+            <a:avLst>
+              <a:gd name="adj" fmla="val 4929"/>
+            </a:avLst>
+          </a:prstGeom>
+          <a:ln w="6350" cap="sq" cmpd="sng" algn="ctr">
+            <a:solidFill>
+              <a:schemeClr val="tx1">
+                <a:alpha val="100000"/>
+              </a:schemeClr>
+            </a:solidFill>
+            <a:prstDash val="solid"/>
+          </a:ln>
+          <a:effectLst/>
+        </p:spPr>
+        <p:style>
+          <a:lnRef idx="3">
+            <a:schemeClr val="lt1"/>
+          </a:lnRef>
+          <a:fillRef idx="1003">
+            <a:schemeClr val="lt1"/>
+          </a:fillRef>
+          <a:effectRef idx="1">
+            <a:schemeClr val="accent1"/>
+          </a:effectRef>
+          <a:fontRef idx="minor">
+            <a:schemeClr val="lt1"/>
+          </a:fontRef>
+        </p:style>
+        <p:txBody>
+          <a:bodyPr anchor="ctr"/>
+          <a:lstStyle/>
+          <a:p>
+            <a:pPr algn="ctr" eaLnBrk="1" latinLnBrk="0" hangingPunct="1"/>
+            <a:endParaRPr kumimoji="0" lang="en-US"/>
+          </a:p>
+        </p:txBody>
+      </p:sp>
+      <p:sp>
+        <p:nvSpPr>
+          <p:cNvPr id="2" name="Titel 1"/>
+          <p:cNvSpPr>
+            <a:spLocks noGrp="1"/>
+          </p:cNvSpPr>
+          <p:nvPr>
+            <p:ph type="title"/>
+          </p:nvPr>
+        </p:nvSpPr>
+        <p:spPr>
+          <a:xfrm>
+            <a:off x="722313" y="952500"/>
             <a:ext cx="7772400" cy="1362075"/>
           </a:xfrm>
         </p:spPr>
         <p:txBody>
-          <a:bodyPr anchor="t"/>
+          <a:bodyPr anchor="b" anchorCtr="0"/>
           <a:lstStyle>
             <a:lvl1pPr algn="l">
-              <a:defRPr sz="4000" b="1" cap="all"/>
+              <a:buNone/>
+              <a:defRPr sz="4000" b="0" cap="none"/>
             </a:lvl1pPr>
           </a:lstStyle>
           <a:p>
             <a:r>
-              <a:rPr lang="de-DE" smtClean="0"/>
+              <a:rPr kumimoji="0" lang="de-DE" smtClean="0"/>
               <a:t>Titelmasterformat durch Klicken bearbeiten</a:t>
             </a:r>
-            <a:endParaRPr lang="de-DE"/>
+            <a:endParaRPr kumimoji="0" lang="en-US"/>
           </a:p>
         </p:txBody>
       </p:sp>
@@ -4399,16 +5125,16 @@
         </p:nvSpPr>
         <p:spPr>
           <a:xfrm>
-            <a:off x="722313" y="2906713"/>
-            <a:ext cx="7772400" cy="1500187"/>
+            <a:off x="722313" y="2547938"/>
+            <a:ext cx="7772400" cy="1338262"/>
           </a:xfrm>
         </p:spPr>
         <p:txBody>
-          <a:bodyPr anchor="b"/>
+          <a:bodyPr anchor="t" anchorCtr="0"/>
           <a:lstStyle>
             <a:lvl1pPr marL="0" indent="0">
               <a:buNone/>
-              <a:defRPr sz="2000">
+              <a:defRPr sz="2400">
                 <a:solidFill>
                   <a:schemeClr val="tx1">
                     <a:tint val="75000"/>
@@ -4416,7 +5142,7 @@
                 </a:solidFill>
               </a:defRPr>
             </a:lvl1pPr>
-            <a:lvl2pPr marL="457200" indent="0">
+            <a:lvl2pPr>
               <a:buNone/>
               <a:defRPr sz="1800">
                 <a:solidFill>
@@ -4426,7 +5152,7 @@
                 </a:solidFill>
               </a:defRPr>
             </a:lvl2pPr>
-            <a:lvl3pPr marL="914400" indent="0">
+            <a:lvl3pPr>
               <a:buNone/>
               <a:defRPr sz="1600">
                 <a:solidFill>
@@ -4436,7 +5162,7 @@
                 </a:solidFill>
               </a:defRPr>
             </a:lvl3pPr>
-            <a:lvl4pPr marL="1371600" indent="0">
+            <a:lvl4pPr>
               <a:buNone/>
               <a:defRPr sz="1400">
                 <a:solidFill>
@@ -4446,7 +5172,7 @@
                 </a:solidFill>
               </a:defRPr>
             </a:lvl4pPr>
-            <a:lvl5pPr marL="1828800" indent="0">
+            <a:lvl5pPr>
               <a:buNone/>
               <a:defRPr sz="1400">
                 <a:solidFill>
@@ -4456,74 +5182,34 @@
                 </a:solidFill>
               </a:defRPr>
             </a:lvl5pPr>
-            <a:lvl6pPr marL="2286000" indent="0">
-              <a:buNone/>
-              <a:defRPr sz="1400">
-                <a:solidFill>
-                  <a:schemeClr val="tx1">
-                    <a:tint val="75000"/>
-                  </a:schemeClr>
-                </a:solidFill>
-              </a:defRPr>
-            </a:lvl6pPr>
-            <a:lvl7pPr marL="2743200" indent="0">
-              <a:buNone/>
-              <a:defRPr sz="1400">
-                <a:solidFill>
-                  <a:schemeClr val="tx1">
-                    <a:tint val="75000"/>
-                  </a:schemeClr>
-                </a:solidFill>
-              </a:defRPr>
-            </a:lvl7pPr>
-            <a:lvl8pPr marL="3200400" indent="0">
-              <a:buNone/>
-              <a:defRPr sz="1400">
-                <a:solidFill>
-                  <a:schemeClr val="tx1">
-                    <a:tint val="75000"/>
-                  </a:schemeClr>
-                </a:solidFill>
-              </a:defRPr>
-            </a:lvl8pPr>
-            <a:lvl9pPr marL="3657600" indent="0">
-              <a:buNone/>
-              <a:defRPr sz="1400">
-                <a:solidFill>
-                  <a:schemeClr val="tx1">
-                    <a:tint val="75000"/>
-                  </a:schemeClr>
-                </a:solidFill>
-              </a:defRPr>
-            </a:lvl9pPr>
           </a:lstStyle>
           <a:p>
-            <a:pPr lvl="0"/>
-            <a:r>
+            <a:pPr lvl="0" eaLnBrk="1" latinLnBrk="0" hangingPunct="1"/>
+            <a:r>
+              <a:rPr kumimoji="0" lang="de-DE" smtClean="0"/>
+              <a:t>Textmasterformat bearbeiten</a:t>
+            </a:r>
+          </a:p>
+        </p:txBody>
+      </p:sp>
+      <p:sp>
+        <p:nvSpPr>
+          <p:cNvPr id="4" name="Datumsplatzhalter 3"/>
+          <p:cNvSpPr>
+            <a:spLocks noGrp="1"/>
+          </p:cNvSpPr>
+          <p:nvPr>
+            <p:ph type="dt" sz="half" idx="10"/>
+          </p:nvPr>
+        </p:nvSpPr>
+        <p:spPr/>
+        <p:txBody>
+          <a:bodyPr/>
+          <a:lstStyle/>
+          <a:p>
+            <a:fld id="{DF15808F-635E-4192-A00B-7EA38662DAC6}" type="datetime1">
               <a:rPr lang="de-DE" smtClean="0"/>
-              <a:t>Textmasterformate durch Klicken bearbeiten</a:t>
-            </a:r>
-          </a:p>
-        </p:txBody>
-      </p:sp>
-      <p:sp>
-        <p:nvSpPr>
-          <p:cNvPr id="4" name="Datumsplatzhalter 3"/>
-          <p:cNvSpPr>
-            <a:spLocks noGrp="1"/>
-          </p:cNvSpPr>
-          <p:nvPr>
-            <p:ph type="dt" sz="half" idx="10"/>
-          </p:nvPr>
-        </p:nvSpPr>
-        <p:spPr/>
-        <p:txBody>
-          <a:bodyPr/>
-          <a:lstStyle/>
-          <a:p>
-            <a:fld id="{1BA50D42-C9CD-4801-B293-61D1F53EC57E}" type="datetimeFigureOut">
-              <a:rPr lang="de-DE" smtClean="0"/>
-              <a:t>06.12.2018</a:t>
+              <a:t>09.12.2018</a:t>
             </a:fld>
             <a:endParaRPr lang="de-DE"/>
           </a:p>
@@ -4539,17 +5225,168 @@
             <p:ph type="ftr" sz="quarter" idx="11"/>
           </p:nvPr>
         </p:nvSpPr>
-        <p:spPr/>
-        <p:txBody>
-          <a:bodyPr/>
-          <a:lstStyle/>
-          <a:p>
+        <p:spPr>
+          <a:xfrm>
+            <a:off x="800100" y="6172200"/>
+            <a:ext cx="4000500" cy="457200"/>
+          </a:xfrm>
+        </p:spPr>
+        <p:txBody>
+          <a:bodyPr/>
+          <a:lstStyle/>
+          <a:p>
+            <a:r>
+              <a:rPr lang="de-DE" smtClean="0"/>
+              <a:t>Zitaterfassung - Lars Baumgarten, Tim Rumrich, Pascal Schmotz</a:t>
+            </a:r>
             <a:endParaRPr lang="de-DE"/>
           </a:p>
         </p:txBody>
       </p:sp>
       <p:sp>
         <p:nvSpPr>
+          <p:cNvPr id="7" name="Rechteck 6"/>
+          <p:cNvSpPr/>
+          <p:nvPr/>
+        </p:nvSpPr>
+        <p:spPr>
+          <a:xfrm flipV="1">
+            <a:off x="69412" y="2376830"/>
+            <a:ext cx="9013515" cy="91440"/>
+          </a:xfrm>
+          <a:prstGeom prst="rect">
+            <a:avLst/>
+          </a:prstGeom>
+          <a:solidFill>
+            <a:schemeClr val="accent1">
+              <a:alpha val="100000"/>
+            </a:schemeClr>
+          </a:solidFill>
+          <a:ln w="19050" cap="sq" cmpd="sng" algn="ctr">
+            <a:noFill/>
+            <a:prstDash val="solid"/>
+          </a:ln>
+          <a:effectLst/>
+        </p:spPr>
+        <p:style>
+          <a:lnRef idx="3">
+            <a:schemeClr val="lt1"/>
+          </a:lnRef>
+          <a:fillRef idx="1">
+            <a:schemeClr val="accent1"/>
+          </a:fillRef>
+          <a:effectRef idx="1">
+            <a:schemeClr val="accent1"/>
+          </a:effectRef>
+          <a:fontRef idx="minor">
+            <a:schemeClr val="lt1"/>
+          </a:fontRef>
+        </p:style>
+        <p:txBody>
+          <a:bodyPr anchor="ctr"/>
+          <a:lstStyle/>
+          <a:p>
+            <a:pPr algn="ctr" eaLnBrk="1" latinLnBrk="0" hangingPunct="1"/>
+            <a:endParaRPr kumimoji="0" lang="en-US"/>
+          </a:p>
+        </p:txBody>
+      </p:sp>
+      <p:sp>
+        <p:nvSpPr>
+          <p:cNvPr id="8" name="Rechteck 7"/>
+          <p:cNvSpPr/>
+          <p:nvPr/>
+        </p:nvSpPr>
+        <p:spPr>
+          <a:xfrm>
+            <a:off x="69146" y="2341475"/>
+            <a:ext cx="9013781" cy="45719"/>
+          </a:xfrm>
+          <a:prstGeom prst="rect">
+            <a:avLst/>
+          </a:prstGeom>
+          <a:solidFill>
+            <a:schemeClr val="accent1">
+              <a:tint val="60000"/>
+            </a:schemeClr>
+          </a:solidFill>
+          <a:ln w="19050" cap="sq" cmpd="sng" algn="ctr">
+            <a:noFill/>
+            <a:prstDash val="solid"/>
+          </a:ln>
+          <a:effectLst/>
+        </p:spPr>
+        <p:style>
+          <a:lnRef idx="3">
+            <a:schemeClr val="lt1"/>
+          </a:lnRef>
+          <a:fillRef idx="1">
+            <a:schemeClr val="accent1"/>
+          </a:fillRef>
+          <a:effectRef idx="1">
+            <a:schemeClr val="accent1"/>
+          </a:effectRef>
+          <a:fontRef idx="minor">
+            <a:schemeClr val="lt1"/>
+          </a:fontRef>
+        </p:style>
+        <p:txBody>
+          <a:bodyPr anchor="ctr"/>
+          <a:lstStyle/>
+          <a:p>
+            <a:pPr algn="ctr" eaLnBrk="1" latinLnBrk="0" hangingPunct="1"/>
+            <a:endParaRPr kumimoji="0" lang="en-US"/>
+          </a:p>
+        </p:txBody>
+      </p:sp>
+      <p:sp>
+        <p:nvSpPr>
+          <p:cNvPr id="9" name="Rechteck 8"/>
+          <p:cNvSpPr/>
+          <p:nvPr/>
+        </p:nvSpPr>
+        <p:spPr>
+          <a:xfrm>
+            <a:off x="68306" y="2468880"/>
+            <a:ext cx="9014621" cy="45720"/>
+          </a:xfrm>
+          <a:prstGeom prst="rect">
+            <a:avLst/>
+          </a:prstGeom>
+          <a:solidFill>
+            <a:schemeClr val="accent5"/>
+          </a:solidFill>
+          <a:ln w="19050" cap="sq" cmpd="sng" algn="ctr">
+            <a:noFill/>
+            <a:prstDash val="solid"/>
+          </a:ln>
+          <a:effectLst/>
+        </p:spPr>
+        <p:style>
+          <a:lnRef idx="3">
+            <a:schemeClr val="lt1"/>
+          </a:lnRef>
+          <a:fillRef idx="1">
+            <a:schemeClr val="accent1"/>
+          </a:fillRef>
+          <a:effectRef idx="1">
+            <a:schemeClr val="accent1"/>
+          </a:effectRef>
+          <a:fontRef idx="minor">
+            <a:schemeClr val="lt1"/>
+          </a:fontRef>
+        </p:style>
+        <p:txBody>
+          <a:bodyPr anchor="ctr"/>
+          <a:lstStyle/>
+          <a:p>
+            <a:pPr algn="ctr" eaLnBrk="1" latinLnBrk="0" hangingPunct="1"/>
+            <a:endParaRPr kumimoji="0" lang="en-US"/>
+          </a:p>
+        </p:txBody>
+      </p:sp>
+      <p:sp>
+        <p:nvSpPr>
           <p:cNvPr id="6" name="Foliennummernplatzhalter 5"/>
           <p:cNvSpPr>
             <a:spLocks noGrp="1"/>
@@ -4558,7 +5395,12 @@
             <p:ph type="sldNum" sz="quarter" idx="12"/>
           </p:nvPr>
         </p:nvSpPr>
-        <p:spPr/>
+        <p:spPr>
+          <a:xfrm>
+            <a:off x="146304" y="6208776"/>
+            <a:ext cx="457200" cy="457200"/>
+          </a:xfrm>
+        </p:spPr>
         <p:txBody>
           <a:bodyPr/>
           <a:lstStyle/>
@@ -4574,7 +5416,7 @@
     </p:spTree>
   </p:cSld>
   <p:clrMapOvr>
-    <a:masterClrMapping/>
+    <a:overrideClrMapping bg1="lt1" tx1="dk1" bg2="lt2" tx2="dk2" accent1="accent1" accent2="accent2" accent3="accent3" accent4="accent4" accent5="accent5" accent6="accent6" hlink="hlink" folHlink="folHlink"/>
   </p:clrMapOvr>
 </p:sldLayout>
 </file>
@@ -4612,201 +5454,31 @@
           <a:lstStyle/>
           <a:p>
             <a:r>
+              <a:rPr kumimoji="0" lang="de-DE" smtClean="0"/>
+              <a:t>Titelmasterformat durch Klicken bearbeiten</a:t>
+            </a:r>
+            <a:endParaRPr kumimoji="0" lang="en-US"/>
+          </a:p>
+        </p:txBody>
+      </p:sp>
+      <p:sp>
+        <p:nvSpPr>
+          <p:cNvPr id="5" name="Datumsplatzhalter 4"/>
+          <p:cNvSpPr>
+            <a:spLocks noGrp="1"/>
+          </p:cNvSpPr>
+          <p:nvPr>
+            <p:ph type="dt" sz="half" idx="10"/>
+          </p:nvPr>
+        </p:nvSpPr>
+        <p:spPr/>
+        <p:txBody>
+          <a:bodyPr/>
+          <a:lstStyle/>
+          <a:p>
+            <a:fld id="{37C6774D-3A23-4938-AD4D-B86CC23DD578}" type="datetime1">
               <a:rPr lang="de-DE" smtClean="0"/>
-              <a:t>Titelmasterformat durch Klicken bearbeiten</a:t>
-            </a:r>
-            <a:endParaRPr lang="de-DE"/>
-          </a:p>
-        </p:txBody>
-      </p:sp>
-      <p:sp>
-        <p:nvSpPr>
-          <p:cNvPr id="3" name="Inhaltsplatzhalter 2"/>
-          <p:cNvSpPr>
-            <a:spLocks noGrp="1"/>
-          </p:cNvSpPr>
-          <p:nvPr>
-            <p:ph sz="half" idx="1"/>
-          </p:nvPr>
-        </p:nvSpPr>
-        <p:spPr>
-          <a:xfrm>
-            <a:off x="457200" y="1600200"/>
-            <a:ext cx="4038600" cy="4525963"/>
-          </a:xfrm>
-        </p:spPr>
-        <p:txBody>
-          <a:bodyPr/>
-          <a:lstStyle>
-            <a:lvl1pPr>
-              <a:defRPr sz="2800"/>
-            </a:lvl1pPr>
-            <a:lvl2pPr>
-              <a:defRPr sz="2400"/>
-            </a:lvl2pPr>
-            <a:lvl3pPr>
-              <a:defRPr sz="2000"/>
-            </a:lvl3pPr>
-            <a:lvl4pPr>
-              <a:defRPr sz="1800"/>
-            </a:lvl4pPr>
-            <a:lvl5pPr>
-              <a:defRPr sz="1800"/>
-            </a:lvl5pPr>
-            <a:lvl6pPr>
-              <a:defRPr sz="1800"/>
-            </a:lvl6pPr>
-            <a:lvl7pPr>
-              <a:defRPr sz="1800"/>
-            </a:lvl7pPr>
-            <a:lvl8pPr>
-              <a:defRPr sz="1800"/>
-            </a:lvl8pPr>
-            <a:lvl9pPr>
-              <a:defRPr sz="1800"/>
-            </a:lvl9pPr>
-          </a:lstStyle>
-          <a:p>
-            <a:pPr lvl="0"/>
-            <a:r>
-              <a:rPr lang="de-DE" smtClean="0"/>
-              <a:t>Textmasterformate durch Klicken bearbeiten</a:t>
-            </a:r>
-          </a:p>
-          <a:p>
-            <a:pPr lvl="1"/>
-            <a:r>
-              <a:rPr lang="de-DE" smtClean="0"/>
-              <a:t>Zweite Ebene</a:t>
-            </a:r>
-          </a:p>
-          <a:p>
-            <a:pPr lvl="2"/>
-            <a:r>
-              <a:rPr lang="de-DE" smtClean="0"/>
-              <a:t>Dritte Ebene</a:t>
-            </a:r>
-          </a:p>
-          <a:p>
-            <a:pPr lvl="3"/>
-            <a:r>
-              <a:rPr lang="de-DE" smtClean="0"/>
-              <a:t>Vierte Ebene</a:t>
-            </a:r>
-          </a:p>
-          <a:p>
-            <a:pPr lvl="4"/>
-            <a:r>
-              <a:rPr lang="de-DE" smtClean="0"/>
-              <a:t>Fünfte Ebene</a:t>
-            </a:r>
-            <a:endParaRPr lang="de-DE"/>
-          </a:p>
-        </p:txBody>
-      </p:sp>
-      <p:sp>
-        <p:nvSpPr>
-          <p:cNvPr id="4" name="Inhaltsplatzhalter 3"/>
-          <p:cNvSpPr>
-            <a:spLocks noGrp="1"/>
-          </p:cNvSpPr>
-          <p:nvPr>
-            <p:ph sz="half" idx="2"/>
-          </p:nvPr>
-        </p:nvSpPr>
-        <p:spPr>
-          <a:xfrm>
-            <a:off x="4648200" y="1600200"/>
-            <a:ext cx="4038600" cy="4525963"/>
-          </a:xfrm>
-        </p:spPr>
-        <p:txBody>
-          <a:bodyPr/>
-          <a:lstStyle>
-            <a:lvl1pPr>
-              <a:defRPr sz="2800"/>
-            </a:lvl1pPr>
-            <a:lvl2pPr>
-              <a:defRPr sz="2400"/>
-            </a:lvl2pPr>
-            <a:lvl3pPr>
-              <a:defRPr sz="2000"/>
-            </a:lvl3pPr>
-            <a:lvl4pPr>
-              <a:defRPr sz="1800"/>
-            </a:lvl4pPr>
-            <a:lvl5pPr>
-              <a:defRPr sz="1800"/>
-            </a:lvl5pPr>
-            <a:lvl6pPr>
-              <a:defRPr sz="1800"/>
-            </a:lvl6pPr>
-            <a:lvl7pPr>
-              <a:defRPr sz="1800"/>
-            </a:lvl7pPr>
-            <a:lvl8pPr>
-              <a:defRPr sz="1800"/>
-            </a:lvl8pPr>
-            <a:lvl9pPr>
-              <a:defRPr sz="1800"/>
-            </a:lvl9pPr>
-          </a:lstStyle>
-          <a:p>
-            <a:pPr lvl="0"/>
-            <a:r>
-              <a:rPr lang="de-DE" smtClean="0"/>
-              <a:t>Textmasterformate durch Klicken bearbeiten</a:t>
-            </a:r>
-          </a:p>
-          <a:p>
-            <a:pPr lvl="1"/>
-            <a:r>
-              <a:rPr lang="de-DE" smtClean="0"/>
-              <a:t>Zweite Ebene</a:t>
-            </a:r>
-          </a:p>
-          <a:p>
-            <a:pPr lvl="2"/>
-            <a:r>
-              <a:rPr lang="de-DE" smtClean="0"/>
-              <a:t>Dritte Ebene</a:t>
-            </a:r>
-          </a:p>
-          <a:p>
-            <a:pPr lvl="3"/>
-            <a:r>
-              <a:rPr lang="de-DE" smtClean="0"/>
-              <a:t>Vierte Ebene</a:t>
-            </a:r>
-          </a:p>
-          <a:p>
-            <a:pPr lvl="4"/>
-            <a:r>
-              <a:rPr lang="de-DE" smtClean="0"/>
-              <a:t>Fünfte Ebene</a:t>
-            </a:r>
-            <a:endParaRPr lang="de-DE"/>
-          </a:p>
-        </p:txBody>
-      </p:sp>
-      <p:sp>
-        <p:nvSpPr>
-          <p:cNvPr id="5" name="Datumsplatzhalter 4"/>
-          <p:cNvSpPr>
-            <a:spLocks noGrp="1"/>
-          </p:cNvSpPr>
-          <p:nvPr>
-            <p:ph type="dt" sz="half" idx="10"/>
-          </p:nvPr>
-        </p:nvSpPr>
-        <p:spPr/>
-        <p:txBody>
-          <a:bodyPr/>
-          <a:lstStyle/>
-          <a:p>
-            <a:fld id="{1BA50D42-C9CD-4801-B293-61D1F53EC57E}" type="datetimeFigureOut">
-              <a:rPr lang="de-DE" smtClean="0"/>
-              <a:t>06.12.2018</a:t>
+              <a:t>09.12.2018</a:t>
             </a:fld>
             <a:endParaRPr lang="de-DE"/>
           </a:p>
@@ -4827,6 +5499,10 @@
           <a:bodyPr/>
           <a:lstStyle/>
           <a:p>
+            <a:r>
+              <a:rPr lang="de-DE" smtClean="0"/>
+              <a:t>Zitaterfassung - Lars Baumgarten, Tim Rumrich, Pascal Schmotz</a:t>
+            </a:r>
             <a:endParaRPr lang="de-DE"/>
           </a:p>
         </p:txBody>
@@ -4851,6 +5527,120 @@
               <a:t>‹Nr.›</a:t>
             </a:fld>
             <a:endParaRPr lang="de-DE"/>
+          </a:p>
+        </p:txBody>
+      </p:sp>
+      <p:sp>
+        <p:nvSpPr>
+          <p:cNvPr id="9" name="Inhaltsplatzhalter 8"/>
+          <p:cNvSpPr>
+            <a:spLocks noGrp="1"/>
+          </p:cNvSpPr>
+          <p:nvPr>
+            <p:ph sz="quarter" idx="1"/>
+          </p:nvPr>
+        </p:nvSpPr>
+        <p:spPr>
+          <a:xfrm>
+            <a:off x="914400" y="1447800"/>
+            <a:ext cx="3749040" cy="4572000"/>
+          </a:xfrm>
+        </p:spPr>
+        <p:txBody>
+          <a:bodyPr vert="horz"/>
+          <a:lstStyle/>
+          <a:p>
+            <a:pPr lvl="0" eaLnBrk="1" latinLnBrk="0" hangingPunct="1"/>
+            <a:r>
+              <a:rPr lang="de-DE" smtClean="0"/>
+              <a:t>Textmasterformat bearbeiten</a:t>
+            </a:r>
+          </a:p>
+          <a:p>
+            <a:pPr lvl="1" eaLnBrk="1" latinLnBrk="0" hangingPunct="1"/>
+            <a:r>
+              <a:rPr lang="de-DE" smtClean="0"/>
+              <a:t>Zweite Ebene</a:t>
+            </a:r>
+          </a:p>
+          <a:p>
+            <a:pPr lvl="2" eaLnBrk="1" latinLnBrk="0" hangingPunct="1"/>
+            <a:r>
+              <a:rPr lang="de-DE" smtClean="0"/>
+              <a:t>Dritte Ebene</a:t>
+            </a:r>
+          </a:p>
+          <a:p>
+            <a:pPr lvl="3" eaLnBrk="1" latinLnBrk="0" hangingPunct="1"/>
+            <a:r>
+              <a:rPr lang="de-DE" smtClean="0"/>
+              <a:t>Vierte Ebene</a:t>
+            </a:r>
+          </a:p>
+          <a:p>
+            <a:pPr lvl="4" eaLnBrk="1" latinLnBrk="0" hangingPunct="1"/>
+            <a:r>
+              <a:rPr lang="de-DE" smtClean="0"/>
+              <a:t>Fünfte Ebene</a:t>
+            </a:r>
+            <a:endParaRPr kumimoji="0" lang="en-US"/>
+          </a:p>
+        </p:txBody>
+      </p:sp>
+      <p:sp>
+        <p:nvSpPr>
+          <p:cNvPr id="11" name="Inhaltsplatzhalter 10"/>
+          <p:cNvSpPr>
+            <a:spLocks noGrp="1"/>
+          </p:cNvSpPr>
+          <p:nvPr>
+            <p:ph sz="quarter" idx="2"/>
+          </p:nvPr>
+        </p:nvSpPr>
+        <p:spPr>
+          <a:xfrm>
+            <a:off x="4933950" y="1447800"/>
+            <a:ext cx="3749040" cy="4572000"/>
+          </a:xfrm>
+        </p:spPr>
+        <p:txBody>
+          <a:bodyPr vert="horz"/>
+          <a:lstStyle/>
+          <a:p>
+            <a:pPr lvl="0" eaLnBrk="1" latinLnBrk="0" hangingPunct="1"/>
+            <a:r>
+              <a:rPr lang="de-DE" smtClean="0"/>
+              <a:t>Textmasterformat bearbeiten</a:t>
+            </a:r>
+          </a:p>
+          <a:p>
+            <a:pPr lvl="1" eaLnBrk="1" latinLnBrk="0" hangingPunct="1"/>
+            <a:r>
+              <a:rPr lang="de-DE" smtClean="0"/>
+              <a:t>Zweite Ebene</a:t>
+            </a:r>
+          </a:p>
+          <a:p>
+            <a:pPr lvl="2" eaLnBrk="1" latinLnBrk="0" hangingPunct="1"/>
+            <a:r>
+              <a:rPr lang="de-DE" smtClean="0"/>
+              <a:t>Dritte Ebene</a:t>
+            </a:r>
+          </a:p>
+          <a:p>
+            <a:pPr lvl="3" eaLnBrk="1" latinLnBrk="0" hangingPunct="1"/>
+            <a:r>
+              <a:rPr lang="de-DE" smtClean="0"/>
+              <a:t>Vierte Ebene</a:t>
+            </a:r>
+          </a:p>
+          <a:p>
+            <a:pPr lvl="4" eaLnBrk="1" latinLnBrk="0" hangingPunct="1"/>
+            <a:r>
+              <a:rPr lang="de-DE" smtClean="0"/>
+              <a:t>Fünfte Ebene</a:t>
+            </a:r>
+            <a:endParaRPr kumimoji="0" lang="en-US"/>
           </a:p>
         </p:txBody>
       </p:sp>
@@ -4889,9 +5679,14 @@
             <p:ph type="title"/>
           </p:nvPr>
         </p:nvSpPr>
-        <p:spPr/>
-        <p:txBody>
-          <a:bodyPr/>
+        <p:spPr>
+          <a:xfrm>
+            <a:off x="914400" y="273050"/>
+            <a:ext cx="7772400" cy="1143000"/>
+          </a:xfrm>
+        </p:spPr>
+        <p:txBody>
+          <a:bodyPr anchor="b" anchorCtr="0"/>
           <a:lstStyle>
             <a:lvl1pPr>
               <a:defRPr/>
@@ -4899,10 +5694,10 @@
           </a:lstStyle>
           <a:p>
             <a:r>
-              <a:rPr lang="de-DE" smtClean="0"/>
+              <a:rPr kumimoji="0" lang="de-DE" smtClean="0"/>
               <a:t>Titelmasterformat durch Klicken bearbeiten</a:t>
             </a:r>
-            <a:endParaRPr lang="de-DE"/>
+            <a:endParaRPr kumimoji="0" lang="en-US"/>
           </a:p>
         </p:txBody>
       </p:sp>
@@ -4918,312 +5713,138 @@
         </p:nvSpPr>
         <p:spPr>
           <a:xfrm>
-            <a:off x="457200" y="1535113"/>
-            <a:ext cx="4040188" cy="639762"/>
+            <a:off x="914400" y="1447800"/>
+            <a:ext cx="3733800" cy="762000"/>
           </a:xfrm>
+          <a:noFill/>
+          <a:ln w="12700" cap="sq" cmpd="sng" algn="ctr">
+            <a:noFill/>
+            <a:prstDash val="solid"/>
+          </a:ln>
         </p:spPr>
         <p:txBody>
-          <a:bodyPr anchor="b"/>
+          <a:bodyPr lIns="91440" anchor="b" anchorCtr="0">
+            <a:noAutofit/>
+          </a:bodyPr>
           <a:lstStyle>
             <a:lvl1pPr marL="0" indent="0">
               <a:buNone/>
-              <a:defRPr sz="2400" b="1"/>
+              <a:defRPr sz="2400" b="1">
+                <a:solidFill>
+                  <a:schemeClr val="accent1"/>
+                </a:solidFill>
+                <a:latin typeface="+mj-lt"/>
+                <a:ea typeface="+mj-ea"/>
+                <a:cs typeface="+mj-cs"/>
+              </a:defRPr>
             </a:lvl1pPr>
-            <a:lvl2pPr marL="457200" indent="0">
+            <a:lvl2pPr>
               <a:buNone/>
               <a:defRPr sz="2000" b="1"/>
             </a:lvl2pPr>
-            <a:lvl3pPr marL="914400" indent="0">
+            <a:lvl3pPr>
               <a:buNone/>
               <a:defRPr sz="1800" b="1"/>
             </a:lvl3pPr>
-            <a:lvl4pPr marL="1371600" indent="0">
+            <a:lvl4pPr>
               <a:buNone/>
               <a:defRPr sz="1600" b="1"/>
             </a:lvl4pPr>
-            <a:lvl5pPr marL="1828800" indent="0">
+            <a:lvl5pPr>
               <a:buNone/>
               <a:defRPr sz="1600" b="1"/>
             </a:lvl5pPr>
-            <a:lvl6pPr marL="2286000" indent="0">
-              <a:buNone/>
-              <a:defRPr sz="1600" b="1"/>
-            </a:lvl6pPr>
-            <a:lvl7pPr marL="2743200" indent="0">
-              <a:buNone/>
-              <a:defRPr sz="1600" b="1"/>
-            </a:lvl7pPr>
-            <a:lvl8pPr marL="3200400" indent="0">
-              <a:buNone/>
-              <a:defRPr sz="1600" b="1"/>
-            </a:lvl8pPr>
-            <a:lvl9pPr marL="3657600" indent="0">
-              <a:buNone/>
-              <a:defRPr sz="1600" b="1"/>
-            </a:lvl9pPr>
           </a:lstStyle>
           <a:p>
-            <a:pPr lvl="0"/>
-            <a:r>
-              <a:rPr lang="de-DE" smtClean="0"/>
-              <a:t>Textmasterformate durch Klicken bearbeiten</a:t>
-            </a:r>
-          </a:p>
-        </p:txBody>
-      </p:sp>
-      <p:sp>
-        <p:nvSpPr>
-          <p:cNvPr id="4" name="Inhaltsplatzhalter 3"/>
-          <p:cNvSpPr>
-            <a:spLocks noGrp="1"/>
-          </p:cNvSpPr>
-          <p:nvPr>
-            <p:ph sz="half" idx="2"/>
+            <a:pPr lvl="0" eaLnBrk="1" latinLnBrk="0" hangingPunct="1"/>
+            <a:r>
+              <a:rPr kumimoji="0" lang="de-DE" smtClean="0"/>
+              <a:t>Textmasterformat bearbeiten</a:t>
+            </a:r>
+          </a:p>
+        </p:txBody>
+      </p:sp>
+      <p:sp>
+        <p:nvSpPr>
+          <p:cNvPr id="4" name="Textplatzhalter 3"/>
+          <p:cNvSpPr>
+            <a:spLocks noGrp="1"/>
+          </p:cNvSpPr>
+          <p:nvPr>
+            <p:ph type="body" sz="half" idx="3"/>
           </p:nvPr>
         </p:nvSpPr>
         <p:spPr>
           <a:xfrm>
-            <a:off x="457200" y="2174875"/>
-            <a:ext cx="4040188" cy="3951288"/>
+            <a:off x="4953000" y="1447800"/>
+            <a:ext cx="3733800" cy="762000"/>
           </a:xfrm>
+          <a:noFill/>
+          <a:ln w="12700" cap="sq" cmpd="sng" algn="ctr">
+            <a:noFill/>
+            <a:prstDash val="solid"/>
+          </a:ln>
         </p:spPr>
         <p:txBody>
-          <a:bodyPr/>
-          <a:lstStyle>
-            <a:lvl1pPr>
-              <a:defRPr sz="2400"/>
-            </a:lvl1pPr>
-            <a:lvl2pPr>
-              <a:defRPr sz="2000"/>
-            </a:lvl2pPr>
-            <a:lvl3pPr>
-              <a:defRPr sz="1800"/>
-            </a:lvl3pPr>
-            <a:lvl4pPr>
-              <a:defRPr sz="1600"/>
-            </a:lvl4pPr>
-            <a:lvl5pPr>
-              <a:defRPr sz="1600"/>
-            </a:lvl5pPr>
-            <a:lvl6pPr>
-              <a:defRPr sz="1600"/>
-            </a:lvl6pPr>
-            <a:lvl7pPr>
-              <a:defRPr sz="1600"/>
-            </a:lvl7pPr>
-            <a:lvl8pPr>
-              <a:defRPr sz="1600"/>
-            </a:lvl8pPr>
-            <a:lvl9pPr>
-              <a:defRPr sz="1600"/>
-            </a:lvl9pPr>
-          </a:lstStyle>
-          <a:p>
-            <a:pPr lvl="0"/>
-            <a:r>
-              <a:rPr lang="de-DE" smtClean="0"/>
-              <a:t>Textmasterformate durch Klicken bearbeiten</a:t>
-            </a:r>
-          </a:p>
-          <a:p>
-            <a:pPr lvl="1"/>
-            <a:r>
-              <a:rPr lang="de-DE" smtClean="0"/>
-              <a:t>Zweite Ebene</a:t>
-            </a:r>
-          </a:p>
-          <a:p>
-            <a:pPr lvl="2"/>
-            <a:r>
-              <a:rPr lang="de-DE" smtClean="0"/>
-              <a:t>Dritte Ebene</a:t>
-            </a:r>
-          </a:p>
-          <a:p>
-            <a:pPr lvl="3"/>
-            <a:r>
-              <a:rPr lang="de-DE" smtClean="0"/>
-              <a:t>Vierte Ebene</a:t>
-            </a:r>
-          </a:p>
-          <a:p>
-            <a:pPr lvl="4"/>
-            <a:r>
-              <a:rPr lang="de-DE" smtClean="0"/>
-              <a:t>Fünfte Ebene</a:t>
-            </a:r>
-            <a:endParaRPr lang="de-DE"/>
-          </a:p>
-        </p:txBody>
-      </p:sp>
-      <p:sp>
-        <p:nvSpPr>
-          <p:cNvPr id="5" name="Textplatzhalter 4"/>
-          <p:cNvSpPr>
-            <a:spLocks noGrp="1"/>
-          </p:cNvSpPr>
-          <p:nvPr>
-            <p:ph type="body" sz="quarter" idx="3"/>
-          </p:nvPr>
-        </p:nvSpPr>
-        <p:spPr>
-          <a:xfrm>
-            <a:off x="4645025" y="1535113"/>
-            <a:ext cx="4041775" cy="639762"/>
-          </a:xfrm>
-        </p:spPr>
-        <p:txBody>
-          <a:bodyPr anchor="b"/>
+          <a:bodyPr lIns="91440" anchor="b" anchorCtr="0">
+            <a:noAutofit/>
+          </a:bodyPr>
           <a:lstStyle>
             <a:lvl1pPr marL="0" indent="0">
               <a:buNone/>
-              <a:defRPr sz="2400" b="1"/>
+              <a:defRPr sz="2400" b="1">
+                <a:solidFill>
+                  <a:schemeClr val="accent1"/>
+                </a:solidFill>
+                <a:latin typeface="+mj-lt"/>
+                <a:ea typeface="+mj-ea"/>
+                <a:cs typeface="+mj-cs"/>
+              </a:defRPr>
             </a:lvl1pPr>
-            <a:lvl2pPr marL="457200" indent="0">
+            <a:lvl2pPr>
               <a:buNone/>
               <a:defRPr sz="2000" b="1"/>
             </a:lvl2pPr>
-            <a:lvl3pPr marL="914400" indent="0">
+            <a:lvl3pPr>
               <a:buNone/>
               <a:defRPr sz="1800" b="1"/>
             </a:lvl3pPr>
-            <a:lvl4pPr marL="1371600" indent="0">
+            <a:lvl4pPr>
               <a:buNone/>
               <a:defRPr sz="1600" b="1"/>
             </a:lvl4pPr>
-            <a:lvl5pPr marL="1828800" indent="0">
+            <a:lvl5pPr>
               <a:buNone/>
               <a:defRPr sz="1600" b="1"/>
             </a:lvl5pPr>
-            <a:lvl6pPr marL="2286000" indent="0">
-              <a:buNone/>
-              <a:defRPr sz="1600" b="1"/>
-            </a:lvl6pPr>
-            <a:lvl7pPr marL="2743200" indent="0">
-              <a:buNone/>
-              <a:defRPr sz="1600" b="1"/>
-            </a:lvl7pPr>
-            <a:lvl8pPr marL="3200400" indent="0">
-              <a:buNone/>
-              <a:defRPr sz="1600" b="1"/>
-            </a:lvl8pPr>
-            <a:lvl9pPr marL="3657600" indent="0">
-              <a:buNone/>
-              <a:defRPr sz="1600" b="1"/>
-            </a:lvl9pPr>
           </a:lstStyle>
           <a:p>
-            <a:pPr lvl="0"/>
-            <a:r>
+            <a:pPr lvl="0" eaLnBrk="1" latinLnBrk="0" hangingPunct="1"/>
+            <a:r>
+              <a:rPr kumimoji="0" lang="de-DE" smtClean="0"/>
+              <a:t>Textmasterformat bearbeiten</a:t>
+            </a:r>
+          </a:p>
+        </p:txBody>
+      </p:sp>
+      <p:sp>
+        <p:nvSpPr>
+          <p:cNvPr id="7" name="Datumsplatzhalter 6"/>
+          <p:cNvSpPr>
+            <a:spLocks noGrp="1"/>
+          </p:cNvSpPr>
+          <p:nvPr>
+            <p:ph type="dt" sz="half" idx="10"/>
+          </p:nvPr>
+        </p:nvSpPr>
+        <p:spPr/>
+        <p:txBody>
+          <a:bodyPr/>
+          <a:lstStyle/>
+          <a:p>
+            <a:fld id="{668E43A0-1DA4-4E85-B8F1-15EE6B3739BB}" type="datetime1">
               <a:rPr lang="de-DE" smtClean="0"/>
-              <a:t>Textmasterformate durch Klicken bearbeiten</a:t>
-            </a:r>
-          </a:p>
-        </p:txBody>
-      </p:sp>
-      <p:sp>
-        <p:nvSpPr>
-          <p:cNvPr id="6" name="Inhaltsplatzhalter 5"/>
-          <p:cNvSpPr>
-            <a:spLocks noGrp="1"/>
-          </p:cNvSpPr>
-          <p:nvPr>
-            <p:ph sz="quarter" idx="4"/>
-          </p:nvPr>
-        </p:nvSpPr>
-        <p:spPr>
-          <a:xfrm>
-            <a:off x="4645025" y="2174875"/>
-            <a:ext cx="4041775" cy="3951288"/>
-          </a:xfrm>
-        </p:spPr>
-        <p:txBody>
-          <a:bodyPr/>
-          <a:lstStyle>
-            <a:lvl1pPr>
-              <a:defRPr sz="2400"/>
-            </a:lvl1pPr>
-            <a:lvl2pPr>
-              <a:defRPr sz="2000"/>
-            </a:lvl2pPr>
-            <a:lvl3pPr>
-              <a:defRPr sz="1800"/>
-            </a:lvl3pPr>
-            <a:lvl4pPr>
-              <a:defRPr sz="1600"/>
-            </a:lvl4pPr>
-            <a:lvl5pPr>
-              <a:defRPr sz="1600"/>
-            </a:lvl5pPr>
-            <a:lvl6pPr>
-              <a:defRPr sz="1600"/>
-            </a:lvl6pPr>
-            <a:lvl7pPr>
-              <a:defRPr sz="1600"/>
-            </a:lvl7pPr>
-            <a:lvl8pPr>
-              <a:defRPr sz="1600"/>
-            </a:lvl8pPr>
-            <a:lvl9pPr>
-              <a:defRPr sz="1600"/>
-            </a:lvl9pPr>
-          </a:lstStyle>
-          <a:p>
-            <a:pPr lvl="0"/>
-            <a:r>
-              <a:rPr lang="de-DE" smtClean="0"/>
-              <a:t>Textmasterformate durch Klicken bearbeiten</a:t>
-            </a:r>
-          </a:p>
-          <a:p>
-            <a:pPr lvl="1"/>
-            <a:r>
-              <a:rPr lang="de-DE" smtClean="0"/>
-              <a:t>Zweite Ebene</a:t>
-            </a:r>
-          </a:p>
-          <a:p>
-            <a:pPr lvl="2"/>
-            <a:r>
-              <a:rPr lang="de-DE" smtClean="0"/>
-              <a:t>Dritte Ebene</a:t>
-            </a:r>
-          </a:p>
-          <a:p>
-            <a:pPr lvl="3"/>
-            <a:r>
-              <a:rPr lang="de-DE" smtClean="0"/>
-              <a:t>Vierte Ebene</a:t>
-            </a:r>
-          </a:p>
-          <a:p>
-            <a:pPr lvl="4"/>
-            <a:r>
-              <a:rPr lang="de-DE" smtClean="0"/>
-              <a:t>Fünfte Ebene</a:t>
-            </a:r>
-            <a:endParaRPr lang="de-DE"/>
-          </a:p>
-        </p:txBody>
-      </p:sp>
-      <p:sp>
-        <p:nvSpPr>
-          <p:cNvPr id="7" name="Datumsplatzhalter 6"/>
-          <p:cNvSpPr>
-            <a:spLocks noGrp="1"/>
-          </p:cNvSpPr>
-          <p:nvPr>
-            <p:ph type="dt" sz="half" idx="10"/>
-          </p:nvPr>
-        </p:nvSpPr>
-        <p:spPr/>
-        <p:txBody>
-          <a:bodyPr/>
-          <a:lstStyle/>
-          <a:p>
-            <a:fld id="{1BA50D42-C9CD-4801-B293-61D1F53EC57E}" type="datetimeFigureOut">
-              <a:rPr lang="de-DE" smtClean="0"/>
-              <a:t>06.12.2018</a:t>
+              <a:t>09.12.2018</a:t>
             </a:fld>
             <a:endParaRPr lang="de-DE"/>
           </a:p>
@@ -5244,6 +5865,10 @@
           <a:bodyPr/>
           <a:lstStyle/>
           <a:p>
+            <a:r>
+              <a:rPr lang="de-DE" smtClean="0"/>
+              <a:t>Zitaterfassung - Lars Baumgarten, Tim Rumrich, Pascal Schmotz</a:t>
+            </a:r>
             <a:endParaRPr lang="de-DE"/>
           </a:p>
         </p:txBody>
@@ -5268,6 +5893,120 @@
               <a:t>‹Nr.›</a:t>
             </a:fld>
             <a:endParaRPr lang="de-DE"/>
+          </a:p>
+        </p:txBody>
+      </p:sp>
+      <p:sp>
+        <p:nvSpPr>
+          <p:cNvPr id="11" name="Inhaltsplatzhalter 10"/>
+          <p:cNvSpPr>
+            <a:spLocks noGrp="1"/>
+          </p:cNvSpPr>
+          <p:nvPr>
+            <p:ph sz="half" idx="2"/>
+          </p:nvPr>
+        </p:nvSpPr>
+        <p:spPr>
+          <a:xfrm>
+            <a:off x="914400" y="2247900"/>
+            <a:ext cx="3733800" cy="3886200"/>
+          </a:xfrm>
+        </p:spPr>
+        <p:txBody>
+          <a:bodyPr vert="horz"/>
+          <a:lstStyle/>
+          <a:p>
+            <a:pPr lvl="0" eaLnBrk="1" latinLnBrk="0" hangingPunct="1"/>
+            <a:r>
+              <a:rPr lang="de-DE" smtClean="0"/>
+              <a:t>Textmasterformat bearbeiten</a:t>
+            </a:r>
+          </a:p>
+          <a:p>
+            <a:pPr lvl="1" eaLnBrk="1" latinLnBrk="0" hangingPunct="1"/>
+            <a:r>
+              <a:rPr lang="de-DE" smtClean="0"/>
+              <a:t>Zweite Ebene</a:t>
+            </a:r>
+          </a:p>
+          <a:p>
+            <a:pPr lvl="2" eaLnBrk="1" latinLnBrk="0" hangingPunct="1"/>
+            <a:r>
+              <a:rPr lang="de-DE" smtClean="0"/>
+              <a:t>Dritte Ebene</a:t>
+            </a:r>
+          </a:p>
+          <a:p>
+            <a:pPr lvl="3" eaLnBrk="1" latinLnBrk="0" hangingPunct="1"/>
+            <a:r>
+              <a:rPr lang="de-DE" smtClean="0"/>
+              <a:t>Vierte Ebene</a:t>
+            </a:r>
+          </a:p>
+          <a:p>
+            <a:pPr lvl="4" eaLnBrk="1" latinLnBrk="0" hangingPunct="1"/>
+            <a:r>
+              <a:rPr lang="de-DE" smtClean="0"/>
+              <a:t>Fünfte Ebene</a:t>
+            </a:r>
+            <a:endParaRPr kumimoji="0" lang="en-US"/>
+          </a:p>
+        </p:txBody>
+      </p:sp>
+      <p:sp>
+        <p:nvSpPr>
+          <p:cNvPr id="13" name="Inhaltsplatzhalter 12"/>
+          <p:cNvSpPr>
+            <a:spLocks noGrp="1"/>
+          </p:cNvSpPr>
+          <p:nvPr>
+            <p:ph sz="half" idx="4"/>
+          </p:nvPr>
+        </p:nvSpPr>
+        <p:spPr>
+          <a:xfrm>
+            <a:off x="4953000" y="2247900"/>
+            <a:ext cx="3733800" cy="3886200"/>
+          </a:xfrm>
+        </p:spPr>
+        <p:txBody>
+          <a:bodyPr vert="horz"/>
+          <a:lstStyle/>
+          <a:p>
+            <a:pPr lvl="0" eaLnBrk="1" latinLnBrk="0" hangingPunct="1"/>
+            <a:r>
+              <a:rPr lang="de-DE" smtClean="0"/>
+              <a:t>Textmasterformat bearbeiten</a:t>
+            </a:r>
+          </a:p>
+          <a:p>
+            <a:pPr lvl="1" eaLnBrk="1" latinLnBrk="0" hangingPunct="1"/>
+            <a:r>
+              <a:rPr lang="de-DE" smtClean="0"/>
+              <a:t>Zweite Ebene</a:t>
+            </a:r>
+          </a:p>
+          <a:p>
+            <a:pPr lvl="2" eaLnBrk="1" latinLnBrk="0" hangingPunct="1"/>
+            <a:r>
+              <a:rPr lang="de-DE" smtClean="0"/>
+              <a:t>Dritte Ebene</a:t>
+            </a:r>
+          </a:p>
+          <a:p>
+            <a:pPr lvl="3" eaLnBrk="1" latinLnBrk="0" hangingPunct="1"/>
+            <a:r>
+              <a:rPr lang="de-DE" smtClean="0"/>
+              <a:t>Vierte Ebene</a:t>
+            </a:r>
+          </a:p>
+          <a:p>
+            <a:pPr lvl="4" eaLnBrk="1" latinLnBrk="0" hangingPunct="1"/>
+            <a:r>
+              <a:rPr lang="de-DE" smtClean="0"/>
+              <a:t>Fünfte Ebene</a:t>
+            </a:r>
+            <a:endParaRPr kumimoji="0" lang="en-US"/>
           </a:p>
         </p:txBody>
       </p:sp>
@@ -5312,31 +6051,31 @@
           <a:lstStyle/>
           <a:p>
             <a:r>
+              <a:rPr kumimoji="0" lang="de-DE" smtClean="0"/>
+              <a:t>Titelmasterformat durch Klicken bearbeiten</a:t>
+            </a:r>
+            <a:endParaRPr kumimoji="0" lang="en-US"/>
+          </a:p>
+        </p:txBody>
+      </p:sp>
+      <p:sp>
+        <p:nvSpPr>
+          <p:cNvPr id="3" name="Datumsplatzhalter 2"/>
+          <p:cNvSpPr>
+            <a:spLocks noGrp="1"/>
+          </p:cNvSpPr>
+          <p:nvPr>
+            <p:ph type="dt" sz="half" idx="10"/>
+          </p:nvPr>
+        </p:nvSpPr>
+        <p:spPr/>
+        <p:txBody>
+          <a:bodyPr/>
+          <a:lstStyle/>
+          <a:p>
+            <a:fld id="{55B86268-D411-481B-BCA9-89C174FDBD1E}" type="datetime1">
               <a:rPr lang="de-DE" smtClean="0"/>
-              <a:t>Titelmasterformat durch Klicken bearbeiten</a:t>
-            </a:r>
-            <a:endParaRPr lang="de-DE"/>
-          </a:p>
-        </p:txBody>
-      </p:sp>
-      <p:sp>
-        <p:nvSpPr>
-          <p:cNvPr id="3" name="Datumsplatzhalter 2"/>
-          <p:cNvSpPr>
-            <a:spLocks noGrp="1"/>
-          </p:cNvSpPr>
-          <p:nvPr>
-            <p:ph type="dt" sz="half" idx="10"/>
-          </p:nvPr>
-        </p:nvSpPr>
-        <p:spPr/>
-        <p:txBody>
-          <a:bodyPr/>
-          <a:lstStyle/>
-          <a:p>
-            <a:fld id="{1BA50D42-C9CD-4801-B293-61D1F53EC57E}" type="datetimeFigureOut">
-              <a:rPr lang="de-DE" smtClean="0"/>
-              <a:t>06.12.2018</a:t>
+              <a:t>09.12.2018</a:t>
             </a:fld>
             <a:endParaRPr lang="de-DE"/>
           </a:p>
@@ -5357,6 +6096,10 @@
           <a:bodyPr/>
           <a:lstStyle/>
           <a:p>
+            <a:r>
+              <a:rPr lang="de-DE" smtClean="0"/>
+              <a:t>Zitaterfassung - Lars Baumgarten, Tim Rumrich, Pascal Schmotz</a:t>
+            </a:r>
             <a:endParaRPr lang="de-DE"/>
           </a:p>
         </p:txBody>
@@ -5424,9 +6167,9 @@
           <a:bodyPr/>
           <a:lstStyle/>
           <a:p>
-            <a:fld id="{1BA50D42-C9CD-4801-B293-61D1F53EC57E}" type="datetimeFigureOut">
+            <a:fld id="{B9CD7C01-54F1-4358-A4AC-E605F0F5E9AB}" type="datetime1">
               <a:rPr lang="de-DE" smtClean="0"/>
-              <a:t>06.12.2018</a:t>
+              <a:t>09.12.2018</a:t>
             </a:fld>
             <a:endParaRPr lang="de-DE"/>
           </a:p>
@@ -5447,6 +6190,10 @@
           <a:bodyPr/>
           <a:lstStyle/>
           <a:p>
+            <a:r>
+              <a:rPr lang="de-DE" smtClean="0"/>
+              <a:t>Zitaterfassung - Lars Baumgarten, Tim Rumrich, Pascal Schmotz</a:t>
+            </a:r>
             <a:endParaRPr lang="de-DE"/>
           </a:p>
         </p:txBody>
@@ -5501,135 +6248,146 @@
       </p:grpSpPr>
       <p:sp>
         <p:nvSpPr>
-          <p:cNvPr id="2" name="Titel 1"/>
-          <p:cNvSpPr>
-            <a:spLocks noGrp="1"/>
-          </p:cNvSpPr>
-          <p:nvPr>
-            <p:ph type="title"/>
-          </p:nvPr>
+          <p:cNvPr id="8" name="Rechteck 7"/>
+          <p:cNvSpPr/>
+          <p:nvPr/>
         </p:nvSpPr>
         <p:spPr>
           <a:xfrm>
-            <a:off x="457200" y="273050"/>
-            <a:ext cx="3008313" cy="1162050"/>
+            <a:off x="0" y="0"/>
+            <a:ext cx="9144000" cy="6858000"/>
+          </a:xfrm>
+          <a:prstGeom prst="rect">
+            <a:avLst/>
+          </a:prstGeom>
+          <a:solidFill>
+            <a:srgbClr val="FFFFFF"/>
+          </a:solidFill>
+          <a:ln w="19050" cap="sq" cmpd="sng" algn="ctr">
+            <a:noFill/>
+            <a:prstDash val="solid"/>
+          </a:ln>
+          <a:effectLst/>
+        </p:spPr>
+        <p:style>
+          <a:lnRef idx="3">
+            <a:schemeClr val="lt1"/>
+          </a:lnRef>
+          <a:fillRef idx="1">
+            <a:schemeClr val="accent1"/>
+          </a:fillRef>
+          <a:effectRef idx="1">
+            <a:schemeClr val="accent1"/>
+          </a:effectRef>
+          <a:fontRef idx="minor">
+            <a:schemeClr val="lt1"/>
+          </a:fontRef>
+        </p:style>
+        <p:txBody>
+          <a:bodyPr anchor="ctr"/>
+          <a:lstStyle/>
+          <a:p>
+            <a:pPr algn="ctr" eaLnBrk="1" latinLnBrk="0" hangingPunct="1"/>
+            <a:endParaRPr kumimoji="0" lang="en-US"/>
+          </a:p>
+        </p:txBody>
+      </p:sp>
+      <p:sp useBgFill="1">
+        <p:nvSpPr>
+          <p:cNvPr id="9" name="Abgerundetes Rechteck 8"/>
+          <p:cNvSpPr/>
+          <p:nvPr/>
+        </p:nvSpPr>
+        <p:spPr>
+          <a:xfrm>
+            <a:off x="64008" y="69755"/>
+            <a:ext cx="9013372" cy="6693408"/>
+          </a:xfrm>
+          <a:prstGeom prst="roundRect">
+            <a:avLst>
+              <a:gd name="adj" fmla="val 4929"/>
+            </a:avLst>
+          </a:prstGeom>
+          <a:ln w="6350" cap="sq" cmpd="sng" algn="ctr">
+            <a:solidFill>
+              <a:schemeClr val="tx1">
+                <a:alpha val="100000"/>
+              </a:schemeClr>
+            </a:solidFill>
+            <a:prstDash val="solid"/>
+          </a:ln>
+          <a:effectLst/>
+        </p:spPr>
+        <p:style>
+          <a:lnRef idx="3">
+            <a:schemeClr val="lt1"/>
+          </a:lnRef>
+          <a:fillRef idx="1001">
+            <a:schemeClr val="lt1"/>
+          </a:fillRef>
+          <a:effectRef idx="1">
+            <a:schemeClr val="accent1"/>
+          </a:effectRef>
+          <a:fontRef idx="minor">
+            <a:schemeClr val="lt1"/>
+          </a:fontRef>
+        </p:style>
+        <p:txBody>
+          <a:bodyPr anchor="ctr"/>
+          <a:lstStyle/>
+          <a:p>
+            <a:pPr algn="ctr" eaLnBrk="1" latinLnBrk="0" hangingPunct="1"/>
+            <a:endParaRPr kumimoji="0" lang="en-US"/>
+          </a:p>
+        </p:txBody>
+      </p:sp>
+      <p:sp>
+        <p:nvSpPr>
+          <p:cNvPr id="2" name="Titel 1"/>
+          <p:cNvSpPr>
+            <a:spLocks noGrp="1"/>
+          </p:cNvSpPr>
+          <p:nvPr>
+            <p:ph type="title"/>
+          </p:nvPr>
+        </p:nvSpPr>
+        <p:spPr>
+          <a:xfrm>
+            <a:off x="914400" y="273050"/>
+            <a:ext cx="7772400" cy="1143000"/>
           </a:xfrm>
         </p:spPr>
         <p:txBody>
-          <a:bodyPr anchor="b"/>
+          <a:bodyPr anchor="b" anchorCtr="0"/>
           <a:lstStyle>
             <a:lvl1pPr algn="l">
-              <a:defRPr sz="2000" b="1"/>
+              <a:buNone/>
+              <a:defRPr sz="4000" b="0"/>
             </a:lvl1pPr>
           </a:lstStyle>
           <a:p>
             <a:r>
-              <a:rPr lang="de-DE" smtClean="0"/>
+              <a:rPr kumimoji="0" lang="de-DE" smtClean="0"/>
               <a:t>Titelmasterformat durch Klicken bearbeiten</a:t>
             </a:r>
-            <a:endParaRPr lang="de-DE"/>
-          </a:p>
-        </p:txBody>
-      </p:sp>
-      <p:sp>
-        <p:nvSpPr>
-          <p:cNvPr id="3" name="Inhaltsplatzhalter 2"/>
-          <p:cNvSpPr>
-            <a:spLocks noGrp="1"/>
-          </p:cNvSpPr>
-          <p:nvPr>
-            <p:ph idx="1"/>
+            <a:endParaRPr kumimoji="0" lang="en-US"/>
+          </a:p>
+        </p:txBody>
+      </p:sp>
+      <p:sp>
+        <p:nvSpPr>
+          <p:cNvPr id="3" name="Textplatzhalter 2"/>
+          <p:cNvSpPr>
+            <a:spLocks noGrp="1"/>
+          </p:cNvSpPr>
+          <p:nvPr>
+            <p:ph type="body" idx="2"/>
           </p:nvPr>
         </p:nvSpPr>
         <p:spPr>
           <a:xfrm>
-            <a:off x="3575050" y="273050"/>
-            <a:ext cx="5111750" cy="5853113"/>
-          </a:xfrm>
-        </p:spPr>
-        <p:txBody>
-          <a:bodyPr/>
-          <a:lstStyle>
-            <a:lvl1pPr>
-              <a:defRPr sz="3200"/>
-            </a:lvl1pPr>
-            <a:lvl2pPr>
-              <a:defRPr sz="2800"/>
-            </a:lvl2pPr>
-            <a:lvl3pPr>
-              <a:defRPr sz="2400"/>
-            </a:lvl3pPr>
-            <a:lvl4pPr>
-              <a:defRPr sz="2000"/>
-            </a:lvl4pPr>
-            <a:lvl5pPr>
-              <a:defRPr sz="2000"/>
-            </a:lvl5pPr>
-            <a:lvl6pPr>
-              <a:defRPr sz="2000"/>
-            </a:lvl6pPr>
-            <a:lvl7pPr>
-              <a:defRPr sz="2000"/>
-            </a:lvl7pPr>
-            <a:lvl8pPr>
-              <a:defRPr sz="2000"/>
-            </a:lvl8pPr>
-            <a:lvl9pPr>
-              <a:defRPr sz="2000"/>
-            </a:lvl9pPr>
-          </a:lstStyle>
-          <a:p>
-            <a:pPr lvl="0"/>
-            <a:r>
-              <a:rPr lang="de-DE" smtClean="0"/>
-              <a:t>Textmasterformate durch Klicken bearbeiten</a:t>
-            </a:r>
-          </a:p>
-          <a:p>
-            <a:pPr lvl="1"/>
-            <a:r>
-              <a:rPr lang="de-DE" smtClean="0"/>
-              <a:t>Zweite Ebene</a:t>
-            </a:r>
-          </a:p>
-          <a:p>
-            <a:pPr lvl="2"/>
-            <a:r>
-              <a:rPr lang="de-DE" smtClean="0"/>
-              <a:t>Dritte Ebene</a:t>
-            </a:r>
-          </a:p>
-          <a:p>
-            <a:pPr lvl="3"/>
-            <a:r>
-              <a:rPr lang="de-DE" smtClean="0"/>
-              <a:t>Vierte Ebene</a:t>
-            </a:r>
-          </a:p>
-          <a:p>
-            <a:pPr lvl="4"/>
-            <a:r>
-              <a:rPr lang="de-DE" smtClean="0"/>
-              <a:t>Fünfte Ebene</a:t>
-            </a:r>
-            <a:endParaRPr lang="de-DE"/>
-          </a:p>
-        </p:txBody>
-      </p:sp>
-      <p:sp>
-        <p:nvSpPr>
-          <p:cNvPr id="4" name="Textplatzhalter 3"/>
-          <p:cNvSpPr>
-            <a:spLocks noGrp="1"/>
-          </p:cNvSpPr>
-          <p:nvPr>
-            <p:ph type="body" sz="half" idx="2"/>
-          </p:nvPr>
-        </p:nvSpPr>
-        <p:spPr>
-          <a:xfrm>
-            <a:off x="457200" y="1435100"/>
-            <a:ext cx="3008313" cy="4691063"/>
+            <a:off x="914400" y="1600200"/>
+            <a:ext cx="1905000" cy="4495800"/>
           </a:xfrm>
         </p:spPr>
         <p:txBody>
@@ -5637,68 +6395,52 @@
           <a:lstStyle>
             <a:lvl1pPr marL="0" indent="0">
               <a:buNone/>
-              <a:defRPr sz="1400"/>
+              <a:defRPr sz="1800"/>
             </a:lvl1pPr>
-            <a:lvl2pPr marL="457200" indent="0">
+            <a:lvl2pPr>
               <a:buNone/>
               <a:defRPr sz="1200"/>
             </a:lvl2pPr>
-            <a:lvl3pPr marL="914400" indent="0">
+            <a:lvl3pPr>
               <a:buNone/>
               <a:defRPr sz="1000"/>
             </a:lvl3pPr>
-            <a:lvl4pPr marL="1371600" indent="0">
+            <a:lvl4pPr>
               <a:buNone/>
               <a:defRPr sz="900"/>
             </a:lvl4pPr>
-            <a:lvl5pPr marL="1828800" indent="0">
+            <a:lvl5pPr>
               <a:buNone/>
               <a:defRPr sz="900"/>
             </a:lvl5pPr>
-            <a:lvl6pPr marL="2286000" indent="0">
-              <a:buNone/>
-              <a:defRPr sz="900"/>
-            </a:lvl6pPr>
-            <a:lvl7pPr marL="2743200" indent="0">
-              <a:buNone/>
-              <a:defRPr sz="900"/>
-            </a:lvl7pPr>
-            <a:lvl8pPr marL="3200400" indent="0">
-              <a:buNone/>
-              <a:defRPr sz="900"/>
-            </a:lvl8pPr>
-            <a:lvl9pPr marL="3657600" indent="0">
-              <a:buNone/>
-              <a:defRPr sz="900"/>
-            </a:lvl9pPr>
           </a:lstStyle>
           <a:p>
-            <a:pPr lvl="0"/>
-            <a:r>
+            <a:pPr lvl="0" eaLnBrk="1" latinLnBrk="0" hangingPunct="1"/>
+            <a:r>
+              <a:rPr kumimoji="0" lang="de-DE" smtClean="0"/>
+              <a:t>Textmasterformat bearbeiten</a:t>
+            </a:r>
+          </a:p>
+        </p:txBody>
+      </p:sp>
+      <p:sp>
+        <p:nvSpPr>
+          <p:cNvPr id="5" name="Datumsplatzhalter 4"/>
+          <p:cNvSpPr>
+            <a:spLocks noGrp="1"/>
+          </p:cNvSpPr>
+          <p:nvPr>
+            <p:ph type="dt" sz="half" idx="10"/>
+          </p:nvPr>
+        </p:nvSpPr>
+        <p:spPr/>
+        <p:txBody>
+          <a:bodyPr/>
+          <a:lstStyle/>
+          <a:p>
+            <a:fld id="{B91D1D1D-4F43-4878-9BD9-36053AD01D47}" type="datetime1">
               <a:rPr lang="de-DE" smtClean="0"/>
-              <a:t>Textmasterformate durch Klicken bearbeiten</a:t>
-            </a:r>
-          </a:p>
-        </p:txBody>
-      </p:sp>
-      <p:sp>
-        <p:nvSpPr>
-          <p:cNvPr id="5" name="Datumsplatzhalter 4"/>
-          <p:cNvSpPr>
-            <a:spLocks noGrp="1"/>
-          </p:cNvSpPr>
-          <p:nvPr>
-            <p:ph type="dt" sz="half" idx="10"/>
-          </p:nvPr>
-        </p:nvSpPr>
-        <p:spPr/>
-        <p:txBody>
-          <a:bodyPr/>
-          <a:lstStyle/>
-          <a:p>
-            <a:fld id="{1BA50D42-C9CD-4801-B293-61D1F53EC57E}" type="datetimeFigureOut">
-              <a:rPr lang="de-DE" smtClean="0"/>
-              <a:t>06.12.2018</a:t>
+              <a:t>09.12.2018</a:t>
             </a:fld>
             <a:endParaRPr lang="de-DE"/>
           </a:p>
@@ -5719,6 +6461,10 @@
           <a:bodyPr/>
           <a:lstStyle/>
           <a:p>
+            <a:r>
+              <a:rPr lang="de-DE" smtClean="0"/>
+              <a:t>Zitaterfassung - Lars Baumgarten, Tim Rumrich, Pascal Schmotz</a:t>
+            </a:r>
             <a:endParaRPr lang="de-DE"/>
           </a:p>
         </p:txBody>
@@ -5743,6 +6489,63 @@
               <a:t>‹Nr.›</a:t>
             </a:fld>
             <a:endParaRPr lang="de-DE"/>
+          </a:p>
+        </p:txBody>
+      </p:sp>
+      <p:sp>
+        <p:nvSpPr>
+          <p:cNvPr id="11" name="Inhaltsplatzhalter 10"/>
+          <p:cNvSpPr>
+            <a:spLocks noGrp="1"/>
+          </p:cNvSpPr>
+          <p:nvPr>
+            <p:ph sz="quarter" idx="1"/>
+          </p:nvPr>
+        </p:nvSpPr>
+        <p:spPr>
+          <a:xfrm>
+            <a:off x="2971800" y="1600200"/>
+            <a:ext cx="5715000" cy="4495800"/>
+          </a:xfrm>
+        </p:spPr>
+        <p:txBody>
+          <a:bodyPr vert="horz"/>
+          <a:lstStyle/>
+          <a:p>
+            <a:pPr lvl="0" eaLnBrk="1" latinLnBrk="0" hangingPunct="1"/>
+            <a:r>
+              <a:rPr lang="de-DE" smtClean="0"/>
+              <a:t>Textmasterformat bearbeiten</a:t>
+            </a:r>
+          </a:p>
+          <a:p>
+            <a:pPr lvl="1" eaLnBrk="1" latinLnBrk="0" hangingPunct="1"/>
+            <a:r>
+              <a:rPr lang="de-DE" smtClean="0"/>
+              <a:t>Zweite Ebene</a:t>
+            </a:r>
+          </a:p>
+          <a:p>
+            <a:pPr lvl="2" eaLnBrk="1" latinLnBrk="0" hangingPunct="1"/>
+            <a:r>
+              <a:rPr lang="de-DE" smtClean="0"/>
+              <a:t>Dritte Ebene</a:t>
+            </a:r>
+          </a:p>
+          <a:p>
+            <a:pPr lvl="3" eaLnBrk="1" latinLnBrk="0" hangingPunct="1"/>
+            <a:r>
+              <a:rPr lang="de-DE" smtClean="0"/>
+              <a:t>Vierte Ebene</a:t>
+            </a:r>
+          </a:p>
+          <a:p>
+            <a:pPr lvl="4" eaLnBrk="1" latinLnBrk="0" hangingPunct="1"/>
+            <a:r>
+              <a:rPr lang="de-DE" smtClean="0"/>
+              <a:t>Fünfte Ebene</a:t>
+            </a:r>
+            <a:endParaRPr kumimoji="0" lang="en-US"/>
           </a:p>
         </p:txBody>
       </p:sp>
@@ -5783,41 +6586,325 @@
         </p:nvSpPr>
         <p:spPr>
           <a:xfrm>
-            <a:off x="1792288" y="4800600"/>
-            <a:ext cx="5486400" cy="566738"/>
+            <a:off x="914400" y="4900550"/>
+            <a:ext cx="7315200" cy="522288"/>
           </a:xfrm>
         </p:spPr>
         <p:txBody>
-          <a:bodyPr anchor="b"/>
+          <a:bodyPr anchor="ctr">
+            <a:noAutofit/>
+          </a:bodyPr>
           <a:lstStyle>
             <a:lvl1pPr algn="l">
-              <a:defRPr sz="2000" b="1"/>
+              <a:buNone/>
+              <a:defRPr sz="2800" b="0"/>
             </a:lvl1pPr>
           </a:lstStyle>
           <a:p>
             <a:r>
-              <a:rPr lang="de-DE" smtClean="0"/>
+              <a:rPr kumimoji="0" lang="de-DE" smtClean="0"/>
               <a:t>Titelmasterformat durch Klicken bearbeiten</a:t>
             </a:r>
-            <a:endParaRPr lang="de-DE"/>
-          </a:p>
-        </p:txBody>
-      </p:sp>
-      <p:sp>
-        <p:nvSpPr>
-          <p:cNvPr id="3" name="Bildplatzhalter 2"/>
-          <p:cNvSpPr>
-            <a:spLocks noGrp="1"/>
-          </p:cNvSpPr>
-          <p:nvPr>
-            <p:ph type="pic" idx="1"/>
+            <a:endParaRPr kumimoji="0" lang="en-US"/>
+          </a:p>
+        </p:txBody>
+      </p:sp>
+      <p:sp>
+        <p:nvSpPr>
+          <p:cNvPr id="4" name="Textplatzhalter 3"/>
+          <p:cNvSpPr>
+            <a:spLocks noGrp="1"/>
+          </p:cNvSpPr>
+          <p:nvPr>
+            <p:ph type="body" sz="half" idx="2"/>
           </p:nvPr>
         </p:nvSpPr>
         <p:spPr>
           <a:xfrm>
-            <a:off x="1792288" y="612775"/>
-            <a:ext cx="5486400" cy="4114800"/>
+            <a:off x="914400" y="5445825"/>
+            <a:ext cx="7315200" cy="685800"/>
           </a:xfrm>
+        </p:spPr>
+        <p:txBody>
+          <a:bodyPr/>
+          <a:lstStyle>
+            <a:lvl1pPr marL="0" indent="0">
+              <a:buFontTx/>
+              <a:buNone/>
+              <a:defRPr sz="1600"/>
+            </a:lvl1pPr>
+            <a:lvl2pPr>
+              <a:defRPr sz="1200"/>
+            </a:lvl2pPr>
+            <a:lvl3pPr>
+              <a:defRPr sz="1000"/>
+            </a:lvl3pPr>
+            <a:lvl4pPr>
+              <a:defRPr sz="900"/>
+            </a:lvl4pPr>
+            <a:lvl5pPr>
+              <a:defRPr sz="900"/>
+            </a:lvl5pPr>
+          </a:lstStyle>
+          <a:p>
+            <a:pPr lvl="0" eaLnBrk="1" latinLnBrk="0" hangingPunct="1"/>
+            <a:r>
+              <a:rPr kumimoji="0" lang="de-DE" smtClean="0"/>
+              <a:t>Textmasterformat bearbeiten</a:t>
+            </a:r>
+          </a:p>
+        </p:txBody>
+      </p:sp>
+      <p:sp>
+        <p:nvSpPr>
+          <p:cNvPr id="5" name="Datumsplatzhalter 4"/>
+          <p:cNvSpPr>
+            <a:spLocks noGrp="1"/>
+          </p:cNvSpPr>
+          <p:nvPr>
+            <p:ph type="dt" sz="half" idx="10"/>
+          </p:nvPr>
+        </p:nvSpPr>
+        <p:spPr/>
+        <p:txBody>
+          <a:bodyPr/>
+          <a:lstStyle/>
+          <a:p>
+            <a:fld id="{79B090FD-B66B-40F5-837D-2C30DA5AF58A}" type="datetime1">
+              <a:rPr lang="de-DE" smtClean="0"/>
+              <a:t>09.12.2018</a:t>
+            </a:fld>
+            <a:endParaRPr lang="de-DE"/>
+          </a:p>
+        </p:txBody>
+      </p:sp>
+      <p:sp>
+        <p:nvSpPr>
+          <p:cNvPr id="6" name="Fußzeilenplatzhalter 5"/>
+          <p:cNvSpPr>
+            <a:spLocks noGrp="1"/>
+          </p:cNvSpPr>
+          <p:nvPr>
+            <p:ph type="ftr" sz="quarter" idx="11"/>
+          </p:nvPr>
+        </p:nvSpPr>
+        <p:spPr>
+          <a:xfrm>
+            <a:off x="914400" y="6172200"/>
+            <a:ext cx="3886200" cy="457200"/>
+          </a:xfrm>
+        </p:spPr>
+        <p:txBody>
+          <a:bodyPr/>
+          <a:lstStyle/>
+          <a:p>
+            <a:r>
+              <a:rPr lang="de-DE" smtClean="0"/>
+              <a:t>Zitaterfassung - Lars Baumgarten, Tim Rumrich, Pascal Schmotz</a:t>
+            </a:r>
+            <a:endParaRPr lang="de-DE"/>
+          </a:p>
+        </p:txBody>
+      </p:sp>
+      <p:sp>
+        <p:nvSpPr>
+          <p:cNvPr id="7" name="Foliennummernplatzhalter 6"/>
+          <p:cNvSpPr>
+            <a:spLocks noGrp="1"/>
+          </p:cNvSpPr>
+          <p:nvPr>
+            <p:ph type="sldNum" sz="quarter" idx="12"/>
+          </p:nvPr>
+        </p:nvSpPr>
+        <p:spPr>
+          <a:xfrm>
+            <a:off x="146304" y="6208776"/>
+            <a:ext cx="457200" cy="457200"/>
+          </a:xfrm>
+        </p:spPr>
+        <p:txBody>
+          <a:bodyPr/>
+          <a:lstStyle/>
+          <a:p>
+            <a:fld id="{6C6AE60A-B69C-4790-82F7-3882EDF23186}" type="slidenum">
+              <a:rPr lang="de-DE" smtClean="0"/>
+              <a:t>‹Nr.›</a:t>
+            </a:fld>
+            <a:endParaRPr lang="de-DE"/>
+          </a:p>
+        </p:txBody>
+      </p:sp>
+      <p:sp>
+        <p:nvSpPr>
+          <p:cNvPr id="11" name="Rechteck 10"/>
+          <p:cNvSpPr/>
+          <p:nvPr/>
+        </p:nvSpPr>
+        <p:spPr>
+          <a:xfrm flipV="1">
+            <a:off x="68307" y="4683555"/>
+            <a:ext cx="9006840" cy="91440"/>
+          </a:xfrm>
+          <a:prstGeom prst="rect">
+            <a:avLst/>
+          </a:prstGeom>
+          <a:solidFill>
+            <a:schemeClr val="accent1">
+              <a:alpha val="100000"/>
+            </a:schemeClr>
+          </a:solidFill>
+          <a:ln w="19050" cap="sq" cmpd="sng" algn="ctr">
+            <a:noFill/>
+            <a:prstDash val="solid"/>
+          </a:ln>
+          <a:effectLst/>
+        </p:spPr>
+        <p:style>
+          <a:lnRef idx="3">
+            <a:schemeClr val="lt1"/>
+          </a:lnRef>
+          <a:fillRef idx="1">
+            <a:schemeClr val="accent1"/>
+          </a:fillRef>
+          <a:effectRef idx="1">
+            <a:schemeClr val="accent1"/>
+          </a:effectRef>
+          <a:fontRef idx="minor">
+            <a:schemeClr val="lt1"/>
+          </a:fontRef>
+        </p:style>
+        <p:txBody>
+          <a:bodyPr anchor="ctr"/>
+          <a:lstStyle/>
+          <a:p>
+            <a:pPr algn="ctr" eaLnBrk="1" latinLnBrk="0" hangingPunct="1"/>
+            <a:endParaRPr kumimoji="0" lang="en-US"/>
+          </a:p>
+        </p:txBody>
+      </p:sp>
+      <p:sp>
+        <p:nvSpPr>
+          <p:cNvPr id="12" name="Rechteck 11"/>
+          <p:cNvSpPr/>
+          <p:nvPr/>
+        </p:nvSpPr>
+        <p:spPr>
+          <a:xfrm>
+            <a:off x="68508" y="4650474"/>
+            <a:ext cx="9006639" cy="45719"/>
+          </a:xfrm>
+          <a:prstGeom prst="rect">
+            <a:avLst/>
+          </a:prstGeom>
+          <a:solidFill>
+            <a:schemeClr val="accent1">
+              <a:tint val="60000"/>
+            </a:schemeClr>
+          </a:solidFill>
+          <a:ln w="19050" cap="sq" cmpd="sng" algn="ctr">
+            <a:noFill/>
+            <a:prstDash val="solid"/>
+          </a:ln>
+          <a:effectLst/>
+        </p:spPr>
+        <p:style>
+          <a:lnRef idx="3">
+            <a:schemeClr val="lt1"/>
+          </a:lnRef>
+          <a:fillRef idx="1">
+            <a:schemeClr val="accent1"/>
+          </a:fillRef>
+          <a:effectRef idx="1">
+            <a:schemeClr val="accent1"/>
+          </a:effectRef>
+          <a:fontRef idx="minor">
+            <a:schemeClr val="lt1"/>
+          </a:fontRef>
+        </p:style>
+        <p:txBody>
+          <a:bodyPr anchor="ctr"/>
+          <a:lstStyle/>
+          <a:p>
+            <a:pPr algn="ctr" eaLnBrk="1" latinLnBrk="0" hangingPunct="1"/>
+            <a:endParaRPr kumimoji="0" lang="en-US"/>
+          </a:p>
+        </p:txBody>
+      </p:sp>
+      <p:sp>
+        <p:nvSpPr>
+          <p:cNvPr id="13" name="Rechteck 12"/>
+          <p:cNvSpPr/>
+          <p:nvPr/>
+        </p:nvSpPr>
+        <p:spPr>
+          <a:xfrm>
+            <a:off x="68510" y="4773224"/>
+            <a:ext cx="9006637" cy="48807"/>
+          </a:xfrm>
+          <a:prstGeom prst="rect">
+            <a:avLst/>
+          </a:prstGeom>
+          <a:solidFill>
+            <a:schemeClr val="accent5"/>
+          </a:solidFill>
+          <a:ln w="19050" cap="sq" cmpd="sng" algn="ctr">
+            <a:noFill/>
+            <a:prstDash val="solid"/>
+          </a:ln>
+          <a:effectLst/>
+        </p:spPr>
+        <p:style>
+          <a:lnRef idx="3">
+            <a:schemeClr val="lt1"/>
+          </a:lnRef>
+          <a:fillRef idx="1">
+            <a:schemeClr val="accent1"/>
+          </a:fillRef>
+          <a:effectRef idx="1">
+            <a:schemeClr val="accent1"/>
+          </a:effectRef>
+          <a:fontRef idx="minor">
+            <a:schemeClr val="lt1"/>
+          </a:fontRef>
+        </p:style>
+        <p:txBody>
+          <a:bodyPr anchor="ctr"/>
+          <a:lstStyle/>
+          <a:p>
+            <a:pPr algn="ctr" eaLnBrk="1" latinLnBrk="0" hangingPunct="1"/>
+            <a:endParaRPr kumimoji="0" lang="en-US"/>
+          </a:p>
+        </p:txBody>
+      </p:sp>
+      <p:sp>
+        <p:nvSpPr>
+          <p:cNvPr id="3" name="Bildplatzhalter 2"/>
+          <p:cNvSpPr>
+            <a:spLocks noGrp="1"/>
+          </p:cNvSpPr>
+          <p:nvPr>
+            <p:ph type="pic" idx="1"/>
+          </p:nvPr>
+        </p:nvSpPr>
+        <p:spPr>
+          <a:xfrm>
+            <a:off x="68308" y="66675"/>
+            <a:ext cx="9001873" cy="4581525"/>
+          </a:xfrm>
+          <a:prstGeom prst="round2SameRect">
+            <a:avLst>
+              <a:gd name="adj1" fmla="val 7101"/>
+              <a:gd name="adj2" fmla="val 0"/>
+            </a:avLst>
+          </a:prstGeom>
+          <a:solidFill>
+            <a:schemeClr val="bg2"/>
+          </a:solidFill>
+          <a:ln w="6350">
+            <a:solidFill>
+              <a:schemeClr val="tx1"/>
+            </a:solidFill>
+          </a:ln>
         </p:spPr>
         <p:txBody>
           <a:bodyPr/>
@@ -5826,171 +6913,13 @@
               <a:buNone/>
               <a:defRPr sz="3200"/>
             </a:lvl1pPr>
-            <a:lvl2pPr marL="457200" indent="0">
-              <a:buNone/>
-              <a:defRPr sz="2800"/>
-            </a:lvl2pPr>
-            <a:lvl3pPr marL="914400" indent="0">
-              <a:buNone/>
-              <a:defRPr sz="2400"/>
-            </a:lvl3pPr>
-            <a:lvl4pPr marL="1371600" indent="0">
-              <a:buNone/>
-              <a:defRPr sz="2000"/>
-            </a:lvl4pPr>
-            <a:lvl5pPr marL="1828800" indent="0">
-              <a:buNone/>
-              <a:defRPr sz="2000"/>
-            </a:lvl5pPr>
-            <a:lvl6pPr marL="2286000" indent="0">
-              <a:buNone/>
-              <a:defRPr sz="2000"/>
-            </a:lvl6pPr>
-            <a:lvl7pPr marL="2743200" indent="0">
-              <a:buNone/>
-              <a:defRPr sz="2000"/>
-            </a:lvl7pPr>
-            <a:lvl8pPr marL="3200400" indent="0">
-              <a:buNone/>
-              <a:defRPr sz="2000"/>
-            </a:lvl8pPr>
-            <a:lvl9pPr marL="3657600" indent="0">
-              <a:buNone/>
-              <a:defRPr sz="2000"/>
-            </a:lvl9pPr>
           </a:lstStyle>
           <a:p>
-            <a:endParaRPr lang="de-DE"/>
-          </a:p>
-        </p:txBody>
-      </p:sp>
-      <p:sp>
-        <p:nvSpPr>
-          <p:cNvPr id="4" name="Textplatzhalter 3"/>
-          <p:cNvSpPr>
-            <a:spLocks noGrp="1"/>
-          </p:cNvSpPr>
-          <p:nvPr>
-            <p:ph type="body" sz="half" idx="2"/>
-          </p:nvPr>
-        </p:nvSpPr>
-        <p:spPr>
-          <a:xfrm>
-            <a:off x="1792288" y="5367338"/>
-            <a:ext cx="5486400" cy="804862"/>
-          </a:xfrm>
-        </p:spPr>
-        <p:txBody>
-          <a:bodyPr/>
-          <a:lstStyle>
-            <a:lvl1pPr marL="0" indent="0">
-              <a:buNone/>
-              <a:defRPr sz="1400"/>
-            </a:lvl1pPr>
-            <a:lvl2pPr marL="457200" indent="0">
-              <a:buNone/>
-              <a:defRPr sz="1200"/>
-            </a:lvl2pPr>
-            <a:lvl3pPr marL="914400" indent="0">
-              <a:buNone/>
-              <a:defRPr sz="1000"/>
-            </a:lvl3pPr>
-            <a:lvl4pPr marL="1371600" indent="0">
-              <a:buNone/>
-              <a:defRPr sz="900"/>
-            </a:lvl4pPr>
-            <a:lvl5pPr marL="1828800" indent="0">
-              <a:buNone/>
-              <a:defRPr sz="900"/>
-            </a:lvl5pPr>
-            <a:lvl6pPr marL="2286000" indent="0">
-              <a:buNone/>
-              <a:defRPr sz="900"/>
-            </a:lvl6pPr>
-            <a:lvl7pPr marL="2743200" indent="0">
-              <a:buNone/>
-              <a:defRPr sz="900"/>
-            </a:lvl7pPr>
-            <a:lvl8pPr marL="3200400" indent="0">
-              <a:buNone/>
-              <a:defRPr sz="900"/>
-            </a:lvl8pPr>
-            <a:lvl9pPr marL="3657600" indent="0">
-              <a:buNone/>
-              <a:defRPr sz="900"/>
-            </a:lvl9pPr>
-          </a:lstStyle>
-          <a:p>
-            <a:pPr lvl="0"/>
-            <a:r>
-              <a:rPr lang="de-DE" smtClean="0"/>
-              <a:t>Textmasterformate durch Klicken bearbeiten</a:t>
-            </a:r>
-          </a:p>
-        </p:txBody>
-      </p:sp>
-      <p:sp>
-        <p:nvSpPr>
-          <p:cNvPr id="5" name="Datumsplatzhalter 4"/>
-          <p:cNvSpPr>
-            <a:spLocks noGrp="1"/>
-          </p:cNvSpPr>
-          <p:nvPr>
-            <p:ph type="dt" sz="half" idx="10"/>
-          </p:nvPr>
-        </p:nvSpPr>
-        <p:spPr/>
-        <p:txBody>
-          <a:bodyPr/>
-          <a:lstStyle/>
-          <a:p>
-            <a:fld id="{1BA50D42-C9CD-4801-B293-61D1F53EC57E}" type="datetimeFigureOut">
-              <a:rPr lang="de-DE" smtClean="0"/>
-              <a:t>06.12.2018</a:t>
-            </a:fld>
-            <a:endParaRPr lang="de-DE"/>
-          </a:p>
-        </p:txBody>
-      </p:sp>
-      <p:sp>
-        <p:nvSpPr>
-          <p:cNvPr id="6" name="Fußzeilenplatzhalter 5"/>
-          <p:cNvSpPr>
-            <a:spLocks noGrp="1"/>
-          </p:cNvSpPr>
-          <p:nvPr>
-            <p:ph type="ftr" sz="quarter" idx="11"/>
-          </p:nvPr>
-        </p:nvSpPr>
-        <p:spPr/>
-        <p:txBody>
-          <a:bodyPr/>
-          <a:lstStyle/>
-          <a:p>
-            <a:endParaRPr lang="de-DE"/>
-          </a:p>
-        </p:txBody>
-      </p:sp>
-      <p:sp>
-        <p:nvSpPr>
-          <p:cNvPr id="7" name="Foliennummernplatzhalter 6"/>
-          <p:cNvSpPr>
-            <a:spLocks noGrp="1"/>
-          </p:cNvSpPr>
-          <p:nvPr>
-            <p:ph type="sldNum" sz="quarter" idx="12"/>
-          </p:nvPr>
-        </p:nvSpPr>
-        <p:spPr/>
-        <p:txBody>
-          <a:bodyPr/>
-          <a:lstStyle/>
-          <a:p>
-            <a:fld id="{6C6AE60A-B69C-4790-82F7-3882EDF23186}" type="slidenum">
-              <a:rPr lang="de-DE" smtClean="0"/>
-              <a:t>‹Nr.›</a:t>
-            </a:fld>
-            <a:endParaRPr lang="de-DE"/>
+            <a:r>
+              <a:rPr kumimoji="0" lang="de-DE" smtClean="0"/>
+              <a:t>Bild durch Klicken auf Symbol hinzufügen</a:t>
+            </a:r>
+            <a:endParaRPr kumimoji="0" lang="en-US" dirty="0"/>
           </a:p>
         </p:txBody>
       </p:sp>
@@ -6026,40 +6955,134 @@
       </p:grpSpPr>
       <p:sp>
         <p:nvSpPr>
-          <p:cNvPr id="2" name="Titelplatzhalter 1"/>
-          <p:cNvSpPr>
-            <a:spLocks noGrp="1"/>
-          </p:cNvSpPr>
-          <p:nvPr>
-            <p:ph type="title"/>
-          </p:nvPr>
+          <p:cNvPr id="9" name="Rechteck 8"/>
+          <p:cNvSpPr/>
+          <p:nvPr/>
         </p:nvSpPr>
         <p:spPr>
           <a:xfrm>
-            <a:off x="457200" y="274638"/>
-            <a:ext cx="8229600" cy="1143000"/>
+            <a:off x="0" y="0"/>
+            <a:ext cx="9144000" cy="6858000"/>
+          </a:xfrm>
+          <a:prstGeom prst="rect">
+            <a:avLst/>
+          </a:prstGeom>
+          <a:solidFill>
+            <a:srgbClr val="FFFFFF"/>
+          </a:solidFill>
+          <a:ln w="12700" cap="flat" cmpd="sng" algn="ctr">
+            <a:noFill/>
+            <a:prstDash val="solid"/>
+          </a:ln>
+        </p:spPr>
+        <p:style>
+          <a:lnRef idx="2">
+            <a:schemeClr val="accent1"/>
+          </a:lnRef>
+          <a:fillRef idx="1">
+            <a:schemeClr val="accent1"/>
+          </a:fillRef>
+          <a:effectRef idx="0">
+            <a:schemeClr val="accent1"/>
+          </a:effectRef>
+          <a:fontRef idx="minor">
+            <a:schemeClr val="lt1"/>
+          </a:fontRef>
+        </p:style>
+        <p:txBody>
+          <a:bodyPr rtlCol="0" anchor="ctr"/>
+          <a:lstStyle/>
+          <a:p>
+            <a:pPr algn="ctr" eaLnBrk="1" latinLnBrk="0" hangingPunct="1"/>
+            <a:endParaRPr kumimoji="0" lang="en-US"/>
+          </a:p>
+        </p:txBody>
+      </p:sp>
+      <p:sp useBgFill="1">
+        <p:nvSpPr>
+          <p:cNvPr id="8" name="Abgerundetes Rechteck 7"/>
+          <p:cNvSpPr/>
+          <p:nvPr/>
+        </p:nvSpPr>
+        <p:spPr>
+          <a:xfrm>
+            <a:off x="64008" y="69755"/>
+            <a:ext cx="9013372" cy="6693408"/>
+          </a:xfrm>
+          <a:prstGeom prst="roundRect">
+            <a:avLst>
+              <a:gd name="adj" fmla="val 4929"/>
+            </a:avLst>
+          </a:prstGeom>
+          <a:ln w="6350" cap="sq" cmpd="sng" algn="ctr">
+            <a:solidFill>
+              <a:schemeClr val="tx1">
+                <a:alpha val="100000"/>
+              </a:schemeClr>
+            </a:solidFill>
+            <a:prstDash val="solid"/>
+          </a:ln>
+          <a:effectLst/>
+        </p:spPr>
+        <p:style>
+          <a:lnRef idx="3">
+            <a:schemeClr val="lt1"/>
+          </a:lnRef>
+          <a:fillRef idx="1001">
+            <a:schemeClr val="lt1"/>
+          </a:fillRef>
+          <a:effectRef idx="1">
+            <a:schemeClr val="accent1"/>
+          </a:effectRef>
+          <a:fontRef idx="minor">
+            <a:schemeClr val="lt1"/>
+          </a:fontRef>
+        </p:style>
+        <p:txBody>
+          <a:bodyPr anchor="ctr"/>
+          <a:lstStyle/>
+          <a:p>
+            <a:pPr algn="ctr" eaLnBrk="1" latinLnBrk="0" hangingPunct="1"/>
+            <a:endParaRPr kumimoji="0" lang="en-US"/>
+          </a:p>
+        </p:txBody>
+      </p:sp>
+      <p:sp>
+        <p:nvSpPr>
+          <p:cNvPr id="22" name="Titelplatzhalter 21"/>
+          <p:cNvSpPr>
+            <a:spLocks noGrp="1"/>
+          </p:cNvSpPr>
+          <p:nvPr>
+            <p:ph type="title"/>
+          </p:nvPr>
+        </p:nvSpPr>
+        <p:spPr>
+          <a:xfrm>
+            <a:off x="914400" y="274638"/>
+            <a:ext cx="7772400" cy="1143000"/>
           </a:xfrm>
           <a:prstGeom prst="rect">
             <a:avLst/>
           </a:prstGeom>
         </p:spPr>
         <p:txBody>
-          <a:bodyPr vert="horz" lIns="91440" tIns="45720" rIns="91440" bIns="45720" rtlCol="0" anchor="ctr">
+          <a:bodyPr bIns="91440" anchor="b" anchorCtr="0">
             <a:normAutofit/>
           </a:bodyPr>
           <a:lstStyle/>
           <a:p>
             <a:r>
-              <a:rPr lang="de-DE" smtClean="0"/>
+              <a:rPr kumimoji="0" lang="de-DE" smtClean="0"/>
               <a:t>Titelmasterformat durch Klicken bearbeiten</a:t>
             </a:r>
-            <a:endParaRPr lang="de-DE"/>
-          </a:p>
-        </p:txBody>
-      </p:sp>
-      <p:sp>
-        <p:nvSpPr>
-          <p:cNvPr id="3" name="Textplatzhalter 2"/>
+            <a:endParaRPr kumimoji="0" lang="en-US"/>
+          </a:p>
+        </p:txBody>
+      </p:sp>
+      <p:sp>
+        <p:nvSpPr>
+          <p:cNvPr id="13" name="Textplatzhalter 12"/>
           <p:cNvSpPr>
             <a:spLocks noGrp="1"/>
           </p:cNvSpPr>
@@ -6069,59 +7092,59 @@
         </p:nvSpPr>
         <p:spPr>
           <a:xfrm>
-            <a:off x="457200" y="1600200"/>
-            <a:ext cx="8229600" cy="4525963"/>
+            <a:off x="914400" y="1447800"/>
+            <a:ext cx="7772400" cy="4572000"/>
           </a:xfrm>
           <a:prstGeom prst="rect">
             <a:avLst/>
           </a:prstGeom>
         </p:spPr>
         <p:txBody>
-          <a:bodyPr vert="horz" lIns="91440" tIns="45720" rIns="91440" bIns="45720" rtlCol="0">
+          <a:bodyPr>
             <a:normAutofit/>
           </a:bodyPr>
           <a:lstStyle/>
           <a:p>
-            <a:pPr lvl="0"/>
-            <a:r>
-              <a:rPr lang="de-DE" smtClean="0"/>
-              <a:t>Textmasterformate durch Klicken bearbeiten</a:t>
-            </a:r>
-          </a:p>
-          <a:p>
-            <a:pPr lvl="1"/>
-            <a:r>
-              <a:rPr lang="de-DE" smtClean="0"/>
+            <a:pPr lvl="0" eaLnBrk="1" latinLnBrk="0" hangingPunct="1"/>
+            <a:r>
+              <a:rPr kumimoji="0" lang="de-DE" smtClean="0"/>
+              <a:t>Textmasterformat bearbeiten</a:t>
+            </a:r>
+          </a:p>
+          <a:p>
+            <a:pPr lvl="1" eaLnBrk="1" latinLnBrk="0" hangingPunct="1"/>
+            <a:r>
+              <a:rPr kumimoji="0" lang="de-DE" smtClean="0"/>
               <a:t>Zweite Ebene</a:t>
             </a:r>
           </a:p>
           <a:p>
-            <a:pPr lvl="2"/>
-            <a:r>
-              <a:rPr lang="de-DE" smtClean="0"/>
+            <a:pPr lvl="2" eaLnBrk="1" latinLnBrk="0" hangingPunct="1"/>
+            <a:r>
+              <a:rPr kumimoji="0" lang="de-DE" smtClean="0"/>
               <a:t>Dritte Ebene</a:t>
             </a:r>
           </a:p>
           <a:p>
-            <a:pPr lvl="3"/>
-            <a:r>
-              <a:rPr lang="de-DE" smtClean="0"/>
+            <a:pPr lvl="3" eaLnBrk="1" latinLnBrk="0" hangingPunct="1"/>
+            <a:r>
+              <a:rPr kumimoji="0" lang="de-DE" smtClean="0"/>
               <a:t>Vierte Ebene</a:t>
             </a:r>
           </a:p>
           <a:p>
-            <a:pPr lvl="4"/>
-            <a:r>
-              <a:rPr lang="de-DE" smtClean="0"/>
+            <a:pPr lvl="4" eaLnBrk="1" latinLnBrk="0" hangingPunct="1"/>
+            <a:r>
+              <a:rPr kumimoji="0" lang="de-DE" smtClean="0"/>
               <a:t>Fünfte Ebene</a:t>
             </a:r>
-            <a:endParaRPr lang="de-DE"/>
-          </a:p>
-        </p:txBody>
-      </p:sp>
-      <p:sp>
-        <p:nvSpPr>
-          <p:cNvPr id="4" name="Datumsplatzhalter 3"/>
+            <a:endParaRPr kumimoji="0" lang="en-US"/>
+          </a:p>
+        </p:txBody>
+      </p:sp>
+      <p:sp>
+        <p:nvSpPr>
+          <p:cNvPr id="14" name="Datumsplatzhalter 13"/>
           <p:cNvSpPr>
             <a:spLocks noGrp="1"/>
           </p:cNvSpPr>
@@ -6131,30 +7154,28 @@
         </p:nvSpPr>
         <p:spPr>
           <a:xfrm>
-            <a:off x="457200" y="6356350"/>
-            <a:ext cx="2133600" cy="365125"/>
+            <a:off x="6172200" y="6191250"/>
+            <a:ext cx="2476500" cy="476250"/>
           </a:xfrm>
           <a:prstGeom prst="rect">
             <a:avLst/>
           </a:prstGeom>
         </p:spPr>
         <p:txBody>
-          <a:bodyPr vert="horz" lIns="91440" tIns="45720" rIns="91440" bIns="45720" rtlCol="0" anchor="ctr"/>
+          <a:bodyPr anchor="ctr" anchorCtr="0"/>
           <a:lstStyle>
-            <a:lvl1pPr algn="l">
-              <a:defRPr sz="1200">
+            <a:lvl1pPr algn="r" eaLnBrk="1" latinLnBrk="0" hangingPunct="1">
+              <a:defRPr kumimoji="0" sz="1400">
                 <a:solidFill>
-                  <a:schemeClr val="tx1">
-                    <a:tint val="75000"/>
-                  </a:schemeClr>
+                  <a:schemeClr val="tx2"/>
                 </a:solidFill>
               </a:defRPr>
             </a:lvl1pPr>
           </a:lstStyle>
           <a:p>
-            <a:fld id="{1BA50D42-C9CD-4801-B293-61D1F53EC57E}" type="datetimeFigureOut">
+            <a:fld id="{9F887E31-7385-423F-8A2E-DA6CAFE367D6}" type="datetime1">
               <a:rPr lang="de-DE" smtClean="0"/>
-              <a:t>06.12.2018</a:t>
+              <a:t>09.12.2018</a:t>
             </a:fld>
             <a:endParaRPr lang="de-DE"/>
           </a:p>
@@ -6162,7 +7183,7 @@
       </p:sp>
       <p:sp>
         <p:nvSpPr>
-          <p:cNvPr id="5" name="Fußzeilenplatzhalter 4"/>
+          <p:cNvPr id="3" name="Fußzeilenplatzhalter 2"/>
           <p:cNvSpPr>
             <a:spLocks noGrp="1"/>
           </p:cNvSpPr>
@@ -6172,34 +7193,36 @@
         </p:nvSpPr>
         <p:spPr>
           <a:xfrm>
-            <a:off x="3124200" y="6356350"/>
-            <a:ext cx="2895600" cy="365125"/>
+            <a:off x="914400" y="6172200"/>
+            <a:ext cx="3962400" cy="457200"/>
           </a:xfrm>
           <a:prstGeom prst="rect">
             <a:avLst/>
           </a:prstGeom>
         </p:spPr>
         <p:txBody>
-          <a:bodyPr vert="horz" lIns="91440" tIns="45720" rIns="91440" bIns="45720" rtlCol="0" anchor="ctr"/>
+          <a:bodyPr anchor="ctr" anchorCtr="0"/>
           <a:lstStyle>
-            <a:lvl1pPr algn="ctr">
-              <a:defRPr sz="1200">
+            <a:lvl1pPr eaLnBrk="1" latinLnBrk="0" hangingPunct="1">
+              <a:defRPr kumimoji="0" sz="1400">
                 <a:solidFill>
-                  <a:schemeClr val="tx1">
-                    <a:tint val="75000"/>
-                  </a:schemeClr>
+                  <a:schemeClr val="tx2"/>
                 </a:solidFill>
               </a:defRPr>
             </a:lvl1pPr>
           </a:lstStyle>
           <a:p>
+            <a:r>
+              <a:rPr lang="de-DE" smtClean="0"/>
+              <a:t>Zitaterfassung - Lars Baumgarten, Tim Rumrich, Pascal Schmotz</a:t>
+            </a:r>
             <a:endParaRPr lang="de-DE"/>
           </a:p>
         </p:txBody>
       </p:sp>
       <p:sp>
         <p:nvSpPr>
-          <p:cNvPr id="6" name="Foliennummernplatzhalter 5"/>
+          <p:cNvPr id="23" name="Foliennummernplatzhalter 22"/>
           <p:cNvSpPr>
             <a:spLocks noGrp="1"/>
           </p:cNvSpPr>
@@ -6209,23 +7232,29 @@
         </p:nvSpPr>
         <p:spPr>
           <a:xfrm>
-            <a:off x="6553200" y="6356350"/>
-            <a:ext cx="2133600" cy="365125"/>
+            <a:off x="146304" y="6210300"/>
+            <a:ext cx="457200" cy="457200"/>
           </a:xfrm>
-          <a:prstGeom prst="rect">
+          <a:prstGeom prst="ellipse">
             <a:avLst/>
           </a:prstGeom>
+          <a:solidFill>
+            <a:schemeClr val="accent1"/>
+          </a:solidFill>
         </p:spPr>
         <p:txBody>
-          <a:bodyPr vert="horz" lIns="91440" tIns="45720" rIns="91440" bIns="45720" rtlCol="0" anchor="ctr"/>
+          <a:bodyPr wrap="none" lIns="0" tIns="0" rIns="0" bIns="0" anchor="ctr" anchorCtr="1">
+            <a:noAutofit/>
+          </a:bodyPr>
           <a:lstStyle>
-            <a:lvl1pPr algn="r">
-              <a:defRPr sz="1200">
+            <a:lvl1pPr algn="ctr" eaLnBrk="1" latinLnBrk="0" hangingPunct="1">
+              <a:defRPr kumimoji="0" sz="1400">
                 <a:solidFill>
-                  <a:schemeClr val="tx1">
-                    <a:tint val="75000"/>
-                  </a:schemeClr>
+                  <a:srgbClr val="FFFFFF"/>
                 </a:solidFill>
+                <a:latin typeface="+mj-lt"/>
+                <a:ea typeface="+mj-ea"/>
+                <a:cs typeface="+mj-cs"/>
               </a:defRPr>
             </a:lvl1pPr>
           </a:lstStyle>
@@ -6242,28 +7271,29 @@
   </p:cSld>
   <p:clrMap bg1="lt1" tx1="dk1" bg2="lt2" tx2="dk2" accent1="accent1" accent2="accent2" accent3="accent3" accent4="accent4" accent5="accent5" accent6="accent6" hlink="hlink" folHlink="folHlink"/>
   <p:sldLayoutIdLst>
-    <p:sldLayoutId id="2147483649" r:id="rId1"/>
-    <p:sldLayoutId id="2147483650" r:id="rId2"/>
-    <p:sldLayoutId id="2147483651" r:id="rId3"/>
-    <p:sldLayoutId id="2147483652" r:id="rId4"/>
-    <p:sldLayoutId id="2147483653" r:id="rId5"/>
-    <p:sldLayoutId id="2147483654" r:id="rId6"/>
-    <p:sldLayoutId id="2147483655" r:id="rId7"/>
-    <p:sldLayoutId id="2147483656" r:id="rId8"/>
-    <p:sldLayoutId id="2147483657" r:id="rId9"/>
-    <p:sldLayoutId id="2147483658" r:id="rId10"/>
-    <p:sldLayoutId id="2147483659" r:id="rId11"/>
+    <p:sldLayoutId id="2147483661" r:id="rId1"/>
+    <p:sldLayoutId id="2147483662" r:id="rId2"/>
+    <p:sldLayoutId id="2147483663" r:id="rId3"/>
+    <p:sldLayoutId id="2147483664" r:id="rId4"/>
+    <p:sldLayoutId id="2147483665" r:id="rId5"/>
+    <p:sldLayoutId id="2147483666" r:id="rId6"/>
+    <p:sldLayoutId id="2147483667" r:id="rId7"/>
+    <p:sldLayoutId id="2147483668" r:id="rId8"/>
+    <p:sldLayoutId id="2147483669" r:id="rId9"/>
+    <p:sldLayoutId id="2147483670" r:id="rId10"/>
+    <p:sldLayoutId id="2147483671" r:id="rId11"/>
   </p:sldLayoutIdLst>
+  <p:hf hdr="0"/>
   <p:txStyles>
     <p:titleStyle>
-      <a:lvl1pPr algn="ctr" defTabSz="914400" rtl="0" eaLnBrk="1" latinLnBrk="0" hangingPunct="1">
+      <a:lvl1pPr algn="l" rtl="0" eaLnBrk="1" latinLnBrk="0" hangingPunct="1">
         <a:spcBef>
           <a:spcPct val="0"/>
         </a:spcBef>
         <a:buNone/>
-        <a:defRPr sz="4400" kern="1200">
+        <a:defRPr kumimoji="0" sz="4000" kern="1200">
           <a:solidFill>
-            <a:schemeClr val="tx1"/>
+            <a:schemeClr val="tx2"/>
           </a:solidFill>
           <a:latin typeface="+mj-lt"/>
           <a:ea typeface="+mj-ea"/>
@@ -6272,13 +7302,17 @@
       </a:lvl1pPr>
     </p:titleStyle>
     <p:bodyStyle>
-      <a:lvl1pPr marL="342900" indent="-342900" algn="l" defTabSz="914400" rtl="0" eaLnBrk="1" latinLnBrk="0" hangingPunct="1">
+      <a:lvl1pPr marL="274320" indent="-274320" algn="l" rtl="0" eaLnBrk="1" latinLnBrk="0" hangingPunct="1">
         <a:spcBef>
-          <a:spcPct val="20000"/>
+          <a:spcPts val="580"/>
         </a:spcBef>
-        <a:buFont typeface="Arial" pitchFamily="34" charset="0"/>
-        <a:buChar char="•"/>
-        <a:defRPr sz="3200" kern="1200">
+        <a:buClr>
+          <a:schemeClr val="accent1"/>
+        </a:buClr>
+        <a:buSzPct val="85000"/>
+        <a:buFont typeface="Wingdings 2"/>
+        <a:buChar char=""/>
+        <a:defRPr kumimoji="0" sz="2600" kern="1200">
           <a:solidFill>
             <a:schemeClr val="tx1"/>
           </a:solidFill>
@@ -6287,13 +7321,17 @@
           <a:cs typeface="+mn-cs"/>
         </a:defRPr>
       </a:lvl1pPr>
-      <a:lvl2pPr marL="742950" indent="-285750" algn="l" defTabSz="914400" rtl="0" eaLnBrk="1" latinLnBrk="0" hangingPunct="1">
+      <a:lvl2pPr marL="548640" indent="-228600" algn="l" rtl="0" eaLnBrk="1" latinLnBrk="0" hangingPunct="1">
         <a:spcBef>
-          <a:spcPct val="20000"/>
+          <a:spcPts val="370"/>
         </a:spcBef>
-        <a:buFont typeface="Arial" pitchFamily="34" charset="0"/>
-        <a:buChar char="–"/>
-        <a:defRPr sz="2800" kern="1200">
+        <a:buClr>
+          <a:schemeClr val="accent2"/>
+        </a:buClr>
+        <a:buSzPct val="85000"/>
+        <a:buFont typeface="Wingdings 2"/>
+        <a:buChar char=""/>
+        <a:defRPr kumimoji="0" sz="2400" kern="1200">
           <a:solidFill>
             <a:schemeClr val="tx1"/>
           </a:solidFill>
@@ -6302,13 +7340,19 @@
           <a:cs typeface="+mn-cs"/>
         </a:defRPr>
       </a:lvl2pPr>
-      <a:lvl3pPr marL="1143000" indent="-228600" algn="l" defTabSz="914400" rtl="0" eaLnBrk="1" latinLnBrk="0" hangingPunct="1">
+      <a:lvl3pPr marL="822960" indent="-228600" algn="l" rtl="0" eaLnBrk="1" latinLnBrk="0" hangingPunct="1">
         <a:spcBef>
-          <a:spcPct val="20000"/>
+          <a:spcPts val="370"/>
         </a:spcBef>
-        <a:buFont typeface="Arial" pitchFamily="34" charset="0"/>
-        <a:buChar char="•"/>
-        <a:defRPr sz="2400" kern="1200">
+        <a:buClr>
+          <a:schemeClr val="accent1">
+            <a:tint val="60000"/>
+          </a:schemeClr>
+        </a:buClr>
+        <a:buSzPct val="85000"/>
+        <a:buFont typeface="Wingdings 2"/>
+        <a:buChar char=""/>
+        <a:defRPr kumimoji="0" sz="2000" kern="1200">
           <a:solidFill>
             <a:schemeClr val="tx1"/>
           </a:solidFill>
@@ -6317,13 +7361,17 @@
           <a:cs typeface="+mn-cs"/>
         </a:defRPr>
       </a:lvl3pPr>
-      <a:lvl4pPr marL="1600200" indent="-228600" algn="l" defTabSz="914400" rtl="0" eaLnBrk="1" latinLnBrk="0" hangingPunct="1">
+      <a:lvl4pPr marL="1097280" indent="-228600" algn="l" rtl="0" eaLnBrk="1" latinLnBrk="0" hangingPunct="1">
         <a:spcBef>
-          <a:spcPct val="20000"/>
+          <a:spcPts val="370"/>
         </a:spcBef>
-        <a:buFont typeface="Arial" pitchFamily="34" charset="0"/>
-        <a:buChar char="–"/>
-        <a:defRPr sz="2000" kern="1200">
+        <a:buClr>
+          <a:schemeClr val="accent3"/>
+        </a:buClr>
+        <a:buSzPct val="80000"/>
+        <a:buFont typeface="Wingdings 2"/>
+        <a:buChar char=""/>
+        <a:defRPr kumimoji="0" sz="2000" kern="1200">
           <a:solidFill>
             <a:schemeClr val="tx1"/>
           </a:solidFill>
@@ -6332,13 +7380,16 @@
           <a:cs typeface="+mn-cs"/>
         </a:defRPr>
       </a:lvl4pPr>
-      <a:lvl5pPr marL="2057400" indent="-228600" algn="l" defTabSz="914400" rtl="0" eaLnBrk="1" latinLnBrk="0" hangingPunct="1">
+      <a:lvl5pPr marL="1371600" indent="-228600" algn="l" rtl="0" eaLnBrk="1" latinLnBrk="0" hangingPunct="1">
         <a:spcBef>
-          <a:spcPct val="20000"/>
+          <a:spcPts val="370"/>
         </a:spcBef>
-        <a:buFont typeface="Arial" pitchFamily="34" charset="0"/>
-        <a:buChar char="»"/>
-        <a:defRPr sz="2000" kern="1200">
+        <a:buClr>
+          <a:schemeClr val="accent3"/>
+        </a:buClr>
+        <a:buFontTx/>
+        <a:buChar char="o"/>
+        <a:defRPr kumimoji="0" sz="2000" kern="1200">
           <a:solidFill>
             <a:schemeClr val="tx1"/>
           </a:solidFill>
@@ -6347,13 +7398,15 @@
           <a:cs typeface="+mn-cs"/>
         </a:defRPr>
       </a:lvl5pPr>
-      <a:lvl6pPr marL="2514600" indent="-228600" algn="l" defTabSz="914400" rtl="0" eaLnBrk="1" latinLnBrk="0" hangingPunct="1">
+      <a:lvl6pPr marL="1645920" indent="-228600" algn="l" rtl="0" eaLnBrk="1" latinLnBrk="0" hangingPunct="1">
         <a:spcBef>
-          <a:spcPct val="20000"/>
+          <a:spcPts val="370"/>
         </a:spcBef>
-        <a:buFont typeface="Arial" pitchFamily="34" charset="0"/>
+        <a:buClr>
+          <a:schemeClr val="accent3"/>
+        </a:buClr>
         <a:buChar char="•"/>
-        <a:defRPr sz="2000" kern="1200">
+        <a:defRPr kumimoji="0" sz="1800" kern="1200" baseline="0">
           <a:solidFill>
             <a:schemeClr val="tx1"/>
           </a:solidFill>
@@ -6362,13 +7415,15 @@
           <a:cs typeface="+mn-cs"/>
         </a:defRPr>
       </a:lvl6pPr>
-      <a:lvl7pPr marL="2971800" indent="-228600" algn="l" defTabSz="914400" rtl="0" eaLnBrk="1" latinLnBrk="0" hangingPunct="1">
+      <a:lvl7pPr marL="1920240" indent="-228600" algn="l" rtl="0" eaLnBrk="1" latinLnBrk="0" hangingPunct="1">
         <a:spcBef>
-          <a:spcPct val="20000"/>
+          <a:spcPts val="370"/>
         </a:spcBef>
-        <a:buFont typeface="Arial" pitchFamily="34" charset="0"/>
+        <a:buClr>
+          <a:schemeClr val="accent2"/>
+        </a:buClr>
         <a:buChar char="•"/>
-        <a:defRPr sz="2000" kern="1200">
+        <a:defRPr kumimoji="0" sz="1800" kern="1200">
           <a:solidFill>
             <a:schemeClr val="tx1"/>
           </a:solidFill>
@@ -6377,13 +7432,17 @@
           <a:cs typeface="+mn-cs"/>
         </a:defRPr>
       </a:lvl7pPr>
-      <a:lvl8pPr marL="3429000" indent="-228600" algn="l" defTabSz="914400" rtl="0" eaLnBrk="1" latinLnBrk="0" hangingPunct="1">
+      <a:lvl8pPr marL="2194560" indent="-228600" algn="l" rtl="0" eaLnBrk="1" latinLnBrk="0" hangingPunct="1">
         <a:spcBef>
-          <a:spcPct val="20000"/>
+          <a:spcPts val="370"/>
         </a:spcBef>
-        <a:buFont typeface="Arial" pitchFamily="34" charset="0"/>
+        <a:buClr>
+          <a:schemeClr val="accent1">
+            <a:tint val="60000"/>
+          </a:schemeClr>
+        </a:buClr>
         <a:buChar char="•"/>
-        <a:defRPr sz="2000" kern="1200">
+        <a:defRPr kumimoji="0" sz="1800" kern="1200">
           <a:solidFill>
             <a:schemeClr val="tx1"/>
           </a:solidFill>
@@ -6392,13 +7451,17 @@
           <a:cs typeface="+mn-cs"/>
         </a:defRPr>
       </a:lvl8pPr>
-      <a:lvl9pPr marL="3886200" indent="-228600" algn="l" defTabSz="914400" rtl="0" eaLnBrk="1" latinLnBrk="0" hangingPunct="1">
+      <a:lvl9pPr marL="2468880" indent="-228600" algn="l" rtl="0" eaLnBrk="1" latinLnBrk="0" hangingPunct="1">
         <a:spcBef>
-          <a:spcPct val="20000"/>
+          <a:spcPts val="370"/>
         </a:spcBef>
-        <a:buFont typeface="Arial" pitchFamily="34" charset="0"/>
+        <a:buClr>
+          <a:schemeClr val="accent2">
+            <a:tint val="60000"/>
+          </a:schemeClr>
+        </a:buClr>
         <a:buChar char="•"/>
-        <a:defRPr sz="2000" kern="1200">
+        <a:defRPr kumimoji="0" sz="1800" kern="1200">
           <a:solidFill>
             <a:schemeClr val="tx1"/>
           </a:solidFill>
@@ -6409,11 +7472,8 @@
       </a:lvl9pPr>
     </p:bodyStyle>
     <p:otherStyle>
-      <a:defPPr>
-        <a:defRPr lang="de-DE"/>
-      </a:defPPr>
-      <a:lvl1pPr marL="0" algn="l" defTabSz="914400" rtl="0" eaLnBrk="1" latinLnBrk="0" hangingPunct="1">
-        <a:defRPr sz="1800" kern="1200">
+      <a:lvl1pPr marL="0" algn="l" rtl="0" eaLnBrk="1" latinLnBrk="0" hangingPunct="1">
+        <a:defRPr kumimoji="0" kern="1200">
           <a:solidFill>
             <a:schemeClr val="tx1"/>
           </a:solidFill>
@@ -6422,8 +7482,8 @@
           <a:cs typeface="+mn-cs"/>
         </a:defRPr>
       </a:lvl1pPr>
-      <a:lvl2pPr marL="457200" algn="l" defTabSz="914400" rtl="0" eaLnBrk="1" latinLnBrk="0" hangingPunct="1">
-        <a:defRPr sz="1800" kern="1200">
+      <a:lvl2pPr marL="457200" algn="l" rtl="0" eaLnBrk="1" latinLnBrk="0" hangingPunct="1">
+        <a:defRPr kumimoji="0" kern="1200">
           <a:solidFill>
             <a:schemeClr val="tx1"/>
           </a:solidFill>
@@ -6432,8 +7492,8 @@
           <a:cs typeface="+mn-cs"/>
         </a:defRPr>
       </a:lvl2pPr>
-      <a:lvl3pPr marL="914400" algn="l" defTabSz="914400" rtl="0" eaLnBrk="1" latinLnBrk="0" hangingPunct="1">
-        <a:defRPr sz="1800" kern="1200">
+      <a:lvl3pPr marL="914400" algn="l" rtl="0" eaLnBrk="1" latinLnBrk="0" hangingPunct="1">
+        <a:defRPr kumimoji="0" kern="1200">
           <a:solidFill>
             <a:schemeClr val="tx1"/>
           </a:solidFill>
@@ -6442,8 +7502,8 @@
           <a:cs typeface="+mn-cs"/>
         </a:defRPr>
       </a:lvl3pPr>
-      <a:lvl4pPr marL="1371600" algn="l" defTabSz="914400" rtl="0" eaLnBrk="1" latinLnBrk="0" hangingPunct="1">
-        <a:defRPr sz="1800" kern="1200">
+      <a:lvl4pPr marL="1371600" algn="l" rtl="0" eaLnBrk="1" latinLnBrk="0" hangingPunct="1">
+        <a:defRPr kumimoji="0" kern="1200">
           <a:solidFill>
             <a:schemeClr val="tx1"/>
           </a:solidFill>
@@ -6452,8 +7512,8 @@
           <a:cs typeface="+mn-cs"/>
         </a:defRPr>
       </a:lvl4pPr>
-      <a:lvl5pPr marL="1828800" algn="l" defTabSz="914400" rtl="0" eaLnBrk="1" latinLnBrk="0" hangingPunct="1">
-        <a:defRPr sz="1800" kern="1200">
+      <a:lvl5pPr marL="1828800" algn="l" rtl="0" eaLnBrk="1" latinLnBrk="0" hangingPunct="1">
+        <a:defRPr kumimoji="0" kern="1200">
           <a:solidFill>
             <a:schemeClr val="tx1"/>
           </a:solidFill>
@@ -6462,8 +7522,8 @@
           <a:cs typeface="+mn-cs"/>
         </a:defRPr>
       </a:lvl5pPr>
-      <a:lvl6pPr marL="2286000" algn="l" defTabSz="914400" rtl="0" eaLnBrk="1" latinLnBrk="0" hangingPunct="1">
-        <a:defRPr sz="1800" kern="1200">
+      <a:lvl6pPr marL="2286000" algn="l" rtl="0" eaLnBrk="1" latinLnBrk="0" hangingPunct="1">
+        <a:defRPr kumimoji="0" kern="1200">
           <a:solidFill>
             <a:schemeClr val="tx1"/>
           </a:solidFill>
@@ -6472,8 +7532,8 @@
           <a:cs typeface="+mn-cs"/>
         </a:defRPr>
       </a:lvl6pPr>
-      <a:lvl7pPr marL="2743200" algn="l" defTabSz="914400" rtl="0" eaLnBrk="1" latinLnBrk="0" hangingPunct="1">
-        <a:defRPr sz="1800" kern="1200">
+      <a:lvl7pPr marL="2743200" algn="l" rtl="0" eaLnBrk="1" latinLnBrk="0" hangingPunct="1">
+        <a:defRPr kumimoji="0" kern="1200">
           <a:solidFill>
             <a:schemeClr val="tx1"/>
           </a:solidFill>
@@ -6482,8 +7542,8 @@
           <a:cs typeface="+mn-cs"/>
         </a:defRPr>
       </a:lvl7pPr>
-      <a:lvl8pPr marL="3200400" algn="l" defTabSz="914400" rtl="0" eaLnBrk="1" latinLnBrk="0" hangingPunct="1">
-        <a:defRPr sz="1800" kern="1200">
+      <a:lvl8pPr marL="3200400" algn="l" rtl="0" eaLnBrk="1" latinLnBrk="0" hangingPunct="1">
+        <a:defRPr kumimoji="0" kern="1200">
           <a:solidFill>
             <a:schemeClr val="tx1"/>
           </a:solidFill>
@@ -6492,8 +7552,8 @@
           <a:cs typeface="+mn-cs"/>
         </a:defRPr>
       </a:lvl8pPr>
-      <a:lvl9pPr marL="3657600" algn="l" defTabSz="914400" rtl="0" eaLnBrk="1" latinLnBrk="0" hangingPunct="1">
-        <a:defRPr sz="1800" kern="1200">
+      <a:lvl9pPr marL="3657600" algn="l" rtl="0" eaLnBrk="1" latinLnBrk="0" hangingPunct="1">
+        <a:defRPr kumimoji="0" kern="1200">
           <a:solidFill>
             <a:schemeClr val="tx1"/>
           </a:solidFill>
@@ -6526,6 +7586,50 @@
       </p:grpSpPr>
       <p:sp>
         <p:nvSpPr>
+          <p:cNvPr id="3" name="Untertitel 2"/>
+          <p:cNvSpPr>
+            <a:spLocks noGrp="1"/>
+          </p:cNvSpPr>
+          <p:nvPr>
+            <p:ph type="subTitle" idx="1"/>
+          </p:nvPr>
+        </p:nvSpPr>
+        <p:spPr>
+          <a:xfrm>
+            <a:off x="1295400" y="3573016"/>
+            <a:ext cx="6400800" cy="1800200"/>
+          </a:xfrm>
+        </p:spPr>
+        <p:txBody>
+          <a:bodyPr/>
+          <a:lstStyle/>
+          <a:p>
+            <a:r>
+              <a:rPr lang="de-DE" dirty="0" smtClean="0"/>
+              <a:t>Projekt der Klasse 12FIAE</a:t>
+            </a:r>
+          </a:p>
+          <a:p>
+            <a:r>
+              <a:rPr lang="de-DE" dirty="0" smtClean="0"/>
+              <a:t>Von Lars Baumgarten, Tim Rumrich</a:t>
+            </a:r>
+          </a:p>
+          <a:p>
+            <a:r>
+              <a:rPr lang="de-DE" dirty="0" smtClean="0"/>
+              <a:t>und Pascal </a:t>
+            </a:r>
+            <a:r>
+              <a:rPr lang="de-DE" dirty="0" err="1" smtClean="0"/>
+              <a:t>Schmotz</a:t>
+            </a:r>
+            <a:endParaRPr lang="de-DE" dirty="0"/>
+          </a:p>
+        </p:txBody>
+      </p:sp>
+      <p:sp>
+        <p:nvSpPr>
           <p:cNvPr id="2" name="Titel 1"/>
           <p:cNvSpPr>
             <a:spLocks noGrp="1"/>
@@ -6544,25 +7648,6 @@
               <a:t>Zitaterfassung</a:t>
             </a:r>
             <a:endParaRPr lang="de-DE" dirty="0"/>
-          </a:p>
-        </p:txBody>
-      </p:sp>
-      <p:sp>
-        <p:nvSpPr>
-          <p:cNvPr id="3" name="Untertitel 2"/>
-          <p:cNvSpPr>
-            <a:spLocks noGrp="1"/>
-          </p:cNvSpPr>
-          <p:nvPr>
-            <p:ph type="subTitle" idx="1"/>
-          </p:nvPr>
-        </p:nvSpPr>
-        <p:spPr/>
-        <p:txBody>
-          <a:bodyPr/>
-          <a:lstStyle/>
-          <a:p>
-            <a:endParaRPr lang="de-DE"/>
           </a:p>
         </p:txBody>
       </p:sp>
@@ -6613,14 +7698,77 @@
             <p:ph type="title"/>
           </p:nvPr>
         </p:nvSpPr>
-        <p:spPr/>
+        <p:spPr>
+          <a:xfrm>
+            <a:off x="685800" y="274638"/>
+            <a:ext cx="7772400" cy="1143000"/>
+          </a:xfrm>
+        </p:spPr>
+        <p:txBody>
+          <a:bodyPr>
+            <a:normAutofit/>
+          </a:bodyPr>
+          <a:lstStyle/>
+          <a:p>
+            <a:pPr algn="ctr"/>
+            <a:r>
+              <a:rPr lang="de-DE" sz="3600" dirty="0" smtClean="0"/>
+              <a:t>Planung – Projektphasen</a:t>
+            </a:r>
+            <a:endParaRPr lang="de-DE" sz="3600" dirty="0"/>
+          </a:p>
+        </p:txBody>
+      </p:sp>
+      <p:sp>
+        <p:nvSpPr>
+          <p:cNvPr id="4" name="Datumsplatzhalter 3"/>
+          <p:cNvSpPr>
+            <a:spLocks noGrp="1"/>
+          </p:cNvSpPr>
+          <p:nvPr>
+            <p:ph type="dt" sz="half" idx="10"/>
+          </p:nvPr>
+        </p:nvSpPr>
+        <p:spPr/>
+        <p:txBody>
+          <a:bodyPr/>
+          <a:lstStyle/>
+          <a:p>
+            <a:fld id="{A1153AE0-1846-4173-9386-FC3D3EBD5DBB}" type="datetime1">
+              <a:rPr lang="de-DE" smtClean="0"/>
+              <a:t>09.12.2018</a:t>
+            </a:fld>
+            <a:endParaRPr lang="de-DE"/>
+          </a:p>
+        </p:txBody>
+      </p:sp>
+      <p:sp>
+        <p:nvSpPr>
+          <p:cNvPr id="5" name="Fußzeilenplatzhalter 4"/>
+          <p:cNvSpPr>
+            <a:spLocks noGrp="1"/>
+          </p:cNvSpPr>
+          <p:nvPr>
+            <p:ph type="ftr" sz="quarter" idx="11"/>
+          </p:nvPr>
+        </p:nvSpPr>
+        <p:spPr>
+          <a:xfrm>
+            <a:off x="914400" y="6172200"/>
+            <a:ext cx="6321896" cy="457200"/>
+          </a:xfrm>
+        </p:spPr>
         <p:txBody>
           <a:bodyPr/>
           <a:lstStyle/>
           <a:p>
             <a:r>
               <a:rPr lang="de-DE" dirty="0" smtClean="0"/>
-              <a:t>Planung – Projektphasen</a:t>
+              <a:t>Zitaterfassung - Lars Baumgarten, Tim Rumrich, Pascal </a:t>
+            </a:r>
+            <a:r>
+              <a:rPr lang="de-DE" dirty="0" err="1" smtClean="0"/>
+              <a:t>Schmotz</a:t>
             </a:r>
             <a:endParaRPr lang="de-DE" dirty="0"/>
           </a:p>
@@ -6628,20 +7776,88 @@
       </p:sp>
       <p:sp>
         <p:nvSpPr>
+          <p:cNvPr id="6" name="Foliennummernplatzhalter 5"/>
+          <p:cNvSpPr>
+            <a:spLocks noGrp="1"/>
+          </p:cNvSpPr>
+          <p:nvPr>
+            <p:ph type="sldNum" sz="quarter" idx="12"/>
+          </p:nvPr>
+        </p:nvSpPr>
+        <p:spPr/>
+        <p:txBody>
+          <a:bodyPr/>
+          <a:lstStyle/>
+          <a:p>
+            <a:fld id="{6C6AE60A-B69C-4790-82F7-3882EDF23186}" type="slidenum">
+              <a:rPr lang="de-DE" smtClean="0"/>
+              <a:t>10</a:t>
+            </a:fld>
+            <a:endParaRPr lang="de-DE"/>
+          </a:p>
+        </p:txBody>
+      </p:sp>
+      <p:sp>
+        <p:nvSpPr>
           <p:cNvPr id="3" name="Inhaltsplatzhalter 2"/>
           <p:cNvSpPr>
             <a:spLocks noGrp="1"/>
           </p:cNvSpPr>
           <p:nvPr>
-            <p:ph idx="1"/>
-          </p:nvPr>
-        </p:nvSpPr>
-        <p:spPr/>
-        <p:txBody>
-          <a:bodyPr/>
-          <a:lstStyle/>
-          <a:p>
-            <a:endParaRPr lang="de-DE"/>
+            <p:ph sz="quarter" idx="1"/>
+          </p:nvPr>
+        </p:nvSpPr>
+        <p:spPr>
+          <a:xfrm>
+            <a:off x="914400" y="1628800"/>
+            <a:ext cx="7772400" cy="4391000"/>
+          </a:xfrm>
+        </p:spPr>
+        <p:txBody>
+          <a:bodyPr/>
+          <a:lstStyle/>
+          <a:p>
+            <a:endParaRPr lang="de-DE" sz="2800" dirty="0" smtClean="0"/>
+          </a:p>
+          <a:p>
+            <a:pPr lvl="0"/>
+            <a:r>
+              <a:rPr lang="de-DE" sz="2800" dirty="0"/>
+              <a:t>Aufteilung der Aufgaben auf die Projektteilnehmer nach individuellen Stärken</a:t>
+            </a:r>
+          </a:p>
+          <a:p>
+            <a:pPr lvl="0"/>
+            <a:endParaRPr lang="de-DE" sz="2800" dirty="0" smtClean="0"/>
+          </a:p>
+          <a:p>
+            <a:pPr lvl="0"/>
+            <a:r>
+              <a:rPr lang="de-DE" sz="2800" dirty="0" smtClean="0"/>
+              <a:t>Einteilung </a:t>
+            </a:r>
+            <a:r>
+              <a:rPr lang="de-DE" sz="2800" dirty="0"/>
+              <a:t>der Aufgaben in Projektphasen</a:t>
+            </a:r>
+          </a:p>
+          <a:p>
+            <a:pPr lvl="0"/>
+            <a:endParaRPr lang="de-DE" sz="2800" dirty="0" smtClean="0"/>
+          </a:p>
+          <a:p>
+            <a:pPr lvl="0"/>
+            <a:r>
+              <a:rPr lang="de-DE" sz="2800" dirty="0" smtClean="0"/>
+              <a:t>Grobschätzung </a:t>
+            </a:r>
+            <a:r>
+              <a:rPr lang="de-DE" sz="2800" dirty="0"/>
+              <a:t>der Phasenzeiten</a:t>
+            </a:r>
+          </a:p>
+          <a:p>
+            <a:endParaRPr lang="de-DE" dirty="0"/>
           </a:p>
         </p:txBody>
       </p:sp>
@@ -6692,14 +7908,77 @@
             <p:ph type="title"/>
           </p:nvPr>
         </p:nvSpPr>
-        <p:spPr/>
+        <p:spPr>
+          <a:xfrm>
+            <a:off x="685800" y="274638"/>
+            <a:ext cx="7772400" cy="1143000"/>
+          </a:xfrm>
+        </p:spPr>
+        <p:txBody>
+          <a:bodyPr>
+            <a:normAutofit/>
+          </a:bodyPr>
+          <a:lstStyle/>
+          <a:p>
+            <a:pPr algn="ctr"/>
+            <a:r>
+              <a:rPr lang="de-DE" sz="3600" dirty="0" smtClean="0"/>
+              <a:t>Planung – Ressourcenplanung</a:t>
+            </a:r>
+            <a:endParaRPr lang="de-DE" sz="3600" dirty="0"/>
+          </a:p>
+        </p:txBody>
+      </p:sp>
+      <p:sp>
+        <p:nvSpPr>
+          <p:cNvPr id="4" name="Datumsplatzhalter 3"/>
+          <p:cNvSpPr>
+            <a:spLocks noGrp="1"/>
+          </p:cNvSpPr>
+          <p:nvPr>
+            <p:ph type="dt" sz="half" idx="10"/>
+          </p:nvPr>
+        </p:nvSpPr>
+        <p:spPr/>
+        <p:txBody>
+          <a:bodyPr/>
+          <a:lstStyle/>
+          <a:p>
+            <a:fld id="{794CD9CE-3ECD-4A39-AF33-520D8961B472}" type="datetime1">
+              <a:rPr lang="de-DE" smtClean="0"/>
+              <a:t>09.12.2018</a:t>
+            </a:fld>
+            <a:endParaRPr lang="de-DE"/>
+          </a:p>
+        </p:txBody>
+      </p:sp>
+      <p:sp>
+        <p:nvSpPr>
+          <p:cNvPr id="5" name="Fußzeilenplatzhalter 4"/>
+          <p:cNvSpPr>
+            <a:spLocks noGrp="1"/>
+          </p:cNvSpPr>
+          <p:nvPr>
+            <p:ph type="ftr" sz="quarter" idx="11"/>
+          </p:nvPr>
+        </p:nvSpPr>
+        <p:spPr>
+          <a:xfrm>
+            <a:off x="914400" y="6172200"/>
+            <a:ext cx="6537920" cy="457200"/>
+          </a:xfrm>
+        </p:spPr>
         <p:txBody>
           <a:bodyPr/>
           <a:lstStyle/>
           <a:p>
             <a:r>
               <a:rPr lang="de-DE" dirty="0" smtClean="0"/>
-              <a:t>Planung – Ressourcenplanung</a:t>
+              <a:t>Zitaterfassung - Lars Baumgarten, Tim Rumrich, Pascal </a:t>
+            </a:r>
+            <a:r>
+              <a:rPr lang="de-DE" dirty="0" err="1" smtClean="0"/>
+              <a:t>Schmotz</a:t>
             </a:r>
             <a:endParaRPr lang="de-DE" dirty="0"/>
           </a:p>
@@ -6707,20 +7986,76 @@
       </p:sp>
       <p:sp>
         <p:nvSpPr>
+          <p:cNvPr id="6" name="Foliennummernplatzhalter 5"/>
+          <p:cNvSpPr>
+            <a:spLocks noGrp="1"/>
+          </p:cNvSpPr>
+          <p:nvPr>
+            <p:ph type="sldNum" sz="quarter" idx="12"/>
+          </p:nvPr>
+        </p:nvSpPr>
+        <p:spPr/>
+        <p:txBody>
+          <a:bodyPr/>
+          <a:lstStyle/>
+          <a:p>
+            <a:fld id="{6C6AE60A-B69C-4790-82F7-3882EDF23186}" type="slidenum">
+              <a:rPr lang="de-DE" smtClean="0"/>
+              <a:t>11</a:t>
+            </a:fld>
+            <a:endParaRPr lang="de-DE"/>
+          </a:p>
+        </p:txBody>
+      </p:sp>
+      <p:sp>
+        <p:nvSpPr>
           <p:cNvPr id="3" name="Inhaltsplatzhalter 2"/>
           <p:cNvSpPr>
             <a:spLocks noGrp="1"/>
           </p:cNvSpPr>
           <p:nvPr>
-            <p:ph idx="1"/>
-          </p:nvPr>
-        </p:nvSpPr>
-        <p:spPr/>
-        <p:txBody>
-          <a:bodyPr/>
-          <a:lstStyle/>
-          <a:p>
-            <a:endParaRPr lang="de-DE"/>
+            <p:ph sz="quarter" idx="1"/>
+          </p:nvPr>
+        </p:nvSpPr>
+        <p:spPr/>
+        <p:txBody>
+          <a:bodyPr/>
+          <a:lstStyle/>
+          <a:p>
+            <a:endParaRPr lang="de-DE" dirty="0" smtClean="0"/>
+          </a:p>
+          <a:p>
+            <a:pPr lvl="0"/>
+            <a:endParaRPr lang="de-DE" sz="2800" dirty="0" smtClean="0"/>
+          </a:p>
+          <a:p>
+            <a:pPr lvl="0"/>
+            <a:r>
+              <a:rPr lang="de-DE" sz="2800" dirty="0" smtClean="0"/>
+              <a:t>Erfassung </a:t>
+            </a:r>
+            <a:r>
+              <a:rPr lang="de-DE" sz="2800" dirty="0"/>
+              <a:t>der Kundenvorgaben</a:t>
+            </a:r>
+          </a:p>
+          <a:p>
+            <a:pPr lvl="0"/>
+            <a:endParaRPr lang="de-DE" sz="2800" dirty="0" smtClean="0"/>
+          </a:p>
+          <a:p>
+            <a:pPr lvl="0"/>
+            <a:r>
+              <a:rPr lang="de-DE" sz="2800" dirty="0" smtClean="0"/>
+              <a:t>Zusammentragen </a:t>
+            </a:r>
+            <a:r>
+              <a:rPr lang="de-DE" sz="2800" dirty="0"/>
+              <a:t>der benötigten Mittel mit Grundlage von Phasenplanung</a:t>
+            </a:r>
+          </a:p>
+          <a:p>
+            <a:endParaRPr lang="de-DE" dirty="0"/>
           </a:p>
         </p:txBody>
       </p:sp>
@@ -6771,13 +8106,19 @@
             <p:ph type="title"/>
           </p:nvPr>
         </p:nvSpPr>
-        <p:spPr/>
+        <p:spPr>
+          <a:xfrm>
+            <a:off x="685800" y="274638"/>
+            <a:ext cx="7772400" cy="1143000"/>
+          </a:xfrm>
+        </p:spPr>
         <p:txBody>
           <a:bodyPr>
             <a:normAutofit/>
           </a:bodyPr>
           <a:lstStyle/>
           <a:p>
+            <a:pPr algn="ctr"/>
             <a:r>
               <a:rPr lang="de-DE" dirty="0" smtClean="0"/>
               <a:t>Vorgehen</a:t>
@@ -6788,23 +8129,138 @@
       </p:sp>
       <p:sp>
         <p:nvSpPr>
-          <p:cNvPr id="3" name="Inhaltsplatzhalter 2"/>
-          <p:cNvSpPr>
-            <a:spLocks noGrp="1"/>
-          </p:cNvSpPr>
-          <p:nvPr>
-            <p:ph idx="1"/>
-          </p:nvPr>
-        </p:nvSpPr>
-        <p:spPr/>
-        <p:txBody>
-          <a:bodyPr/>
-          <a:lstStyle/>
-          <a:p>
+          <p:cNvPr id="4" name="Datumsplatzhalter 3"/>
+          <p:cNvSpPr>
+            <a:spLocks noGrp="1"/>
+          </p:cNvSpPr>
+          <p:nvPr>
+            <p:ph type="dt" sz="half" idx="10"/>
+          </p:nvPr>
+        </p:nvSpPr>
+        <p:spPr/>
+        <p:txBody>
+          <a:bodyPr/>
+          <a:lstStyle/>
+          <a:p>
+            <a:fld id="{CC839AC2-A429-4AED-A7B4-696E3F59D375}" type="datetime1">
+              <a:rPr lang="de-DE" smtClean="0"/>
+              <a:t>09.12.2018</a:t>
+            </a:fld>
             <a:endParaRPr lang="de-DE"/>
           </a:p>
         </p:txBody>
       </p:sp>
+      <p:sp>
+        <p:nvSpPr>
+          <p:cNvPr id="5" name="Fußzeilenplatzhalter 4"/>
+          <p:cNvSpPr>
+            <a:spLocks noGrp="1"/>
+          </p:cNvSpPr>
+          <p:nvPr>
+            <p:ph type="ftr" sz="quarter" idx="11"/>
+          </p:nvPr>
+        </p:nvSpPr>
+        <p:spPr>
+          <a:xfrm>
+            <a:off x="914400" y="6172200"/>
+            <a:ext cx="6249888" cy="457200"/>
+          </a:xfrm>
+        </p:spPr>
+        <p:txBody>
+          <a:bodyPr/>
+          <a:lstStyle/>
+          <a:p>
+            <a:r>
+              <a:rPr lang="de-DE" dirty="0" smtClean="0"/>
+              <a:t>Zitaterfassung - Lars Baumgarten, Tim Rumrich, Pascal </a:t>
+            </a:r>
+            <a:r>
+              <a:rPr lang="de-DE" dirty="0" err="1" smtClean="0"/>
+              <a:t>Schmotz</a:t>
+            </a:r>
+            <a:endParaRPr lang="de-DE" dirty="0"/>
+          </a:p>
+        </p:txBody>
+      </p:sp>
+      <p:sp>
+        <p:nvSpPr>
+          <p:cNvPr id="6" name="Foliennummernplatzhalter 5"/>
+          <p:cNvSpPr>
+            <a:spLocks noGrp="1"/>
+          </p:cNvSpPr>
+          <p:nvPr>
+            <p:ph type="sldNum" sz="quarter" idx="12"/>
+          </p:nvPr>
+        </p:nvSpPr>
+        <p:spPr/>
+        <p:txBody>
+          <a:bodyPr/>
+          <a:lstStyle/>
+          <a:p>
+            <a:fld id="{6C6AE60A-B69C-4790-82F7-3882EDF23186}" type="slidenum">
+              <a:rPr lang="de-DE" smtClean="0"/>
+              <a:t>12</a:t>
+            </a:fld>
+            <a:endParaRPr lang="de-DE"/>
+          </a:p>
+        </p:txBody>
+      </p:sp>
+      <p:pic>
+        <p:nvPicPr>
+          <p:cNvPr id="3075" name="Picture 3"/>
+          <p:cNvPicPr>
+            <a:picLocks noGrp="1" noChangeAspect="1" noChangeArrowheads="1"/>
+          </p:cNvPicPr>
+          <p:nvPr>
+            <p:ph sz="quarter" idx="1"/>
+          </p:nvPr>
+        </p:nvPicPr>
+        <p:blipFill>
+          <a:blip r:embed="rId3">
+            <a:extLst>
+              <a:ext uri="{28A0092B-C50C-407E-A947-70E740481C1C}">
+                <a14:useLocalDpi xmlns:a14="http://schemas.microsoft.com/office/drawing/2010/main" val="0"/>
+              </a:ext>
+            </a:extLst>
+          </a:blip>
+          <a:srcRect/>
+          <a:stretch>
+            <a:fillRect/>
+          </a:stretch>
+        </p:blipFill>
+        <p:spPr bwMode="auto">
+          <a:xfrm>
+            <a:off x="2771800" y="1844824"/>
+            <a:ext cx="3604592" cy="3604592"/>
+          </a:xfrm>
+          <a:prstGeom prst="rect">
+            <a:avLst/>
+          </a:prstGeom>
+          <a:noFill/>
+          <a:ln>
+            <a:noFill/>
+          </a:ln>
+          <a:extLst>
+            <a:ext uri="{909E8E84-426E-40DD-AFC4-6F175D3DCCD1}">
+              <a14:hiddenFill xmlns:a14="http://schemas.microsoft.com/office/drawing/2010/main">
+                <a:solidFill>
+                  <a:schemeClr val="accent1"/>
+                </a:solidFill>
+              </a14:hiddenFill>
+            </a:ext>
+            <a:ext uri="{91240B29-F687-4F45-9708-019B960494DF}">
+              <a14:hiddenLine xmlns:a14="http://schemas.microsoft.com/office/drawing/2010/main" w="9525">
+                <a:solidFill>
+                  <a:schemeClr val="tx1"/>
+                </a:solidFill>
+                <a:miter lim="800000"/>
+                <a:headEnd/>
+                <a:tailEnd/>
+              </a14:hiddenLine>
+            </a:ext>
+          </a:extLst>
+        </p:spPr>
+      </p:pic>
     </p:spTree>
     <p:extLst>
       <p:ext uri="{BB962C8B-B14F-4D97-AF65-F5344CB8AC3E}">
@@ -6852,16 +8308,77 @@
             <p:ph type="title"/>
           </p:nvPr>
         </p:nvSpPr>
-        <p:spPr/>
+        <p:spPr>
+          <a:xfrm>
+            <a:off x="685800" y="274638"/>
+            <a:ext cx="7772400" cy="1143000"/>
+          </a:xfrm>
+        </p:spPr>
         <p:txBody>
           <a:bodyPr>
             <a:normAutofit/>
           </a:bodyPr>
           <a:lstStyle/>
           <a:p>
+            <a:pPr algn="ctr"/>
+            <a:r>
+              <a:rPr lang="de-DE" sz="3600" dirty="0" smtClean="0"/>
+              <a:t>Vorgehen – Analysephase</a:t>
+            </a:r>
+            <a:endParaRPr lang="de-DE" sz="3600" dirty="0"/>
+          </a:p>
+        </p:txBody>
+      </p:sp>
+      <p:sp>
+        <p:nvSpPr>
+          <p:cNvPr id="4" name="Datumsplatzhalter 3"/>
+          <p:cNvSpPr>
+            <a:spLocks noGrp="1"/>
+          </p:cNvSpPr>
+          <p:nvPr>
+            <p:ph type="dt" sz="half" idx="10"/>
+          </p:nvPr>
+        </p:nvSpPr>
+        <p:spPr/>
+        <p:txBody>
+          <a:bodyPr/>
+          <a:lstStyle/>
+          <a:p>
+            <a:fld id="{689ADB24-99BF-4459-A09F-9B9AC50B9BAB}" type="datetime1">
+              <a:rPr lang="de-DE" smtClean="0"/>
+              <a:t>09.12.2018</a:t>
+            </a:fld>
+            <a:endParaRPr lang="de-DE"/>
+          </a:p>
+        </p:txBody>
+      </p:sp>
+      <p:sp>
+        <p:nvSpPr>
+          <p:cNvPr id="5" name="Fußzeilenplatzhalter 4"/>
+          <p:cNvSpPr>
+            <a:spLocks noGrp="1"/>
+          </p:cNvSpPr>
+          <p:nvPr>
+            <p:ph type="ftr" sz="quarter" idx="11"/>
+          </p:nvPr>
+        </p:nvSpPr>
+        <p:spPr>
+          <a:xfrm>
+            <a:off x="914400" y="6172200"/>
+            <a:ext cx="6249888" cy="457200"/>
+          </a:xfrm>
+        </p:spPr>
+        <p:txBody>
+          <a:bodyPr/>
+          <a:lstStyle/>
+          <a:p>
             <a:r>
               <a:rPr lang="de-DE" dirty="0" smtClean="0"/>
-              <a:t>Vorgehen – Analysephase</a:t>
+              <a:t>Zitaterfassung - Lars Baumgarten, Tim Rumrich, Pascal </a:t>
+            </a:r>
+            <a:r>
+              <a:rPr lang="de-DE" dirty="0" err="1" smtClean="0"/>
+              <a:t>Schmotz</a:t>
             </a:r>
             <a:endParaRPr lang="de-DE" dirty="0"/>
           </a:p>
@@ -6869,20 +8386,96 @@
       </p:sp>
       <p:sp>
         <p:nvSpPr>
+          <p:cNvPr id="6" name="Foliennummernplatzhalter 5"/>
+          <p:cNvSpPr>
+            <a:spLocks noGrp="1"/>
+          </p:cNvSpPr>
+          <p:nvPr>
+            <p:ph type="sldNum" sz="quarter" idx="12"/>
+          </p:nvPr>
+        </p:nvSpPr>
+        <p:spPr/>
+        <p:txBody>
+          <a:bodyPr/>
+          <a:lstStyle/>
+          <a:p>
+            <a:fld id="{6C6AE60A-B69C-4790-82F7-3882EDF23186}" type="slidenum">
+              <a:rPr lang="de-DE" smtClean="0"/>
+              <a:t>13</a:t>
+            </a:fld>
+            <a:endParaRPr lang="de-DE"/>
+          </a:p>
+        </p:txBody>
+      </p:sp>
+      <p:sp>
+        <p:nvSpPr>
           <p:cNvPr id="3" name="Inhaltsplatzhalter 2"/>
           <p:cNvSpPr>
             <a:spLocks noGrp="1"/>
           </p:cNvSpPr>
           <p:nvPr>
-            <p:ph idx="1"/>
-          </p:nvPr>
-        </p:nvSpPr>
-        <p:spPr/>
-        <p:txBody>
-          <a:bodyPr/>
-          <a:lstStyle/>
-          <a:p>
-            <a:endParaRPr lang="de-DE"/>
+            <p:ph sz="quarter" idx="1"/>
+          </p:nvPr>
+        </p:nvSpPr>
+        <p:spPr>
+          <a:xfrm>
+            <a:off x="914400" y="1700808"/>
+            <a:ext cx="7772400" cy="4318992"/>
+          </a:xfrm>
+        </p:spPr>
+        <p:txBody>
+          <a:bodyPr/>
+          <a:lstStyle/>
+          <a:p>
+            <a:endParaRPr lang="de-DE" sz="2800" dirty="0" smtClean="0"/>
+          </a:p>
+          <a:p>
+            <a:pPr lvl="0"/>
+            <a:r>
+              <a:rPr lang="de-DE" sz="2800" dirty="0"/>
+              <a:t>Detaillierte Analyse der Problemstellung</a:t>
+            </a:r>
+          </a:p>
+          <a:p>
+            <a:pPr lvl="0"/>
+            <a:endParaRPr lang="de-DE" sz="2800" dirty="0" smtClean="0"/>
+          </a:p>
+          <a:p>
+            <a:pPr lvl="0"/>
+            <a:r>
+              <a:rPr lang="de-DE" sz="2800" dirty="0" smtClean="0"/>
+              <a:t>Erste </a:t>
+            </a:r>
+            <a:r>
+              <a:rPr lang="de-DE" sz="2800" dirty="0"/>
+              <a:t>Identifizierung von möglichen Problemstellen</a:t>
+            </a:r>
+          </a:p>
+          <a:p>
+            <a:pPr lvl="0"/>
+            <a:endParaRPr lang="de-DE" sz="2800" dirty="0" smtClean="0"/>
+          </a:p>
+          <a:p>
+            <a:pPr lvl="0"/>
+            <a:r>
+              <a:rPr lang="de-DE" sz="2800" dirty="0" smtClean="0"/>
+              <a:t>Zusammenfassung </a:t>
+            </a:r>
+            <a:r>
+              <a:rPr lang="de-DE" sz="2800" dirty="0"/>
+              <a:t>der </a:t>
+            </a:r>
+            <a:r>
+              <a:rPr lang="de-DE" sz="2800" dirty="0" err="1"/>
+              <a:t>Findings</a:t>
+            </a:r>
+            <a:r>
+              <a:rPr lang="de-DE" sz="2800" dirty="0"/>
+              <a:t> im Lastenheft</a:t>
+            </a:r>
+          </a:p>
+          <a:p>
+            <a:endParaRPr lang="de-DE" dirty="0"/>
           </a:p>
         </p:txBody>
       </p:sp>
@@ -6995,6 +8588,84 @@
           </a:prstGeom>
         </p:spPr>
       </p:pic>
+      <p:sp>
+        <p:nvSpPr>
+          <p:cNvPr id="2" name="Datumsplatzhalter 1"/>
+          <p:cNvSpPr>
+            <a:spLocks noGrp="1"/>
+          </p:cNvSpPr>
+          <p:nvPr>
+            <p:ph type="dt" sz="half" idx="10"/>
+          </p:nvPr>
+        </p:nvSpPr>
+        <p:spPr/>
+        <p:txBody>
+          <a:bodyPr/>
+          <a:lstStyle/>
+          <a:p>
+            <a:fld id="{8BE3894E-4415-4669-B76F-2ABB5819005D}" type="datetime1">
+              <a:rPr lang="de-DE" smtClean="0"/>
+              <a:t>09.12.2018</a:t>
+            </a:fld>
+            <a:endParaRPr lang="de-DE"/>
+          </a:p>
+        </p:txBody>
+      </p:sp>
+      <p:sp>
+        <p:nvSpPr>
+          <p:cNvPr id="3" name="Fußzeilenplatzhalter 2"/>
+          <p:cNvSpPr>
+            <a:spLocks noGrp="1"/>
+          </p:cNvSpPr>
+          <p:nvPr>
+            <p:ph type="ftr" sz="quarter" idx="11"/>
+          </p:nvPr>
+        </p:nvSpPr>
+        <p:spPr>
+          <a:xfrm>
+            <a:off x="914400" y="6172200"/>
+            <a:ext cx="6393904" cy="457200"/>
+          </a:xfrm>
+        </p:spPr>
+        <p:txBody>
+          <a:bodyPr/>
+          <a:lstStyle/>
+          <a:p>
+            <a:r>
+              <a:rPr lang="de-DE" dirty="0" smtClean="0"/>
+              <a:t>Zitaterfassung - Lars Baumgarten, Tim Rumrich, Pascal </a:t>
+            </a:r>
+            <a:r>
+              <a:rPr lang="de-DE" dirty="0" err="1" smtClean="0"/>
+              <a:t>Schmotz</a:t>
+            </a:r>
+            <a:endParaRPr lang="de-DE" dirty="0"/>
+          </a:p>
+        </p:txBody>
+      </p:sp>
+      <p:sp>
+        <p:nvSpPr>
+          <p:cNvPr id="4" name="Foliennummernplatzhalter 3"/>
+          <p:cNvSpPr>
+            <a:spLocks noGrp="1"/>
+          </p:cNvSpPr>
+          <p:nvPr>
+            <p:ph type="sldNum" sz="quarter" idx="12"/>
+          </p:nvPr>
+        </p:nvSpPr>
+        <p:spPr/>
+        <p:txBody>
+          <a:bodyPr/>
+          <a:lstStyle/>
+          <a:p>
+            <a:fld id="{6C6AE60A-B69C-4790-82F7-3882EDF23186}" type="slidenum">
+              <a:rPr lang="de-DE" smtClean="0"/>
+              <a:t>14</a:t>
+            </a:fld>
+            <a:endParaRPr lang="de-DE"/>
+          </a:p>
+        </p:txBody>
+      </p:sp>
     </p:spTree>
     <p:extLst>
       <p:ext uri="{BB962C8B-B14F-4D97-AF65-F5344CB8AC3E}">
@@ -7268,6 +8939,84 @@
           </a:prstGeom>
         </p:spPr>
       </p:pic>
+      <p:sp>
+        <p:nvSpPr>
+          <p:cNvPr id="2" name="Datumsplatzhalter 1"/>
+          <p:cNvSpPr>
+            <a:spLocks noGrp="1"/>
+          </p:cNvSpPr>
+          <p:nvPr>
+            <p:ph type="dt" sz="half" idx="10"/>
+          </p:nvPr>
+        </p:nvSpPr>
+        <p:spPr/>
+        <p:txBody>
+          <a:bodyPr/>
+          <a:lstStyle/>
+          <a:p>
+            <a:fld id="{B7A5EFEA-34DB-4756-B125-8DE63F1729C3}" type="datetime1">
+              <a:rPr lang="de-DE" smtClean="0"/>
+              <a:t>09.12.2018</a:t>
+            </a:fld>
+            <a:endParaRPr lang="de-DE"/>
+          </a:p>
+        </p:txBody>
+      </p:sp>
+      <p:sp>
+        <p:nvSpPr>
+          <p:cNvPr id="3" name="Fußzeilenplatzhalter 2"/>
+          <p:cNvSpPr>
+            <a:spLocks noGrp="1"/>
+          </p:cNvSpPr>
+          <p:nvPr>
+            <p:ph type="ftr" sz="quarter" idx="11"/>
+          </p:nvPr>
+        </p:nvSpPr>
+        <p:spPr>
+          <a:xfrm>
+            <a:off x="914400" y="6172200"/>
+            <a:ext cx="6465912" cy="457200"/>
+          </a:xfrm>
+        </p:spPr>
+        <p:txBody>
+          <a:bodyPr/>
+          <a:lstStyle/>
+          <a:p>
+            <a:r>
+              <a:rPr lang="de-DE" dirty="0" smtClean="0"/>
+              <a:t>Zitaterfassung - Lars Baumgarten, Tim Rumrich, Pascal </a:t>
+            </a:r>
+            <a:r>
+              <a:rPr lang="de-DE" dirty="0" err="1" smtClean="0"/>
+              <a:t>Schmotz</a:t>
+            </a:r>
+            <a:endParaRPr lang="de-DE" dirty="0"/>
+          </a:p>
+        </p:txBody>
+      </p:sp>
+      <p:sp>
+        <p:nvSpPr>
+          <p:cNvPr id="11" name="Foliennummernplatzhalter 10"/>
+          <p:cNvSpPr>
+            <a:spLocks noGrp="1"/>
+          </p:cNvSpPr>
+          <p:nvPr>
+            <p:ph type="sldNum" sz="quarter" idx="12"/>
+          </p:nvPr>
+        </p:nvSpPr>
+        <p:spPr/>
+        <p:txBody>
+          <a:bodyPr/>
+          <a:lstStyle/>
+          <a:p>
+            <a:fld id="{6C6AE60A-B69C-4790-82F7-3882EDF23186}" type="slidenum">
+              <a:rPr lang="de-DE" smtClean="0"/>
+              <a:t>15</a:t>
+            </a:fld>
+            <a:endParaRPr lang="de-DE"/>
+          </a:p>
+        </p:txBody>
+      </p:sp>
     </p:spTree>
     <p:extLst>
       <p:ext uri="{BB962C8B-B14F-4D97-AF65-F5344CB8AC3E}">
@@ -7772,6 +9521,84 @@
           </a:prstGeom>
         </p:spPr>
       </p:pic>
+      <p:sp>
+        <p:nvSpPr>
+          <p:cNvPr id="2" name="Datumsplatzhalter 1"/>
+          <p:cNvSpPr>
+            <a:spLocks noGrp="1"/>
+          </p:cNvSpPr>
+          <p:nvPr>
+            <p:ph type="dt" sz="half" idx="10"/>
+          </p:nvPr>
+        </p:nvSpPr>
+        <p:spPr/>
+        <p:txBody>
+          <a:bodyPr/>
+          <a:lstStyle/>
+          <a:p>
+            <a:fld id="{B6EDF902-F056-4990-8442-5BFBAC2E750F}" type="datetime1">
+              <a:rPr lang="de-DE" smtClean="0"/>
+              <a:t>09.12.2018</a:t>
+            </a:fld>
+            <a:endParaRPr lang="de-DE"/>
+          </a:p>
+        </p:txBody>
+      </p:sp>
+      <p:sp>
+        <p:nvSpPr>
+          <p:cNvPr id="3" name="Fußzeilenplatzhalter 2"/>
+          <p:cNvSpPr>
+            <a:spLocks noGrp="1"/>
+          </p:cNvSpPr>
+          <p:nvPr>
+            <p:ph type="ftr" sz="quarter" idx="11"/>
+          </p:nvPr>
+        </p:nvSpPr>
+        <p:spPr>
+          <a:xfrm>
+            <a:off x="914400" y="6172200"/>
+            <a:ext cx="6393904" cy="457200"/>
+          </a:xfrm>
+        </p:spPr>
+        <p:txBody>
+          <a:bodyPr/>
+          <a:lstStyle/>
+          <a:p>
+            <a:r>
+              <a:rPr lang="de-DE" dirty="0" smtClean="0"/>
+              <a:t>Zitaterfassung - Lars Baumgarten, Tim Rumrich, Pascal </a:t>
+            </a:r>
+            <a:r>
+              <a:rPr lang="de-DE" dirty="0" err="1" smtClean="0"/>
+              <a:t>Schmotz</a:t>
+            </a:r>
+            <a:endParaRPr lang="de-DE" dirty="0"/>
+          </a:p>
+        </p:txBody>
+      </p:sp>
+      <p:sp>
+        <p:nvSpPr>
+          <p:cNvPr id="9" name="Foliennummernplatzhalter 8"/>
+          <p:cNvSpPr>
+            <a:spLocks noGrp="1"/>
+          </p:cNvSpPr>
+          <p:nvPr>
+            <p:ph type="sldNum" sz="quarter" idx="12"/>
+          </p:nvPr>
+        </p:nvSpPr>
+        <p:spPr/>
+        <p:txBody>
+          <a:bodyPr/>
+          <a:lstStyle/>
+          <a:p>
+            <a:fld id="{6C6AE60A-B69C-4790-82F7-3882EDF23186}" type="slidenum">
+              <a:rPr lang="de-DE" smtClean="0"/>
+              <a:t>16</a:t>
+            </a:fld>
+            <a:endParaRPr lang="de-DE"/>
+          </a:p>
+        </p:txBody>
+      </p:sp>
     </p:spTree>
     <p:extLst>
       <p:ext uri="{BB962C8B-B14F-4D97-AF65-F5344CB8AC3E}">
@@ -7941,16 +9768,77 @@
             <p:ph type="title"/>
           </p:nvPr>
         </p:nvSpPr>
-        <p:spPr/>
+        <p:spPr>
+          <a:xfrm>
+            <a:off x="685800" y="274638"/>
+            <a:ext cx="7772400" cy="1143000"/>
+          </a:xfrm>
+        </p:spPr>
         <p:txBody>
           <a:bodyPr>
             <a:normAutofit/>
           </a:bodyPr>
           <a:lstStyle/>
           <a:p>
+            <a:pPr algn="ctr"/>
+            <a:r>
+              <a:rPr lang="de-DE" sz="3600" dirty="0" smtClean="0"/>
+              <a:t>Vorgehen – Entwurfsphase</a:t>
+            </a:r>
+            <a:endParaRPr lang="de-DE" sz="3600" dirty="0"/>
+          </a:p>
+        </p:txBody>
+      </p:sp>
+      <p:sp>
+        <p:nvSpPr>
+          <p:cNvPr id="4" name="Datumsplatzhalter 3"/>
+          <p:cNvSpPr>
+            <a:spLocks noGrp="1"/>
+          </p:cNvSpPr>
+          <p:nvPr>
+            <p:ph type="dt" sz="half" idx="10"/>
+          </p:nvPr>
+        </p:nvSpPr>
+        <p:spPr/>
+        <p:txBody>
+          <a:bodyPr/>
+          <a:lstStyle/>
+          <a:p>
+            <a:fld id="{2F5C2B24-17AC-4478-B2A7-866D9396ABDF}" type="datetime1">
+              <a:rPr lang="de-DE" smtClean="0"/>
+              <a:t>09.12.2018</a:t>
+            </a:fld>
+            <a:endParaRPr lang="de-DE"/>
+          </a:p>
+        </p:txBody>
+      </p:sp>
+      <p:sp>
+        <p:nvSpPr>
+          <p:cNvPr id="5" name="Fußzeilenplatzhalter 4"/>
+          <p:cNvSpPr>
+            <a:spLocks noGrp="1"/>
+          </p:cNvSpPr>
+          <p:nvPr>
+            <p:ph type="ftr" sz="quarter" idx="11"/>
+          </p:nvPr>
+        </p:nvSpPr>
+        <p:spPr>
+          <a:xfrm>
+            <a:off x="914400" y="6172200"/>
+            <a:ext cx="6249888" cy="457200"/>
+          </a:xfrm>
+        </p:spPr>
+        <p:txBody>
+          <a:bodyPr/>
+          <a:lstStyle/>
+          <a:p>
             <a:r>
               <a:rPr lang="de-DE" dirty="0" smtClean="0"/>
-              <a:t>Vorgehen – Entwurfsphase</a:t>
+              <a:t>Zitaterfassung - Lars Baumgarten, Tim Rumrich, Pascal </a:t>
+            </a:r>
+            <a:r>
+              <a:rPr lang="de-DE" dirty="0" err="1" smtClean="0"/>
+              <a:t>Schmotz</a:t>
             </a:r>
             <a:endParaRPr lang="de-DE" dirty="0"/>
           </a:p>
@@ -7958,20 +9846,109 @@
       </p:sp>
       <p:sp>
         <p:nvSpPr>
+          <p:cNvPr id="6" name="Foliennummernplatzhalter 5"/>
+          <p:cNvSpPr>
+            <a:spLocks noGrp="1"/>
+          </p:cNvSpPr>
+          <p:nvPr>
+            <p:ph type="sldNum" sz="quarter" idx="12"/>
+          </p:nvPr>
+        </p:nvSpPr>
+        <p:spPr/>
+        <p:txBody>
+          <a:bodyPr/>
+          <a:lstStyle/>
+          <a:p>
+            <a:fld id="{6C6AE60A-B69C-4790-82F7-3882EDF23186}" type="slidenum">
+              <a:rPr lang="de-DE" smtClean="0"/>
+              <a:t>17</a:t>
+            </a:fld>
+            <a:endParaRPr lang="de-DE"/>
+          </a:p>
+        </p:txBody>
+      </p:sp>
+      <p:sp>
+        <p:nvSpPr>
           <p:cNvPr id="3" name="Inhaltsplatzhalter 2"/>
           <p:cNvSpPr>
             <a:spLocks noGrp="1"/>
           </p:cNvSpPr>
           <p:nvPr>
-            <p:ph idx="1"/>
-          </p:nvPr>
-        </p:nvSpPr>
-        <p:spPr/>
-        <p:txBody>
-          <a:bodyPr/>
-          <a:lstStyle/>
-          <a:p>
-            <a:endParaRPr lang="de-DE"/>
+            <p:ph sz="quarter" idx="1"/>
+          </p:nvPr>
+        </p:nvSpPr>
+        <p:spPr>
+          <a:xfrm>
+            <a:off x="914400" y="1700808"/>
+            <a:ext cx="7772400" cy="4318992"/>
+          </a:xfrm>
+        </p:spPr>
+        <p:txBody>
+          <a:bodyPr>
+            <a:normAutofit/>
+          </a:bodyPr>
+          <a:lstStyle/>
+          <a:p>
+            <a:pPr marL="0" lvl="0" indent="0">
+              <a:buNone/>
+            </a:pPr>
+            <a:endParaRPr lang="de-DE" sz="2800" dirty="0"/>
+          </a:p>
+          <a:p>
+            <a:r>
+              <a:rPr lang="de-DE" sz="2800" dirty="0" smtClean="0"/>
+              <a:t>Konzipierung </a:t>
+            </a:r>
+            <a:r>
+              <a:rPr lang="de-DE" sz="2800" dirty="0"/>
+              <a:t>von </a:t>
+            </a:r>
+            <a:r>
+              <a:rPr lang="de-DE" sz="2800" dirty="0" smtClean="0"/>
+              <a:t>Mock-</a:t>
+            </a:r>
+            <a:r>
+              <a:rPr lang="de-DE" sz="2800" dirty="0" err="1" smtClean="0"/>
+              <a:t>Ups</a:t>
+            </a:r>
+            <a:r>
+              <a:rPr lang="de-DE" sz="2800" dirty="0" smtClean="0"/>
+              <a:t>, Klassendiagrammen und Datenbankmodell</a:t>
+            </a:r>
+            <a:endParaRPr lang="de-DE" sz="2800" dirty="0"/>
+          </a:p>
+          <a:p>
+            <a:pPr lvl="0"/>
+            <a:endParaRPr lang="de-DE" sz="2800" dirty="0" smtClean="0"/>
+          </a:p>
+          <a:p>
+            <a:pPr lvl="0"/>
+            <a:r>
+              <a:rPr lang="de-DE" sz="2800" dirty="0" smtClean="0"/>
+              <a:t>Auswahl </a:t>
+            </a:r>
+            <a:r>
+              <a:rPr lang="de-DE" sz="2800" dirty="0"/>
+              <a:t>des Architekturmusters</a:t>
+            </a:r>
+          </a:p>
+          <a:p>
+            <a:pPr lvl="0"/>
+            <a:endParaRPr lang="de-DE" sz="2800" dirty="0" smtClean="0"/>
+          </a:p>
+          <a:p>
+            <a:pPr lvl="0"/>
+            <a:r>
+              <a:rPr lang="de-DE" sz="2800" dirty="0" smtClean="0"/>
+              <a:t>Zusammenfassung </a:t>
+            </a:r>
+            <a:r>
+              <a:rPr lang="de-DE" sz="2800" dirty="0"/>
+              <a:t>im Pflichtenheft</a:t>
+            </a:r>
+          </a:p>
+          <a:p>
+            <a:endParaRPr lang="de-DE" dirty="0"/>
           </a:p>
         </p:txBody>
       </p:sp>
@@ -8022,13 +9999,19 @@
             <p:ph type="title"/>
           </p:nvPr>
         </p:nvSpPr>
-        <p:spPr/>
+        <p:spPr>
+          <a:xfrm>
+            <a:off x="685800" y="274638"/>
+            <a:ext cx="7772400" cy="1143000"/>
+          </a:xfrm>
+        </p:spPr>
         <p:txBody>
           <a:bodyPr>
             <a:normAutofit fontScale="90000"/>
           </a:bodyPr>
           <a:lstStyle/>
           <a:p>
+            <a:pPr algn="ctr"/>
             <a:r>
               <a:rPr lang="de-DE" dirty="0" smtClean="0"/>
               <a:t>Vorgehen – Implementierungsphase</a:t>
@@ -8039,12 +10022,90 @@
       </p:sp>
       <p:sp>
         <p:nvSpPr>
+          <p:cNvPr id="4" name="Datumsplatzhalter 3"/>
+          <p:cNvSpPr>
+            <a:spLocks noGrp="1"/>
+          </p:cNvSpPr>
+          <p:nvPr>
+            <p:ph type="dt" sz="half" idx="10"/>
+          </p:nvPr>
+        </p:nvSpPr>
+        <p:spPr/>
+        <p:txBody>
+          <a:bodyPr/>
+          <a:lstStyle/>
+          <a:p>
+            <a:fld id="{05F22D9F-EC0C-4270-B163-F4700E1B07DD}" type="datetime1">
+              <a:rPr lang="de-DE" smtClean="0"/>
+              <a:t>09.12.2018</a:t>
+            </a:fld>
+            <a:endParaRPr lang="de-DE"/>
+          </a:p>
+        </p:txBody>
+      </p:sp>
+      <p:sp>
+        <p:nvSpPr>
+          <p:cNvPr id="5" name="Fußzeilenplatzhalter 4"/>
+          <p:cNvSpPr>
+            <a:spLocks noGrp="1"/>
+          </p:cNvSpPr>
+          <p:nvPr>
+            <p:ph type="ftr" sz="quarter" idx="11"/>
+          </p:nvPr>
+        </p:nvSpPr>
+        <p:spPr>
+          <a:xfrm>
+            <a:off x="914400" y="6172200"/>
+            <a:ext cx="6177880" cy="457200"/>
+          </a:xfrm>
+        </p:spPr>
+        <p:txBody>
+          <a:bodyPr/>
+          <a:lstStyle/>
+          <a:p>
+            <a:r>
+              <a:rPr lang="de-DE" dirty="0" smtClean="0"/>
+              <a:t>Zitaterfassung - Lars Baumgarten, Tim Rumrich, Pascal </a:t>
+            </a:r>
+            <a:r>
+              <a:rPr lang="de-DE" dirty="0" err="1" smtClean="0"/>
+              <a:t>Schmotz</a:t>
+            </a:r>
+            <a:endParaRPr lang="de-DE" dirty="0"/>
+          </a:p>
+        </p:txBody>
+      </p:sp>
+      <p:sp>
+        <p:nvSpPr>
+          <p:cNvPr id="6" name="Foliennummernplatzhalter 5"/>
+          <p:cNvSpPr>
+            <a:spLocks noGrp="1"/>
+          </p:cNvSpPr>
+          <p:nvPr>
+            <p:ph type="sldNum" sz="quarter" idx="12"/>
+          </p:nvPr>
+        </p:nvSpPr>
+        <p:spPr/>
+        <p:txBody>
+          <a:bodyPr/>
+          <a:lstStyle/>
+          <a:p>
+            <a:fld id="{6C6AE60A-B69C-4790-82F7-3882EDF23186}" type="slidenum">
+              <a:rPr lang="de-DE" smtClean="0"/>
+              <a:t>18</a:t>
+            </a:fld>
+            <a:endParaRPr lang="de-DE"/>
+          </a:p>
+        </p:txBody>
+      </p:sp>
+      <p:sp>
+        <p:nvSpPr>
           <p:cNvPr id="3" name="Inhaltsplatzhalter 2"/>
           <p:cNvSpPr>
             <a:spLocks noGrp="1"/>
           </p:cNvSpPr>
           <p:nvPr>
-            <p:ph idx="1"/>
+            <p:ph sz="quarter" idx="1"/>
           </p:nvPr>
         </p:nvSpPr>
         <p:spPr/>
@@ -8055,26 +10116,30 @@
             <a:endParaRPr lang="de-DE" dirty="0" smtClean="0"/>
           </a:p>
           <a:p>
-            <a:r>
-              <a:rPr lang="de-DE" dirty="0" smtClean="0"/>
+            <a:endParaRPr lang="de-DE" sz="2800" dirty="0" smtClean="0"/>
+          </a:p>
+          <a:p>
+            <a:r>
+              <a:rPr lang="de-DE" sz="2800" dirty="0" smtClean="0"/>
               <a:t>Benutzeroberflächen</a:t>
             </a:r>
-          </a:p>
-          <a:p>
-            <a:endParaRPr lang="de-DE" dirty="0"/>
-          </a:p>
-          <a:p>
-            <a:r>
-              <a:rPr lang="de-DE" dirty="0" smtClean="0"/>
+            <a:endParaRPr lang="de-DE" sz="2800" dirty="0" smtClean="0"/>
+          </a:p>
+          <a:p>
+            <a:endParaRPr lang="de-DE" sz="2800" dirty="0"/>
+          </a:p>
+          <a:p>
+            <a:r>
+              <a:rPr lang="de-DE" sz="2800" dirty="0" smtClean="0"/>
               <a:t>Backendlogik</a:t>
             </a:r>
           </a:p>
           <a:p>
-            <a:endParaRPr lang="de-DE" dirty="0"/>
-          </a:p>
-          <a:p>
-            <a:r>
-              <a:rPr lang="de-DE" dirty="0" smtClean="0"/>
+            <a:endParaRPr lang="de-DE" sz="2800" dirty="0"/>
+          </a:p>
+          <a:p>
+            <a:r>
+              <a:rPr lang="de-DE" sz="2800" dirty="0" smtClean="0"/>
               <a:t>Datenbank</a:t>
             </a:r>
           </a:p>
@@ -8122,24 +10187,54 @@
       </p:grpSpPr>
       <p:sp>
         <p:nvSpPr>
-          <p:cNvPr id="2" name="Titel 1"/>
-          <p:cNvSpPr>
-            <a:spLocks noGrp="1"/>
-          </p:cNvSpPr>
-          <p:nvPr>
-            <p:ph type="title"/>
-          </p:nvPr>
-        </p:nvSpPr>
-        <p:spPr/>
-        <p:txBody>
-          <a:bodyPr>
-            <a:normAutofit/>
-          </a:bodyPr>
+          <p:cNvPr id="4" name="Datumsplatzhalter 3"/>
+          <p:cNvSpPr>
+            <a:spLocks noGrp="1"/>
+          </p:cNvSpPr>
+          <p:nvPr>
+            <p:ph type="dt" sz="half" idx="10"/>
+          </p:nvPr>
+        </p:nvSpPr>
+        <p:spPr/>
+        <p:txBody>
+          <a:bodyPr/>
+          <a:lstStyle/>
+          <a:p>
+            <a:fld id="{05F22D9F-EC0C-4270-B163-F4700E1B07DD}" type="datetime1">
+              <a:rPr lang="de-DE" smtClean="0"/>
+              <a:t>09.12.2018</a:t>
+            </a:fld>
+            <a:endParaRPr lang="de-DE"/>
+          </a:p>
+        </p:txBody>
+      </p:sp>
+      <p:sp>
+        <p:nvSpPr>
+          <p:cNvPr id="5" name="Fußzeilenplatzhalter 4"/>
+          <p:cNvSpPr>
+            <a:spLocks noGrp="1"/>
+          </p:cNvSpPr>
+          <p:nvPr>
+            <p:ph type="ftr" sz="quarter" idx="11"/>
+          </p:nvPr>
+        </p:nvSpPr>
+        <p:spPr>
+          <a:xfrm>
+            <a:off x="914400" y="6172200"/>
+            <a:ext cx="6177880" cy="457200"/>
+          </a:xfrm>
+        </p:spPr>
+        <p:txBody>
+          <a:bodyPr/>
           <a:lstStyle/>
           <a:p>
             <a:r>
               <a:rPr lang="de-DE" dirty="0" smtClean="0"/>
-              <a:t>Vorgehen – Abnahmephase</a:t>
+              <a:t>Zitaterfassung - Lars Baumgarten, Tim Rumrich, Pascal </a:t>
+            </a:r>
+            <a:r>
+              <a:rPr lang="de-DE" dirty="0" err="1" smtClean="0"/>
+              <a:t>Schmotz</a:t>
             </a:r>
             <a:endParaRPr lang="de-DE" dirty="0"/>
           </a:p>
@@ -8147,43 +10242,97 @@
       </p:sp>
       <p:sp>
         <p:nvSpPr>
-          <p:cNvPr id="3" name="Inhaltsplatzhalter 2"/>
-          <p:cNvSpPr>
-            <a:spLocks noGrp="1"/>
-          </p:cNvSpPr>
-          <p:nvPr>
-            <p:ph idx="1"/>
-          </p:nvPr>
-        </p:nvSpPr>
-        <p:spPr/>
-        <p:txBody>
-          <a:bodyPr/>
-          <a:lstStyle/>
-          <a:p>
-            <a:endParaRPr lang="de-DE" dirty="0" smtClean="0"/>
-          </a:p>
-          <a:p>
-            <a:r>
-              <a:rPr lang="de-DE" dirty="0" smtClean="0"/>
-              <a:t>Vorstellung der Anwendung</a:t>
-            </a:r>
-          </a:p>
-          <a:p>
-            <a:endParaRPr lang="de-DE" dirty="0"/>
-          </a:p>
-          <a:p>
-            <a:r>
-              <a:rPr lang="de-DE" dirty="0" smtClean="0"/>
-              <a:t>Reibungsloser Ablauf durch agile Entwicklung</a:t>
-            </a:r>
-            <a:endParaRPr lang="de-DE" dirty="0"/>
-          </a:p>
-        </p:txBody>
-      </p:sp>
+          <p:cNvPr id="6" name="Foliennummernplatzhalter 5"/>
+          <p:cNvSpPr>
+            <a:spLocks noGrp="1"/>
+          </p:cNvSpPr>
+          <p:nvPr>
+            <p:ph type="sldNum" sz="quarter" idx="12"/>
+          </p:nvPr>
+        </p:nvSpPr>
+        <p:spPr/>
+        <p:txBody>
+          <a:bodyPr/>
+          <a:lstStyle/>
+          <a:p>
+            <a:fld id="{6C6AE60A-B69C-4790-82F7-3882EDF23186}" type="slidenum">
+              <a:rPr lang="de-DE" smtClean="0"/>
+              <a:t>19</a:t>
+            </a:fld>
+            <a:endParaRPr lang="de-DE"/>
+          </a:p>
+        </p:txBody>
+      </p:sp>
+      <p:pic>
+        <p:nvPicPr>
+          <p:cNvPr id="5122" name="Picture 2"/>
+          <p:cNvPicPr>
+            <a:picLocks noGrp="1" noChangeAspect="1" noChangeArrowheads="1"/>
+          </p:cNvPicPr>
+          <p:nvPr>
+            <p:ph sz="quarter" idx="1"/>
+          </p:nvPr>
+        </p:nvPicPr>
+        <p:blipFill>
+          <a:blip r:embed="rId3">
+            <a:extLst>
+              <a:ext uri="{28A0092B-C50C-407E-A947-70E740481C1C}">
+                <a14:useLocalDpi xmlns:a14="http://schemas.microsoft.com/office/drawing/2010/main" val="0"/>
+              </a:ext>
+            </a:extLst>
+          </a:blip>
+          <a:srcRect/>
+          <a:stretch>
+            <a:fillRect/>
+          </a:stretch>
+        </p:blipFill>
+        <p:spPr bwMode="auto">
+          <a:xfrm>
+            <a:off x="2843808" y="1097260"/>
+            <a:ext cx="3456384" cy="4663480"/>
+          </a:xfrm>
+          <a:prstGeom prst="rect">
+            <a:avLst/>
+          </a:prstGeom>
+          <a:noFill/>
+          <a:ln>
+            <a:noFill/>
+          </a:ln>
+          <a:effectLst/>
+          <a:extLst>
+            <a:ext uri="{909E8E84-426E-40DD-AFC4-6F175D3DCCD1}">
+              <a14:hiddenFill xmlns:a14="http://schemas.microsoft.com/office/drawing/2010/main">
+                <a:solidFill>
+                  <a:schemeClr val="accent1"/>
+                </a:solidFill>
+              </a14:hiddenFill>
+            </a:ext>
+            <a:ext uri="{91240B29-F687-4F45-9708-019B960494DF}">
+              <a14:hiddenLine xmlns:a14="http://schemas.microsoft.com/office/drawing/2010/main" w="9525">
+                <a:solidFill>
+                  <a:schemeClr val="tx1"/>
+                </a:solidFill>
+                <a:miter lim="800000"/>
+                <a:headEnd/>
+                <a:tailEnd/>
+              </a14:hiddenLine>
+            </a:ext>
+            <a:ext uri="{AF507438-7753-43E0-B8FC-AC1667EBCBE1}">
+              <a14:hiddenEffects xmlns:a14="http://schemas.microsoft.com/office/drawing/2010/main">
+                <a:effectLst>
+                  <a:outerShdw dist="35921" dir="2700000" algn="ctr" rotWithShape="0">
+                    <a:schemeClr val="bg2"/>
+                  </a:outerShdw>
+                </a:effectLst>
+              </a14:hiddenEffects>
+            </a:ext>
+          </a:extLst>
+        </p:spPr>
+      </p:pic>
     </p:spTree>
     <p:extLst>
       <p:ext uri="{BB962C8B-B14F-4D97-AF65-F5344CB8AC3E}">
-        <p14:creationId xmlns:p14="http://schemas.microsoft.com/office/powerpoint/2010/main" val="2856482283"/>
+        <p14:creationId xmlns:p14="http://schemas.microsoft.com/office/powerpoint/2010/main" val="1743296443"/>
       </p:ext>
     </p:extLst>
   </p:cSld>
@@ -8227,11 +10376,19 @@
             <p:ph type="title"/>
           </p:nvPr>
         </p:nvSpPr>
-        <p:spPr/>
-        <p:txBody>
-          <a:bodyPr/>
-          <a:lstStyle/>
-          <a:p>
+        <p:spPr>
+          <a:xfrm>
+            <a:off x="685800" y="274638"/>
+            <a:ext cx="7772400" cy="922114"/>
+          </a:xfrm>
+        </p:spPr>
+        <p:txBody>
+          <a:bodyPr>
+            <a:normAutofit/>
+          </a:bodyPr>
+          <a:lstStyle/>
+          <a:p>
+            <a:pPr algn="ctr"/>
             <a:r>
               <a:rPr lang="de-DE" dirty="0" smtClean="0"/>
               <a:t>Gliederung</a:t>
@@ -8242,108 +10399,191 @@
       </p:sp>
       <p:sp>
         <p:nvSpPr>
+          <p:cNvPr id="4" name="Datumsplatzhalter 3"/>
+          <p:cNvSpPr>
+            <a:spLocks noGrp="1"/>
+          </p:cNvSpPr>
+          <p:nvPr>
+            <p:ph type="dt" sz="half" idx="10"/>
+          </p:nvPr>
+        </p:nvSpPr>
+        <p:spPr/>
+        <p:txBody>
+          <a:bodyPr/>
+          <a:lstStyle/>
+          <a:p>
+            <a:fld id="{2320E6A0-9604-4455-873D-6EDFB00F0598}" type="datetime1">
+              <a:rPr lang="de-DE" smtClean="0"/>
+              <a:t>09.12.2018</a:t>
+            </a:fld>
+            <a:endParaRPr lang="de-DE"/>
+          </a:p>
+        </p:txBody>
+      </p:sp>
+      <p:sp>
+        <p:nvSpPr>
+          <p:cNvPr id="5" name="Fußzeilenplatzhalter 4"/>
+          <p:cNvSpPr>
+            <a:spLocks noGrp="1"/>
+          </p:cNvSpPr>
+          <p:nvPr>
+            <p:ph type="ftr" sz="quarter" idx="11"/>
+          </p:nvPr>
+        </p:nvSpPr>
+        <p:spPr>
+          <a:xfrm>
+            <a:off x="914400" y="6172200"/>
+            <a:ext cx="5889848" cy="457200"/>
+          </a:xfrm>
+        </p:spPr>
+        <p:txBody>
+          <a:bodyPr/>
+          <a:lstStyle/>
+          <a:p>
+            <a:r>
+              <a:rPr lang="de-DE" dirty="0" smtClean="0"/>
+              <a:t>Zitaterfassung - Lars Baumgarten, Tim Rumrich, Pascal </a:t>
+            </a:r>
+            <a:r>
+              <a:rPr lang="de-DE" dirty="0" err="1" smtClean="0"/>
+              <a:t>Schmotz</a:t>
+            </a:r>
+            <a:endParaRPr lang="de-DE" dirty="0"/>
+          </a:p>
+        </p:txBody>
+      </p:sp>
+      <p:sp>
+        <p:nvSpPr>
+          <p:cNvPr id="6" name="Foliennummernplatzhalter 5"/>
+          <p:cNvSpPr>
+            <a:spLocks noGrp="1"/>
+          </p:cNvSpPr>
+          <p:nvPr>
+            <p:ph type="sldNum" sz="quarter" idx="12"/>
+          </p:nvPr>
+        </p:nvSpPr>
+        <p:spPr/>
+        <p:txBody>
+          <a:bodyPr/>
+          <a:lstStyle/>
+          <a:p>
+            <a:fld id="{6C6AE60A-B69C-4790-82F7-3882EDF23186}" type="slidenum">
+              <a:rPr lang="de-DE" smtClean="0"/>
+              <a:t>2</a:t>
+            </a:fld>
+            <a:endParaRPr lang="de-DE"/>
+          </a:p>
+        </p:txBody>
+      </p:sp>
+      <p:sp>
+        <p:nvSpPr>
           <p:cNvPr id="3" name="Inhaltsplatzhalter 2"/>
           <p:cNvSpPr>
             <a:spLocks noGrp="1"/>
           </p:cNvSpPr>
           <p:nvPr>
-            <p:ph idx="1"/>
+            <p:ph sz="quarter" idx="1"/>
           </p:nvPr>
         </p:nvSpPr>
         <p:spPr/>
         <p:txBody>
           <a:bodyPr>
-            <a:normAutofit fontScale="85000" lnSpcReduction="20000"/>
+            <a:noAutofit/>
           </a:bodyPr>
           <a:lstStyle/>
           <a:p>
             <a:r>
-              <a:rPr lang="de-DE" dirty="0" smtClean="0"/>
-              <a:t>Vorstellung /P</a:t>
-            </a:r>
-          </a:p>
-          <a:p>
-            <a:r>
-              <a:rPr lang="de-DE" dirty="0" smtClean="0"/>
-              <a:t>Problemstellung /P</a:t>
-            </a:r>
+              <a:rPr lang="de-DE" sz="2800" dirty="0" smtClean="0"/>
+              <a:t>Vorstellung</a:t>
+            </a:r>
+            <a:endParaRPr lang="de-DE" sz="2000" dirty="0" smtClean="0"/>
+          </a:p>
+          <a:p>
+            <a:r>
+              <a:rPr lang="de-DE" sz="2800" dirty="0" smtClean="0"/>
+              <a:t>Problemstellung</a:t>
+            </a:r>
+            <a:endParaRPr lang="de-DE" sz="2800" dirty="0" smtClean="0"/>
           </a:p>
           <a:p>
             <a:pPr lvl="1"/>
             <a:r>
-              <a:rPr lang="de-DE" dirty="0" smtClean="0"/>
+              <a:rPr lang="de-DE" sz="2000" dirty="0" smtClean="0"/>
               <a:t>Projektbeschreibung</a:t>
             </a:r>
           </a:p>
           <a:p>
             <a:pPr lvl="1"/>
             <a:r>
-              <a:rPr lang="de-DE" dirty="0" smtClean="0"/>
+              <a:rPr lang="de-DE" sz="2000" dirty="0" smtClean="0"/>
               <a:t>-umfeld</a:t>
             </a:r>
           </a:p>
           <a:p>
             <a:pPr lvl="1"/>
             <a:r>
-              <a:rPr lang="de-DE" dirty="0" smtClean="0"/>
+              <a:rPr lang="de-DE" sz="2000" dirty="0" smtClean="0"/>
               <a:t>-ziel/-begründung</a:t>
             </a:r>
           </a:p>
           <a:p>
             <a:r>
-              <a:rPr lang="de-DE" dirty="0" smtClean="0"/>
-              <a:t>Planung /T</a:t>
-            </a:r>
+              <a:rPr lang="de-DE" sz="2800" dirty="0" smtClean="0"/>
+              <a:t>Planung</a:t>
+            </a:r>
+            <a:endParaRPr lang="de-DE" sz="2800" dirty="0" smtClean="0"/>
           </a:p>
           <a:p>
             <a:pPr lvl="1"/>
             <a:r>
-              <a:rPr lang="de-DE" dirty="0" smtClean="0"/>
+              <a:rPr lang="de-DE" sz="2000" dirty="0" smtClean="0"/>
               <a:t>Phasen / Ressourcenplanung</a:t>
             </a:r>
           </a:p>
           <a:p>
             <a:r>
-              <a:rPr lang="de-DE" dirty="0" smtClean="0"/>
-              <a:t>Vorgehen /T /L</a:t>
-            </a:r>
+              <a:rPr lang="de-DE" sz="2800" dirty="0" smtClean="0"/>
+              <a:t>Vorgehen</a:t>
+            </a:r>
+            <a:endParaRPr lang="de-DE" sz="2800" dirty="0" smtClean="0"/>
           </a:p>
           <a:p>
             <a:pPr lvl="1"/>
             <a:r>
-              <a:rPr lang="de-DE" dirty="0" smtClean="0"/>
+              <a:rPr lang="de-DE" sz="2000" dirty="0" smtClean="0"/>
               <a:t>Analyse/Entwurf/Implementierung/Abnahme</a:t>
             </a:r>
           </a:p>
           <a:p>
             <a:r>
-              <a:rPr lang="de-DE" dirty="0" smtClean="0"/>
-              <a:t>Fazit /L</a:t>
-            </a:r>
+              <a:rPr lang="de-DE" sz="2800" dirty="0" smtClean="0"/>
+              <a:t>Fazit</a:t>
+            </a:r>
+            <a:endParaRPr lang="de-DE" sz="2800" dirty="0" smtClean="0"/>
           </a:p>
           <a:p>
             <a:pPr lvl="1"/>
             <a:r>
-              <a:rPr lang="de-DE" dirty="0" smtClean="0"/>
+              <a:rPr lang="de-DE" sz="2000" dirty="0" smtClean="0"/>
               <a:t>Soll/Ist, </a:t>
             </a:r>
             <a:r>
-              <a:rPr lang="de-DE" dirty="0" err="1" smtClean="0"/>
+              <a:rPr lang="de-DE" sz="2000" dirty="0" err="1" smtClean="0"/>
               <a:t>Lessons</a:t>
             </a:r>
             <a:r>
-              <a:rPr lang="de-DE" dirty="0" smtClean="0"/>
+              <a:rPr lang="de-DE" sz="2000" dirty="0" smtClean="0"/>
               <a:t> </a:t>
             </a:r>
             <a:r>
-              <a:rPr lang="de-DE" dirty="0" err="1" smtClean="0"/>
+              <a:rPr lang="de-DE" sz="2000" dirty="0" err="1" smtClean="0"/>
               <a:t>learned</a:t>
             </a:r>
             <a:r>
-              <a:rPr lang="de-DE" dirty="0" smtClean="0"/>
+              <a:rPr lang="de-DE" sz="2000" dirty="0" smtClean="0"/>
               <a:t>, Ausblick</a:t>
             </a:r>
-            <a:endParaRPr lang="de-DE" dirty="0"/>
+            <a:endParaRPr lang="de-DE" sz="2000" dirty="0"/>
           </a:p>
         </p:txBody>
       </p:sp>
@@ -8386,22 +10626,54 @@
       </p:grpSpPr>
       <p:sp>
         <p:nvSpPr>
-          <p:cNvPr id="2" name="Titel 1"/>
-          <p:cNvSpPr>
-            <a:spLocks noGrp="1"/>
-          </p:cNvSpPr>
-          <p:nvPr>
-            <p:ph type="title"/>
-          </p:nvPr>
-        </p:nvSpPr>
-        <p:spPr/>
+          <p:cNvPr id="4" name="Datumsplatzhalter 3"/>
+          <p:cNvSpPr>
+            <a:spLocks noGrp="1"/>
+          </p:cNvSpPr>
+          <p:nvPr>
+            <p:ph type="dt" sz="half" idx="10"/>
+          </p:nvPr>
+        </p:nvSpPr>
+        <p:spPr/>
+        <p:txBody>
+          <a:bodyPr/>
+          <a:lstStyle/>
+          <a:p>
+            <a:fld id="{05F22D9F-EC0C-4270-B163-F4700E1B07DD}" type="datetime1">
+              <a:rPr lang="de-DE" smtClean="0"/>
+              <a:t>09.12.2018</a:t>
+            </a:fld>
+            <a:endParaRPr lang="de-DE"/>
+          </a:p>
+        </p:txBody>
+      </p:sp>
+      <p:sp>
+        <p:nvSpPr>
+          <p:cNvPr id="5" name="Fußzeilenplatzhalter 4"/>
+          <p:cNvSpPr>
+            <a:spLocks noGrp="1"/>
+          </p:cNvSpPr>
+          <p:nvPr>
+            <p:ph type="ftr" sz="quarter" idx="11"/>
+          </p:nvPr>
+        </p:nvSpPr>
+        <p:spPr>
+          <a:xfrm>
+            <a:off x="914400" y="6172200"/>
+            <a:ext cx="6177880" cy="457200"/>
+          </a:xfrm>
+        </p:spPr>
         <p:txBody>
           <a:bodyPr/>
           <a:lstStyle/>
           <a:p>
             <a:r>
               <a:rPr lang="de-DE" dirty="0" smtClean="0"/>
-              <a:t>Fazit</a:t>
+              <a:t>Zitaterfassung - Lars Baumgarten, Tim Rumrich, Pascal </a:t>
+            </a:r>
+            <a:r>
+              <a:rPr lang="de-DE" dirty="0" err="1" smtClean="0"/>
+              <a:t>Schmotz</a:t>
             </a:r>
             <a:endParaRPr lang="de-DE" dirty="0"/>
           </a:p>
@@ -8409,27 +10681,87 @@
       </p:sp>
       <p:sp>
         <p:nvSpPr>
-          <p:cNvPr id="3" name="Inhaltsplatzhalter 2"/>
-          <p:cNvSpPr>
-            <a:spLocks noGrp="1"/>
-          </p:cNvSpPr>
-          <p:nvPr>
-            <p:ph idx="1"/>
-          </p:nvPr>
-        </p:nvSpPr>
-        <p:spPr/>
-        <p:txBody>
-          <a:bodyPr/>
-          <a:lstStyle/>
-          <a:p>
+          <p:cNvPr id="6" name="Foliennummernplatzhalter 5"/>
+          <p:cNvSpPr>
+            <a:spLocks noGrp="1"/>
+          </p:cNvSpPr>
+          <p:nvPr>
+            <p:ph type="sldNum" sz="quarter" idx="12"/>
+          </p:nvPr>
+        </p:nvSpPr>
+        <p:spPr/>
+        <p:txBody>
+          <a:bodyPr/>
+          <a:lstStyle/>
+          <a:p>
+            <a:fld id="{6C6AE60A-B69C-4790-82F7-3882EDF23186}" type="slidenum">
+              <a:rPr lang="de-DE" smtClean="0"/>
+              <a:t>20</a:t>
+            </a:fld>
             <a:endParaRPr lang="de-DE"/>
           </a:p>
         </p:txBody>
       </p:sp>
+      <p:pic>
+        <p:nvPicPr>
+          <p:cNvPr id="4098" name="Picture 2"/>
+          <p:cNvPicPr>
+            <a:picLocks noGrp="1" noChangeAspect="1" noChangeArrowheads="1"/>
+          </p:cNvPicPr>
+          <p:nvPr>
+            <p:ph sz="quarter" idx="1"/>
+          </p:nvPr>
+        </p:nvPicPr>
+        <p:blipFill>
+          <a:blip r:embed="rId3">
+            <a:extLst>
+              <a:ext uri="{28A0092B-C50C-407E-A947-70E740481C1C}">
+                <a14:useLocalDpi xmlns:a14="http://schemas.microsoft.com/office/drawing/2010/main" val="0"/>
+              </a:ext>
+            </a:extLst>
+          </a:blip>
+          <a:srcRect/>
+          <a:stretch>
+            <a:fillRect/>
+          </a:stretch>
+        </p:blipFill>
+        <p:spPr bwMode="auto">
+          <a:xfrm>
+            <a:off x="1654319" y="205787"/>
+            <a:ext cx="5835362" cy="5814013"/>
+          </a:xfrm>
+          <a:prstGeom prst="rect">
+            <a:avLst/>
+          </a:prstGeom>
+          <a:noFill/>
+          <a:ln>
+            <a:noFill/>
+          </a:ln>
+          <a:extLst>
+            <a:ext uri="{909E8E84-426E-40DD-AFC4-6F175D3DCCD1}">
+              <a14:hiddenFill xmlns:a14="http://schemas.microsoft.com/office/drawing/2010/main">
+                <a:solidFill>
+                  <a:schemeClr val="accent1"/>
+                </a:solidFill>
+              </a14:hiddenFill>
+            </a:ext>
+            <a:ext uri="{91240B29-F687-4F45-9708-019B960494DF}">
+              <a14:hiddenLine xmlns:a14="http://schemas.microsoft.com/office/drawing/2010/main" w="9525">
+                <a:solidFill>
+                  <a:schemeClr val="tx1"/>
+                </a:solidFill>
+                <a:miter lim="800000"/>
+                <a:headEnd/>
+                <a:tailEnd/>
+              </a14:hiddenLine>
+            </a:ext>
+          </a:extLst>
+        </p:spPr>
+      </p:pic>
     </p:spTree>
     <p:extLst>
       <p:ext uri="{BB962C8B-B14F-4D97-AF65-F5344CB8AC3E}">
-        <p14:creationId xmlns:p14="http://schemas.microsoft.com/office/powerpoint/2010/main" val="362528276"/>
+        <p14:creationId xmlns:p14="http://schemas.microsoft.com/office/powerpoint/2010/main" val="3585014563"/>
       </p:ext>
     </p:extLst>
   </p:cSld>
@@ -8465,22 +10797,54 @@
       </p:grpSpPr>
       <p:sp>
         <p:nvSpPr>
-          <p:cNvPr id="2" name="Titel 1"/>
-          <p:cNvSpPr>
-            <a:spLocks noGrp="1"/>
-          </p:cNvSpPr>
-          <p:nvPr>
-            <p:ph type="title"/>
-          </p:nvPr>
-        </p:nvSpPr>
-        <p:spPr/>
+          <p:cNvPr id="4" name="Datumsplatzhalter 3"/>
+          <p:cNvSpPr>
+            <a:spLocks noGrp="1"/>
+          </p:cNvSpPr>
+          <p:nvPr>
+            <p:ph type="dt" sz="half" idx="10"/>
+          </p:nvPr>
+        </p:nvSpPr>
+        <p:spPr/>
+        <p:txBody>
+          <a:bodyPr/>
+          <a:lstStyle/>
+          <a:p>
+            <a:fld id="{05F22D9F-EC0C-4270-B163-F4700E1B07DD}" type="datetime1">
+              <a:rPr lang="de-DE" smtClean="0"/>
+              <a:t>09.12.2018</a:t>
+            </a:fld>
+            <a:endParaRPr lang="de-DE"/>
+          </a:p>
+        </p:txBody>
+      </p:sp>
+      <p:sp>
+        <p:nvSpPr>
+          <p:cNvPr id="5" name="Fußzeilenplatzhalter 4"/>
+          <p:cNvSpPr>
+            <a:spLocks noGrp="1"/>
+          </p:cNvSpPr>
+          <p:nvPr>
+            <p:ph type="ftr" sz="quarter" idx="11"/>
+          </p:nvPr>
+        </p:nvSpPr>
+        <p:spPr>
+          <a:xfrm>
+            <a:off x="914400" y="6172200"/>
+            <a:ext cx="6177880" cy="457200"/>
+          </a:xfrm>
+        </p:spPr>
         <p:txBody>
           <a:bodyPr/>
           <a:lstStyle/>
           <a:p>
             <a:r>
               <a:rPr lang="de-DE" dirty="0" smtClean="0"/>
-              <a:t>Fazit – Soll/Ist-Vergleich</a:t>
+              <a:t>Zitaterfassung - Lars Baumgarten, Tim Rumrich, Pascal </a:t>
+            </a:r>
+            <a:r>
+              <a:rPr lang="de-DE" dirty="0" err="1" smtClean="0"/>
+              <a:t>Schmotz</a:t>
             </a:r>
             <a:endParaRPr lang="de-DE" dirty="0"/>
           </a:p>
@@ -8488,51 +10852,72 @@
       </p:sp>
       <p:sp>
         <p:nvSpPr>
-          <p:cNvPr id="3" name="Inhaltsplatzhalter 2"/>
-          <p:cNvSpPr>
-            <a:spLocks noGrp="1"/>
-          </p:cNvSpPr>
-          <p:nvPr>
-            <p:ph idx="1"/>
-          </p:nvPr>
-        </p:nvSpPr>
-        <p:spPr/>
-        <p:txBody>
-          <a:bodyPr/>
-          <a:lstStyle/>
-          <a:p>
-            <a:endParaRPr lang="de-DE" dirty="0" smtClean="0"/>
-          </a:p>
-          <a:p>
-            <a:r>
-              <a:rPr lang="de-DE" dirty="0" smtClean="0"/>
-              <a:t>Alle verpflichtenden Aufgaben erfüllt</a:t>
-            </a:r>
-          </a:p>
-          <a:p>
-            <a:endParaRPr lang="de-DE" dirty="0"/>
-          </a:p>
-          <a:p>
-            <a:r>
-              <a:rPr lang="de-DE" dirty="0" smtClean="0"/>
-              <a:t>Kann-Kriterium der </a:t>
-            </a:r>
-            <a:r>
-              <a:rPr lang="de-DE" dirty="0" err="1" smtClean="0"/>
-              <a:t>Votingfunktion</a:t>
-            </a:r>
-            <a:r>
-              <a:rPr lang="de-DE" dirty="0" smtClean="0"/>
-              <a:t> nicht implementiert, aber Erweiterung gut möglich</a:t>
-            </a:r>
-            <a:endParaRPr lang="de-DE" dirty="0"/>
-          </a:p>
-        </p:txBody>
-      </p:sp>
+          <p:cNvPr id="6" name="Foliennummernplatzhalter 5"/>
+          <p:cNvSpPr>
+            <a:spLocks noGrp="1"/>
+          </p:cNvSpPr>
+          <p:nvPr>
+            <p:ph type="sldNum" sz="quarter" idx="12"/>
+          </p:nvPr>
+        </p:nvSpPr>
+        <p:spPr/>
+        <p:txBody>
+          <a:bodyPr/>
+          <a:lstStyle/>
+          <a:p>
+            <a:fld id="{6C6AE60A-B69C-4790-82F7-3882EDF23186}" type="slidenum">
+              <a:rPr lang="de-DE" smtClean="0"/>
+              <a:t>21</a:t>
+            </a:fld>
+            <a:endParaRPr lang="de-DE"/>
+          </a:p>
+        </p:txBody>
+      </p:sp>
+      <p:pic>
+        <p:nvPicPr>
+          <p:cNvPr id="7170" name="Picture 2" descr="C:\Users\notebook\Desktop\Schule\LF6\Projekt12FIAE\ERM.jpeg"/>
+          <p:cNvPicPr>
+            <a:picLocks noChangeAspect="1" noChangeArrowheads="1"/>
+          </p:cNvPicPr>
+          <p:nvPr/>
+        </p:nvPicPr>
+        <p:blipFill>
+          <a:blip r:embed="rId3">
+            <a:extLst>
+              <a:ext uri="{28A0092B-C50C-407E-A947-70E740481C1C}">
+                <a14:useLocalDpi xmlns:a14="http://schemas.microsoft.com/office/drawing/2010/main" val="0"/>
+              </a:ext>
+            </a:extLst>
+          </a:blip>
+          <a:srcRect/>
+          <a:stretch>
+            <a:fillRect/>
+          </a:stretch>
+        </p:blipFill>
+        <p:spPr bwMode="auto">
+          <a:xfrm>
+            <a:off x="771720" y="2024844"/>
+            <a:ext cx="7600561" cy="2808312"/>
+          </a:xfrm>
+          <a:prstGeom prst="rect">
+            <a:avLst/>
+          </a:prstGeom>
+          <a:noFill/>
+          <a:extLst>
+            <a:ext uri="{909E8E84-426E-40DD-AFC4-6F175D3DCCD1}">
+              <a14:hiddenFill xmlns:a14="http://schemas.microsoft.com/office/drawing/2010/main">
+                <a:solidFill>
+                  <a:srgbClr val="FFFFFF"/>
+                </a:solidFill>
+              </a14:hiddenFill>
+            </a:ext>
+          </a:extLst>
+        </p:spPr>
+      </p:pic>
     </p:spTree>
     <p:extLst>
       <p:ext uri="{BB962C8B-B14F-4D97-AF65-F5344CB8AC3E}">
-        <p14:creationId xmlns:p14="http://schemas.microsoft.com/office/powerpoint/2010/main" val="3424589276"/>
+        <p14:creationId xmlns:p14="http://schemas.microsoft.com/office/powerpoint/2010/main" val="3557501665"/>
       </p:ext>
     </p:extLst>
   </p:cSld>
@@ -8576,26 +10961,77 @@
             <p:ph type="title"/>
           </p:nvPr>
         </p:nvSpPr>
-        <p:spPr/>
+        <p:spPr>
+          <a:xfrm>
+            <a:off x="685800" y="274638"/>
+            <a:ext cx="7772400" cy="1143000"/>
+          </a:xfrm>
+        </p:spPr>
+        <p:txBody>
+          <a:bodyPr>
+            <a:normAutofit/>
+          </a:bodyPr>
+          <a:lstStyle/>
+          <a:p>
+            <a:pPr algn="ctr"/>
+            <a:r>
+              <a:rPr lang="de-DE" sz="3600" dirty="0" smtClean="0"/>
+              <a:t>Vorgehen – Abnahmephase</a:t>
+            </a:r>
+            <a:endParaRPr lang="de-DE" sz="3600" dirty="0"/>
+          </a:p>
+        </p:txBody>
+      </p:sp>
+      <p:sp>
+        <p:nvSpPr>
+          <p:cNvPr id="4" name="Datumsplatzhalter 3"/>
+          <p:cNvSpPr>
+            <a:spLocks noGrp="1"/>
+          </p:cNvSpPr>
+          <p:nvPr>
+            <p:ph type="dt" sz="half" idx="10"/>
+          </p:nvPr>
+        </p:nvSpPr>
+        <p:spPr/>
+        <p:txBody>
+          <a:bodyPr/>
+          <a:lstStyle/>
+          <a:p>
+            <a:fld id="{C5087191-3017-4311-A3D1-0FAE16B036EF}" type="datetime1">
+              <a:rPr lang="de-DE" smtClean="0"/>
+              <a:t>09.12.2018</a:t>
+            </a:fld>
+            <a:endParaRPr lang="de-DE"/>
+          </a:p>
+        </p:txBody>
+      </p:sp>
+      <p:sp>
+        <p:nvSpPr>
+          <p:cNvPr id="5" name="Fußzeilenplatzhalter 4"/>
+          <p:cNvSpPr>
+            <a:spLocks noGrp="1"/>
+          </p:cNvSpPr>
+          <p:nvPr>
+            <p:ph type="ftr" sz="quarter" idx="11"/>
+          </p:nvPr>
+        </p:nvSpPr>
+        <p:spPr>
+          <a:xfrm>
+            <a:off x="914400" y="6172200"/>
+            <a:ext cx="6393904" cy="457200"/>
+          </a:xfrm>
+        </p:spPr>
         <p:txBody>
           <a:bodyPr/>
           <a:lstStyle/>
           <a:p>
             <a:r>
               <a:rPr lang="de-DE" dirty="0" smtClean="0"/>
-              <a:t>Fazit – </a:t>
+              <a:t>Zitaterfassung - Lars Baumgarten, Tim Rumrich, Pascal </a:t>
             </a:r>
             <a:r>
               <a:rPr lang="de-DE" dirty="0" err="1" smtClean="0"/>
-              <a:t>Lessons</a:t>
-            </a:r>
-            <a:r>
-              <a:rPr lang="de-DE" dirty="0" smtClean="0"/>
-              <a:t> </a:t>
-            </a:r>
-            <a:r>
-              <a:rPr lang="de-DE" dirty="0" err="1" smtClean="0"/>
-              <a:t>Learned</a:t>
+              <a:t>Schmotz</a:t>
             </a:r>
             <a:endParaRPr lang="de-DE" dirty="0"/>
           </a:p>
@@ -8603,12 +11039,35 @@
       </p:sp>
       <p:sp>
         <p:nvSpPr>
+          <p:cNvPr id="6" name="Foliennummernplatzhalter 5"/>
+          <p:cNvSpPr>
+            <a:spLocks noGrp="1"/>
+          </p:cNvSpPr>
+          <p:nvPr>
+            <p:ph type="sldNum" sz="quarter" idx="12"/>
+          </p:nvPr>
+        </p:nvSpPr>
+        <p:spPr/>
+        <p:txBody>
+          <a:bodyPr/>
+          <a:lstStyle/>
+          <a:p>
+            <a:fld id="{6C6AE60A-B69C-4790-82F7-3882EDF23186}" type="slidenum">
+              <a:rPr lang="de-DE" smtClean="0"/>
+              <a:t>22</a:t>
+            </a:fld>
+            <a:endParaRPr lang="de-DE"/>
+          </a:p>
+        </p:txBody>
+      </p:sp>
+      <p:sp>
+        <p:nvSpPr>
           <p:cNvPr id="3" name="Inhaltsplatzhalter 2"/>
           <p:cNvSpPr>
             <a:spLocks noGrp="1"/>
           </p:cNvSpPr>
           <p:nvPr>
-            <p:ph idx="1"/>
+            <p:ph sz="quarter" idx="1"/>
           </p:nvPr>
         </p:nvSpPr>
         <p:spPr/>
@@ -8619,14 +11078,34 @@
             <a:endParaRPr lang="de-DE" dirty="0" smtClean="0"/>
           </a:p>
           <a:p>
-            <a:endParaRPr lang="de-DE" dirty="0"/>
+            <a:endParaRPr lang="de-DE" sz="2800" dirty="0" smtClean="0"/>
+          </a:p>
+          <a:p>
+            <a:r>
+              <a:rPr lang="de-DE" sz="2800" dirty="0" smtClean="0"/>
+              <a:t>Vorstellung </a:t>
+            </a:r>
+            <a:r>
+              <a:rPr lang="de-DE" sz="2800" dirty="0" smtClean="0"/>
+              <a:t>der Anwendung</a:t>
+            </a:r>
+          </a:p>
+          <a:p>
+            <a:endParaRPr lang="de-DE" sz="2800" dirty="0"/>
+          </a:p>
+          <a:p>
+            <a:r>
+              <a:rPr lang="de-DE" sz="2800" dirty="0" smtClean="0"/>
+              <a:t>Reibungsloser Ablauf durch agile Entwicklung</a:t>
+            </a:r>
+            <a:endParaRPr lang="de-DE" sz="2800" dirty="0"/>
           </a:p>
         </p:txBody>
       </p:sp>
     </p:spTree>
     <p:extLst>
       <p:ext uri="{BB962C8B-B14F-4D97-AF65-F5344CB8AC3E}">
-        <p14:creationId xmlns:p14="http://schemas.microsoft.com/office/powerpoint/2010/main" val="1342917282"/>
+        <p14:creationId xmlns:p14="http://schemas.microsoft.com/office/powerpoint/2010/main" val="2856482283"/>
       </p:ext>
     </p:extLst>
   </p:cSld>
@@ -8670,14 +11149,20 @@
             <p:ph type="title"/>
           </p:nvPr>
         </p:nvSpPr>
-        <p:spPr/>
-        <p:txBody>
-          <a:bodyPr/>
-          <a:lstStyle/>
-          <a:p>
+        <p:spPr>
+          <a:xfrm>
+            <a:off x="685800" y="274638"/>
+            <a:ext cx="7772400" cy="1143000"/>
+          </a:xfrm>
+        </p:spPr>
+        <p:txBody>
+          <a:bodyPr/>
+          <a:lstStyle/>
+          <a:p>
+            <a:pPr algn="ctr"/>
             <a:r>
               <a:rPr lang="de-DE" dirty="0" smtClean="0"/>
-              <a:t>Fazit – Ausblick</a:t>
+              <a:t>Fazit</a:t>
             </a:r>
             <a:endParaRPr lang="de-DE" dirty="0"/>
           </a:p>
@@ -8685,51 +11170,142 @@
       </p:sp>
       <p:sp>
         <p:nvSpPr>
-          <p:cNvPr id="3" name="Inhaltsplatzhalter 2"/>
-          <p:cNvSpPr>
-            <a:spLocks noGrp="1"/>
-          </p:cNvSpPr>
-          <p:nvPr>
-            <p:ph idx="1"/>
-          </p:nvPr>
-        </p:nvSpPr>
-        <p:spPr/>
-        <p:txBody>
-          <a:bodyPr/>
-          <a:lstStyle/>
-          <a:p>
-            <a:endParaRPr lang="de-DE" dirty="0" smtClean="0"/>
-          </a:p>
-          <a:p>
+          <p:cNvPr id="4" name="Datumsplatzhalter 3"/>
+          <p:cNvSpPr>
+            <a:spLocks noGrp="1"/>
+          </p:cNvSpPr>
+          <p:nvPr>
+            <p:ph type="dt" sz="half" idx="10"/>
+          </p:nvPr>
+        </p:nvSpPr>
+        <p:spPr/>
+        <p:txBody>
+          <a:bodyPr/>
+          <a:lstStyle/>
+          <a:p>
+            <a:fld id="{C8ACA415-7D9D-47A5-88AF-B43365B62C4D}" type="datetime1">
+              <a:rPr lang="de-DE" smtClean="0"/>
+              <a:t>09.12.2018</a:t>
+            </a:fld>
+            <a:endParaRPr lang="de-DE"/>
+          </a:p>
+        </p:txBody>
+      </p:sp>
+      <p:sp>
+        <p:nvSpPr>
+          <p:cNvPr id="5" name="Fußzeilenplatzhalter 4"/>
+          <p:cNvSpPr>
+            <a:spLocks noGrp="1"/>
+          </p:cNvSpPr>
+          <p:nvPr>
+            <p:ph type="ftr" sz="quarter" idx="11"/>
+          </p:nvPr>
+        </p:nvSpPr>
+        <p:spPr>
+          <a:xfrm>
+            <a:off x="914400" y="6172200"/>
+            <a:ext cx="6537920" cy="457200"/>
+          </a:xfrm>
+        </p:spPr>
+        <p:txBody>
+          <a:bodyPr/>
+          <a:lstStyle/>
+          <a:p>
+            <a:r>
+              <a:rPr lang="de-DE" dirty="0" smtClean="0"/>
+              <a:t>Zitaterfassung - Lars Baumgarten, Tim Rumrich, Pascal </a:t>
+            </a:r>
             <a:r>
               <a:rPr lang="de-DE" dirty="0" err="1" smtClean="0"/>
-              <a:t>Votingfunktion</a:t>
-            </a:r>
-            <a:r>
-              <a:rPr lang="de-DE" dirty="0" smtClean="0"/>
-              <a:t> implementierbar/erweiterbar</a:t>
-            </a:r>
-          </a:p>
-          <a:p>
+              <a:t>Schmotz</a:t>
+            </a:r>
             <a:endParaRPr lang="de-DE" dirty="0"/>
           </a:p>
-          <a:p>
-            <a:r>
-              <a:rPr lang="de-DE" dirty="0" smtClean="0"/>
-              <a:t>Umsetzung </a:t>
-            </a:r>
-            <a:r>
+        </p:txBody>
+      </p:sp>
+      <p:sp>
+        <p:nvSpPr>
+          <p:cNvPr id="6" name="Foliennummernplatzhalter 5"/>
+          <p:cNvSpPr>
+            <a:spLocks noGrp="1"/>
+          </p:cNvSpPr>
+          <p:nvPr>
+            <p:ph type="sldNum" sz="quarter" idx="12"/>
+          </p:nvPr>
+        </p:nvSpPr>
+        <p:spPr/>
+        <p:txBody>
+          <a:bodyPr/>
+          <a:lstStyle/>
+          <a:p>
+            <a:fld id="{6C6AE60A-B69C-4790-82F7-3882EDF23186}" type="slidenum">
               <a:rPr lang="de-DE" smtClean="0"/>
-              <a:t>als Webanwendung</a:t>
-            </a:r>
+              <a:t>23</a:t>
+            </a:fld>
             <a:endParaRPr lang="de-DE"/>
           </a:p>
         </p:txBody>
       </p:sp>
+      <p:pic>
+        <p:nvPicPr>
+          <p:cNvPr id="6146" name="Picture 2"/>
+          <p:cNvPicPr>
+            <a:picLocks noGrp="1" noChangeAspect="1" noChangeArrowheads="1"/>
+          </p:cNvPicPr>
+          <p:nvPr>
+            <p:ph sz="quarter" idx="1"/>
+          </p:nvPr>
+        </p:nvPicPr>
+        <p:blipFill>
+          <a:blip r:embed="rId3">
+            <a:extLst>
+              <a:ext uri="{28A0092B-C50C-407E-A947-70E740481C1C}">
+                <a14:useLocalDpi xmlns:a14="http://schemas.microsoft.com/office/drawing/2010/main" val="0"/>
+              </a:ext>
+            </a:extLst>
+          </a:blip>
+          <a:srcRect/>
+          <a:stretch>
+            <a:fillRect/>
+          </a:stretch>
+        </p:blipFill>
+        <p:spPr bwMode="auto">
+          <a:xfrm>
+            <a:off x="2685645" y="1660542"/>
+            <a:ext cx="3772710" cy="3536916"/>
+          </a:xfrm>
+          <a:prstGeom prst="rect">
+            <a:avLst/>
+          </a:prstGeom>
+          <a:noFill/>
+          <a:ln>
+            <a:noFill/>
+          </a:ln>
+          <a:extLst>
+            <a:ext uri="{909E8E84-426E-40DD-AFC4-6F175D3DCCD1}">
+              <a14:hiddenFill xmlns:a14="http://schemas.microsoft.com/office/drawing/2010/main">
+                <a:solidFill>
+                  <a:schemeClr val="accent1"/>
+                </a:solidFill>
+              </a14:hiddenFill>
+            </a:ext>
+            <a:ext uri="{91240B29-F687-4F45-9708-019B960494DF}">
+              <a14:hiddenLine xmlns:a14="http://schemas.microsoft.com/office/drawing/2010/main" w="9525">
+                <a:solidFill>
+                  <a:schemeClr val="tx1"/>
+                </a:solidFill>
+                <a:miter lim="800000"/>
+                <a:headEnd/>
+                <a:tailEnd/>
+              </a14:hiddenLine>
+            </a:ext>
+          </a:extLst>
+        </p:spPr>
+      </p:pic>
     </p:spTree>
     <p:extLst>
       <p:ext uri="{BB962C8B-B14F-4D97-AF65-F5344CB8AC3E}">
-        <p14:creationId xmlns:p14="http://schemas.microsoft.com/office/powerpoint/2010/main" val="196773362"/>
+        <p14:creationId xmlns:p14="http://schemas.microsoft.com/office/powerpoint/2010/main" val="362528276"/>
       </p:ext>
     </p:extLst>
   </p:cSld>
@@ -8765,6 +11341,609 @@
       </p:grpSpPr>
       <p:sp>
         <p:nvSpPr>
+          <p:cNvPr id="2" name="Titel 1"/>
+          <p:cNvSpPr>
+            <a:spLocks noGrp="1"/>
+          </p:cNvSpPr>
+          <p:nvPr>
+            <p:ph type="title"/>
+          </p:nvPr>
+        </p:nvSpPr>
+        <p:spPr>
+          <a:xfrm>
+            <a:off x="685800" y="274638"/>
+            <a:ext cx="7772400" cy="1143000"/>
+          </a:xfrm>
+        </p:spPr>
+        <p:txBody>
+          <a:bodyPr>
+            <a:normAutofit/>
+          </a:bodyPr>
+          <a:lstStyle/>
+          <a:p>
+            <a:pPr algn="ctr"/>
+            <a:r>
+              <a:rPr lang="de-DE" sz="3600" dirty="0" smtClean="0"/>
+              <a:t>Fazit – Soll/Ist-Vergleich</a:t>
+            </a:r>
+            <a:endParaRPr lang="de-DE" sz="3600" dirty="0"/>
+          </a:p>
+        </p:txBody>
+      </p:sp>
+      <p:sp>
+        <p:nvSpPr>
+          <p:cNvPr id="4" name="Datumsplatzhalter 3"/>
+          <p:cNvSpPr>
+            <a:spLocks noGrp="1"/>
+          </p:cNvSpPr>
+          <p:nvPr>
+            <p:ph type="dt" sz="half" idx="10"/>
+          </p:nvPr>
+        </p:nvSpPr>
+        <p:spPr/>
+        <p:txBody>
+          <a:bodyPr/>
+          <a:lstStyle/>
+          <a:p>
+            <a:fld id="{90F8F0E5-4552-4A37-865B-4A5CFA9FFFC7}" type="datetime1">
+              <a:rPr lang="de-DE" smtClean="0"/>
+              <a:t>09.12.2018</a:t>
+            </a:fld>
+            <a:endParaRPr lang="de-DE"/>
+          </a:p>
+        </p:txBody>
+      </p:sp>
+      <p:sp>
+        <p:nvSpPr>
+          <p:cNvPr id="5" name="Fußzeilenplatzhalter 4"/>
+          <p:cNvSpPr>
+            <a:spLocks noGrp="1"/>
+          </p:cNvSpPr>
+          <p:nvPr>
+            <p:ph type="ftr" sz="quarter" idx="11"/>
+          </p:nvPr>
+        </p:nvSpPr>
+        <p:spPr>
+          <a:xfrm>
+            <a:off x="914400" y="6172200"/>
+            <a:ext cx="6321896" cy="457200"/>
+          </a:xfrm>
+        </p:spPr>
+        <p:txBody>
+          <a:bodyPr/>
+          <a:lstStyle/>
+          <a:p>
+            <a:r>
+              <a:rPr lang="de-DE" dirty="0" smtClean="0"/>
+              <a:t>Zitaterfassung - Lars Baumgarten, Tim Rumrich, Pascal </a:t>
+            </a:r>
+            <a:r>
+              <a:rPr lang="de-DE" dirty="0" err="1" smtClean="0"/>
+              <a:t>Schmotz</a:t>
+            </a:r>
+            <a:endParaRPr lang="de-DE" dirty="0"/>
+          </a:p>
+        </p:txBody>
+      </p:sp>
+      <p:sp>
+        <p:nvSpPr>
+          <p:cNvPr id="6" name="Foliennummernplatzhalter 5"/>
+          <p:cNvSpPr>
+            <a:spLocks noGrp="1"/>
+          </p:cNvSpPr>
+          <p:nvPr>
+            <p:ph type="sldNum" sz="quarter" idx="12"/>
+          </p:nvPr>
+        </p:nvSpPr>
+        <p:spPr/>
+        <p:txBody>
+          <a:bodyPr/>
+          <a:lstStyle/>
+          <a:p>
+            <a:fld id="{6C6AE60A-B69C-4790-82F7-3882EDF23186}" type="slidenum">
+              <a:rPr lang="de-DE" smtClean="0"/>
+              <a:t>24</a:t>
+            </a:fld>
+            <a:endParaRPr lang="de-DE"/>
+          </a:p>
+        </p:txBody>
+      </p:sp>
+      <p:sp>
+        <p:nvSpPr>
+          <p:cNvPr id="3" name="Inhaltsplatzhalter 2"/>
+          <p:cNvSpPr>
+            <a:spLocks noGrp="1"/>
+          </p:cNvSpPr>
+          <p:nvPr>
+            <p:ph sz="quarter" idx="1"/>
+          </p:nvPr>
+        </p:nvSpPr>
+        <p:spPr/>
+        <p:txBody>
+          <a:bodyPr/>
+          <a:lstStyle/>
+          <a:p>
+            <a:endParaRPr lang="de-DE" dirty="0" smtClean="0"/>
+          </a:p>
+          <a:p>
+            <a:endParaRPr lang="de-DE" sz="2800" dirty="0" smtClean="0"/>
+          </a:p>
+          <a:p>
+            <a:r>
+              <a:rPr lang="de-DE" sz="2800" dirty="0" smtClean="0"/>
+              <a:t>Alle </a:t>
+            </a:r>
+            <a:r>
+              <a:rPr lang="de-DE" sz="2800" dirty="0" smtClean="0"/>
+              <a:t>verpflichtenden Aufgaben erfüllt</a:t>
+            </a:r>
+          </a:p>
+          <a:p>
+            <a:endParaRPr lang="de-DE" sz="2800" dirty="0"/>
+          </a:p>
+          <a:p>
+            <a:r>
+              <a:rPr lang="de-DE" sz="2800" dirty="0" smtClean="0"/>
+              <a:t>Kann-Kriterium der </a:t>
+            </a:r>
+            <a:r>
+              <a:rPr lang="de-DE" sz="2800" dirty="0" err="1" smtClean="0"/>
+              <a:t>Votingfunktion</a:t>
+            </a:r>
+            <a:r>
+              <a:rPr lang="de-DE" sz="2800" dirty="0" smtClean="0"/>
+              <a:t> nicht implementiert, aber Erweiterung gut möglich</a:t>
+            </a:r>
+            <a:endParaRPr lang="de-DE" sz="2800" dirty="0"/>
+          </a:p>
+        </p:txBody>
+      </p:sp>
+    </p:spTree>
+    <p:extLst>
+      <p:ext uri="{BB962C8B-B14F-4D97-AF65-F5344CB8AC3E}">
+        <p14:creationId xmlns:p14="http://schemas.microsoft.com/office/powerpoint/2010/main" val="3424589276"/>
+      </p:ext>
+    </p:extLst>
+  </p:cSld>
+  <p:clrMapOvr>
+    <a:masterClrMapping/>
+  </p:clrMapOvr>
+  <p:timing>
+    <p:tnLst>
+      <p:par>
+        <p:cTn id="1" dur="indefinite" restart="never" nodeType="tmRoot"/>
+      </p:par>
+    </p:tnLst>
+  </p:timing>
+</p:sld>
+</file>
+
+<file path=ppt/slides/slide25.xml><?xml version="1.0" encoding="utf-8"?>
+<p:sld xmlns:a="http://schemas.openxmlformats.org/drawingml/2006/main" xmlns:r="http://schemas.openxmlformats.org/officeDocument/2006/relationships" xmlns:p="http://schemas.openxmlformats.org/presentationml/2006/main">
+  <p:cSld>
+    <p:spTree>
+      <p:nvGrpSpPr>
+        <p:cNvPr id="1" name=""/>
+        <p:cNvGrpSpPr/>
+        <p:nvPr/>
+      </p:nvGrpSpPr>
+      <p:grpSpPr>
+        <a:xfrm>
+          <a:off x="0" y="0"/>
+          <a:ext cx="0" cy="0"/>
+          <a:chOff x="0" y="0"/>
+          <a:chExt cx="0" cy="0"/>
+        </a:xfrm>
+      </p:grpSpPr>
+      <p:sp>
+        <p:nvSpPr>
+          <p:cNvPr id="2" name="Titel 1"/>
+          <p:cNvSpPr>
+            <a:spLocks noGrp="1"/>
+          </p:cNvSpPr>
+          <p:nvPr>
+            <p:ph type="title"/>
+          </p:nvPr>
+        </p:nvSpPr>
+        <p:spPr>
+          <a:xfrm>
+            <a:off x="685800" y="274638"/>
+            <a:ext cx="7772400" cy="1143000"/>
+          </a:xfrm>
+        </p:spPr>
+        <p:txBody>
+          <a:bodyPr>
+            <a:normAutofit/>
+          </a:bodyPr>
+          <a:lstStyle/>
+          <a:p>
+            <a:pPr algn="ctr"/>
+            <a:r>
+              <a:rPr lang="de-DE" sz="3600" dirty="0" smtClean="0"/>
+              <a:t>Fazit – </a:t>
+            </a:r>
+            <a:r>
+              <a:rPr lang="de-DE" sz="3600" dirty="0" err="1" smtClean="0"/>
+              <a:t>Lessons</a:t>
+            </a:r>
+            <a:r>
+              <a:rPr lang="de-DE" sz="3600" dirty="0" smtClean="0"/>
+              <a:t> </a:t>
+            </a:r>
+            <a:r>
+              <a:rPr lang="de-DE" sz="3600" dirty="0" err="1" smtClean="0"/>
+              <a:t>Learned</a:t>
+            </a:r>
+            <a:endParaRPr lang="de-DE" sz="3600" dirty="0"/>
+          </a:p>
+        </p:txBody>
+      </p:sp>
+      <p:sp>
+        <p:nvSpPr>
+          <p:cNvPr id="4" name="Datumsplatzhalter 3"/>
+          <p:cNvSpPr>
+            <a:spLocks noGrp="1"/>
+          </p:cNvSpPr>
+          <p:nvPr>
+            <p:ph type="dt" sz="half" idx="10"/>
+          </p:nvPr>
+        </p:nvSpPr>
+        <p:spPr/>
+        <p:txBody>
+          <a:bodyPr/>
+          <a:lstStyle/>
+          <a:p>
+            <a:fld id="{430AE8E3-B1E4-480B-A4CC-DC8A2B4F95B3}" type="datetime1">
+              <a:rPr lang="de-DE" smtClean="0"/>
+              <a:t>09.12.2018</a:t>
+            </a:fld>
+            <a:endParaRPr lang="de-DE"/>
+          </a:p>
+        </p:txBody>
+      </p:sp>
+      <p:sp>
+        <p:nvSpPr>
+          <p:cNvPr id="5" name="Fußzeilenplatzhalter 4"/>
+          <p:cNvSpPr>
+            <a:spLocks noGrp="1"/>
+          </p:cNvSpPr>
+          <p:nvPr>
+            <p:ph type="ftr" sz="quarter" idx="11"/>
+          </p:nvPr>
+        </p:nvSpPr>
+        <p:spPr>
+          <a:xfrm>
+            <a:off x="914400" y="6172200"/>
+            <a:ext cx="6321896" cy="457200"/>
+          </a:xfrm>
+        </p:spPr>
+        <p:txBody>
+          <a:bodyPr/>
+          <a:lstStyle/>
+          <a:p>
+            <a:r>
+              <a:rPr lang="de-DE" dirty="0" smtClean="0"/>
+              <a:t>Zitaterfassung - Lars Baumgarten, Tim Rumrich, Pascal </a:t>
+            </a:r>
+            <a:r>
+              <a:rPr lang="de-DE" dirty="0" err="1" smtClean="0"/>
+              <a:t>Schmotz</a:t>
+            </a:r>
+            <a:endParaRPr lang="de-DE" dirty="0"/>
+          </a:p>
+        </p:txBody>
+      </p:sp>
+      <p:sp>
+        <p:nvSpPr>
+          <p:cNvPr id="6" name="Foliennummernplatzhalter 5"/>
+          <p:cNvSpPr>
+            <a:spLocks noGrp="1"/>
+          </p:cNvSpPr>
+          <p:nvPr>
+            <p:ph type="sldNum" sz="quarter" idx="12"/>
+          </p:nvPr>
+        </p:nvSpPr>
+        <p:spPr/>
+        <p:txBody>
+          <a:bodyPr/>
+          <a:lstStyle/>
+          <a:p>
+            <a:fld id="{6C6AE60A-B69C-4790-82F7-3882EDF23186}" type="slidenum">
+              <a:rPr lang="de-DE" smtClean="0"/>
+              <a:t>25</a:t>
+            </a:fld>
+            <a:endParaRPr lang="de-DE"/>
+          </a:p>
+        </p:txBody>
+      </p:sp>
+      <p:sp>
+        <p:nvSpPr>
+          <p:cNvPr id="3" name="Inhaltsplatzhalter 2"/>
+          <p:cNvSpPr>
+            <a:spLocks noGrp="1"/>
+          </p:cNvSpPr>
+          <p:nvPr>
+            <p:ph sz="quarter" idx="1"/>
+          </p:nvPr>
+        </p:nvSpPr>
+        <p:spPr/>
+        <p:txBody>
+          <a:bodyPr/>
+          <a:lstStyle/>
+          <a:p>
+            <a:endParaRPr lang="de-DE" dirty="0" smtClean="0"/>
+          </a:p>
+          <a:p>
+            <a:endParaRPr lang="de-DE" dirty="0" smtClean="0"/>
+          </a:p>
+          <a:p>
+            <a:r>
+              <a:rPr lang="de-DE" dirty="0" smtClean="0"/>
+              <a:t>Datenbankverbindungen über vorgefertigte Tools regeln</a:t>
+            </a:r>
+          </a:p>
+          <a:p>
+            <a:endParaRPr lang="de-DE" dirty="0"/>
+          </a:p>
+          <a:p>
+            <a:r>
+              <a:rPr lang="de-DE" dirty="0" smtClean="0"/>
+              <a:t>Keine Planung lässt sich perfekt einhalten</a:t>
+            </a:r>
+            <a:endParaRPr lang="de-DE" dirty="0"/>
+          </a:p>
+        </p:txBody>
+      </p:sp>
+    </p:spTree>
+    <p:extLst>
+      <p:ext uri="{BB962C8B-B14F-4D97-AF65-F5344CB8AC3E}">
+        <p14:creationId xmlns:p14="http://schemas.microsoft.com/office/powerpoint/2010/main" val="1342917282"/>
+      </p:ext>
+    </p:extLst>
+  </p:cSld>
+  <p:clrMapOvr>
+    <a:masterClrMapping/>
+  </p:clrMapOvr>
+  <p:timing>
+    <p:tnLst>
+      <p:par>
+        <p:cTn id="1" dur="indefinite" restart="never" nodeType="tmRoot"/>
+      </p:par>
+    </p:tnLst>
+  </p:timing>
+</p:sld>
+</file>
+
+<file path=ppt/slides/slide26.xml><?xml version="1.0" encoding="utf-8"?>
+<p:sld xmlns:a="http://schemas.openxmlformats.org/drawingml/2006/main" xmlns:r="http://schemas.openxmlformats.org/officeDocument/2006/relationships" xmlns:p="http://schemas.openxmlformats.org/presentationml/2006/main">
+  <p:cSld>
+    <p:spTree>
+      <p:nvGrpSpPr>
+        <p:cNvPr id="1" name=""/>
+        <p:cNvGrpSpPr/>
+        <p:nvPr/>
+      </p:nvGrpSpPr>
+      <p:grpSpPr>
+        <a:xfrm>
+          <a:off x="0" y="0"/>
+          <a:ext cx="0" cy="0"/>
+          <a:chOff x="0" y="0"/>
+          <a:chExt cx="0" cy="0"/>
+        </a:xfrm>
+      </p:grpSpPr>
+      <p:sp>
+        <p:nvSpPr>
+          <p:cNvPr id="2" name="Titel 1"/>
+          <p:cNvSpPr>
+            <a:spLocks noGrp="1"/>
+          </p:cNvSpPr>
+          <p:nvPr>
+            <p:ph type="title"/>
+          </p:nvPr>
+        </p:nvSpPr>
+        <p:spPr>
+          <a:xfrm>
+            <a:off x="685800" y="274638"/>
+            <a:ext cx="7772400" cy="1143000"/>
+          </a:xfrm>
+        </p:spPr>
+        <p:txBody>
+          <a:bodyPr>
+            <a:normAutofit/>
+          </a:bodyPr>
+          <a:lstStyle/>
+          <a:p>
+            <a:pPr algn="ctr"/>
+            <a:r>
+              <a:rPr lang="de-DE" sz="3600" dirty="0" smtClean="0"/>
+              <a:t>Fazit – Ausblick</a:t>
+            </a:r>
+            <a:endParaRPr lang="de-DE" sz="3600" dirty="0"/>
+          </a:p>
+        </p:txBody>
+      </p:sp>
+      <p:sp>
+        <p:nvSpPr>
+          <p:cNvPr id="4" name="Datumsplatzhalter 3"/>
+          <p:cNvSpPr>
+            <a:spLocks noGrp="1"/>
+          </p:cNvSpPr>
+          <p:nvPr>
+            <p:ph type="dt" sz="half" idx="10"/>
+          </p:nvPr>
+        </p:nvSpPr>
+        <p:spPr/>
+        <p:txBody>
+          <a:bodyPr/>
+          <a:lstStyle/>
+          <a:p>
+            <a:fld id="{3DB6E61E-2452-46C7-9088-20B15C53F18A}" type="datetime1">
+              <a:rPr lang="de-DE" smtClean="0"/>
+              <a:t>09.12.2018</a:t>
+            </a:fld>
+            <a:endParaRPr lang="de-DE"/>
+          </a:p>
+        </p:txBody>
+      </p:sp>
+      <p:sp>
+        <p:nvSpPr>
+          <p:cNvPr id="5" name="Fußzeilenplatzhalter 4"/>
+          <p:cNvSpPr>
+            <a:spLocks noGrp="1"/>
+          </p:cNvSpPr>
+          <p:nvPr>
+            <p:ph type="ftr" sz="quarter" idx="11"/>
+          </p:nvPr>
+        </p:nvSpPr>
+        <p:spPr>
+          <a:xfrm>
+            <a:off x="914400" y="6172200"/>
+            <a:ext cx="6177880" cy="457200"/>
+          </a:xfrm>
+        </p:spPr>
+        <p:txBody>
+          <a:bodyPr/>
+          <a:lstStyle/>
+          <a:p>
+            <a:r>
+              <a:rPr lang="de-DE" dirty="0" smtClean="0"/>
+              <a:t>Zitaterfassung - Lars Baumgarten, Tim Rumrich, Pascal </a:t>
+            </a:r>
+            <a:r>
+              <a:rPr lang="de-DE" dirty="0" err="1" smtClean="0"/>
+              <a:t>Schmotz</a:t>
+            </a:r>
+            <a:endParaRPr lang="de-DE" dirty="0"/>
+          </a:p>
+        </p:txBody>
+      </p:sp>
+      <p:sp>
+        <p:nvSpPr>
+          <p:cNvPr id="6" name="Foliennummernplatzhalter 5"/>
+          <p:cNvSpPr>
+            <a:spLocks noGrp="1"/>
+          </p:cNvSpPr>
+          <p:nvPr>
+            <p:ph type="sldNum" sz="quarter" idx="12"/>
+          </p:nvPr>
+        </p:nvSpPr>
+        <p:spPr/>
+        <p:txBody>
+          <a:bodyPr/>
+          <a:lstStyle/>
+          <a:p>
+            <a:fld id="{6C6AE60A-B69C-4790-82F7-3882EDF23186}" type="slidenum">
+              <a:rPr lang="de-DE" smtClean="0"/>
+              <a:t>26</a:t>
+            </a:fld>
+            <a:endParaRPr lang="de-DE"/>
+          </a:p>
+        </p:txBody>
+      </p:sp>
+      <p:sp>
+        <p:nvSpPr>
+          <p:cNvPr id="3" name="Inhaltsplatzhalter 2"/>
+          <p:cNvSpPr>
+            <a:spLocks noGrp="1"/>
+          </p:cNvSpPr>
+          <p:nvPr>
+            <p:ph sz="quarter" idx="1"/>
+          </p:nvPr>
+        </p:nvSpPr>
+        <p:spPr/>
+        <p:txBody>
+          <a:bodyPr/>
+          <a:lstStyle/>
+          <a:p>
+            <a:endParaRPr lang="de-DE" dirty="0" smtClean="0"/>
+          </a:p>
+          <a:p>
+            <a:endParaRPr lang="de-DE" sz="2800" dirty="0" smtClean="0"/>
+          </a:p>
+          <a:p>
+            <a:r>
+              <a:rPr lang="de-DE" sz="2800" dirty="0" err="1" smtClean="0"/>
+              <a:t>Votingfunktion</a:t>
+            </a:r>
+            <a:r>
+              <a:rPr lang="de-DE" sz="2800" dirty="0" smtClean="0"/>
+              <a:t> </a:t>
+            </a:r>
+            <a:r>
+              <a:rPr lang="de-DE" sz="2800" dirty="0" smtClean="0"/>
+              <a:t>implementierbar/erweiterbar</a:t>
+            </a:r>
+          </a:p>
+          <a:p>
+            <a:endParaRPr lang="de-DE" sz="2800" dirty="0"/>
+          </a:p>
+          <a:p>
+            <a:r>
+              <a:rPr lang="de-DE" sz="2800" dirty="0" smtClean="0"/>
+              <a:t>Umsetzung als Webanwendung</a:t>
+            </a:r>
+            <a:endParaRPr lang="de-DE" sz="2800" dirty="0"/>
+          </a:p>
+        </p:txBody>
+      </p:sp>
+    </p:spTree>
+    <p:extLst>
+      <p:ext uri="{BB962C8B-B14F-4D97-AF65-F5344CB8AC3E}">
+        <p14:creationId xmlns:p14="http://schemas.microsoft.com/office/powerpoint/2010/main" val="196773362"/>
+      </p:ext>
+    </p:extLst>
+  </p:cSld>
+  <p:clrMapOvr>
+    <a:masterClrMapping/>
+  </p:clrMapOvr>
+  <p:timing>
+    <p:tnLst>
+      <p:par>
+        <p:cTn id="1" dur="indefinite" restart="never" nodeType="tmRoot"/>
+      </p:par>
+    </p:tnLst>
+  </p:timing>
+</p:sld>
+</file>
+
+<file path=ppt/slides/slide27.xml><?xml version="1.0" encoding="utf-8"?>
+<p:sld xmlns:a="http://schemas.openxmlformats.org/drawingml/2006/main" xmlns:r="http://schemas.openxmlformats.org/officeDocument/2006/relationships" xmlns:p="http://schemas.openxmlformats.org/presentationml/2006/main">
+  <p:cSld>
+    <p:spTree>
+      <p:nvGrpSpPr>
+        <p:cNvPr id="1" name=""/>
+        <p:cNvGrpSpPr/>
+        <p:nvPr/>
+      </p:nvGrpSpPr>
+      <p:grpSpPr>
+        <a:xfrm>
+          <a:off x="0" y="0"/>
+          <a:ext cx="0" cy="0"/>
+          <a:chOff x="0" y="0"/>
+          <a:chExt cx="0" cy="0"/>
+        </a:xfrm>
+      </p:grpSpPr>
+      <p:sp>
+        <p:nvSpPr>
+          <p:cNvPr id="5" name="Untertitel 4"/>
+          <p:cNvSpPr>
+            <a:spLocks noGrp="1"/>
+          </p:cNvSpPr>
+          <p:nvPr>
+            <p:ph type="subTitle" idx="1"/>
+          </p:nvPr>
+        </p:nvSpPr>
+        <p:spPr/>
+        <p:txBody>
+          <a:bodyPr/>
+          <a:lstStyle/>
+          <a:p>
+            <a:endParaRPr lang="de-DE"/>
+          </a:p>
+        </p:txBody>
+      </p:sp>
+      <p:sp>
+        <p:nvSpPr>
           <p:cNvPr id="4" name="Titel 3"/>
           <p:cNvSpPr>
             <a:spLocks noGrp="1"/>
@@ -8787,25 +11966,6 @@
               <a:t>!</a:t>
             </a:r>
             <a:endParaRPr lang="de-DE" dirty="0"/>
-          </a:p>
-        </p:txBody>
-      </p:sp>
-      <p:sp>
-        <p:nvSpPr>
-          <p:cNvPr id="5" name="Untertitel 4"/>
-          <p:cNvSpPr>
-            <a:spLocks noGrp="1"/>
-          </p:cNvSpPr>
-          <p:nvPr>
-            <p:ph type="subTitle" idx="1"/>
-          </p:nvPr>
-        </p:nvSpPr>
-        <p:spPr/>
-        <p:txBody>
-          <a:bodyPr/>
-          <a:lstStyle/>
-          <a:p>
-            <a:endParaRPr lang="de-DE"/>
           </a:p>
         </p:txBody>
       </p:sp>
@@ -8856,11 +12016,17 @@
             <p:ph type="title"/>
           </p:nvPr>
         </p:nvSpPr>
-        <p:spPr/>
-        <p:txBody>
-          <a:bodyPr/>
-          <a:lstStyle/>
-          <a:p>
+        <p:spPr>
+          <a:xfrm>
+            <a:off x="685800" y="274638"/>
+            <a:ext cx="7772400" cy="1143000"/>
+          </a:xfrm>
+        </p:spPr>
+        <p:txBody>
+          <a:bodyPr/>
+          <a:lstStyle/>
+          <a:p>
+            <a:pPr algn="ctr"/>
             <a:r>
               <a:rPr lang="de-DE" dirty="0" smtClean="0"/>
               <a:t>Vorstellung</a:t>
@@ -8871,63 +12037,157 @@
       </p:sp>
       <p:sp>
         <p:nvSpPr>
-          <p:cNvPr id="3" name="Inhaltsplatzhalter 2"/>
-          <p:cNvSpPr>
-            <a:spLocks noGrp="1"/>
-          </p:cNvSpPr>
-          <p:nvPr>
-            <p:ph idx="1"/>
-          </p:nvPr>
-        </p:nvSpPr>
-        <p:spPr/>
-        <p:txBody>
-          <a:bodyPr/>
-          <a:lstStyle/>
-          <a:p>
-            <a:endParaRPr lang="de-DE" dirty="0" smtClean="0"/>
-          </a:p>
+          <p:cNvPr id="4" name="Datumsplatzhalter 3"/>
+          <p:cNvSpPr>
+            <a:spLocks noGrp="1"/>
+          </p:cNvSpPr>
+          <p:nvPr>
+            <p:ph type="dt" sz="half" idx="10"/>
+          </p:nvPr>
+        </p:nvSpPr>
+        <p:spPr/>
+        <p:txBody>
+          <a:bodyPr/>
+          <a:lstStyle/>
+          <a:p>
+            <a:fld id="{25C53D27-91FA-4A66-8CEF-58C90E701FBB}" type="datetime1">
+              <a:rPr lang="de-DE" smtClean="0"/>
+              <a:t>09.12.2018</a:t>
+            </a:fld>
+            <a:endParaRPr lang="de-DE"/>
+          </a:p>
+        </p:txBody>
+      </p:sp>
+      <p:sp>
+        <p:nvSpPr>
+          <p:cNvPr id="5" name="Fußzeilenplatzhalter 4"/>
+          <p:cNvSpPr>
+            <a:spLocks noGrp="1"/>
+          </p:cNvSpPr>
+          <p:nvPr>
+            <p:ph type="ftr" sz="quarter" idx="11"/>
+          </p:nvPr>
+        </p:nvSpPr>
+        <p:spPr>
+          <a:xfrm>
+            <a:off x="914400" y="6172200"/>
+            <a:ext cx="6033864" cy="457200"/>
+          </a:xfrm>
+        </p:spPr>
+        <p:txBody>
+          <a:bodyPr/>
+          <a:lstStyle/>
           <a:p>
             <a:r>
               <a:rPr lang="de-DE" dirty="0" smtClean="0"/>
-              <a:t>Lars Baumgarten, Statistisches Bundesamt</a:t>
-            </a:r>
-          </a:p>
-          <a:p>
-            <a:r>
-              <a:rPr lang="de-DE" dirty="0" smtClean="0"/>
-              <a:t>Tim </a:t>
-            </a:r>
-            <a:r>
-              <a:rPr lang="de-DE" dirty="0" err="1" smtClean="0"/>
-              <a:t>Rumrisch</a:t>
-            </a:r>
-            <a:r>
-              <a:rPr lang="de-DE" dirty="0" smtClean="0"/>
-              <a:t>, Deutsche Börse AG</a:t>
-            </a:r>
-          </a:p>
-          <a:p>
-            <a:r>
-              <a:rPr lang="de-DE" dirty="0" smtClean="0"/>
-              <a:t>Pascal </a:t>
+              <a:t>Zitaterfassung - Lars Baumgarten, Tim Rumrich, Pascal </a:t>
             </a:r>
             <a:r>
               <a:rPr lang="de-DE" dirty="0" err="1" smtClean="0"/>
               <a:t>Schmotz</a:t>
             </a:r>
-            <a:r>
-              <a:rPr lang="de-DE" dirty="0" smtClean="0"/>
+            <a:endParaRPr lang="de-DE" dirty="0"/>
+          </a:p>
+        </p:txBody>
+      </p:sp>
+      <p:sp>
+        <p:nvSpPr>
+          <p:cNvPr id="6" name="Foliennummernplatzhalter 5"/>
+          <p:cNvSpPr>
+            <a:spLocks noGrp="1"/>
+          </p:cNvSpPr>
+          <p:nvPr>
+            <p:ph type="sldNum" sz="quarter" idx="12"/>
+          </p:nvPr>
+        </p:nvSpPr>
+        <p:spPr/>
+        <p:txBody>
+          <a:bodyPr/>
+          <a:lstStyle/>
+          <a:p>
+            <a:fld id="{6C6AE60A-B69C-4790-82F7-3882EDF23186}" type="slidenum">
+              <a:rPr lang="de-DE" smtClean="0"/>
+              <a:t>3</a:t>
+            </a:fld>
+            <a:endParaRPr lang="de-DE"/>
+          </a:p>
+        </p:txBody>
+      </p:sp>
+      <p:sp>
+        <p:nvSpPr>
+          <p:cNvPr id="3" name="Inhaltsplatzhalter 2"/>
+          <p:cNvSpPr>
+            <a:spLocks noGrp="1"/>
+          </p:cNvSpPr>
+          <p:nvPr>
+            <p:ph sz="quarter" idx="1"/>
+          </p:nvPr>
+        </p:nvSpPr>
+        <p:spPr>
+          <a:xfrm>
+            <a:off x="914400" y="1628800"/>
+            <a:ext cx="7772400" cy="4391000"/>
+          </a:xfrm>
+        </p:spPr>
+        <p:txBody>
+          <a:bodyPr>
+            <a:normAutofit/>
+          </a:bodyPr>
+          <a:lstStyle/>
+          <a:p>
+            <a:pPr marL="0" indent="0">
+              <a:buNone/>
+            </a:pPr>
+            <a:endParaRPr lang="de-DE" sz="2800" dirty="0" smtClean="0"/>
+          </a:p>
+          <a:p>
+            <a:r>
+              <a:rPr lang="de-DE" sz="2800" dirty="0" smtClean="0"/>
+              <a:t>Lars </a:t>
+            </a:r>
+            <a:r>
+              <a:rPr lang="de-DE" sz="2800" dirty="0" smtClean="0"/>
+              <a:t>Baumgarten, Statistisches Bundesamt</a:t>
+            </a:r>
+          </a:p>
+          <a:p>
+            <a:endParaRPr lang="de-DE" sz="2800" dirty="0" smtClean="0"/>
+          </a:p>
+          <a:p>
+            <a:r>
+              <a:rPr lang="de-DE" sz="2800" dirty="0" smtClean="0"/>
+              <a:t>Tim Rumrich</a:t>
+            </a:r>
+            <a:r>
+              <a:rPr lang="de-DE" sz="2800" dirty="0" smtClean="0"/>
+              <a:t>, Deutsche Börse AG</a:t>
+            </a:r>
+          </a:p>
+          <a:p>
+            <a:endParaRPr lang="de-DE" sz="2800" dirty="0" smtClean="0"/>
+          </a:p>
+          <a:p>
+            <a:r>
+              <a:rPr lang="de-DE" sz="2800" dirty="0" smtClean="0"/>
+              <a:t>Pascal </a:t>
+            </a:r>
+            <a:r>
+              <a:rPr lang="de-DE" sz="2800" dirty="0" err="1" smtClean="0"/>
+              <a:t>Schmotz</a:t>
+            </a:r>
+            <a:r>
+              <a:rPr lang="de-DE" sz="2800" dirty="0" smtClean="0"/>
               <a:t>, </a:t>
             </a:r>
             <a:r>
-              <a:rPr lang="de-DE" dirty="0" err="1" smtClean="0"/>
+              <a:rPr lang="de-DE" sz="2800" dirty="0" err="1" smtClean="0"/>
               <a:t>Gorji</a:t>
             </a:r>
             <a:r>
-              <a:rPr lang="de-DE" dirty="0" smtClean="0"/>
+              <a:rPr lang="de-DE" sz="2800" dirty="0" smtClean="0"/>
               <a:t> Softwaredesign Int. GmbH</a:t>
             </a:r>
-            <a:endParaRPr lang="de-DE" dirty="0"/>
+            <a:endParaRPr lang="de-DE" sz="2800" dirty="0"/>
           </a:p>
         </p:txBody>
       </p:sp>
@@ -8978,11 +12238,17 @@
             <p:ph type="title"/>
           </p:nvPr>
         </p:nvSpPr>
-        <p:spPr/>
-        <p:txBody>
-          <a:bodyPr/>
-          <a:lstStyle/>
-          <a:p>
+        <p:spPr>
+          <a:xfrm>
+            <a:off x="685800" y="274638"/>
+            <a:ext cx="7772400" cy="1143000"/>
+          </a:xfrm>
+        </p:spPr>
+        <p:txBody>
+          <a:bodyPr/>
+          <a:lstStyle/>
+          <a:p>
+            <a:pPr algn="ctr"/>
             <a:r>
               <a:rPr lang="de-DE" dirty="0" smtClean="0"/>
               <a:t>Problemstellung</a:t>
@@ -8993,12 +12259,90 @@
       </p:sp>
       <p:sp>
         <p:nvSpPr>
+          <p:cNvPr id="4" name="Datumsplatzhalter 3"/>
+          <p:cNvSpPr>
+            <a:spLocks noGrp="1"/>
+          </p:cNvSpPr>
+          <p:nvPr>
+            <p:ph type="dt" sz="half" idx="10"/>
+          </p:nvPr>
+        </p:nvSpPr>
+        <p:spPr/>
+        <p:txBody>
+          <a:bodyPr/>
+          <a:lstStyle/>
+          <a:p>
+            <a:fld id="{53A07AF0-7E88-4849-942F-2B8E83742422}" type="datetime1">
+              <a:rPr lang="de-DE" smtClean="0"/>
+              <a:t>09.12.2018</a:t>
+            </a:fld>
+            <a:endParaRPr lang="de-DE"/>
+          </a:p>
+        </p:txBody>
+      </p:sp>
+      <p:sp>
+        <p:nvSpPr>
+          <p:cNvPr id="5" name="Fußzeilenplatzhalter 4"/>
+          <p:cNvSpPr>
+            <a:spLocks noGrp="1"/>
+          </p:cNvSpPr>
+          <p:nvPr>
+            <p:ph type="ftr" sz="quarter" idx="11"/>
+          </p:nvPr>
+        </p:nvSpPr>
+        <p:spPr>
+          <a:xfrm>
+            <a:off x="914400" y="6172200"/>
+            <a:ext cx="6033864" cy="457200"/>
+          </a:xfrm>
+        </p:spPr>
+        <p:txBody>
+          <a:bodyPr/>
+          <a:lstStyle/>
+          <a:p>
+            <a:r>
+              <a:rPr lang="de-DE" dirty="0" smtClean="0"/>
+              <a:t>Zitaterfassung - Lars Baumgarten, Tim Rumrich, Pascal </a:t>
+            </a:r>
+            <a:r>
+              <a:rPr lang="de-DE" dirty="0" err="1" smtClean="0"/>
+              <a:t>Schmotz</a:t>
+            </a:r>
+            <a:endParaRPr lang="de-DE" dirty="0"/>
+          </a:p>
+        </p:txBody>
+      </p:sp>
+      <p:sp>
+        <p:nvSpPr>
+          <p:cNvPr id="6" name="Foliennummernplatzhalter 5"/>
+          <p:cNvSpPr>
+            <a:spLocks noGrp="1"/>
+          </p:cNvSpPr>
+          <p:nvPr>
+            <p:ph type="sldNum" sz="quarter" idx="12"/>
+          </p:nvPr>
+        </p:nvSpPr>
+        <p:spPr/>
+        <p:txBody>
+          <a:bodyPr/>
+          <a:lstStyle/>
+          <a:p>
+            <a:fld id="{6C6AE60A-B69C-4790-82F7-3882EDF23186}" type="slidenum">
+              <a:rPr lang="de-DE" smtClean="0"/>
+              <a:t>4</a:t>
+            </a:fld>
+            <a:endParaRPr lang="de-DE"/>
+          </a:p>
+        </p:txBody>
+      </p:sp>
+      <p:sp>
+        <p:nvSpPr>
           <p:cNvPr id="3" name="Inhaltsplatzhalter 2"/>
           <p:cNvSpPr>
             <a:spLocks noGrp="1"/>
           </p:cNvSpPr>
           <p:nvPr>
-            <p:ph idx="1"/>
+            <p:ph sz="quarter" idx="1"/>
           </p:nvPr>
         </p:nvSpPr>
         <p:spPr/>
@@ -9013,6 +12357,60 @@
           </a:p>
         </p:txBody>
       </p:sp>
+      <p:pic>
+        <p:nvPicPr>
+          <p:cNvPr id="1026" name="Picture 2"/>
+          <p:cNvPicPr>
+            <a:picLocks noChangeAspect="1" noChangeArrowheads="1"/>
+          </p:cNvPicPr>
+          <p:nvPr/>
+        </p:nvPicPr>
+        <p:blipFill>
+          <a:blip r:embed="rId3">
+            <a:extLst>
+              <a:ext uri="{28A0092B-C50C-407E-A947-70E740481C1C}">
+                <a14:useLocalDpi xmlns:a14="http://schemas.microsoft.com/office/drawing/2010/main" val="0"/>
+              </a:ext>
+            </a:extLst>
+          </a:blip>
+          <a:srcRect/>
+          <a:stretch>
+            <a:fillRect/>
+          </a:stretch>
+        </p:blipFill>
+        <p:spPr bwMode="auto">
+          <a:xfrm>
+            <a:off x="2051720" y="1628800"/>
+            <a:ext cx="5556217" cy="4200500"/>
+          </a:xfrm>
+          <a:prstGeom prst="rect">
+            <a:avLst/>
+          </a:prstGeom>
+          <a:noFill/>
+          <a:ln>
+            <a:noFill/>
+          </a:ln>
+          <a:extLst>
+            <a:ext uri="{909E8E84-426E-40DD-AFC4-6F175D3DCCD1}">
+              <a14:hiddenFill xmlns:a14="http://schemas.microsoft.com/office/drawing/2010/main">
+                <a:solidFill>
+                  <a:schemeClr val="accent1"/>
+                </a:solidFill>
+              </a14:hiddenFill>
+            </a:ext>
+            <a:ext uri="{91240B29-F687-4F45-9708-019B960494DF}">
+              <a14:hiddenLine xmlns:a14="http://schemas.microsoft.com/office/drawing/2010/main" w="9525">
+                <a:solidFill>
+                  <a:schemeClr val="tx1"/>
+                </a:solidFill>
+                <a:miter lim="800000"/>
+                <a:headEnd/>
+                <a:tailEnd/>
+              </a14:hiddenLine>
+            </a:ext>
+          </a:extLst>
+        </p:spPr>
+      </p:pic>
     </p:spTree>
     <p:extLst>
       <p:ext uri="{BB962C8B-B14F-4D97-AF65-F5344CB8AC3E}">
@@ -9060,16 +12458,77 @@
             <p:ph type="title"/>
           </p:nvPr>
         </p:nvSpPr>
-        <p:spPr/>
+        <p:spPr>
+          <a:xfrm>
+            <a:off x="685800" y="274638"/>
+            <a:ext cx="7772400" cy="1143000"/>
+          </a:xfrm>
+        </p:spPr>
         <p:txBody>
           <a:bodyPr>
-            <a:normAutofit fontScale="90000"/>
+            <a:noAutofit/>
           </a:bodyPr>
           <a:lstStyle/>
           <a:p>
+            <a:pPr algn="ctr"/>
+            <a:r>
+              <a:rPr lang="de-DE" sz="3600" dirty="0" smtClean="0"/>
+              <a:t>Problemstellung – Projektbeschreibung</a:t>
+            </a:r>
+            <a:endParaRPr lang="de-DE" sz="3600" dirty="0"/>
+          </a:p>
+        </p:txBody>
+      </p:sp>
+      <p:sp>
+        <p:nvSpPr>
+          <p:cNvPr id="4" name="Datumsplatzhalter 3"/>
+          <p:cNvSpPr>
+            <a:spLocks noGrp="1"/>
+          </p:cNvSpPr>
+          <p:nvPr>
+            <p:ph type="dt" sz="half" idx="10"/>
+          </p:nvPr>
+        </p:nvSpPr>
+        <p:spPr/>
+        <p:txBody>
+          <a:bodyPr/>
+          <a:lstStyle/>
+          <a:p>
+            <a:fld id="{832180DC-9C70-49D2-8ACE-CBA111ABD1B6}" type="datetime1">
+              <a:rPr lang="de-DE" smtClean="0"/>
+              <a:t>09.12.2018</a:t>
+            </a:fld>
+            <a:endParaRPr lang="de-DE"/>
+          </a:p>
+        </p:txBody>
+      </p:sp>
+      <p:sp>
+        <p:nvSpPr>
+          <p:cNvPr id="5" name="Fußzeilenplatzhalter 4"/>
+          <p:cNvSpPr>
+            <a:spLocks noGrp="1"/>
+          </p:cNvSpPr>
+          <p:nvPr>
+            <p:ph type="ftr" sz="quarter" idx="11"/>
+          </p:nvPr>
+        </p:nvSpPr>
+        <p:spPr>
+          <a:xfrm>
+            <a:off x="914400" y="6172200"/>
+            <a:ext cx="6177880" cy="457200"/>
+          </a:xfrm>
+        </p:spPr>
+        <p:txBody>
+          <a:bodyPr/>
+          <a:lstStyle/>
+          <a:p>
             <a:r>
               <a:rPr lang="de-DE" dirty="0" smtClean="0"/>
-              <a:t>Problemstellung – Projektbeschreibung</a:t>
+              <a:t>Zitaterfassung - Lars Baumgarten, Tim Rumrich, Pascal </a:t>
+            </a:r>
+            <a:r>
+              <a:rPr lang="de-DE" dirty="0" err="1" smtClean="0"/>
+              <a:t>Schmotz</a:t>
             </a:r>
             <a:endParaRPr lang="de-DE" dirty="0"/>
           </a:p>
@@ -9077,20 +12536,130 @@
       </p:sp>
       <p:sp>
         <p:nvSpPr>
+          <p:cNvPr id="6" name="Foliennummernplatzhalter 5"/>
+          <p:cNvSpPr>
+            <a:spLocks noGrp="1"/>
+          </p:cNvSpPr>
+          <p:nvPr>
+            <p:ph type="sldNum" sz="quarter" idx="12"/>
+          </p:nvPr>
+        </p:nvSpPr>
+        <p:spPr/>
+        <p:txBody>
+          <a:bodyPr/>
+          <a:lstStyle/>
+          <a:p>
+            <a:fld id="{6C6AE60A-B69C-4790-82F7-3882EDF23186}" type="slidenum">
+              <a:rPr lang="de-DE" smtClean="0"/>
+              <a:t>5</a:t>
+            </a:fld>
+            <a:endParaRPr lang="de-DE"/>
+          </a:p>
+        </p:txBody>
+      </p:sp>
+      <p:sp>
+        <p:nvSpPr>
           <p:cNvPr id="3" name="Inhaltsplatzhalter 2"/>
           <p:cNvSpPr>
             <a:spLocks noGrp="1"/>
           </p:cNvSpPr>
           <p:nvPr>
-            <p:ph idx="1"/>
-          </p:nvPr>
-        </p:nvSpPr>
-        <p:spPr/>
+            <p:ph sz="quarter" idx="1"/>
+          </p:nvPr>
+        </p:nvSpPr>
+        <p:spPr>
+          <a:xfrm>
+            <a:off x="914400" y="1628800"/>
+            <a:ext cx="7772400" cy="4391000"/>
+          </a:xfrm>
+        </p:spPr>
         <p:txBody>
           <a:bodyPr/>
           <a:lstStyle/>
           <a:p>
             <a:endParaRPr lang="de-DE" dirty="0" smtClean="0"/>
+          </a:p>
+          <a:p>
+            <a:pPr>
+              <a:spcBef>
+                <a:spcPts val="640"/>
+              </a:spcBef>
+              <a:spcAft>
+                <a:spcPts val="1415"/>
+              </a:spcAft>
+              <a:buSzPct val="100000"/>
+            </a:pPr>
+            <a:r>
+              <a:rPr lang="de-DE" sz="2800" dirty="0" smtClean="0">
+                <a:latin typeface="Calibri" pitchFamily="18"/>
+              </a:rPr>
+              <a:t>Vier Wahlthemen</a:t>
+            </a:r>
+          </a:p>
+          <a:p>
+            <a:pPr>
+              <a:spcBef>
+                <a:spcPts val="640"/>
+              </a:spcBef>
+              <a:spcAft>
+                <a:spcPts val="1415"/>
+              </a:spcAft>
+              <a:buSzPct val="100000"/>
+            </a:pPr>
+            <a:endParaRPr lang="de-DE" sz="2800" dirty="0">
+              <a:latin typeface="Calibri" pitchFamily="18"/>
+            </a:endParaRPr>
+          </a:p>
+          <a:p>
+            <a:pPr>
+              <a:spcBef>
+                <a:spcPts val="640"/>
+              </a:spcBef>
+              <a:spcAft>
+                <a:spcPts val="1415"/>
+              </a:spcAft>
+              <a:buSzPct val="100000"/>
+            </a:pPr>
+            <a:r>
+              <a:rPr lang="de-DE" sz="2800" dirty="0" smtClean="0">
+                <a:latin typeface="Calibri" pitchFamily="18"/>
+              </a:rPr>
+              <a:t>Übung für das Abschlussprojekt</a:t>
+            </a:r>
+          </a:p>
+          <a:p>
+            <a:pPr>
+              <a:spcBef>
+                <a:spcPts val="640"/>
+              </a:spcBef>
+              <a:spcAft>
+                <a:spcPts val="1415"/>
+              </a:spcAft>
+              <a:buSzPct val="100000"/>
+            </a:pPr>
+            <a:endParaRPr lang="de-DE" sz="2800" dirty="0">
+              <a:latin typeface="Calibri" pitchFamily="18"/>
+            </a:endParaRPr>
+          </a:p>
+          <a:p>
+            <a:pPr>
+              <a:spcBef>
+                <a:spcPts val="640"/>
+              </a:spcBef>
+              <a:spcAft>
+                <a:spcPts val="1415"/>
+              </a:spcAft>
+              <a:buSzPct val="100000"/>
+            </a:pPr>
+            <a:r>
+              <a:rPr lang="de-DE" sz="2800" dirty="0" smtClean="0">
+                <a:latin typeface="Calibri" pitchFamily="18"/>
+              </a:rPr>
+              <a:t>Entscheidung für die Zitaterfassung</a:t>
+            </a:r>
+            <a:endParaRPr lang="de-DE" sz="2800" dirty="0">
+              <a:latin typeface="Calibri" pitchFamily="18"/>
+            </a:endParaRPr>
           </a:p>
           <a:p>
             <a:endParaRPr lang="de-DE" dirty="0"/>
@@ -9144,16 +12713,77 @@
             <p:ph type="title"/>
           </p:nvPr>
         </p:nvSpPr>
-        <p:spPr/>
+        <p:spPr>
+          <a:xfrm>
+            <a:off x="685800" y="274638"/>
+            <a:ext cx="7772400" cy="1143000"/>
+          </a:xfrm>
+        </p:spPr>
         <p:txBody>
           <a:bodyPr>
             <a:normAutofit/>
           </a:bodyPr>
           <a:lstStyle/>
           <a:p>
+            <a:pPr algn="ctr"/>
+            <a:r>
+              <a:rPr lang="de-DE" sz="3600" dirty="0" smtClean="0"/>
+              <a:t>Problemstellung – Projektumfeld</a:t>
+            </a:r>
+            <a:endParaRPr lang="de-DE" sz="3600" dirty="0"/>
+          </a:p>
+        </p:txBody>
+      </p:sp>
+      <p:sp>
+        <p:nvSpPr>
+          <p:cNvPr id="4" name="Datumsplatzhalter 3"/>
+          <p:cNvSpPr>
+            <a:spLocks noGrp="1"/>
+          </p:cNvSpPr>
+          <p:nvPr>
+            <p:ph type="dt" sz="half" idx="10"/>
+          </p:nvPr>
+        </p:nvSpPr>
+        <p:spPr/>
+        <p:txBody>
+          <a:bodyPr/>
+          <a:lstStyle/>
+          <a:p>
+            <a:fld id="{EFC2AD31-089E-4D11-9BF9-92100B19E5A7}" type="datetime1">
+              <a:rPr lang="de-DE" smtClean="0"/>
+              <a:t>09.12.2018</a:t>
+            </a:fld>
+            <a:endParaRPr lang="de-DE"/>
+          </a:p>
+        </p:txBody>
+      </p:sp>
+      <p:sp>
+        <p:nvSpPr>
+          <p:cNvPr id="5" name="Fußzeilenplatzhalter 4"/>
+          <p:cNvSpPr>
+            <a:spLocks noGrp="1"/>
+          </p:cNvSpPr>
+          <p:nvPr>
+            <p:ph type="ftr" sz="quarter" idx="11"/>
+          </p:nvPr>
+        </p:nvSpPr>
+        <p:spPr>
+          <a:xfrm>
+            <a:off x="914400" y="6172200"/>
+            <a:ext cx="6105872" cy="457200"/>
+          </a:xfrm>
+        </p:spPr>
+        <p:txBody>
+          <a:bodyPr/>
+          <a:lstStyle/>
+          <a:p>
             <a:r>
               <a:rPr lang="de-DE" dirty="0" smtClean="0"/>
-              <a:t>Problemstellung – Projektumfeld</a:t>
+              <a:t>Zitaterfassung - Lars Baumgarten, Tim Rumrich, Pascal </a:t>
+            </a:r>
+            <a:r>
+              <a:rPr lang="de-DE" dirty="0" err="1" smtClean="0"/>
+              <a:t>Schmotz</a:t>
             </a:r>
             <a:endParaRPr lang="de-DE" dirty="0"/>
           </a:p>
@@ -9161,20 +12791,62 @@
       </p:sp>
       <p:sp>
         <p:nvSpPr>
+          <p:cNvPr id="6" name="Foliennummernplatzhalter 5"/>
+          <p:cNvSpPr>
+            <a:spLocks noGrp="1"/>
+          </p:cNvSpPr>
+          <p:nvPr>
+            <p:ph type="sldNum" sz="quarter" idx="12"/>
+          </p:nvPr>
+        </p:nvSpPr>
+        <p:spPr/>
+        <p:txBody>
+          <a:bodyPr/>
+          <a:lstStyle/>
+          <a:p>
+            <a:fld id="{6C6AE60A-B69C-4790-82F7-3882EDF23186}" type="slidenum">
+              <a:rPr lang="de-DE" smtClean="0"/>
+              <a:t>6</a:t>
+            </a:fld>
+            <a:endParaRPr lang="de-DE"/>
+          </a:p>
+        </p:txBody>
+      </p:sp>
+      <p:sp>
+        <p:nvSpPr>
           <p:cNvPr id="3" name="Inhaltsplatzhalter 2"/>
           <p:cNvSpPr>
             <a:spLocks noGrp="1"/>
           </p:cNvSpPr>
           <p:nvPr>
-            <p:ph idx="1"/>
-          </p:nvPr>
-        </p:nvSpPr>
-        <p:spPr/>
-        <p:txBody>
-          <a:bodyPr/>
-          <a:lstStyle/>
-          <a:p>
-            <a:endParaRPr lang="de-DE" dirty="0" smtClean="0"/>
+            <p:ph sz="quarter" idx="1"/>
+          </p:nvPr>
+        </p:nvSpPr>
+        <p:spPr/>
+        <p:txBody>
+          <a:bodyPr/>
+          <a:lstStyle/>
+          <a:p>
+            <a:endParaRPr lang="de-DE" sz="2800" dirty="0" smtClean="0"/>
+          </a:p>
+          <a:p>
+            <a:endParaRPr lang="de-DE" sz="2800" dirty="0" smtClean="0"/>
+          </a:p>
+          <a:p>
+            <a:r>
+              <a:rPr lang="de-DE" sz="2800" dirty="0" smtClean="0"/>
+              <a:t>Arbeit in der Brühlwiesenschule</a:t>
+            </a:r>
+          </a:p>
+          <a:p>
+            <a:endParaRPr lang="de-DE" sz="2800" dirty="0"/>
+          </a:p>
+          <a:p>
+            <a:r>
+              <a:rPr lang="de-DE" sz="2800" dirty="0" smtClean="0"/>
+              <a:t>Direkter Kontakt zu dem Auftraggeber</a:t>
+            </a:r>
+            <a:endParaRPr lang="de-DE" sz="2800" dirty="0" smtClean="0"/>
           </a:p>
           <a:p>
             <a:endParaRPr lang="de-DE" dirty="0"/>
@@ -9228,16 +12900,77 @@
             <p:ph type="title"/>
           </p:nvPr>
         </p:nvSpPr>
-        <p:spPr/>
+        <p:spPr>
+          <a:xfrm>
+            <a:off x="685800" y="274638"/>
+            <a:ext cx="7772400" cy="1143000"/>
+          </a:xfrm>
+        </p:spPr>
         <p:txBody>
           <a:bodyPr>
             <a:normAutofit/>
           </a:bodyPr>
           <a:lstStyle/>
           <a:p>
+            <a:pPr algn="ctr"/>
+            <a:r>
+              <a:rPr lang="de-DE" sz="3600" dirty="0" smtClean="0"/>
+              <a:t>Problemstellung – Projektziel</a:t>
+            </a:r>
+            <a:endParaRPr lang="de-DE" sz="3600" dirty="0"/>
+          </a:p>
+        </p:txBody>
+      </p:sp>
+      <p:sp>
+        <p:nvSpPr>
+          <p:cNvPr id="4" name="Datumsplatzhalter 3"/>
+          <p:cNvSpPr>
+            <a:spLocks noGrp="1"/>
+          </p:cNvSpPr>
+          <p:nvPr>
+            <p:ph type="dt" sz="half" idx="10"/>
+          </p:nvPr>
+        </p:nvSpPr>
+        <p:spPr/>
+        <p:txBody>
+          <a:bodyPr/>
+          <a:lstStyle/>
+          <a:p>
+            <a:fld id="{E0AF163E-F1FA-4DA8-95A3-8996CB2A040C}" type="datetime1">
+              <a:rPr lang="de-DE" smtClean="0"/>
+              <a:t>09.12.2018</a:t>
+            </a:fld>
+            <a:endParaRPr lang="de-DE"/>
+          </a:p>
+        </p:txBody>
+      </p:sp>
+      <p:sp>
+        <p:nvSpPr>
+          <p:cNvPr id="5" name="Fußzeilenplatzhalter 4"/>
+          <p:cNvSpPr>
+            <a:spLocks noGrp="1"/>
+          </p:cNvSpPr>
+          <p:nvPr>
+            <p:ph type="ftr" sz="quarter" idx="11"/>
+          </p:nvPr>
+        </p:nvSpPr>
+        <p:spPr>
+          <a:xfrm>
+            <a:off x="914400" y="6172200"/>
+            <a:ext cx="6321896" cy="457200"/>
+          </a:xfrm>
+        </p:spPr>
+        <p:txBody>
+          <a:bodyPr/>
+          <a:lstStyle/>
+          <a:p>
             <a:r>
               <a:rPr lang="de-DE" dirty="0" smtClean="0"/>
-              <a:t>Problemstellung – Projektziel</a:t>
+              <a:t>Zitaterfassung - Lars Baumgarten, Tim Rumrich, Pascal </a:t>
+            </a:r>
+            <a:r>
+              <a:rPr lang="de-DE" dirty="0" err="1" smtClean="0"/>
+              <a:t>Schmotz</a:t>
             </a:r>
             <a:endParaRPr lang="de-DE" dirty="0"/>
           </a:p>
@@ -9245,12 +12978,35 @@
       </p:sp>
       <p:sp>
         <p:nvSpPr>
+          <p:cNvPr id="6" name="Foliennummernplatzhalter 5"/>
+          <p:cNvSpPr>
+            <a:spLocks noGrp="1"/>
+          </p:cNvSpPr>
+          <p:nvPr>
+            <p:ph type="sldNum" sz="quarter" idx="12"/>
+          </p:nvPr>
+        </p:nvSpPr>
+        <p:spPr/>
+        <p:txBody>
+          <a:bodyPr/>
+          <a:lstStyle/>
+          <a:p>
+            <a:fld id="{6C6AE60A-B69C-4790-82F7-3882EDF23186}" type="slidenum">
+              <a:rPr lang="de-DE" smtClean="0"/>
+              <a:t>7</a:t>
+            </a:fld>
+            <a:endParaRPr lang="de-DE"/>
+          </a:p>
+        </p:txBody>
+      </p:sp>
+      <p:sp>
+        <p:nvSpPr>
           <p:cNvPr id="3" name="Inhaltsplatzhalter 2"/>
           <p:cNvSpPr>
             <a:spLocks noGrp="1"/>
           </p:cNvSpPr>
           <p:nvPr>
-            <p:ph idx="1"/>
+            <p:ph sz="quarter" idx="1"/>
           </p:nvPr>
         </p:nvSpPr>
         <p:spPr/>
@@ -9261,7 +13017,50 @@
             <a:endParaRPr lang="de-DE" dirty="0" smtClean="0"/>
           </a:p>
           <a:p>
-            <a:endParaRPr lang="de-DE" dirty="0"/>
+            <a:endParaRPr lang="de-DE" sz="2800" dirty="0" smtClean="0"/>
+          </a:p>
+          <a:p>
+            <a:r>
+              <a:rPr lang="de-DE" sz="2800" dirty="0" smtClean="0"/>
+              <a:t>Erstellung einer digitalen </a:t>
+            </a:r>
+            <a:r>
+              <a:rPr lang="de-DE" sz="2800" dirty="0" err="1" smtClean="0"/>
+              <a:t>Zitatesammlung</a:t>
+            </a:r>
+            <a:endParaRPr lang="de-DE" sz="2800" dirty="0" smtClean="0"/>
+          </a:p>
+          <a:p>
+            <a:endParaRPr lang="de-DE" sz="2800" dirty="0"/>
+          </a:p>
+          <a:p>
+            <a:r>
+              <a:rPr lang="de-DE" sz="2800" dirty="0" smtClean="0"/>
+              <a:t>Zentralisiert</a:t>
+            </a:r>
+            <a:r>
+              <a:rPr lang="de-DE" sz="2800" dirty="0"/>
+              <a:t> </a:t>
+            </a:r>
+            <a:r>
+              <a:rPr lang="de-DE" sz="2800" dirty="0" smtClean="0"/>
+              <a:t>und</a:t>
+            </a:r>
+            <a:r>
+              <a:rPr lang="de-DE" sz="2800" dirty="0" smtClean="0"/>
+              <a:t> komfortabel für die Benutzer</a:t>
+            </a:r>
+            <a:endParaRPr lang="de-DE" sz="2800" dirty="0" smtClean="0"/>
+          </a:p>
+          <a:p>
+            <a:endParaRPr lang="de-DE" sz="2800" dirty="0" smtClean="0"/>
+          </a:p>
+          <a:p>
+            <a:r>
+              <a:rPr lang="de-DE" sz="2800" dirty="0" smtClean="0"/>
+              <a:t>Generalprobe für das Abschlussprojekt</a:t>
+            </a:r>
+            <a:endParaRPr lang="de-DE" sz="2800" dirty="0"/>
           </a:p>
         </p:txBody>
       </p:sp>
@@ -9312,16 +13111,77 @@
             <p:ph type="title"/>
           </p:nvPr>
         </p:nvSpPr>
-        <p:spPr/>
+        <p:spPr>
+          <a:xfrm>
+            <a:off x="685800" y="274638"/>
+            <a:ext cx="7772400" cy="1143000"/>
+          </a:xfrm>
+        </p:spPr>
         <p:txBody>
           <a:bodyPr>
-            <a:normAutofit fontScale="90000"/>
+            <a:normAutofit/>
           </a:bodyPr>
           <a:lstStyle/>
           <a:p>
+            <a:pPr algn="ctr"/>
+            <a:r>
+              <a:rPr lang="de-DE" sz="3200" dirty="0" smtClean="0"/>
+              <a:t>Problemstellung – Projektbegründung</a:t>
+            </a:r>
+            <a:endParaRPr lang="de-DE" sz="3200" dirty="0"/>
+          </a:p>
+        </p:txBody>
+      </p:sp>
+      <p:sp>
+        <p:nvSpPr>
+          <p:cNvPr id="4" name="Datumsplatzhalter 3"/>
+          <p:cNvSpPr>
+            <a:spLocks noGrp="1"/>
+          </p:cNvSpPr>
+          <p:nvPr>
+            <p:ph type="dt" sz="half" idx="10"/>
+          </p:nvPr>
+        </p:nvSpPr>
+        <p:spPr/>
+        <p:txBody>
+          <a:bodyPr/>
+          <a:lstStyle/>
+          <a:p>
+            <a:fld id="{5B1B101C-9555-4F01-AD01-B62233BDBA26}" type="datetime1">
+              <a:rPr lang="de-DE" smtClean="0"/>
+              <a:t>09.12.2018</a:t>
+            </a:fld>
+            <a:endParaRPr lang="de-DE"/>
+          </a:p>
+        </p:txBody>
+      </p:sp>
+      <p:sp>
+        <p:nvSpPr>
+          <p:cNvPr id="5" name="Fußzeilenplatzhalter 4"/>
+          <p:cNvSpPr>
+            <a:spLocks noGrp="1"/>
+          </p:cNvSpPr>
+          <p:nvPr>
+            <p:ph type="ftr" sz="quarter" idx="11"/>
+          </p:nvPr>
+        </p:nvSpPr>
+        <p:spPr>
+          <a:xfrm>
+            <a:off x="914400" y="6172200"/>
+            <a:ext cx="6465912" cy="457200"/>
+          </a:xfrm>
+        </p:spPr>
+        <p:txBody>
+          <a:bodyPr/>
+          <a:lstStyle/>
+          <a:p>
             <a:r>
               <a:rPr lang="de-DE" dirty="0" smtClean="0"/>
-              <a:t>Problemstellung – Projektbegründung</a:t>
+              <a:t>Zitaterfassung - Lars Baumgarten, Tim Rumrich, Pascal </a:t>
+            </a:r>
+            <a:r>
+              <a:rPr lang="de-DE" dirty="0" err="1" smtClean="0"/>
+              <a:t>Schmotz</a:t>
             </a:r>
             <a:endParaRPr lang="de-DE" dirty="0"/>
           </a:p>
@@ -9329,18 +13189,104 @@
       </p:sp>
       <p:sp>
         <p:nvSpPr>
+          <p:cNvPr id="6" name="Foliennummernplatzhalter 5"/>
+          <p:cNvSpPr>
+            <a:spLocks noGrp="1"/>
+          </p:cNvSpPr>
+          <p:nvPr>
+            <p:ph type="sldNum" sz="quarter" idx="12"/>
+          </p:nvPr>
+        </p:nvSpPr>
+        <p:spPr/>
+        <p:txBody>
+          <a:bodyPr/>
+          <a:lstStyle/>
+          <a:p>
+            <a:fld id="{6C6AE60A-B69C-4790-82F7-3882EDF23186}" type="slidenum">
+              <a:rPr lang="de-DE" smtClean="0"/>
+              <a:t>8</a:t>
+            </a:fld>
+            <a:endParaRPr lang="de-DE"/>
+          </a:p>
+        </p:txBody>
+      </p:sp>
+      <p:sp>
+        <p:nvSpPr>
           <p:cNvPr id="3" name="Inhaltsplatzhalter 2"/>
           <p:cNvSpPr>
             <a:spLocks noGrp="1"/>
           </p:cNvSpPr>
           <p:nvPr>
-            <p:ph idx="1"/>
-          </p:nvPr>
-        </p:nvSpPr>
-        <p:spPr/>
-        <p:txBody>
-          <a:bodyPr/>
-          <a:lstStyle/>
+            <p:ph sz="quarter" idx="1"/>
+          </p:nvPr>
+        </p:nvSpPr>
+        <p:spPr>
+          <a:xfrm>
+            <a:off x="914400" y="1628800"/>
+            <a:ext cx="7772400" cy="4391000"/>
+          </a:xfrm>
+        </p:spPr>
+        <p:txBody>
+          <a:bodyPr/>
+          <a:lstStyle/>
+          <a:p>
+            <a:pPr marL="0" lvl="0" indent="0">
+              <a:spcBef>
+                <a:spcPts val="640"/>
+              </a:spcBef>
+              <a:spcAft>
+                <a:spcPts val="1415"/>
+              </a:spcAft>
+              <a:buSzPct val="100000"/>
+              <a:buNone/>
+            </a:pPr>
+            <a:endParaRPr lang="de-DE" sz="2800" dirty="0" smtClean="0"/>
+          </a:p>
+          <a:p>
+            <a:pPr>
+              <a:spcBef>
+                <a:spcPts val="640"/>
+              </a:spcBef>
+              <a:spcAft>
+                <a:spcPts val="1415"/>
+              </a:spcAft>
+              <a:buSzPct val="100000"/>
+            </a:pPr>
+            <a:r>
+              <a:rPr lang="de-DE" sz="2800" dirty="0" smtClean="0"/>
+              <a:t>Wunsch einiger Schüler</a:t>
+            </a:r>
+          </a:p>
+          <a:p>
+            <a:pPr lvl="0">
+              <a:spcBef>
+                <a:spcPts val="640"/>
+              </a:spcBef>
+              <a:spcAft>
+                <a:spcPts val="1415"/>
+              </a:spcAft>
+              <a:buSzPct val="100000"/>
+              <a:buFont typeface="Arial" pitchFamily="32"/>
+              <a:buChar char="•"/>
+            </a:pPr>
+            <a:endParaRPr lang="de-DE" sz="2800" dirty="0"/>
+          </a:p>
+          <a:p>
+            <a:pPr>
+              <a:spcBef>
+                <a:spcPts val="640"/>
+              </a:spcBef>
+              <a:spcAft>
+                <a:spcPts val="1415"/>
+              </a:spcAft>
+              <a:buSzPct val="100000"/>
+            </a:pPr>
+            <a:r>
+              <a:rPr lang="de-DE" sz="2800" dirty="0" smtClean="0"/>
+              <a:t>Keine vorhandene Anwendung</a:t>
+            </a:r>
+            <a:endParaRPr lang="de-DE" sz="2800" dirty="0"/>
+          </a:p>
           <a:p>
             <a:endParaRPr lang="de-DE" dirty="0" smtClean="0"/>
           </a:p>
@@ -9396,11 +13342,17 @@
             <p:ph type="title"/>
           </p:nvPr>
         </p:nvSpPr>
-        <p:spPr/>
-        <p:txBody>
-          <a:bodyPr/>
-          <a:lstStyle/>
-          <a:p>
+        <p:spPr>
+          <a:xfrm>
+            <a:off x="534380" y="274638"/>
+            <a:ext cx="8075240" cy="922114"/>
+          </a:xfrm>
+        </p:spPr>
+        <p:txBody>
+          <a:bodyPr/>
+          <a:lstStyle/>
+          <a:p>
+            <a:pPr algn="ctr"/>
             <a:r>
               <a:rPr lang="de-DE" dirty="0" smtClean="0"/>
               <a:t>Planung</a:t>
@@ -9411,23 +13363,138 @@
       </p:sp>
       <p:sp>
         <p:nvSpPr>
-          <p:cNvPr id="3" name="Inhaltsplatzhalter 2"/>
-          <p:cNvSpPr>
-            <a:spLocks noGrp="1"/>
-          </p:cNvSpPr>
-          <p:nvPr>
-            <p:ph idx="1"/>
-          </p:nvPr>
-        </p:nvSpPr>
-        <p:spPr/>
-        <p:txBody>
-          <a:bodyPr/>
-          <a:lstStyle/>
-          <a:p>
+          <p:cNvPr id="4" name="Datumsplatzhalter 3"/>
+          <p:cNvSpPr>
+            <a:spLocks noGrp="1"/>
+          </p:cNvSpPr>
+          <p:nvPr>
+            <p:ph type="dt" sz="half" idx="10"/>
+          </p:nvPr>
+        </p:nvSpPr>
+        <p:spPr/>
+        <p:txBody>
+          <a:bodyPr/>
+          <a:lstStyle/>
+          <a:p>
+            <a:fld id="{FE09F7CE-1480-43CB-A8A6-38D4245AAE45}" type="datetime1">
+              <a:rPr lang="de-DE" smtClean="0"/>
+              <a:t>09.12.2018</a:t>
+            </a:fld>
             <a:endParaRPr lang="de-DE"/>
           </a:p>
         </p:txBody>
       </p:sp>
+      <p:sp>
+        <p:nvSpPr>
+          <p:cNvPr id="5" name="Fußzeilenplatzhalter 4"/>
+          <p:cNvSpPr>
+            <a:spLocks noGrp="1"/>
+          </p:cNvSpPr>
+          <p:nvPr>
+            <p:ph type="ftr" sz="quarter" idx="11"/>
+          </p:nvPr>
+        </p:nvSpPr>
+        <p:spPr>
+          <a:xfrm>
+            <a:off x="914400" y="6172200"/>
+            <a:ext cx="6393904" cy="457200"/>
+          </a:xfrm>
+        </p:spPr>
+        <p:txBody>
+          <a:bodyPr/>
+          <a:lstStyle/>
+          <a:p>
+            <a:r>
+              <a:rPr lang="de-DE" dirty="0" smtClean="0"/>
+              <a:t>Zitaterfassung - Lars Baumgarten, Tim Rumrich, Pascal </a:t>
+            </a:r>
+            <a:r>
+              <a:rPr lang="de-DE" dirty="0" err="1" smtClean="0"/>
+              <a:t>Schmotz</a:t>
+            </a:r>
+            <a:endParaRPr lang="de-DE" dirty="0"/>
+          </a:p>
+        </p:txBody>
+      </p:sp>
+      <p:sp>
+        <p:nvSpPr>
+          <p:cNvPr id="6" name="Foliennummernplatzhalter 5"/>
+          <p:cNvSpPr>
+            <a:spLocks noGrp="1"/>
+          </p:cNvSpPr>
+          <p:nvPr>
+            <p:ph type="sldNum" sz="quarter" idx="12"/>
+          </p:nvPr>
+        </p:nvSpPr>
+        <p:spPr/>
+        <p:txBody>
+          <a:bodyPr/>
+          <a:lstStyle/>
+          <a:p>
+            <a:fld id="{6C6AE60A-B69C-4790-82F7-3882EDF23186}" type="slidenum">
+              <a:rPr lang="de-DE" smtClean="0"/>
+              <a:t>9</a:t>
+            </a:fld>
+            <a:endParaRPr lang="de-DE"/>
+          </a:p>
+        </p:txBody>
+      </p:sp>
+      <p:pic>
+        <p:nvPicPr>
+          <p:cNvPr id="2050" name="Picture 2"/>
+          <p:cNvPicPr>
+            <a:picLocks noGrp="1" noChangeAspect="1" noChangeArrowheads="1"/>
+          </p:cNvPicPr>
+          <p:nvPr>
+            <p:ph sz="quarter" idx="1"/>
+          </p:nvPr>
+        </p:nvPicPr>
+        <p:blipFill>
+          <a:blip r:embed="rId3">
+            <a:extLst>
+              <a:ext uri="{28A0092B-C50C-407E-A947-70E740481C1C}">
+                <a14:useLocalDpi xmlns:a14="http://schemas.microsoft.com/office/drawing/2010/main" val="0"/>
+              </a:ext>
+            </a:extLst>
+          </a:blip>
+          <a:srcRect/>
+          <a:stretch>
+            <a:fillRect/>
+          </a:stretch>
+        </p:blipFill>
+        <p:spPr bwMode="auto">
+          <a:xfrm>
+            <a:off x="2580323" y="1447800"/>
+            <a:ext cx="3983355" cy="4572000"/>
+          </a:xfrm>
+          <a:prstGeom prst="rect">
+            <a:avLst/>
+          </a:prstGeom>
+          <a:noFill/>
+          <a:ln>
+            <a:noFill/>
+          </a:ln>
+          <a:extLst>
+            <a:ext uri="{909E8E84-426E-40DD-AFC4-6F175D3DCCD1}">
+              <a14:hiddenFill xmlns:a14="http://schemas.microsoft.com/office/drawing/2010/main">
+                <a:solidFill>
+                  <a:schemeClr val="accent1"/>
+                </a:solidFill>
+              </a14:hiddenFill>
+            </a:ext>
+            <a:ext uri="{91240B29-F687-4F45-9708-019B960494DF}">
+              <a14:hiddenLine xmlns:a14="http://schemas.microsoft.com/office/drawing/2010/main" w="9525">
+                <a:solidFill>
+                  <a:schemeClr val="tx1"/>
+                </a:solidFill>
+                <a:miter lim="800000"/>
+                <a:headEnd/>
+                <a:tailEnd/>
+              </a14:hiddenLine>
+            </a:ext>
+          </a:extLst>
+        </p:spPr>
+      </p:pic>
     </p:spTree>
     <p:extLst>
       <p:ext uri="{BB962C8B-B14F-4D97-AF65-F5344CB8AC3E}">
@@ -9449,9 +13516,9 @@
 </file>
 
 <file path=ppt/theme/theme1.xml><?xml version="1.0" encoding="utf-8"?>
-<a:theme xmlns:a="http://schemas.openxmlformats.org/drawingml/2006/main" name="Larissa-Design">
+<a:theme xmlns:a="http://schemas.openxmlformats.org/drawingml/2006/main" name="Dactylos">
   <a:themeElements>
-    <a:clrScheme name="Larissa">
+    <a:clrScheme name="Dactylos">
       <a:dk1>
         <a:sysClr val="windowText" lastClr="000000"/>
       </a:dk1>
@@ -9459,48 +13526,87 @@
         <a:sysClr val="window" lastClr="FFFFFF"/>
       </a:lt1>
       <a:dk2>
-        <a:srgbClr val="1F497D"/>
+        <a:srgbClr val="696464"/>
       </a:dk2>
       <a:lt2>
-        <a:srgbClr val="EEECE1"/>
+        <a:srgbClr val="E9E5DC"/>
       </a:lt2>
       <a:accent1>
-        <a:srgbClr val="4F81BD"/>
+        <a:srgbClr val="D34817"/>
       </a:accent1>
       <a:accent2>
-        <a:srgbClr val="C0504D"/>
+        <a:srgbClr val="9B2D1F"/>
       </a:accent2>
       <a:accent3>
-        <a:srgbClr val="9BBB59"/>
+        <a:srgbClr val="A28E6A"/>
       </a:accent3>
       <a:accent4>
-        <a:srgbClr val="8064A2"/>
+        <a:srgbClr val="956251"/>
       </a:accent4>
       <a:accent5>
-        <a:srgbClr val="4BACC6"/>
+        <a:srgbClr val="918485"/>
       </a:accent5>
       <a:accent6>
-        <a:srgbClr val="F79646"/>
+        <a:srgbClr val="855D5D"/>
       </a:accent6>
       <a:hlink>
-        <a:srgbClr val="0000FF"/>
+        <a:srgbClr val="CC9900"/>
       </a:hlink>
       <a:folHlink>
-        <a:srgbClr val="800080"/>
+        <a:srgbClr val="96A9A9"/>
       </a:folHlink>
     </a:clrScheme>
-    <a:fontScheme name="Larissa">
+    <a:fontScheme name="Dactylos">
       <a:majorFont>
-        <a:latin typeface="Calibri"/>
+        <a:latin typeface="Franklin Gothic Book"/>
         <a:ea typeface=""/>
         <a:cs typeface=""/>
-        <a:font script="Jpan" typeface="ＭＳ Ｐゴシック"/>
+        <a:font script="Grek" typeface="Calibri"/>
+        <a:font script="Cyrl" typeface="Calibri"/>
+        <a:font script="Jpan" typeface="HGｺﾞｼｯｸM"/>
+        <a:font script="Hang" typeface="바탕"/>
+        <a:font script="Hans" typeface="幼圆"/>
+        <a:font script="Hant" typeface="微軟正黑體"/>
+        <a:font script="Arab" typeface="Tahoma"/>
+        <a:font script="Hebr" typeface="Aharoni"/>
+        <a:font script="Thai" typeface="LilyUPC"/>
+        <a:font script="Ethi" typeface="Nyala"/>
+        <a:font script="Beng" typeface="Vrinda"/>
+        <a:font script="Gujr" typeface="Shruti"/>
+        <a:font script="Khmr" typeface="DaunPenh"/>
+        <a:font script="Knda" typeface="Tunga"/>
+        <a:font script="Guru" typeface="Raavi"/>
+        <a:font script="Cans" typeface="Euphemia"/>
+        <a:font script="Cher" typeface="Plantagenet Cherokee"/>
+        <a:font script="Yiii" typeface="Microsoft Yi Baiti"/>
+        <a:font script="Tibt" typeface="Microsoft Himalaya"/>
+        <a:font script="Thaa" typeface="MV Boli"/>
+        <a:font script="Deva" typeface="Mangal"/>
+        <a:font script="Telu" typeface="Gautami"/>
+        <a:font script="Taml" typeface="Latha"/>
+        <a:font script="Syrc" typeface="Estrangelo Edessa"/>
+        <a:font script="Orya" typeface="Kalinga"/>
+        <a:font script="Mlym" typeface="Kartika"/>
+        <a:font script="Laoo" typeface="DokChampa"/>
+        <a:font script="Sinh" typeface="Iskoola Pota"/>
+        <a:font script="Mong" typeface="Mongolian Baiti"/>
+        <a:font script="Viet" typeface="Tahoma"/>
+        <a:font script="Uigh" typeface="Microsoft Uighur"/>
+        <a:font script="Geor" typeface="Sylfaen"/>
+      </a:majorFont>
+      <a:minorFont>
+        <a:latin typeface="Perpetua"/>
+        <a:ea typeface=""/>
+        <a:cs typeface=""/>
+        <a:font script="Grek" typeface="Cambria"/>
+        <a:font script="Cyrl" typeface="Cambria"/>
+        <a:font script="Jpan" typeface="HG創英ﾌﾟﾚｾﾞﾝｽEB"/>
         <a:font script="Hang" typeface="맑은 고딕"/>
         <a:font script="Hans" typeface="宋体"/>
         <a:font script="Hant" typeface="新細明體"/>
         <a:font script="Arab" typeface="Times New Roman"/>
-        <a:font script="Hebr" typeface="Times New Roman"/>
-        <a:font script="Thai" typeface="Angsana New"/>
+        <a:font script="Hebr" typeface="Aharoni"/>
+        <a:font script="Thai" typeface="EucrosiaUPC"/>
         <a:font script="Ethi" typeface="Nyala"/>
         <a:font script="Beng" typeface="Vrinda"/>
         <a:font script="Gujr" typeface="Shruti"/>
@@ -9523,111 +13629,62 @@
         <a:font script="Mong" typeface="Mongolian Baiti"/>
         <a:font script="Viet" typeface="Times New Roman"/>
         <a:font script="Uigh" typeface="Microsoft Uighur"/>
-      </a:majorFont>
-      <a:minorFont>
-        <a:latin typeface="Calibri"/>
-        <a:ea typeface=""/>
-        <a:cs typeface=""/>
-        <a:font script="Jpan" typeface="ＭＳ Ｐゴシック"/>
-        <a:font script="Hang" typeface="맑은 고딕"/>
-        <a:font script="Hans" typeface="宋体"/>
-        <a:font script="Hant" typeface="新細明體"/>
-        <a:font script="Arab" typeface="Arial"/>
-        <a:font script="Hebr" typeface="Arial"/>
-        <a:font script="Thai" typeface="Cordia New"/>
-        <a:font script="Ethi" typeface="Nyala"/>
-        <a:font script="Beng" typeface="Vrinda"/>
-        <a:font script="Gujr" typeface="Shruti"/>
-        <a:font script="Khmr" typeface="DaunPenh"/>
-        <a:font script="Knda" typeface="Tunga"/>
-        <a:font script="Guru" typeface="Raavi"/>
-        <a:font script="Cans" typeface="Euphemia"/>
-        <a:font script="Cher" typeface="Plantagenet Cherokee"/>
-        <a:font script="Yiii" typeface="Microsoft Yi Baiti"/>
-        <a:font script="Tibt" typeface="Microsoft Himalaya"/>
-        <a:font script="Thaa" typeface="MV Boli"/>
-        <a:font script="Deva" typeface="Mangal"/>
-        <a:font script="Telu" typeface="Gautami"/>
-        <a:font script="Taml" typeface="Latha"/>
-        <a:font script="Syrc" typeface="Estrangelo Edessa"/>
-        <a:font script="Orya" typeface="Kalinga"/>
-        <a:font script="Mlym" typeface="Kartika"/>
-        <a:font script="Laoo" typeface="DokChampa"/>
-        <a:font script="Sinh" typeface="Iskoola Pota"/>
-        <a:font script="Mong" typeface="Mongolian Baiti"/>
-        <a:font script="Viet" typeface="Arial"/>
-        <a:font script="Uigh" typeface="Microsoft Uighur"/>
+        <a:font script="Geor" typeface="Sylfaen"/>
       </a:minorFont>
     </a:fontScheme>
-    <a:fmtScheme name="Larissa">
+    <a:fmtScheme name="Dactylos">
       <a:fillStyleLst>
         <a:solidFill>
           <a:schemeClr val="phClr"/>
         </a:solidFill>
-        <a:gradFill rotWithShape="1">
-          <a:gsLst>
-            <a:gs pos="0">
+        <a:blipFill>
+          <a:blip xmlns:r="http://schemas.openxmlformats.org/officeDocument/2006/relationships" r:embed="rId1">
+            <a:duotone>
               <a:schemeClr val="phClr">
-                <a:tint val="50000"/>
+                <a:tint val="30000"/>
                 <a:satMod val="300000"/>
               </a:schemeClr>
-            </a:gs>
-            <a:gs pos="35000">
               <a:schemeClr val="phClr">
-                <a:tint val="37000"/>
-                <a:satMod val="300000"/>
+                <a:tint val="40000"/>
+                <a:satMod val="200000"/>
               </a:schemeClr>
-            </a:gs>
-            <a:gs pos="100000">
+            </a:duotone>
+          </a:blip>
+          <a:tile tx="0" ty="0" sx="70000" sy="70000" flip="none" algn="ctr"/>
+        </a:blipFill>
+        <a:blipFill>
+          <a:blip xmlns:r="http://schemas.openxmlformats.org/officeDocument/2006/relationships" r:embed="rId1">
+            <a:duotone>
               <a:schemeClr val="phClr">
-                <a:tint val="15000"/>
-                <a:satMod val="350000"/>
+                <a:shade val="22000"/>
+                <a:satMod val="160000"/>
               </a:schemeClr>
-            </a:gs>
-          </a:gsLst>
-          <a:lin ang="16200000" scaled="1"/>
-        </a:gradFill>
-        <a:gradFill rotWithShape="1">
-          <a:gsLst>
-            <a:gs pos="0">
               <a:schemeClr val="phClr">
-                <a:shade val="51000"/>
-                <a:satMod val="130000"/>
+                <a:shade val="45000"/>
+                <a:satMod val="100000"/>
               </a:schemeClr>
-            </a:gs>
-            <a:gs pos="80000">
-              <a:schemeClr val="phClr">
-                <a:shade val="93000"/>
-                <a:satMod val="130000"/>
-              </a:schemeClr>
-            </a:gs>
-            <a:gs pos="100000">
-              <a:schemeClr val="phClr">
-                <a:shade val="94000"/>
-                <a:satMod val="135000"/>
-              </a:schemeClr>
-            </a:gs>
-          </a:gsLst>
-          <a:lin ang="16200000" scaled="0"/>
-        </a:gradFill>
+            </a:duotone>
+          </a:blip>
+          <a:tile tx="0" ty="0" sx="65000" sy="65000" flip="none" algn="ctr"/>
+        </a:blipFill>
       </a:fillStyleLst>
       <a:lnStyleLst>
-        <a:ln w="9525" cap="rnd" cmpd="sng" algn="ctr">
+        <a:ln w="9525" cap="flat" cmpd="sng" algn="ctr">
           <a:solidFill>
             <a:schemeClr val="phClr">
-              <a:shade val="95000"/>
-              <a:satMod val="105000"/>
+              <a:shade val="60000"/>
+              <a:satMod val="110000"/>
             </a:schemeClr>
           </a:solidFill>
           <a:prstDash val="solid"/>
         </a:ln>
-        <a:ln w="25400" cap="rnd" cmpd="sng" algn="ctr">
+        <a:ln w="12700" cap="flat" cmpd="sng" algn="ctr">
           <a:solidFill>
             <a:schemeClr val="phClr"/>
           </a:solidFill>
           <a:prstDash val="solid"/>
         </a:ln>
-        <a:ln w="38100" cap="rnd" cmpd="sng" algn="ctr">
+        <a:ln w="38100" cap="flat" cmpd="sng" algn="ctr">
           <a:solidFill>
             <a:schemeClr val="phClr"/>
           </a:solidFill>
@@ -9637,40 +13694,46 @@
       <a:effectStyleLst>
         <a:effectStyle>
           <a:effectLst>
-            <a:outerShdw blurRad="40000" dist="20000" dir="5400000">
+            <a:outerShdw blurRad="38100" dist="25400" dir="5400000" algn="t" rotWithShape="0">
               <a:srgbClr val="000000">
-                <a:alpha val="38000"/>
+                <a:alpha val="50000"/>
               </a:srgbClr>
             </a:outerShdw>
           </a:effectLst>
         </a:effectStyle>
         <a:effectStyle>
           <a:effectLst>
-            <a:outerShdw blurRad="40000" dist="23000" dir="5400000">
+            <a:outerShdw blurRad="38100" dist="25400" dir="5400000" algn="t" rotWithShape="0">
               <a:srgbClr val="000000">
-                <a:alpha val="35000"/>
+                <a:alpha val="50000"/>
               </a:srgbClr>
             </a:outerShdw>
           </a:effectLst>
         </a:effectStyle>
         <a:effectStyle>
           <a:effectLst>
-            <a:outerShdw blurRad="40000" dist="23000" dir="5400000">
+            <a:outerShdw blurRad="50800" dist="50800" dir="5400000" algn="t" rotWithShape="0">
               <a:srgbClr val="000000">
-                <a:alpha val="35000"/>
+                <a:alpha val="60000"/>
               </a:srgbClr>
             </a:outerShdw>
           </a:effectLst>
           <a:scene3d>
-            <a:camera prst="orthographicFront">
+            <a:camera prst="isometricBottomUp" fov="0">
               <a:rot lat="0" lon="0" rev="0"/>
             </a:camera>
-            <a:lightRig rig="threePt" dir="t">
-              <a:rot lat="0" lon="0" rev="1200000"/>
+            <a:lightRig rig="soft" dir="b">
+              <a:rot lat="0" lon="0" rev="9000000"/>
             </a:lightRig>
           </a:scene3d>
-          <a:sp3d>
-            <a:bevelT w="63500" h="25400"/>
+          <a:sp3d contourW="35000" prstMaterial="matte">
+            <a:bevelT w="45000" h="38100" prst="convex"/>
+            <a:contourClr>
+              <a:schemeClr val="phClr">
+                <a:tint val="10000"/>
+                <a:satMod val="130000"/>
+              </a:schemeClr>
+            </a:contourClr>
           </a:sp3d>
         </a:effectStyle>
       </a:effectStyleLst>
@@ -9682,47 +13745,40 @@
           <a:gsLst>
             <a:gs pos="0">
               <a:schemeClr val="phClr">
-                <a:tint val="40000"/>
-                <a:satMod val="350000"/>
+                <a:shade val="40000"/>
+                <a:satMod val="165000"/>
               </a:schemeClr>
             </a:gs>
-            <a:gs pos="40000">
+            <a:gs pos="50000">
               <a:schemeClr val="phClr">
-                <a:tint val="45000"/>
-                <a:shade val="99000"/>
-                <a:satMod val="350000"/>
+                <a:shade val="80000"/>
+                <a:satMod val="155000"/>
               </a:schemeClr>
             </a:gs>
             <a:gs pos="100000">
               <a:schemeClr val="phClr">
-                <a:shade val="20000"/>
-                <a:satMod val="255000"/>
-              </a:schemeClr>
-            </a:gs>
-          </a:gsLst>
-          <a:path path="circle">
-            <a:fillToRect l="100000" t="-60000" r="100000" b="200000"/>
-          </a:path>
-        </a:gradFill>
-        <a:gradFill rotWithShape="1">
-          <a:gsLst>
-            <a:gs pos="0">
-              <a:schemeClr val="phClr">
-                <a:tint val="80000"/>
-                <a:satMod val="300000"/>
-              </a:schemeClr>
-            </a:gs>
-            <a:gs pos="100000">
-              <a:schemeClr val="phClr">
-                <a:shade val="30000"/>
+                <a:tint val="95000"/>
                 <a:satMod val="200000"/>
               </a:schemeClr>
             </a:gs>
           </a:gsLst>
-          <a:path path="circle">
-            <a:fillToRect l="100000" t="100000" r="100000" b="100000"/>
-          </a:path>
+          <a:lin ang="16200000" scaled="1"/>
         </a:gradFill>
+        <a:blipFill>
+          <a:blip xmlns:r="http://schemas.openxmlformats.org/officeDocument/2006/relationships" r:embed="rId1">
+            <a:duotone>
+              <a:schemeClr val="phClr">
+                <a:tint val="95000"/>
+                <a:satMod val="200000"/>
+              </a:schemeClr>
+              <a:schemeClr val="phClr">
+                <a:shade val="80000"/>
+                <a:satMod val="100000"/>
+              </a:schemeClr>
+            </a:duotone>
+          </a:blip>
+          <a:tile tx="0" ty="0" sx="55000" sy="55000" flip="none" algn="tl"/>
+        </a:blipFill>
       </a:bgFillStyleLst>
     </a:fmtScheme>
   </a:themeElements>
@@ -9986,7 +14042,7 @@
   <a:extraClrSchemeLst/>
   <a:extLst>
     <a:ext uri="{05A4C25C-085E-4340-85A3-A5531E510DB2}">
-      <thm15:themeFamily xmlns:thm15="http://schemas.microsoft.com/office/thememl/2012/main" name="Office Theme" id="{62F939B6-93AF-4DB8-9C6B-D6C7DFDC589F}" vid="{4A3C46E8-61CC-4603-A589-7422A47A8E4A}"/>
+      <thm15:themeFamily xmlns="" xmlns:thm15="http://schemas.microsoft.com/office/thememl/2012/main" name="Office Theme" id="{62F939B6-93AF-4DB8-9C6B-D6C7DFDC589F}" vid="{4A3C46E8-61CC-4603-A589-7422A47A8E4A}"/>
     </a:ext>
   </a:extLst>
 </a:theme>
@@ -10247,7 +14303,7 @@
   <a:extraClrSchemeLst/>
   <a:extLst>
     <a:ext uri="{05A4C25C-085E-4340-85A3-A5531E510DB2}">
-      <thm15:themeFamily xmlns:thm15="http://schemas.microsoft.com/office/thememl/2012/main" name="Office Theme" id="{62F939B6-93AF-4DB8-9C6B-D6C7DFDC589F}" vid="{4A3C46E8-61CC-4603-A589-7422A47A8E4A}"/>
+      <thm15:themeFamily xmlns="" xmlns:thm15="http://schemas.microsoft.com/office/thememl/2012/main" name="Office Theme" id="{62F939B6-93AF-4DB8-9C6B-D6C7DFDC589F}" vid="{4A3C46E8-61CC-4603-A589-7422A47A8E4A}"/>
     </a:ext>
   </a:extLst>
 </a:theme>

--- a/ZitatErfassung.pptx
+++ b/ZitatErfassung.pptx
@@ -12,8 +12,8 @@
   </p:handoutMasterIdLst>
   <p:sldIdLst>
     <p:sldId id="256" r:id="rId4"/>
-    <p:sldId id="257" r:id="rId5"/>
-    <p:sldId id="258" r:id="rId6"/>
+    <p:sldId id="258" r:id="rId5"/>
+    <p:sldId id="257" r:id="rId6"/>
     <p:sldId id="259" r:id="rId7"/>
     <p:sldId id="263" r:id="rId8"/>
     <p:sldId id="264" r:id="rId9"/>
@@ -142,8 +142,8 @@
         <p14:section name="Standardabschnitt" id="{20EC63D9-175F-42FA-BF69-55A38353FA6B}">
           <p14:sldIdLst>
             <p14:sldId id="256"/>
+            <p14:sldId id="258"/>
             <p14:sldId id="257"/>
-            <p14:sldId id="258"/>
             <p14:sldId id="259"/>
             <p14:sldId id="263"/>
             <p14:sldId id="264"/>
@@ -272,7 +272,7 @@
           <a:p>
             <a:fld id="{87651CDC-350E-4B44-BB8A-885237E2A711}" type="datetimeFigureOut">
               <a:rPr lang="en-US" smtClean="0"/>
-              <a:t>12/9/2018</a:t>
+              <a:t>12/10/2018</a:t>
             </a:fld>
             <a:endParaRPr lang="en-US"/>
           </a:p>
@@ -437,7 +437,7 @@
           <a:p>
             <a:fld id="{1466A8C7-1C43-42D3-82B5-6D4564CA3D98}" type="datetimeFigureOut">
               <a:rPr lang="en-US" smtClean="0"/>
-              <a:t>12/9/2018</a:t>
+              <a:t>12/10/2018</a:t>
             </a:fld>
             <a:endParaRPr lang="en-US"/>
           </a:p>
@@ -2160,7 +2160,7 @@
     </p:spTree>
     <p:extLst>
       <p:ext uri="{BB962C8B-B14F-4D97-AF65-F5344CB8AC3E}">
-        <p14:creationId xmlns:p14="http://schemas.microsoft.com/office/powerpoint/2010/main" val="3105890271"/>
+        <p14:creationId xmlns:p14="http://schemas.microsoft.com/office/powerpoint/2010/main" val="2045617657"/>
       </p:ext>
     </p:extLst>
   </p:cSld>
@@ -3258,7 +3258,7 @@
     </p:spTree>
     <p:extLst>
       <p:ext uri="{BB962C8B-B14F-4D97-AF65-F5344CB8AC3E}">
-        <p14:creationId xmlns:p14="http://schemas.microsoft.com/office/powerpoint/2010/main" val="2045617657"/>
+        <p14:creationId xmlns:p14="http://schemas.microsoft.com/office/powerpoint/2010/main" val="3105890271"/>
       </p:ext>
     </p:extLst>
   </p:cSld>
@@ -4194,7 +4194,7 @@
           <a:p>
             <a:fld id="{D5F60348-16C7-4648-B6C9-C9DF434B0102}" type="datetime1">
               <a:rPr lang="de-DE" smtClean="0"/>
-              <a:t>09.12.2018</a:t>
+              <a:t>10.12.2018</a:t>
             </a:fld>
             <a:endParaRPr lang="de-DE"/>
           </a:p>
@@ -4551,7 +4551,7 @@
           <a:p>
             <a:fld id="{A00439E5-3976-4189-9D78-46EB8DFF1A65}" type="datetime1">
               <a:rPr lang="de-DE" smtClean="0"/>
-              <a:t>09.12.2018</a:t>
+              <a:t>10.12.2018</a:t>
             </a:fld>
             <a:endParaRPr lang="de-DE"/>
           </a:p>
@@ -4730,7 +4730,7 @@
           <a:p>
             <a:fld id="{101780AE-813D-4809-9065-6A8614C5D02F}" type="datetime1">
               <a:rPr lang="de-DE" smtClean="0"/>
-              <a:t>09.12.2018</a:t>
+              <a:t>10.12.2018</a:t>
             </a:fld>
             <a:endParaRPr lang="de-DE"/>
           </a:p>
@@ -4847,7 +4847,7 @@
           <a:p>
             <a:fld id="{083FB6AE-0BFA-4B88-8DA9-916079574D7C}" type="datetime1">
               <a:rPr lang="de-DE" smtClean="0"/>
-              <a:t>09.12.2018</a:t>
+              <a:t>10.12.2018</a:t>
             </a:fld>
             <a:endParaRPr lang="de-DE"/>
           </a:p>
@@ -5209,7 +5209,7 @@
           <a:p>
             <a:fld id="{DF15808F-635E-4192-A00B-7EA38662DAC6}" type="datetime1">
               <a:rPr lang="de-DE" smtClean="0"/>
-              <a:t>09.12.2018</a:t>
+              <a:t>10.12.2018</a:t>
             </a:fld>
             <a:endParaRPr lang="de-DE"/>
           </a:p>
@@ -5478,7 +5478,7 @@
           <a:p>
             <a:fld id="{37C6774D-3A23-4938-AD4D-B86CC23DD578}" type="datetime1">
               <a:rPr lang="de-DE" smtClean="0"/>
-              <a:t>09.12.2018</a:t>
+              <a:t>10.12.2018</a:t>
             </a:fld>
             <a:endParaRPr lang="de-DE"/>
           </a:p>
@@ -5844,7 +5844,7 @@
           <a:p>
             <a:fld id="{668E43A0-1DA4-4E85-B8F1-15EE6B3739BB}" type="datetime1">
               <a:rPr lang="de-DE" smtClean="0"/>
-              <a:t>09.12.2018</a:t>
+              <a:t>10.12.2018</a:t>
             </a:fld>
             <a:endParaRPr lang="de-DE"/>
           </a:p>
@@ -6075,7 +6075,7 @@
           <a:p>
             <a:fld id="{55B86268-D411-481B-BCA9-89C174FDBD1E}" type="datetime1">
               <a:rPr lang="de-DE" smtClean="0"/>
-              <a:t>09.12.2018</a:t>
+              <a:t>10.12.2018</a:t>
             </a:fld>
             <a:endParaRPr lang="de-DE"/>
           </a:p>
@@ -6169,7 +6169,7 @@
           <a:p>
             <a:fld id="{B9CD7C01-54F1-4358-A4AC-E605F0F5E9AB}" type="datetime1">
               <a:rPr lang="de-DE" smtClean="0"/>
-              <a:t>09.12.2018</a:t>
+              <a:t>10.12.2018</a:t>
             </a:fld>
             <a:endParaRPr lang="de-DE"/>
           </a:p>
@@ -6440,7 +6440,7 @@
           <a:p>
             <a:fld id="{B91D1D1D-4F43-4878-9BD9-36053AD01D47}" type="datetime1">
               <a:rPr lang="de-DE" smtClean="0"/>
-              <a:t>09.12.2018</a:t>
+              <a:t>10.12.2018</a:t>
             </a:fld>
             <a:endParaRPr lang="de-DE"/>
           </a:p>
@@ -6672,7 +6672,7 @@
           <a:p>
             <a:fld id="{79B090FD-B66B-40F5-837D-2C30DA5AF58A}" type="datetime1">
               <a:rPr lang="de-DE" smtClean="0"/>
-              <a:t>09.12.2018</a:t>
+              <a:t>10.12.2018</a:t>
             </a:fld>
             <a:endParaRPr lang="de-DE"/>
           </a:p>
@@ -7175,7 +7175,7 @@
           <a:p>
             <a:fld id="{9F887E31-7385-423F-8A2E-DA6CAFE367D6}" type="datetime1">
               <a:rPr lang="de-DE" smtClean="0"/>
-              <a:t>09.12.2018</a:t>
+              <a:t>10.12.2018</a:t>
             </a:fld>
             <a:endParaRPr lang="de-DE"/>
           </a:p>
@@ -7604,27 +7604,22 @@
           <a:bodyPr/>
           <a:lstStyle/>
           <a:p>
+            <a:endParaRPr lang="de-DE" dirty="0" smtClean="0"/>
+          </a:p>
+          <a:p>
             <a:r>
               <a:rPr lang="de-DE" dirty="0" smtClean="0"/>
-              <a:t>Projekt der Klasse 12FIAE</a:t>
-            </a:r>
-          </a:p>
-          <a:p>
+              <a:t>Projekt </a:t>
+            </a:r>
             <a:r>
               <a:rPr lang="de-DE" dirty="0" smtClean="0"/>
-              <a:t>Von Lars Baumgarten, Tim Rumrich</a:t>
-            </a:r>
-          </a:p>
-          <a:p>
+              <a:t>der Klasse </a:t>
+            </a:r>
             <a:r>
               <a:rPr lang="de-DE" dirty="0" smtClean="0"/>
-              <a:t>und Pascal </a:t>
-            </a:r>
-            <a:r>
-              <a:rPr lang="de-DE" dirty="0" err="1" smtClean="0"/>
-              <a:t>Schmotz</a:t>
-            </a:r>
-            <a:endParaRPr lang="de-DE" dirty="0"/>
+              <a:t>12FIAE</a:t>
+            </a:r>
+            <a:endParaRPr lang="de-DE" dirty="0" smtClean="0"/>
           </a:p>
         </p:txBody>
       </p:sp>
@@ -7736,7 +7731,7 @@
           <a:p>
             <a:fld id="{A1153AE0-1846-4173-9386-FC3D3EBD5DBB}" type="datetime1">
               <a:rPr lang="de-DE" smtClean="0"/>
-              <a:t>09.12.2018</a:t>
+              <a:t>10.12.2018</a:t>
             </a:fld>
             <a:endParaRPr lang="de-DE"/>
           </a:p>
@@ -7946,7 +7941,7 @@
           <a:p>
             <a:fld id="{794CD9CE-3ECD-4A39-AF33-520D8961B472}" type="datetime1">
               <a:rPr lang="de-DE" smtClean="0"/>
-              <a:t>09.12.2018</a:t>
+              <a:t>10.12.2018</a:t>
             </a:fld>
             <a:endParaRPr lang="de-DE"/>
           </a:p>
@@ -8144,7 +8139,7 @@
           <a:p>
             <a:fld id="{CC839AC2-A429-4AED-A7B4-696E3F59D375}" type="datetime1">
               <a:rPr lang="de-DE" smtClean="0"/>
-              <a:t>09.12.2018</a:t>
+              <a:t>10.12.2018</a:t>
             </a:fld>
             <a:endParaRPr lang="de-DE"/>
           </a:p>
@@ -8346,7 +8341,7 @@
           <a:p>
             <a:fld id="{689ADB24-99BF-4459-A09F-9B9AC50B9BAB}" type="datetime1">
               <a:rPr lang="de-DE" smtClean="0"/>
-              <a:t>09.12.2018</a:t>
+              <a:t>10.12.2018</a:t>
             </a:fld>
             <a:endParaRPr lang="de-DE"/>
           </a:p>
@@ -8540,54 +8535,6 @@
           </a:prstGeom>
         </p:spPr>
       </p:pic>
-      <p:pic>
-        <p:nvPicPr>
-          <p:cNvPr id="6" name="Grafik 5"/>
-          <p:cNvPicPr>
-            <a:picLocks noChangeAspect="1"/>
-          </p:cNvPicPr>
-          <p:nvPr/>
-        </p:nvPicPr>
-        <p:blipFill>
-          <a:blip r:embed="rId4"/>
-          <a:stretch>
-            <a:fillRect/>
-          </a:stretch>
-        </p:blipFill>
-        <p:spPr>
-          <a:xfrm>
-            <a:off x="1691680" y="2028625"/>
-            <a:ext cx="2016224" cy="3177080"/>
-          </a:xfrm>
-          <a:prstGeom prst="rect">
-            <a:avLst/>
-          </a:prstGeom>
-        </p:spPr>
-      </p:pic>
-      <p:pic>
-        <p:nvPicPr>
-          <p:cNvPr id="7" name="Grafik 6"/>
-          <p:cNvPicPr>
-            <a:picLocks noChangeAspect="1"/>
-          </p:cNvPicPr>
-          <p:nvPr/>
-        </p:nvPicPr>
-        <p:blipFill>
-          <a:blip r:embed="rId5"/>
-          <a:stretch>
-            <a:fillRect/>
-          </a:stretch>
-        </p:blipFill>
-        <p:spPr>
-          <a:xfrm>
-            <a:off x="561384" y="856087"/>
-            <a:ext cx="1994393" cy="1325615"/>
-          </a:xfrm>
-          <a:prstGeom prst="rect">
-            <a:avLst/>
-          </a:prstGeom>
-        </p:spPr>
-      </p:pic>
       <p:sp>
         <p:nvSpPr>
           <p:cNvPr id="2" name="Datumsplatzhalter 1"/>
@@ -8605,7 +8552,7 @@
           <a:p>
             <a:fld id="{8BE3894E-4415-4669-B76F-2ABB5819005D}" type="datetime1">
               <a:rPr lang="de-DE" smtClean="0"/>
-              <a:t>09.12.2018</a:t>
+              <a:t>10.12.2018</a:t>
             </a:fld>
             <a:endParaRPr lang="de-DE"/>
           </a:p>
@@ -8666,6 +8613,60 @@
           </a:p>
         </p:txBody>
       </p:sp>
+      <p:pic>
+        <p:nvPicPr>
+          <p:cNvPr id="1026" name="Picture 2"/>
+          <p:cNvPicPr>
+            <a:picLocks noChangeAspect="1" noChangeArrowheads="1"/>
+          </p:cNvPicPr>
+          <p:nvPr/>
+        </p:nvPicPr>
+        <p:blipFill>
+          <a:blip r:embed="rId4">
+            <a:extLst>
+              <a:ext uri="{28A0092B-C50C-407E-A947-70E740481C1C}">
+                <a14:useLocalDpi xmlns:a14="http://schemas.microsoft.com/office/drawing/2010/main" val="0"/>
+              </a:ext>
+            </a:extLst>
+          </a:blip>
+          <a:srcRect/>
+          <a:stretch>
+            <a:fillRect/>
+          </a:stretch>
+        </p:blipFill>
+        <p:spPr bwMode="auto">
+          <a:xfrm>
+            <a:off x="683567" y="908720"/>
+            <a:ext cx="2867025" cy="4591050"/>
+          </a:xfrm>
+          <a:prstGeom prst="rect">
+            <a:avLst/>
+          </a:prstGeom>
+          <a:noFill/>
+          <a:ln>
+            <a:noFill/>
+          </a:ln>
+          <a:extLst>
+            <a:ext uri="{909E8E84-426E-40DD-AFC4-6F175D3DCCD1}">
+              <a14:hiddenFill xmlns:a14="http://schemas.microsoft.com/office/drawing/2010/main">
+                <a:solidFill>
+                  <a:schemeClr val="accent1"/>
+                </a:solidFill>
+              </a14:hiddenFill>
+            </a:ext>
+            <a:ext uri="{91240B29-F687-4F45-9708-019B960494DF}">
+              <a14:hiddenLine xmlns:a14="http://schemas.microsoft.com/office/drawing/2010/main" w="9525">
+                <a:solidFill>
+                  <a:schemeClr val="tx1"/>
+                </a:solidFill>
+                <a:miter lim="800000"/>
+                <a:headEnd/>
+                <a:tailEnd/>
+              </a14:hiddenLine>
+            </a:ext>
+          </a:extLst>
+        </p:spPr>
+      </p:pic>
     </p:spTree>
     <p:extLst>
       <p:ext uri="{BB962C8B-B14F-4D97-AF65-F5344CB8AC3E}">
@@ -8679,75 +8680,7 @@
   <p:timing>
     <p:tnLst>
       <p:par>
-        <p:cTn id="1" dur="indefinite" restart="never" nodeType="tmRoot">
-          <p:childTnLst>
-            <p:seq concurrent="1" nextAc="seek">
-              <p:cTn id="2" dur="indefinite" nodeType="mainSeq">
-                <p:childTnLst>
-                  <p:par>
-                    <p:cTn id="3" fill="hold">
-                      <p:stCondLst>
-                        <p:cond delay="indefinite"/>
-                      </p:stCondLst>
-                      <p:childTnLst>
-                        <p:par>
-                          <p:cTn id="4" fill="hold">
-                            <p:stCondLst>
-                              <p:cond delay="0"/>
-                            </p:stCondLst>
-                            <p:childTnLst>
-                              <p:par>
-                                <p:cTn id="5" presetID="1" presetClass="entr" presetSubtype="0" fill="hold" nodeType="clickEffect">
-                                  <p:stCondLst>
-                                    <p:cond delay="0"/>
-                                  </p:stCondLst>
-                                  <p:childTnLst>
-                                    <p:set>
-                                      <p:cBhvr>
-                                        <p:cTn id="6" dur="1" fill="hold">
-                                          <p:stCondLst>
-                                            <p:cond delay="0"/>
-                                          </p:stCondLst>
-                                        </p:cTn>
-                                        <p:tgtEl>
-                                          <p:spTgt spid="7"/>
-                                        </p:tgtEl>
-                                        <p:attrNameLst>
-                                          <p:attrName>style.visibility</p:attrName>
-                                        </p:attrNameLst>
-                                      </p:cBhvr>
-                                      <p:to>
-                                        <p:strVal val="visible"/>
-                                      </p:to>
-                                    </p:set>
-                                  </p:childTnLst>
-                                </p:cTn>
-                              </p:par>
-                            </p:childTnLst>
-                          </p:cTn>
-                        </p:par>
-                      </p:childTnLst>
-                    </p:cTn>
-                  </p:par>
-                </p:childTnLst>
-              </p:cTn>
-              <p:prevCondLst>
-                <p:cond evt="onPrev" delay="0">
-                  <p:tgtEl>
-                    <p:sldTgt/>
-                  </p:tgtEl>
-                </p:cond>
-              </p:prevCondLst>
-              <p:nextCondLst>
-                <p:cond evt="onNext" delay="0">
-                  <p:tgtEl>
-                    <p:sldTgt/>
-                  </p:tgtEl>
-                </p:cond>
-              </p:nextCondLst>
-            </p:seq>
-          </p:childTnLst>
-        </p:cTn>
+        <p:cTn id="1" dur="indefinite" restart="never" nodeType="tmRoot"/>
       </p:par>
     </p:tnLst>
   </p:timing>
@@ -8852,15 +8785,21 @@
           <p:nvPr/>
         </p:nvPicPr>
         <p:blipFill>
-          <a:blip r:embed="rId4"/>
+          <a:blip r:embed="rId4">
+            <a:extLst>
+              <a:ext uri="{28A0092B-C50C-407E-A947-70E740481C1C}">
+                <a14:useLocalDpi xmlns:a14="http://schemas.microsoft.com/office/drawing/2010/main" val="0"/>
+              </a:ext>
+            </a:extLst>
+          </a:blip>
           <a:stretch>
             <a:fillRect/>
           </a:stretch>
         </p:blipFill>
         <p:spPr>
           <a:xfrm>
-            <a:off x="2843808" y="3509724"/>
-            <a:ext cx="1057275" cy="764381"/>
+            <a:off x="2843808" y="3515119"/>
+            <a:ext cx="1057275" cy="753590"/>
           </a:xfrm>
           <a:prstGeom prst="rect">
             <a:avLst/>
@@ -8876,15 +8815,21 @@
           <p:nvPr/>
         </p:nvPicPr>
         <p:blipFill>
-          <a:blip r:embed="rId4"/>
+          <a:blip r:embed="rId4">
+            <a:extLst>
+              <a:ext uri="{28A0092B-C50C-407E-A947-70E740481C1C}">
+                <a14:useLocalDpi xmlns:a14="http://schemas.microsoft.com/office/drawing/2010/main" val="0"/>
+              </a:ext>
+            </a:extLst>
+          </a:blip>
           <a:stretch>
             <a:fillRect/>
           </a:stretch>
         </p:blipFill>
         <p:spPr>
           <a:xfrm>
-            <a:off x="539552" y="1049559"/>
-            <a:ext cx="1057275" cy="764381"/>
+            <a:off x="539552" y="1019226"/>
+            <a:ext cx="1057275" cy="753590"/>
           </a:xfrm>
           <a:prstGeom prst="rect">
             <a:avLst/>
@@ -8900,15 +8845,21 @@
           <p:nvPr/>
         </p:nvPicPr>
         <p:blipFill>
-          <a:blip r:embed="rId4"/>
+          <a:blip r:embed="rId4">
+            <a:extLst>
+              <a:ext uri="{28A0092B-C50C-407E-A947-70E740481C1C}">
+                <a14:useLocalDpi xmlns:a14="http://schemas.microsoft.com/office/drawing/2010/main" val="0"/>
+              </a:ext>
+            </a:extLst>
+          </a:blip>
           <a:stretch>
             <a:fillRect/>
           </a:stretch>
         </p:blipFill>
         <p:spPr>
           <a:xfrm>
-            <a:off x="6087047" y="2031826"/>
-            <a:ext cx="1057275" cy="764381"/>
+            <a:off x="6087047" y="2037221"/>
+            <a:ext cx="1057275" cy="753590"/>
           </a:xfrm>
           <a:prstGeom prst="rect">
             <a:avLst/>
@@ -8924,15 +8875,21 @@
           <p:nvPr/>
         </p:nvPicPr>
         <p:blipFill>
-          <a:blip r:embed="rId5"/>
+          <a:blip r:embed="rId5">
+            <a:extLst>
+              <a:ext uri="{28A0092B-C50C-407E-A947-70E740481C1C}">
+                <a14:useLocalDpi xmlns:a14="http://schemas.microsoft.com/office/drawing/2010/main" val="0"/>
+              </a:ext>
+            </a:extLst>
+          </a:blip>
           <a:stretch>
             <a:fillRect/>
           </a:stretch>
         </p:blipFill>
         <p:spPr>
           <a:xfrm>
-            <a:off x="9228010" y="2207705"/>
-            <a:ext cx="960613" cy="1961252"/>
+            <a:off x="9287625" y="2207705"/>
+            <a:ext cx="841383" cy="1961252"/>
           </a:xfrm>
           <a:prstGeom prst="rect">
             <a:avLst/>
@@ -8956,7 +8913,7 @@
           <a:p>
             <a:fld id="{B7A5EFEA-34DB-4756-B125-8DE63F1729C3}" type="datetime1">
               <a:rPr lang="de-DE" smtClean="0"/>
-              <a:t>09.12.2018</a:t>
+              <a:t>10.12.2018</a:t>
             </a:fld>
             <a:endParaRPr lang="de-DE"/>
           </a:p>
@@ -9200,7 +9157,7 @@
       </p:grpSpPr>
       <p:pic>
         <p:nvPicPr>
-          <p:cNvPr id="4" name="Grafik 3"/>
+          <p:cNvPr id="5" name="Grafik 4"/>
           <p:cNvPicPr>
             <a:picLocks noChangeAspect="1"/>
           </p:cNvPicPr>
@@ -9208,30 +9165,6 @@
         </p:nvPicPr>
         <p:blipFill>
           <a:blip r:embed="rId3"/>
-          <a:stretch>
-            <a:fillRect/>
-          </a:stretch>
-        </p:blipFill>
-        <p:spPr>
-          <a:xfrm>
-            <a:off x="6062472" y="2456596"/>
-            <a:ext cx="1097566" cy="1944809"/>
-          </a:xfrm>
-          <a:prstGeom prst="rect">
-            <a:avLst/>
-          </a:prstGeom>
-        </p:spPr>
-      </p:pic>
-      <p:pic>
-        <p:nvPicPr>
-          <p:cNvPr id="5" name="Grafik 4"/>
-          <p:cNvPicPr>
-            <a:picLocks noChangeAspect="1"/>
-          </p:cNvPicPr>
-          <p:nvPr/>
-        </p:nvPicPr>
-        <p:blipFill>
-          <a:blip r:embed="rId4"/>
           <a:stretch>
             <a:fillRect/>
           </a:stretch>
@@ -9255,7 +9188,7 @@
           <p:nvPr/>
         </p:nvPicPr>
         <p:blipFill>
-          <a:blip r:embed="rId5"/>
+          <a:blip r:embed="rId4"/>
           <a:stretch>
             <a:fillRect/>
           </a:stretch>
@@ -9279,7 +9212,7 @@
           <p:nvPr/>
         </p:nvPicPr>
         <p:blipFill>
-          <a:blip r:embed="rId5"/>
+          <a:blip r:embed="rId4"/>
           <a:stretch>
             <a:fillRect/>
           </a:stretch>
@@ -9303,7 +9236,7 @@
           <p:nvPr/>
         </p:nvPicPr>
         <p:blipFill>
-          <a:blip r:embed="rId5"/>
+          <a:blip r:embed="rId4"/>
           <a:stretch>
             <a:fillRect/>
           </a:stretch>
@@ -9449,78 +9382,6 @@
           </a:fontRef>
         </p:style>
       </p:cxnSp>
-      <p:pic>
-        <p:nvPicPr>
-          <p:cNvPr id="18" name="Grafik 17"/>
-          <p:cNvPicPr>
-            <a:picLocks noChangeAspect="1"/>
-          </p:cNvPicPr>
-          <p:nvPr/>
-        </p:nvPicPr>
-        <p:blipFill>
-          <a:blip r:embed="rId6"/>
-          <a:stretch>
-            <a:fillRect/>
-          </a:stretch>
-        </p:blipFill>
-        <p:spPr>
-          <a:xfrm>
-            <a:off x="260747" y="905256"/>
-            <a:ext cx="950119" cy="664369"/>
-          </a:xfrm>
-          <a:prstGeom prst="rect">
-            <a:avLst/>
-          </a:prstGeom>
-        </p:spPr>
-      </p:pic>
-      <p:pic>
-        <p:nvPicPr>
-          <p:cNvPr id="19" name="Grafik 18"/>
-          <p:cNvPicPr>
-            <a:picLocks noChangeAspect="1"/>
-          </p:cNvPicPr>
-          <p:nvPr/>
-        </p:nvPicPr>
-        <p:blipFill>
-          <a:blip r:embed="rId6"/>
-          <a:stretch>
-            <a:fillRect/>
-          </a:stretch>
-        </p:blipFill>
-        <p:spPr>
-          <a:xfrm>
-            <a:off x="196739" y="2507456"/>
-            <a:ext cx="950119" cy="664369"/>
-          </a:xfrm>
-          <a:prstGeom prst="rect">
-            <a:avLst/>
-          </a:prstGeom>
-        </p:spPr>
-      </p:pic>
-      <p:pic>
-        <p:nvPicPr>
-          <p:cNvPr id="20" name="Grafik 19"/>
-          <p:cNvPicPr>
-            <a:picLocks noChangeAspect="1"/>
-          </p:cNvPicPr>
-          <p:nvPr/>
-        </p:nvPicPr>
-        <p:blipFill>
-          <a:blip r:embed="rId6"/>
-          <a:stretch>
-            <a:fillRect/>
-          </a:stretch>
-        </p:blipFill>
-        <p:spPr>
-          <a:xfrm>
-            <a:off x="283607" y="4158520"/>
-            <a:ext cx="950119" cy="664369"/>
-          </a:xfrm>
-          <a:prstGeom prst="rect">
-            <a:avLst/>
-          </a:prstGeom>
-        </p:spPr>
-      </p:pic>
       <p:sp>
         <p:nvSpPr>
           <p:cNvPr id="2" name="Datumsplatzhalter 1"/>
@@ -9538,7 +9399,7 @@
           <a:p>
             <a:fld id="{B6EDF902-F056-4990-8442-5BFBAC2E750F}" type="datetime1">
               <a:rPr lang="de-DE" smtClean="0"/>
-              <a:t>09.12.2018</a:t>
+              <a:t>10.12.2018</a:t>
             </a:fld>
             <a:endParaRPr lang="de-DE"/>
           </a:p>
@@ -9599,6 +9460,222 @@
           </a:p>
         </p:txBody>
       </p:sp>
+      <p:pic>
+        <p:nvPicPr>
+          <p:cNvPr id="2050" name="Picture 2"/>
+          <p:cNvPicPr>
+            <a:picLocks noChangeAspect="1" noChangeArrowheads="1"/>
+          </p:cNvPicPr>
+          <p:nvPr/>
+        </p:nvPicPr>
+        <p:blipFill>
+          <a:blip r:embed="rId5">
+            <a:extLst>
+              <a:ext uri="{28A0092B-C50C-407E-A947-70E740481C1C}">
+                <a14:useLocalDpi xmlns:a14="http://schemas.microsoft.com/office/drawing/2010/main" val="0"/>
+              </a:ext>
+            </a:extLst>
+          </a:blip>
+          <a:srcRect/>
+          <a:stretch>
+            <a:fillRect/>
+          </a:stretch>
+        </p:blipFill>
+        <p:spPr bwMode="auto">
+          <a:xfrm>
+            <a:off x="6492471" y="2564902"/>
+            <a:ext cx="739915" cy="1728193"/>
+          </a:xfrm>
+          <a:prstGeom prst="rect">
+            <a:avLst/>
+          </a:prstGeom>
+          <a:noFill/>
+          <a:ln>
+            <a:noFill/>
+          </a:ln>
+          <a:extLst>
+            <a:ext uri="{909E8E84-426E-40DD-AFC4-6F175D3DCCD1}">
+              <a14:hiddenFill xmlns:a14="http://schemas.microsoft.com/office/drawing/2010/main">
+                <a:solidFill>
+                  <a:schemeClr val="accent1"/>
+                </a:solidFill>
+              </a14:hiddenFill>
+            </a:ext>
+            <a:ext uri="{91240B29-F687-4F45-9708-019B960494DF}">
+              <a14:hiddenLine xmlns:a14="http://schemas.microsoft.com/office/drawing/2010/main" w="9525">
+                <a:solidFill>
+                  <a:schemeClr val="tx1"/>
+                </a:solidFill>
+                <a:miter lim="800000"/>
+                <a:headEnd/>
+                <a:tailEnd/>
+              </a14:hiddenLine>
+            </a:ext>
+          </a:extLst>
+        </p:spPr>
+      </p:pic>
+      <p:pic>
+        <p:nvPicPr>
+          <p:cNvPr id="2051" name="Picture 3"/>
+          <p:cNvPicPr>
+            <a:picLocks noChangeAspect="1" noChangeArrowheads="1"/>
+          </p:cNvPicPr>
+          <p:nvPr/>
+        </p:nvPicPr>
+        <p:blipFill>
+          <a:blip r:embed="rId6">
+            <a:extLst>
+              <a:ext uri="{28A0092B-C50C-407E-A947-70E740481C1C}">
+                <a14:useLocalDpi xmlns:a14="http://schemas.microsoft.com/office/drawing/2010/main" val="0"/>
+              </a:ext>
+            </a:extLst>
+          </a:blip>
+          <a:srcRect/>
+          <a:stretch>
+            <a:fillRect/>
+          </a:stretch>
+        </p:blipFill>
+        <p:spPr bwMode="auto">
+          <a:xfrm>
+            <a:off x="165184" y="764704"/>
+            <a:ext cx="1106611" cy="769302"/>
+          </a:xfrm>
+          <a:prstGeom prst="rect">
+            <a:avLst/>
+          </a:prstGeom>
+          <a:noFill/>
+          <a:ln>
+            <a:noFill/>
+          </a:ln>
+          <a:extLst>
+            <a:ext uri="{909E8E84-426E-40DD-AFC4-6F175D3DCCD1}">
+              <a14:hiddenFill xmlns:a14="http://schemas.microsoft.com/office/drawing/2010/main">
+                <a:solidFill>
+                  <a:schemeClr val="accent1"/>
+                </a:solidFill>
+              </a14:hiddenFill>
+            </a:ext>
+            <a:ext uri="{91240B29-F687-4F45-9708-019B960494DF}">
+              <a14:hiddenLine xmlns:a14="http://schemas.microsoft.com/office/drawing/2010/main" w="9525">
+                <a:solidFill>
+                  <a:schemeClr val="tx1"/>
+                </a:solidFill>
+                <a:miter lim="800000"/>
+                <a:headEnd/>
+                <a:tailEnd/>
+              </a14:hiddenLine>
+            </a:ext>
+          </a:extLst>
+        </p:spPr>
+      </p:pic>
+      <p:pic>
+        <p:nvPicPr>
+          <p:cNvPr id="21" name="Picture 3"/>
+          <p:cNvPicPr>
+            <a:picLocks noChangeAspect="1" noChangeArrowheads="1"/>
+          </p:cNvPicPr>
+          <p:nvPr/>
+        </p:nvPicPr>
+        <p:blipFill>
+          <a:blip r:embed="rId6">
+            <a:extLst>
+              <a:ext uri="{28A0092B-C50C-407E-A947-70E740481C1C}">
+                <a14:useLocalDpi xmlns:a14="http://schemas.microsoft.com/office/drawing/2010/main" val="0"/>
+              </a:ext>
+            </a:extLst>
+          </a:blip>
+          <a:srcRect/>
+          <a:stretch>
+            <a:fillRect/>
+          </a:stretch>
+        </p:blipFill>
+        <p:spPr bwMode="auto">
+          <a:xfrm>
+            <a:off x="165186" y="2314829"/>
+            <a:ext cx="1106611" cy="769302"/>
+          </a:xfrm>
+          <a:prstGeom prst="rect">
+            <a:avLst/>
+          </a:prstGeom>
+          <a:noFill/>
+          <a:ln>
+            <a:noFill/>
+          </a:ln>
+          <a:extLst>
+            <a:ext uri="{909E8E84-426E-40DD-AFC4-6F175D3DCCD1}">
+              <a14:hiddenFill xmlns:a14="http://schemas.microsoft.com/office/drawing/2010/main">
+                <a:solidFill>
+                  <a:schemeClr val="accent1"/>
+                </a:solidFill>
+              </a14:hiddenFill>
+            </a:ext>
+            <a:ext uri="{91240B29-F687-4F45-9708-019B960494DF}">
+              <a14:hiddenLine xmlns:a14="http://schemas.microsoft.com/office/drawing/2010/main" w="9525">
+                <a:solidFill>
+                  <a:schemeClr val="tx1"/>
+                </a:solidFill>
+                <a:miter lim="800000"/>
+                <a:headEnd/>
+                <a:tailEnd/>
+              </a14:hiddenLine>
+            </a:ext>
+          </a:extLst>
+        </p:spPr>
+      </p:pic>
+      <p:pic>
+        <p:nvPicPr>
+          <p:cNvPr id="22" name="Picture 3"/>
+          <p:cNvPicPr>
+            <a:picLocks noChangeAspect="1" noChangeArrowheads="1"/>
+          </p:cNvPicPr>
+          <p:nvPr/>
+        </p:nvPicPr>
+        <p:blipFill>
+          <a:blip r:embed="rId6">
+            <a:extLst>
+              <a:ext uri="{28A0092B-C50C-407E-A947-70E740481C1C}">
+                <a14:useLocalDpi xmlns:a14="http://schemas.microsoft.com/office/drawing/2010/main" val="0"/>
+              </a:ext>
+            </a:extLst>
+          </a:blip>
+          <a:srcRect/>
+          <a:stretch>
+            <a:fillRect/>
+          </a:stretch>
+        </p:blipFill>
+        <p:spPr bwMode="auto">
+          <a:xfrm>
+            <a:off x="165185" y="3993734"/>
+            <a:ext cx="1106611" cy="769302"/>
+          </a:xfrm>
+          <a:prstGeom prst="rect">
+            <a:avLst/>
+          </a:prstGeom>
+          <a:noFill/>
+          <a:ln>
+            <a:noFill/>
+          </a:ln>
+          <a:extLst>
+            <a:ext uri="{909E8E84-426E-40DD-AFC4-6F175D3DCCD1}">
+              <a14:hiddenFill xmlns:a14="http://schemas.microsoft.com/office/drawing/2010/main">
+                <a:solidFill>
+                  <a:schemeClr val="accent1"/>
+                </a:solidFill>
+              </a14:hiddenFill>
+            </a:ext>
+            <a:ext uri="{91240B29-F687-4F45-9708-019B960494DF}">
+              <a14:hiddenLine xmlns:a14="http://schemas.microsoft.com/office/drawing/2010/main" w="9525">
+                <a:solidFill>
+                  <a:schemeClr val="tx1"/>
+                </a:solidFill>
+                <a:miter lim="800000"/>
+                <a:headEnd/>
+                <a:tailEnd/>
+              </a14:hiddenLine>
+            </a:ext>
+          </a:extLst>
+        </p:spPr>
+      </p:pic>
     </p:spTree>
     <p:extLst>
       <p:ext uri="{BB962C8B-B14F-4D97-AF65-F5344CB8AC3E}">
@@ -9612,129 +9689,7 @@
   <p:timing>
     <p:tnLst>
       <p:par>
-        <p:cTn id="1" dur="indefinite" restart="never" nodeType="tmRoot">
-          <p:childTnLst>
-            <p:seq concurrent="1" nextAc="seek">
-              <p:cTn id="2" dur="indefinite" nodeType="mainSeq">
-                <p:childTnLst>
-                  <p:par>
-                    <p:cTn id="3" fill="hold">
-                      <p:stCondLst>
-                        <p:cond delay="indefinite"/>
-                      </p:stCondLst>
-                      <p:childTnLst>
-                        <p:par>
-                          <p:cTn id="4" fill="hold">
-                            <p:stCondLst>
-                              <p:cond delay="0"/>
-                            </p:stCondLst>
-                            <p:childTnLst>
-                              <p:par>
-                                <p:cTn id="5" presetID="1" presetClass="entr" presetSubtype="0" fill="hold" nodeType="clickEffect">
-                                  <p:stCondLst>
-                                    <p:cond delay="0"/>
-                                  </p:stCondLst>
-                                  <p:childTnLst>
-                                    <p:set>
-                                      <p:cBhvr>
-                                        <p:cTn id="6" dur="1" fill="hold">
-                                          <p:stCondLst>
-                                            <p:cond delay="0"/>
-                                          </p:stCondLst>
-                                        </p:cTn>
-                                        <p:tgtEl>
-                                          <p:spTgt spid="18"/>
-                                        </p:tgtEl>
-                                        <p:attrNameLst>
-                                          <p:attrName>style.visibility</p:attrName>
-                                        </p:attrNameLst>
-                                      </p:cBhvr>
-                                      <p:to>
-                                        <p:strVal val="visible"/>
-                                      </p:to>
-                                    </p:set>
-                                  </p:childTnLst>
-                                </p:cTn>
-                              </p:par>
-                              <p:par>
-                                <p:cTn id="7" presetID="1" presetClass="entr" presetSubtype="0" fill="hold" nodeType="withEffect">
-                                  <p:stCondLst>
-                                    <p:cond delay="0"/>
-                                  </p:stCondLst>
-                                  <p:childTnLst>
-                                    <p:set>
-                                      <p:cBhvr>
-                                        <p:cTn id="8" dur="1" fill="hold">
-                                          <p:stCondLst>
-                                            <p:cond delay="0"/>
-                                          </p:stCondLst>
-                                        </p:cTn>
-                                        <p:tgtEl>
-                                          <p:spTgt spid="19"/>
-                                        </p:tgtEl>
-                                        <p:attrNameLst>
-                                          <p:attrName>style.visibility</p:attrName>
-                                        </p:attrNameLst>
-                                      </p:cBhvr>
-                                      <p:to>
-                                        <p:strVal val="visible"/>
-                                      </p:to>
-                                    </p:set>
-                                  </p:childTnLst>
-                                </p:cTn>
-                              </p:par>
-                              <p:par>
-                                <p:cTn id="9" presetID="1" presetClass="entr" presetSubtype="0" fill="hold" nodeType="withEffect">
-                                  <p:stCondLst>
-                                    <p:cond delay="0"/>
-                                  </p:stCondLst>
-                                  <p:childTnLst>
-                                    <p:set>
-                                      <p:cBhvr>
-                                        <p:cTn id="10" dur="1" fill="hold">
-                                          <p:stCondLst>
-                                            <p:cond delay="0"/>
-                                          </p:stCondLst>
-                                        </p:cTn>
-                                        <p:tgtEl>
-                                          <p:spTgt spid="20"/>
-                                        </p:tgtEl>
-                                        <p:attrNameLst>
-                                          <p:attrName>style.visibility</p:attrName>
-                                        </p:attrNameLst>
-                                      </p:cBhvr>
-                                      <p:to>
-                                        <p:strVal val="visible"/>
-                                      </p:to>
-                                    </p:set>
-                                  </p:childTnLst>
-                                </p:cTn>
-                              </p:par>
-                            </p:childTnLst>
-                          </p:cTn>
-                        </p:par>
-                      </p:childTnLst>
-                    </p:cTn>
-                  </p:par>
-                </p:childTnLst>
-              </p:cTn>
-              <p:prevCondLst>
-                <p:cond evt="onPrev" delay="0">
-                  <p:tgtEl>
-                    <p:sldTgt/>
-                  </p:tgtEl>
-                </p:cond>
-              </p:prevCondLst>
-              <p:nextCondLst>
-                <p:cond evt="onNext" delay="0">
-                  <p:tgtEl>
-                    <p:sldTgt/>
-                  </p:tgtEl>
-                </p:cond>
-              </p:nextCondLst>
-            </p:seq>
-          </p:childTnLst>
-        </p:cTn>
+        <p:cTn id="1" dur="indefinite" restart="never" nodeType="tmRoot"/>
       </p:par>
     </p:tnLst>
   </p:timing>
@@ -9806,7 +9761,7 @@
           <a:p>
             <a:fld id="{2F5C2B24-17AC-4478-B2A7-866D9396ABDF}" type="datetime1">
               <a:rPr lang="de-DE" smtClean="0"/>
-              <a:t>09.12.2018</a:t>
+              <a:t>10.12.2018</a:t>
             </a:fld>
             <a:endParaRPr lang="de-DE"/>
           </a:p>
@@ -10037,7 +9992,7 @@
           <a:p>
             <a:fld id="{05F22D9F-EC0C-4270-B163-F4700E1B07DD}" type="datetime1">
               <a:rPr lang="de-DE" smtClean="0"/>
-              <a:t>09.12.2018</a:t>
+              <a:t>10.12.2018</a:t>
             </a:fld>
             <a:endParaRPr lang="de-DE"/>
           </a:p>
@@ -10123,7 +10078,6 @@
               <a:rPr lang="de-DE" sz="2800" dirty="0" smtClean="0"/>
               <a:t>Benutzeroberflächen</a:t>
             </a:r>
-            <a:endParaRPr lang="de-DE" sz="2800" dirty="0" smtClean="0"/>
           </a:p>
           <a:p>
             <a:endParaRPr lang="de-DE" sz="2800" dirty="0"/>
@@ -10202,7 +10156,7 @@
           <a:p>
             <a:fld id="{05F22D9F-EC0C-4270-B163-F4700E1B07DD}" type="datetime1">
               <a:rPr lang="de-DE" smtClean="0"/>
-              <a:t>09.12.2018</a:t>
+              <a:t>10.12.2018</a:t>
             </a:fld>
             <a:endParaRPr lang="de-DE"/>
           </a:p>
@@ -10379,19 +10333,17 @@
         <p:spPr>
           <a:xfrm>
             <a:off x="685800" y="274638"/>
-            <a:ext cx="7772400" cy="922114"/>
+            <a:ext cx="7772400" cy="1143000"/>
           </a:xfrm>
         </p:spPr>
         <p:txBody>
-          <a:bodyPr>
-            <a:normAutofit/>
-          </a:bodyPr>
+          <a:bodyPr/>
           <a:lstStyle/>
           <a:p>
             <a:pPr algn="ctr"/>
             <a:r>
               <a:rPr lang="de-DE" dirty="0" smtClean="0"/>
-              <a:t>Gliederung</a:t>
+              <a:t>Vorstellung</a:t>
             </a:r>
             <a:endParaRPr lang="de-DE" dirty="0"/>
           </a:p>
@@ -10412,9 +10364,9 @@
           <a:bodyPr/>
           <a:lstStyle/>
           <a:p>
-            <a:fld id="{2320E6A0-9604-4455-873D-6EDFB00F0598}" type="datetime1">
+            <a:fld id="{25C53D27-91FA-4A66-8CEF-58C90E701FBB}" type="datetime1">
               <a:rPr lang="de-DE" smtClean="0"/>
-              <a:t>09.12.2018</a:t>
+              <a:t>10.12.2018</a:t>
             </a:fld>
             <a:endParaRPr lang="de-DE"/>
           </a:p>
@@ -10433,7 +10385,7 @@
         <p:spPr>
           <a:xfrm>
             <a:off x="914400" y="6172200"/>
-            <a:ext cx="5889848" cy="457200"/>
+            <a:ext cx="6033864" cy="457200"/>
           </a:xfrm>
         </p:spPr>
         <p:txBody>
@@ -10485,112 +10437,70 @@
             <p:ph sz="quarter" idx="1"/>
           </p:nvPr>
         </p:nvSpPr>
-        <p:spPr/>
+        <p:spPr>
+          <a:xfrm>
+            <a:off x="914400" y="1628800"/>
+            <a:ext cx="7772400" cy="4391000"/>
+          </a:xfrm>
+        </p:spPr>
         <p:txBody>
           <a:bodyPr>
-            <a:noAutofit/>
+            <a:normAutofit/>
           </a:bodyPr>
           <a:lstStyle/>
           <a:p>
+            <a:pPr marL="0" indent="0">
+              <a:buNone/>
+            </a:pPr>
+            <a:endParaRPr lang="de-DE" sz="2800" dirty="0" smtClean="0"/>
+          </a:p>
+          <a:p>
             <a:r>
               <a:rPr lang="de-DE" sz="2800" dirty="0" smtClean="0"/>
-              <a:t>Vorstellung</a:t>
-            </a:r>
-            <a:endParaRPr lang="de-DE" sz="2000" dirty="0" smtClean="0"/>
+              <a:t>Lars Baumgarten, Statistisches Bundesamt</a:t>
+            </a:r>
+          </a:p>
+          <a:p>
+            <a:endParaRPr lang="de-DE" sz="2800" dirty="0" smtClean="0"/>
           </a:p>
           <a:p>
             <a:r>
               <a:rPr lang="de-DE" sz="2800" dirty="0" smtClean="0"/>
-              <a:t>Problemstellung</a:t>
-            </a:r>
+              <a:t>Tim Rumrich, Deutsche Börse AG</a:t>
+            </a:r>
+          </a:p>
+          <a:p>
             <a:endParaRPr lang="de-DE" sz="2800" dirty="0" smtClean="0"/>
           </a:p>
           <a:p>
-            <a:pPr lvl="1"/>
-            <a:r>
-              <a:rPr lang="de-DE" sz="2000" dirty="0" smtClean="0"/>
-              <a:t>Projektbeschreibung</a:t>
-            </a:r>
-          </a:p>
-          <a:p>
-            <a:pPr lvl="1"/>
-            <a:r>
-              <a:rPr lang="de-DE" sz="2000" dirty="0" smtClean="0"/>
-              <a:t>-umfeld</a:t>
-            </a:r>
-          </a:p>
-          <a:p>
-            <a:pPr lvl="1"/>
-            <a:r>
-              <a:rPr lang="de-DE" sz="2000" dirty="0" smtClean="0"/>
-              <a:t>-ziel/-begründung</a:t>
-            </a:r>
-          </a:p>
-          <a:p>
             <a:r>
               <a:rPr lang="de-DE" sz="2800" dirty="0" smtClean="0"/>
-              <a:t>Planung</a:t>
-            </a:r>
-            <a:endParaRPr lang="de-DE" sz="2800" dirty="0" smtClean="0"/>
-          </a:p>
-          <a:p>
-            <a:pPr lvl="1"/>
-            <a:r>
-              <a:rPr lang="de-DE" sz="2000" dirty="0" smtClean="0"/>
-              <a:t>Phasen / Ressourcenplanung</a:t>
-            </a:r>
-          </a:p>
-          <a:p>
+              <a:t>Pascal </a:t>
+            </a:r>
+            <a:r>
+              <a:rPr lang="de-DE" sz="2800" dirty="0" err="1" smtClean="0"/>
+              <a:t>Schmotz</a:t>
+            </a:r>
             <a:r>
               <a:rPr lang="de-DE" sz="2800" dirty="0" smtClean="0"/>
-              <a:t>Vorgehen</a:t>
-            </a:r>
-            <a:endParaRPr lang="de-DE" sz="2800" dirty="0" smtClean="0"/>
-          </a:p>
-          <a:p>
-            <a:pPr lvl="1"/>
-            <a:r>
-              <a:rPr lang="de-DE" sz="2000" dirty="0" smtClean="0"/>
-              <a:t>Analyse/Entwurf/Implementierung/Abnahme</a:t>
-            </a:r>
-          </a:p>
-          <a:p>
+              <a:t>, </a:t>
+            </a:r>
+            <a:r>
+              <a:rPr lang="de-DE" sz="2800" dirty="0" err="1" smtClean="0"/>
+              <a:t>Gorji</a:t>
+            </a:r>
             <a:r>
               <a:rPr lang="de-DE" sz="2800" dirty="0" smtClean="0"/>
-              <a:t>Fazit</a:t>
-            </a:r>
-            <a:endParaRPr lang="de-DE" sz="2800" dirty="0" smtClean="0"/>
-          </a:p>
-          <a:p>
-            <a:pPr lvl="1"/>
-            <a:r>
-              <a:rPr lang="de-DE" sz="2000" dirty="0" smtClean="0"/>
-              <a:t>Soll/Ist, </a:t>
-            </a:r>
-            <a:r>
-              <a:rPr lang="de-DE" sz="2000" dirty="0" err="1" smtClean="0"/>
-              <a:t>Lessons</a:t>
-            </a:r>
-            <a:r>
-              <a:rPr lang="de-DE" sz="2000" dirty="0" smtClean="0"/>
-              <a:t> </a:t>
-            </a:r>
-            <a:r>
-              <a:rPr lang="de-DE" sz="2000" dirty="0" err="1" smtClean="0"/>
-              <a:t>learned</a:t>
-            </a:r>
-            <a:r>
-              <a:rPr lang="de-DE" sz="2000" dirty="0" smtClean="0"/>
-              <a:t>, Ausblick</a:t>
-            </a:r>
-            <a:endParaRPr lang="de-DE" sz="2000" dirty="0"/>
+              <a:t> Softwaredesign Int. GmbH</a:t>
+            </a:r>
+            <a:endParaRPr lang="de-DE" sz="2800" dirty="0"/>
           </a:p>
         </p:txBody>
       </p:sp>
     </p:spTree>
     <p:extLst>
       <p:ext uri="{BB962C8B-B14F-4D97-AF65-F5344CB8AC3E}">
-        <p14:creationId xmlns:p14="http://schemas.microsoft.com/office/powerpoint/2010/main" val="2201550076"/>
+        <p14:creationId xmlns:p14="http://schemas.microsoft.com/office/powerpoint/2010/main" val="397039674"/>
       </p:ext>
     </p:extLst>
   </p:cSld>
@@ -10641,7 +10551,7 @@
           <a:p>
             <a:fld id="{05F22D9F-EC0C-4270-B163-F4700E1B07DD}" type="datetime1">
               <a:rPr lang="de-DE" smtClean="0"/>
-              <a:t>09.12.2018</a:t>
+              <a:t>10.12.2018</a:t>
             </a:fld>
             <a:endParaRPr lang="de-DE"/>
           </a:p>
@@ -10812,7 +10722,7 @@
           <a:p>
             <a:fld id="{05F22D9F-EC0C-4270-B163-F4700E1B07DD}" type="datetime1">
               <a:rPr lang="de-DE" smtClean="0"/>
-              <a:t>09.12.2018</a:t>
+              <a:t>10.12.2018</a:t>
             </a:fld>
             <a:endParaRPr lang="de-DE"/>
           </a:p>
@@ -10999,7 +10909,7 @@
           <a:p>
             <a:fld id="{C5087191-3017-4311-A3D1-0FAE16B036EF}" type="datetime1">
               <a:rPr lang="de-DE" smtClean="0"/>
-              <a:t>09.12.2018</a:t>
+              <a:t>10.12.2018</a:t>
             </a:fld>
             <a:endParaRPr lang="de-DE"/>
           </a:p>
@@ -11083,11 +10993,7 @@
           <a:p>
             <a:r>
               <a:rPr lang="de-DE" sz="2800" dirty="0" smtClean="0"/>
-              <a:t>Vorstellung </a:t>
-            </a:r>
-            <a:r>
-              <a:rPr lang="de-DE" sz="2800" dirty="0" smtClean="0"/>
-              <a:t>der Anwendung</a:t>
+              <a:t>Vorstellung der Anwendung</a:t>
             </a:r>
           </a:p>
           <a:p>
@@ -11185,7 +11091,7 @@
           <a:p>
             <a:fld id="{C8ACA415-7D9D-47A5-88AF-B43365B62C4D}" type="datetime1">
               <a:rPr lang="de-DE" smtClean="0"/>
-              <a:t>09.12.2018</a:t>
+              <a:t>10.12.2018</a:t>
             </a:fld>
             <a:endParaRPr lang="de-DE"/>
           </a:p>
@@ -11387,7 +11293,7 @@
           <a:p>
             <a:fld id="{90F8F0E5-4552-4A37-865B-4A5CFA9FFFC7}" type="datetime1">
               <a:rPr lang="de-DE" smtClean="0"/>
-              <a:t>09.12.2018</a:t>
+              <a:t>10.12.2018</a:t>
             </a:fld>
             <a:endParaRPr lang="de-DE"/>
           </a:p>
@@ -11471,11 +11377,7 @@
           <a:p>
             <a:r>
               <a:rPr lang="de-DE" sz="2800" dirty="0" smtClean="0"/>
-              <a:t>Alle </a:t>
-            </a:r>
-            <a:r>
-              <a:rPr lang="de-DE" sz="2800" dirty="0" smtClean="0"/>
-              <a:t>verpflichtenden Aufgaben erfüllt</a:t>
+              <a:t>Alle verpflichtenden Aufgaben erfüllt</a:t>
             </a:r>
           </a:p>
           <a:p>
@@ -11595,7 +11497,7 @@
           <a:p>
             <a:fld id="{430AE8E3-B1E4-480B-A4CC-DC8A2B4F95B3}" type="datetime1">
               <a:rPr lang="de-DE" smtClean="0"/>
-              <a:t>09.12.2018</a:t>
+              <a:t>10.12.2018</a:t>
             </a:fld>
             <a:endParaRPr lang="de-DE"/>
           </a:p>
@@ -11779,7 +11681,7 @@
           <a:p>
             <a:fld id="{3DB6E61E-2452-46C7-9088-20B15C53F18A}" type="datetime1">
               <a:rPr lang="de-DE" smtClean="0"/>
-              <a:t>09.12.2018</a:t>
+              <a:t>10.12.2018</a:t>
             </a:fld>
             <a:endParaRPr lang="de-DE"/>
           </a:p>
@@ -11867,11 +11769,7 @@
             </a:r>
             <a:r>
               <a:rPr lang="de-DE" sz="2800" dirty="0" smtClean="0"/>
-              <a:t> </a:t>
-            </a:r>
-            <a:r>
-              <a:rPr lang="de-DE" sz="2800" dirty="0" smtClean="0"/>
-              <a:t>implementierbar/erweiterbar</a:t>
+              <a:t> implementierbar/erweiterbar</a:t>
             </a:r>
           </a:p>
           <a:p>
@@ -11907,7 +11805,7 @@
 </file>
 
 <file path=ppt/slides/slide27.xml><?xml version="1.0" encoding="utf-8"?>
-<p:sld xmlns:a="http://schemas.openxmlformats.org/drawingml/2006/main" xmlns:r="http://schemas.openxmlformats.org/officeDocument/2006/relationships" xmlns:p="http://schemas.openxmlformats.org/presentationml/2006/main">
+<p:sld xmlns:a="http://schemas.openxmlformats.org/drawingml/2006/main" xmlns:r="http://schemas.openxmlformats.org/officeDocument/2006/relationships" xmlns:p="http://schemas.openxmlformats.org/presentationml/2006/main" show="0">
   <p:cSld>
     <p:spTree>
       <p:nvGrpSpPr>
@@ -11979,6 +11877,14 @@
   <p:clrMapOvr>
     <a:masterClrMapping/>
   </p:clrMapOvr>
+  <mc:AlternateContent xmlns:mc="http://schemas.openxmlformats.org/markup-compatibility/2006">
+    <mc:Choice xmlns:p14="http://schemas.microsoft.com/office/powerpoint/2010/main" Requires="p14">
+      <p:transition spd="slow" p14:dur="2000"/>
+    </mc:Choice>
+    <mc:Fallback>
+      <p:transition spd="slow"/>
+    </mc:Fallback>
+  </mc:AlternateContent>
   <p:timing>
     <p:tnLst>
       <p:par>
@@ -12019,17 +11925,19 @@
         <p:spPr>
           <a:xfrm>
             <a:off x="685800" y="274638"/>
-            <a:ext cx="7772400" cy="1143000"/>
+            <a:ext cx="7772400" cy="922114"/>
           </a:xfrm>
         </p:spPr>
         <p:txBody>
-          <a:bodyPr/>
+          <a:bodyPr>
+            <a:normAutofit/>
+          </a:bodyPr>
           <a:lstStyle/>
           <a:p>
             <a:pPr algn="ctr"/>
             <a:r>
               <a:rPr lang="de-DE" dirty="0" smtClean="0"/>
-              <a:t>Vorstellung</a:t>
+              <a:t>Gliederung</a:t>
             </a:r>
             <a:endParaRPr lang="de-DE" dirty="0"/>
           </a:p>
@@ -12050,9 +11958,9 @@
           <a:bodyPr/>
           <a:lstStyle/>
           <a:p>
-            <a:fld id="{25C53D27-91FA-4A66-8CEF-58C90E701FBB}" type="datetime1">
+            <a:fld id="{2320E6A0-9604-4455-873D-6EDFB00F0598}" type="datetime1">
               <a:rPr lang="de-DE" smtClean="0"/>
-              <a:t>09.12.2018</a:t>
+              <a:t>10.12.2018</a:t>
             </a:fld>
             <a:endParaRPr lang="de-DE"/>
           </a:p>
@@ -12071,7 +11979,7 @@
         <p:spPr>
           <a:xfrm>
             <a:off x="914400" y="6172200"/>
-            <a:ext cx="6033864" cy="457200"/>
+            <a:ext cx="5889848" cy="457200"/>
           </a:xfrm>
         </p:spPr>
         <p:txBody>
@@ -12125,76 +12033,107 @@
         </p:nvSpPr>
         <p:spPr>
           <a:xfrm>
-            <a:off x="914400" y="1628800"/>
-            <a:ext cx="7772400" cy="4391000"/>
+            <a:off x="914400" y="1268760"/>
+            <a:ext cx="7772400" cy="4751040"/>
           </a:xfrm>
         </p:spPr>
         <p:txBody>
           <a:bodyPr>
-            <a:normAutofit/>
+            <a:noAutofit/>
           </a:bodyPr>
           <a:lstStyle/>
           <a:p>
-            <a:pPr marL="0" indent="0">
-              <a:buNone/>
-            </a:pPr>
-            <a:endParaRPr lang="de-DE" sz="2800" dirty="0" smtClean="0"/>
+            <a:endParaRPr lang="de-DE" sz="2000" dirty="0" smtClean="0"/>
           </a:p>
           <a:p>
             <a:r>
               <a:rPr lang="de-DE" sz="2800" dirty="0" smtClean="0"/>
-              <a:t>Lars </a:t>
-            </a:r>
+              <a:t>Problemstellung</a:t>
+            </a:r>
+          </a:p>
+          <a:p>
+            <a:pPr lvl="1"/>
+            <a:r>
+              <a:rPr lang="de-DE" sz="2000" dirty="0" smtClean="0"/>
+              <a:t>Projektbeschreibung</a:t>
+            </a:r>
+          </a:p>
+          <a:p>
+            <a:pPr lvl="1"/>
+            <a:r>
+              <a:rPr lang="de-DE" sz="2000" dirty="0" smtClean="0"/>
+              <a:t>-umfeld</a:t>
+            </a:r>
+          </a:p>
+          <a:p>
+            <a:pPr lvl="1"/>
+            <a:r>
+              <a:rPr lang="de-DE" sz="2000" dirty="0" smtClean="0"/>
+              <a:t>-ziel/-begründung</a:t>
+            </a:r>
+          </a:p>
+          <a:p>
             <a:r>
               <a:rPr lang="de-DE" sz="2800" dirty="0" smtClean="0"/>
-              <a:t>Baumgarten, Statistisches Bundesamt</a:t>
-            </a:r>
-          </a:p>
-          <a:p>
-            <a:endParaRPr lang="de-DE" sz="2800" dirty="0" smtClean="0"/>
+              <a:t>Planung</a:t>
+            </a:r>
+          </a:p>
+          <a:p>
+            <a:pPr lvl="1"/>
+            <a:r>
+              <a:rPr lang="de-DE" sz="2000" dirty="0" smtClean="0"/>
+              <a:t>Phasen / Ressourcenplanung</a:t>
+            </a:r>
           </a:p>
           <a:p>
             <a:r>
               <a:rPr lang="de-DE" sz="2800" dirty="0" smtClean="0"/>
-              <a:t>Tim Rumrich</a:t>
-            </a:r>
+              <a:t>Vorgehen</a:t>
+            </a:r>
+          </a:p>
+          <a:p>
+            <a:pPr lvl="1"/>
+            <a:r>
+              <a:rPr lang="de-DE" sz="2000" dirty="0" smtClean="0"/>
+              <a:t>Analyse/Entwurf/Implementierung/Abnahme</a:t>
+            </a:r>
+          </a:p>
+          <a:p>
             <a:r>
               <a:rPr lang="de-DE" sz="2800" dirty="0" smtClean="0"/>
-              <a:t>, Deutsche Börse AG</a:t>
-            </a:r>
-          </a:p>
-          <a:p>
-            <a:endParaRPr lang="de-DE" sz="2800" dirty="0" smtClean="0"/>
-          </a:p>
-          <a:p>
-            <a:r>
-              <a:rPr lang="de-DE" sz="2800" dirty="0" smtClean="0"/>
-              <a:t>Pascal </a:t>
-            </a:r>
-            <a:r>
-              <a:rPr lang="de-DE" sz="2800" dirty="0" err="1" smtClean="0"/>
-              <a:t>Schmotz</a:t>
-            </a:r>
-            <a:r>
-              <a:rPr lang="de-DE" sz="2800" dirty="0" smtClean="0"/>
-              <a:t>, </a:t>
-            </a:r>
-            <a:r>
-              <a:rPr lang="de-DE" sz="2800" dirty="0" err="1" smtClean="0"/>
-              <a:t>Gorji</a:t>
-            </a:r>
-            <a:r>
-              <a:rPr lang="de-DE" sz="2800" dirty="0" smtClean="0"/>
-              <a:t> Softwaredesign Int. GmbH</a:t>
-            </a:r>
-            <a:endParaRPr lang="de-DE" sz="2800" dirty="0"/>
+              <a:t>Fazit</a:t>
+            </a:r>
+          </a:p>
+          <a:p>
+            <a:pPr lvl="1"/>
+            <a:r>
+              <a:rPr lang="de-DE" sz="2000" dirty="0" smtClean="0"/>
+              <a:t>Soll/Ist, </a:t>
+            </a:r>
+            <a:r>
+              <a:rPr lang="de-DE" sz="2000" dirty="0" err="1" smtClean="0"/>
+              <a:t>Lessons</a:t>
+            </a:r>
+            <a:r>
+              <a:rPr lang="de-DE" sz="2000" dirty="0" smtClean="0"/>
+              <a:t> </a:t>
+            </a:r>
+            <a:r>
+              <a:rPr lang="de-DE" sz="2000" dirty="0" err="1" smtClean="0"/>
+              <a:t>learned</a:t>
+            </a:r>
+            <a:r>
+              <a:rPr lang="de-DE" sz="2000" dirty="0" smtClean="0"/>
+              <a:t>, Ausblick</a:t>
+            </a:r>
+            <a:endParaRPr lang="de-DE" sz="2000" dirty="0"/>
           </a:p>
         </p:txBody>
       </p:sp>
     </p:spTree>
     <p:extLst>
       <p:ext uri="{BB962C8B-B14F-4D97-AF65-F5344CB8AC3E}">
-        <p14:creationId xmlns:p14="http://schemas.microsoft.com/office/powerpoint/2010/main" val="397039674"/>
+        <p14:creationId xmlns:p14="http://schemas.microsoft.com/office/powerpoint/2010/main" val="2201550076"/>
       </p:ext>
     </p:extLst>
   </p:cSld>
@@ -12274,7 +12213,7 @@
           <a:p>
             <a:fld id="{53A07AF0-7E88-4849-942F-2B8E83742422}" type="datetime1">
               <a:rPr lang="de-DE" smtClean="0"/>
-              <a:t>09.12.2018</a:t>
+              <a:t>10.12.2018</a:t>
             </a:fld>
             <a:endParaRPr lang="de-DE"/>
           </a:p>
@@ -12496,7 +12435,7 @@
           <a:p>
             <a:fld id="{832180DC-9C70-49D2-8ACE-CBA111ABD1B6}" type="datetime1">
               <a:rPr lang="de-DE" smtClean="0"/>
-              <a:t>09.12.2018</a:t>
+              <a:t>10.12.2018</a:t>
             </a:fld>
             <a:endParaRPr lang="de-DE"/>
           </a:p>
@@ -12751,7 +12690,7 @@
           <a:p>
             <a:fld id="{EFC2AD31-089E-4D11-9BF9-92100B19E5A7}" type="datetime1">
               <a:rPr lang="de-DE" smtClean="0"/>
-              <a:t>09.12.2018</a:t>
+              <a:t>10.12.2018</a:t>
             </a:fld>
             <a:endParaRPr lang="de-DE"/>
           </a:p>
@@ -12846,7 +12785,6 @@
               <a:rPr lang="de-DE" sz="2800" dirty="0" smtClean="0"/>
               <a:t>Direkter Kontakt zu dem Auftraggeber</a:t>
             </a:r>
-            <a:endParaRPr lang="de-DE" sz="2800" dirty="0" smtClean="0"/>
           </a:p>
           <a:p>
             <a:endParaRPr lang="de-DE" dirty="0"/>
@@ -12938,7 +12876,7 @@
           <a:p>
             <a:fld id="{E0AF163E-F1FA-4DA8-95A3-8996CB2A040C}" type="datetime1">
               <a:rPr lang="de-DE" smtClean="0"/>
-              <a:t>09.12.2018</a:t>
+              <a:t>10.12.2018</a:t>
             </a:fld>
             <a:endParaRPr lang="de-DE"/>
           </a:p>
@@ -13044,13 +12982,8 @@
             </a:r>
             <a:r>
               <a:rPr lang="de-DE" sz="2800" dirty="0" smtClean="0"/>
-              <a:t>und</a:t>
-            </a:r>
-            <a:r>
-              <a:rPr lang="de-DE" sz="2800" dirty="0" smtClean="0"/>
-              <a:t> komfortabel für die Benutzer</a:t>
-            </a:r>
-            <a:endParaRPr lang="de-DE" sz="2800" dirty="0" smtClean="0"/>
+              <a:t>und komfortabel für die Benutzer</a:t>
+            </a:r>
           </a:p>
           <a:p>
             <a:endParaRPr lang="de-DE" sz="2800" dirty="0" smtClean="0"/>
@@ -13149,7 +13082,7 @@
           <a:p>
             <a:fld id="{5B1B101C-9555-4F01-AD01-B62233BDBA26}" type="datetime1">
               <a:rPr lang="de-DE" smtClean="0"/>
-              <a:t>09.12.2018</a:t>
+              <a:t>10.12.2018</a:t>
             </a:fld>
             <a:endParaRPr lang="de-DE"/>
           </a:p>
@@ -13378,7 +13311,7 @@
           <a:p>
             <a:fld id="{FE09F7CE-1480-43CB-A8A6-38D4245AAE45}" type="datetime1">
               <a:rPr lang="de-DE" smtClean="0"/>
-              <a:t>09.12.2018</a:t>
+              <a:t>10.12.2018</a:t>
             </a:fld>
             <a:endParaRPr lang="de-DE"/>
           </a:p>
